--- a/notes/UI_sistem.pptx
+++ b/notes/UI_sistem.pptx
@@ -5,28 +5,31 @@
     <p:sldMasterId id="2147483648" r:id="rId1"/>
   </p:sldMasterIdLst>
   <p:sldIdLst>
-    <p:sldId id="256" r:id="rId2"/>
-    <p:sldId id="257" r:id="rId3"/>
-    <p:sldId id="258" r:id="rId4"/>
-    <p:sldId id="259" r:id="rId5"/>
-    <p:sldId id="260" r:id="rId6"/>
-    <p:sldId id="261" r:id="rId7"/>
-    <p:sldId id="262" r:id="rId8"/>
-    <p:sldId id="263" r:id="rId9"/>
-    <p:sldId id="264" r:id="rId10"/>
-    <p:sldId id="266" r:id="rId11"/>
-    <p:sldId id="265" r:id="rId12"/>
-    <p:sldId id="267" r:id="rId13"/>
-    <p:sldId id="268" r:id="rId14"/>
-    <p:sldId id="269" r:id="rId15"/>
-    <p:sldId id="270" r:id="rId16"/>
-    <p:sldId id="271" r:id="rId17"/>
-    <p:sldId id="272" r:id="rId18"/>
-    <p:sldId id="273" r:id="rId19"/>
-    <p:sldId id="274" r:id="rId20"/>
-    <p:sldId id="275" r:id="rId21"/>
-    <p:sldId id="276" r:id="rId22"/>
-    <p:sldId id="277" r:id="rId23"/>
+    <p:sldId id="278" r:id="rId2"/>
+    <p:sldId id="256" r:id="rId3"/>
+    <p:sldId id="279" r:id="rId4"/>
+    <p:sldId id="257" r:id="rId5"/>
+    <p:sldId id="258" r:id="rId6"/>
+    <p:sldId id="280" r:id="rId7"/>
+    <p:sldId id="259" r:id="rId8"/>
+    <p:sldId id="260" r:id="rId9"/>
+    <p:sldId id="261" r:id="rId10"/>
+    <p:sldId id="262" r:id="rId11"/>
+    <p:sldId id="263" r:id="rId12"/>
+    <p:sldId id="264" r:id="rId13"/>
+    <p:sldId id="266" r:id="rId14"/>
+    <p:sldId id="265" r:id="rId15"/>
+    <p:sldId id="267" r:id="rId16"/>
+    <p:sldId id="268" r:id="rId17"/>
+    <p:sldId id="269" r:id="rId18"/>
+    <p:sldId id="270" r:id="rId19"/>
+    <p:sldId id="271" r:id="rId20"/>
+    <p:sldId id="272" r:id="rId21"/>
+    <p:sldId id="273" r:id="rId22"/>
+    <p:sldId id="274" r:id="rId23"/>
+    <p:sldId id="275" r:id="rId24"/>
+    <p:sldId id="276" r:id="rId25"/>
+    <p:sldId id="277" r:id="rId26"/>
   </p:sldIdLst>
   <p:sldSz cx="12192000" cy="6858000"/>
   <p:notesSz cx="9939338" cy="6807200"/>
@@ -128,7 +131,7 @@
   <p:extLst>
     <p:ext uri="{EFAFB233-063F-42B5-8137-9DF3F51BA10A}">
       <p15:sldGuideLst xmlns:p15="http://schemas.microsoft.com/office/powerpoint/2012/main">
-        <p15:guide id="1" orient="horz" pos="2160" userDrawn="1">
+        <p15:guide id="1" orient="horz" pos="2183" userDrawn="1">
           <p15:clr>
             <a:srgbClr val="A4A3A4"/>
           </p15:clr>
@@ -293,7 +296,7 @@
           <a:p>
             <a:fld id="{F9CAA67B-2C66-40B7-AFE2-752B8990435C}" type="datetimeFigureOut">
               <a:rPr lang="en-MY" smtClean="0"/>
-              <a:t>16/6/2022</a:t>
+              <a:t>20/6/2022</a:t>
             </a:fld>
             <a:endParaRPr lang="en-MY"/>
           </a:p>
@@ -493,7 +496,7 @@
           <a:p>
             <a:fld id="{F9CAA67B-2C66-40B7-AFE2-752B8990435C}" type="datetimeFigureOut">
               <a:rPr lang="en-MY" smtClean="0"/>
-              <a:t>16/6/2022</a:t>
+              <a:t>20/6/2022</a:t>
             </a:fld>
             <a:endParaRPr lang="en-MY"/>
           </a:p>
@@ -703,7 +706,7 @@
           <a:p>
             <a:fld id="{F9CAA67B-2C66-40B7-AFE2-752B8990435C}" type="datetimeFigureOut">
               <a:rPr lang="en-MY" smtClean="0"/>
-              <a:t>16/6/2022</a:t>
+              <a:t>20/6/2022</a:t>
             </a:fld>
             <a:endParaRPr lang="en-MY"/>
           </a:p>
@@ -903,7 +906,7 @@
           <a:p>
             <a:fld id="{F9CAA67B-2C66-40B7-AFE2-752B8990435C}" type="datetimeFigureOut">
               <a:rPr lang="en-MY" smtClean="0"/>
-              <a:t>16/6/2022</a:t>
+              <a:t>20/6/2022</a:t>
             </a:fld>
             <a:endParaRPr lang="en-MY"/>
           </a:p>
@@ -1179,7 +1182,7 @@
           <a:p>
             <a:fld id="{F9CAA67B-2C66-40B7-AFE2-752B8990435C}" type="datetimeFigureOut">
               <a:rPr lang="en-MY" smtClean="0"/>
-              <a:t>16/6/2022</a:t>
+              <a:t>20/6/2022</a:t>
             </a:fld>
             <a:endParaRPr lang="en-MY"/>
           </a:p>
@@ -1447,7 +1450,7 @@
           <a:p>
             <a:fld id="{F9CAA67B-2C66-40B7-AFE2-752B8990435C}" type="datetimeFigureOut">
               <a:rPr lang="en-MY" smtClean="0"/>
-              <a:t>16/6/2022</a:t>
+              <a:t>20/6/2022</a:t>
             </a:fld>
             <a:endParaRPr lang="en-MY"/>
           </a:p>
@@ -1862,7 +1865,7 @@
           <a:p>
             <a:fld id="{F9CAA67B-2C66-40B7-AFE2-752B8990435C}" type="datetimeFigureOut">
               <a:rPr lang="en-MY" smtClean="0"/>
-              <a:t>16/6/2022</a:t>
+              <a:t>20/6/2022</a:t>
             </a:fld>
             <a:endParaRPr lang="en-MY"/>
           </a:p>
@@ -2004,7 +2007,7 @@
           <a:p>
             <a:fld id="{F9CAA67B-2C66-40B7-AFE2-752B8990435C}" type="datetimeFigureOut">
               <a:rPr lang="en-MY" smtClean="0"/>
-              <a:t>16/6/2022</a:t>
+              <a:t>20/6/2022</a:t>
             </a:fld>
             <a:endParaRPr lang="en-MY"/>
           </a:p>
@@ -2117,7 +2120,7 @@
           <a:p>
             <a:fld id="{F9CAA67B-2C66-40B7-AFE2-752B8990435C}" type="datetimeFigureOut">
               <a:rPr lang="en-MY" smtClean="0"/>
-              <a:t>16/6/2022</a:t>
+              <a:t>20/6/2022</a:t>
             </a:fld>
             <a:endParaRPr lang="en-MY"/>
           </a:p>
@@ -2430,7 +2433,7 @@
           <a:p>
             <a:fld id="{F9CAA67B-2C66-40B7-AFE2-752B8990435C}" type="datetimeFigureOut">
               <a:rPr lang="en-MY" smtClean="0"/>
-              <a:t>16/6/2022</a:t>
+              <a:t>20/6/2022</a:t>
             </a:fld>
             <a:endParaRPr lang="en-MY"/>
           </a:p>
@@ -2719,7 +2722,7 @@
           <a:p>
             <a:fld id="{F9CAA67B-2C66-40B7-AFE2-752B8990435C}" type="datetimeFigureOut">
               <a:rPr lang="en-MY" smtClean="0"/>
-              <a:t>16/6/2022</a:t>
+              <a:t>20/6/2022</a:t>
             </a:fld>
             <a:endParaRPr lang="en-MY"/>
           </a:p>
@@ -2796,9 +2799,12 @@
 <p:sldMaster xmlns:a="http://schemas.openxmlformats.org/drawingml/2006/main" xmlns:r="http://schemas.openxmlformats.org/officeDocument/2006/relationships" xmlns:p="http://schemas.openxmlformats.org/presentationml/2006/main">
   <p:cSld>
     <p:bg>
-      <p:bgRef idx="1001">
-        <a:schemeClr val="bg1"/>
-      </p:bgRef>
+      <p:bgPr>
+        <a:solidFill>
+          <a:schemeClr val="accent1"/>
+        </a:solidFill>
+        <a:effectLst/>
+      </p:bgPr>
     </p:bg>
     <p:spTree>
       <p:nvGrpSpPr>
@@ -2962,7 +2968,7 @@
           <a:p>
             <a:fld id="{F9CAA67B-2C66-40B7-AFE2-752B8990435C}" type="datetimeFigureOut">
               <a:rPr lang="en-MY" smtClean="0"/>
-              <a:t>16/6/2022</a:t>
+              <a:t>20/6/2022</a:t>
             </a:fld>
             <a:endParaRPr lang="en-MY"/>
           </a:p>
@@ -3379,40 +3385,790 @@
           <a:chExt cx="0" cy="0"/>
         </a:xfrm>
       </p:grpSpPr>
-      <p:pic>
-        <p:nvPicPr>
-          <p:cNvPr id="4" name="Picture 3">
-            <a:extLst>
-              <a:ext uri="{FF2B5EF4-FFF2-40B4-BE49-F238E27FC236}">
-                <a16:creationId xmlns:a16="http://schemas.microsoft.com/office/drawing/2014/main" id="{18F40A5C-09BD-4C5E-AC5F-FEE7807C2263}"/>
-              </a:ext>
-            </a:extLst>
-          </p:cNvPr>
-          <p:cNvPicPr>
-            <a:picLocks noChangeAspect="1"/>
-          </p:cNvPicPr>
+      <p:sp>
+        <p:nvSpPr>
+          <p:cNvPr id="4" name="TextBox 3">
+            <a:extLst>
+              <a:ext uri="{FF2B5EF4-FFF2-40B4-BE49-F238E27FC236}">
+                <a16:creationId xmlns:a16="http://schemas.microsoft.com/office/drawing/2014/main" id="{BD1F431E-297D-4273-BAE6-DEAF78BAC019}"/>
+              </a:ext>
+            </a:extLst>
+          </p:cNvPr>
+          <p:cNvSpPr txBox="1"/>
           <p:nvPr/>
-        </p:nvPicPr>
-        <p:blipFill>
-          <a:blip r:embed="rId2"/>
-          <a:stretch>
-            <a:fillRect/>
-          </a:stretch>
-        </p:blipFill>
+        </p:nvSpPr>
         <p:spPr>
           <a:xfrm>
-            <a:off x="-1" y="-1"/>
-            <a:ext cx="12192001" cy="6858001"/>
+            <a:off x="247424" y="311970"/>
+            <a:ext cx="1653914" cy="1600438"/>
           </a:xfrm>
           <a:prstGeom prst="rect">
             <a:avLst/>
           </a:prstGeom>
+          <a:noFill/>
         </p:spPr>
-      </p:pic>
+        <p:txBody>
+          <a:bodyPr wrap="none" rtlCol="0">
+            <a:spAutoFit/>
+          </a:bodyPr>
+          <a:lstStyle/>
+          <a:p>
+            <a:r>
+              <a:rPr lang="en-US" sz="1400" dirty="0">
+                <a:solidFill>
+                  <a:schemeClr val="accent1">
+                    <a:lumMod val="20000"/>
+                    <a:lumOff val="80000"/>
+                  </a:schemeClr>
+                </a:solidFill>
+              </a:rPr>
+              <a:t>Nama </a:t>
+            </a:r>
+            <a:r>
+              <a:rPr lang="en-US" sz="1400" dirty="0" err="1">
+                <a:solidFill>
+                  <a:schemeClr val="accent1">
+                    <a:lumMod val="20000"/>
+                    <a:lumOff val="80000"/>
+                  </a:schemeClr>
+                </a:solidFill>
+              </a:rPr>
+              <a:t>Sistem</a:t>
+            </a:r>
+            <a:r>
+              <a:rPr lang="en-US" sz="1400" dirty="0">
+                <a:solidFill>
+                  <a:schemeClr val="accent1">
+                    <a:lumMod val="20000"/>
+                    <a:lumOff val="80000"/>
+                  </a:schemeClr>
+                </a:solidFill>
+              </a:rPr>
+              <a:t>: </a:t>
+            </a:r>
+            <a:r>
+              <a:rPr lang="en-US" sz="1400" dirty="0" err="1">
+                <a:solidFill>
+                  <a:schemeClr val="accent1">
+                    <a:lumMod val="20000"/>
+                    <a:lumOff val="80000"/>
+                  </a:schemeClr>
+                </a:solidFill>
+              </a:rPr>
+              <a:t>i</a:t>
+            </a:r>
+            <a:r>
+              <a:rPr lang="en-US" sz="1400" dirty="0">
+                <a:solidFill>
+                  <a:schemeClr val="accent1">
+                    <a:lumMod val="20000"/>
+                    <a:lumOff val="80000"/>
+                  </a:schemeClr>
+                </a:solidFill>
+              </a:rPr>
+              <a:t>-NOC</a:t>
+            </a:r>
+          </a:p>
+          <a:p>
+            <a:endParaRPr lang="en-US" sz="1400" dirty="0">
+              <a:solidFill>
+                <a:schemeClr val="accent1">
+                  <a:lumMod val="20000"/>
+                  <a:lumOff val="80000"/>
+                </a:schemeClr>
+              </a:solidFill>
+            </a:endParaRPr>
+          </a:p>
+          <a:p>
+            <a:r>
+              <a:rPr lang="en-US" sz="1400" dirty="0" err="1">
+                <a:solidFill>
+                  <a:schemeClr val="accent1">
+                    <a:lumMod val="20000"/>
+                    <a:lumOff val="80000"/>
+                  </a:schemeClr>
+                </a:solidFill>
+              </a:rPr>
+              <a:t>Peranan</a:t>
+            </a:r>
+            <a:r>
+              <a:rPr lang="en-US" sz="1400" dirty="0">
+                <a:solidFill>
+                  <a:schemeClr val="accent1">
+                    <a:lumMod val="20000"/>
+                    <a:lumOff val="80000"/>
+                  </a:schemeClr>
+                </a:solidFill>
+              </a:rPr>
+              <a:t>:</a:t>
+            </a:r>
+          </a:p>
+          <a:p>
+            <a:pPr marL="342900" indent="-342900">
+              <a:buAutoNum type="alphaLcParenR"/>
+            </a:pPr>
+            <a:r>
+              <a:rPr lang="en-US" sz="1400" dirty="0">
+                <a:solidFill>
+                  <a:schemeClr val="accent1">
+                    <a:lumMod val="20000"/>
+                    <a:lumOff val="80000"/>
+                  </a:schemeClr>
+                </a:solidFill>
+              </a:rPr>
+              <a:t>Admin</a:t>
+            </a:r>
+          </a:p>
+          <a:p>
+            <a:pPr marL="342900" indent="-342900">
+              <a:buAutoNum type="alphaLcParenR"/>
+            </a:pPr>
+            <a:r>
+              <a:rPr lang="en-US" sz="1400" dirty="0" err="1">
+                <a:solidFill>
+                  <a:schemeClr val="accent1">
+                    <a:lumMod val="20000"/>
+                    <a:lumOff val="80000"/>
+                  </a:schemeClr>
+                </a:solidFill>
+              </a:rPr>
+              <a:t>Bahagian</a:t>
+            </a:r>
+            <a:endParaRPr lang="en-US" sz="1400" dirty="0">
+              <a:solidFill>
+                <a:schemeClr val="accent1">
+                  <a:lumMod val="20000"/>
+                  <a:lumOff val="80000"/>
+                </a:schemeClr>
+              </a:solidFill>
+            </a:endParaRPr>
+          </a:p>
+          <a:p>
+            <a:pPr marL="342900" indent="-342900">
+              <a:buAutoNum type="alphaLcParenR"/>
+            </a:pPr>
+            <a:r>
+              <a:rPr lang="en-US" sz="1400" dirty="0" err="1">
+                <a:solidFill>
+                  <a:schemeClr val="accent1">
+                    <a:lumMod val="20000"/>
+                    <a:lumOff val="80000"/>
+                  </a:schemeClr>
+                </a:solidFill>
+              </a:rPr>
+              <a:t>Bajet</a:t>
+            </a:r>
+            <a:endParaRPr lang="en-US" sz="1400" dirty="0">
+              <a:solidFill>
+                <a:schemeClr val="accent1">
+                  <a:lumMod val="20000"/>
+                  <a:lumOff val="80000"/>
+                </a:schemeClr>
+              </a:solidFill>
+            </a:endParaRPr>
+          </a:p>
+          <a:p>
+            <a:pPr marL="342900" indent="-342900">
+              <a:buAutoNum type="alphaLcParenR"/>
+            </a:pPr>
+            <a:r>
+              <a:rPr lang="en-US" sz="1400" dirty="0">
+                <a:solidFill>
+                  <a:schemeClr val="accent1">
+                    <a:lumMod val="20000"/>
+                    <a:lumOff val="80000"/>
+                  </a:schemeClr>
+                </a:solidFill>
+              </a:rPr>
+              <a:t>Nilai</a:t>
+            </a:r>
+          </a:p>
+        </p:txBody>
+      </p:sp>
+      <p:sp>
+        <p:nvSpPr>
+          <p:cNvPr id="5" name="TextBox 4">
+            <a:extLst>
+              <a:ext uri="{FF2B5EF4-FFF2-40B4-BE49-F238E27FC236}">
+                <a16:creationId xmlns:a16="http://schemas.microsoft.com/office/drawing/2014/main" id="{B9851A6C-FCFB-487D-A427-17299CDB444A}"/>
+              </a:ext>
+            </a:extLst>
+          </p:cNvPr>
+          <p:cNvSpPr txBox="1"/>
+          <p:nvPr/>
+        </p:nvSpPr>
+        <p:spPr>
+          <a:xfrm>
+            <a:off x="2923588" y="311970"/>
+            <a:ext cx="4058125" cy="1600438"/>
+          </a:xfrm>
+          <a:prstGeom prst="rect">
+            <a:avLst/>
+          </a:prstGeom>
+          <a:noFill/>
+          <a:ln>
+            <a:solidFill>
+              <a:schemeClr val="accent1">
+                <a:lumMod val="60000"/>
+                <a:lumOff val="40000"/>
+              </a:schemeClr>
+            </a:solidFill>
+          </a:ln>
+        </p:spPr>
+        <p:txBody>
+          <a:bodyPr wrap="square" rtlCol="0">
+            <a:spAutoFit/>
+          </a:bodyPr>
+          <a:lstStyle/>
+          <a:p>
+            <a:r>
+              <a:rPr lang="en-US" sz="1400" u="sng" dirty="0">
+                <a:solidFill>
+                  <a:schemeClr val="accent1">
+                    <a:lumMod val="20000"/>
+                    <a:lumOff val="80000"/>
+                  </a:schemeClr>
+                </a:solidFill>
+              </a:rPr>
+              <a:t>Flow </a:t>
+            </a:r>
+            <a:r>
+              <a:rPr lang="en-US" sz="1400" u="sng" dirty="0" err="1">
+                <a:solidFill>
+                  <a:schemeClr val="accent1">
+                    <a:lumMod val="20000"/>
+                    <a:lumOff val="80000"/>
+                  </a:schemeClr>
+                </a:solidFill>
+              </a:rPr>
+              <a:t>Sistem</a:t>
+            </a:r>
+            <a:r>
+              <a:rPr lang="en-US" sz="1400" u="sng" dirty="0">
+                <a:solidFill>
+                  <a:schemeClr val="accent1">
+                    <a:lumMod val="20000"/>
+                    <a:lumOff val="80000"/>
+                  </a:schemeClr>
+                </a:solidFill>
+              </a:rPr>
+              <a:t>:</a:t>
+            </a:r>
+          </a:p>
+          <a:p>
+            <a:endParaRPr lang="en-US" sz="1400" dirty="0">
+              <a:solidFill>
+                <a:schemeClr val="accent1">
+                  <a:lumMod val="20000"/>
+                  <a:lumOff val="80000"/>
+                </a:schemeClr>
+              </a:solidFill>
+            </a:endParaRPr>
+          </a:p>
+          <a:p>
+            <a:pPr marL="342900" indent="-342900">
+              <a:buAutoNum type="arabicParenR"/>
+            </a:pPr>
+            <a:r>
+              <a:rPr lang="en-MY" sz="1400" dirty="0">
+                <a:solidFill>
+                  <a:schemeClr val="accent1">
+                    <a:lumMod val="20000"/>
+                    <a:lumOff val="80000"/>
+                  </a:schemeClr>
+                </a:solidFill>
+              </a:rPr>
+              <a:t>Key-in NOC</a:t>
+            </a:r>
+          </a:p>
+          <a:p>
+            <a:pPr marL="342900" indent="-342900">
+              <a:buAutoNum type="arabicParenR"/>
+            </a:pPr>
+            <a:r>
+              <a:rPr lang="en-US" sz="1400" dirty="0" err="1">
+                <a:solidFill>
+                  <a:schemeClr val="accent1">
+                    <a:lumMod val="20000"/>
+                    <a:lumOff val="80000"/>
+                  </a:schemeClr>
+                </a:solidFill>
+              </a:rPr>
+              <a:t>Semakan</a:t>
+            </a:r>
+            <a:r>
+              <a:rPr lang="en-US" sz="1400" dirty="0">
+                <a:solidFill>
+                  <a:schemeClr val="accent1">
+                    <a:lumMod val="20000"/>
+                    <a:lumOff val="80000"/>
+                  </a:schemeClr>
+                </a:solidFill>
+              </a:rPr>
+              <a:t> </a:t>
+            </a:r>
+            <a:r>
+              <a:rPr lang="en-US" sz="1400" dirty="0" err="1">
+                <a:solidFill>
+                  <a:schemeClr val="accent1">
+                    <a:lumMod val="20000"/>
+                    <a:lumOff val="80000"/>
+                  </a:schemeClr>
+                </a:solidFill>
+              </a:rPr>
+              <a:t>awal</a:t>
+            </a:r>
+            <a:r>
+              <a:rPr lang="en-US" sz="1400" dirty="0">
+                <a:solidFill>
+                  <a:schemeClr val="accent1">
+                    <a:lumMod val="20000"/>
+                    <a:lumOff val="80000"/>
+                  </a:schemeClr>
+                </a:solidFill>
+              </a:rPr>
+              <a:t> NOC</a:t>
+            </a:r>
+          </a:p>
+          <a:p>
+            <a:pPr marL="342900" indent="-342900">
+              <a:buAutoNum type="arabicParenR"/>
+            </a:pPr>
+            <a:r>
+              <a:rPr lang="en-US" sz="1400" dirty="0" err="1">
+                <a:solidFill>
+                  <a:schemeClr val="accent1">
+                    <a:lumMod val="20000"/>
+                    <a:lumOff val="80000"/>
+                  </a:schemeClr>
+                </a:solidFill>
+              </a:rPr>
+              <a:t>Mohon</a:t>
+            </a:r>
+            <a:r>
+              <a:rPr lang="en-US" sz="1400" dirty="0">
+                <a:solidFill>
+                  <a:schemeClr val="accent1">
+                    <a:lumMod val="20000"/>
+                    <a:lumOff val="80000"/>
+                  </a:schemeClr>
+                </a:solidFill>
+              </a:rPr>
+              <a:t> </a:t>
+            </a:r>
+            <a:r>
+              <a:rPr lang="en-US" sz="1400" dirty="0" err="1">
+                <a:solidFill>
+                  <a:schemeClr val="accent1">
+                    <a:lumMod val="20000"/>
+                    <a:lumOff val="80000"/>
+                  </a:schemeClr>
+                </a:solidFill>
+              </a:rPr>
+              <a:t>Ulasan</a:t>
+            </a:r>
+            <a:r>
+              <a:rPr lang="en-US" sz="1400" dirty="0">
+                <a:solidFill>
+                  <a:schemeClr val="accent1">
+                    <a:lumMod val="20000"/>
+                    <a:lumOff val="80000"/>
+                  </a:schemeClr>
+                </a:solidFill>
+              </a:rPr>
+              <a:t> kepada </a:t>
+            </a:r>
+            <a:r>
+              <a:rPr lang="en-US" sz="1400" dirty="0" err="1">
+                <a:solidFill>
+                  <a:schemeClr val="accent1">
+                    <a:lumMod val="20000"/>
+                    <a:lumOff val="80000"/>
+                  </a:schemeClr>
+                </a:solidFill>
+              </a:rPr>
+              <a:t>Bajet</a:t>
+            </a:r>
+            <a:r>
+              <a:rPr lang="en-US" sz="1400" dirty="0">
+                <a:solidFill>
+                  <a:schemeClr val="accent1">
+                    <a:lumMod val="20000"/>
+                    <a:lumOff val="80000"/>
+                  </a:schemeClr>
+                </a:solidFill>
+              </a:rPr>
+              <a:t>/Nilai</a:t>
+            </a:r>
+          </a:p>
+          <a:p>
+            <a:pPr marL="342900" indent="-342900">
+              <a:buAutoNum type="arabicParenR"/>
+            </a:pPr>
+            <a:r>
+              <a:rPr lang="en-US" sz="1400" dirty="0" err="1">
+                <a:solidFill>
+                  <a:schemeClr val="accent1">
+                    <a:lumMod val="20000"/>
+                    <a:lumOff val="80000"/>
+                  </a:schemeClr>
+                </a:solidFill>
+              </a:rPr>
+              <a:t>Semakan</a:t>
+            </a:r>
+            <a:r>
+              <a:rPr lang="en-US" sz="1400" dirty="0">
+                <a:solidFill>
+                  <a:schemeClr val="accent1">
+                    <a:lumMod val="20000"/>
+                    <a:lumOff val="80000"/>
+                  </a:schemeClr>
+                </a:solidFill>
+              </a:rPr>
+              <a:t> </a:t>
+            </a:r>
+            <a:r>
+              <a:rPr lang="en-US" sz="1400" dirty="0" err="1">
+                <a:solidFill>
+                  <a:schemeClr val="accent1">
+                    <a:lumMod val="20000"/>
+                    <a:lumOff val="80000"/>
+                  </a:schemeClr>
+                </a:solidFill>
+              </a:rPr>
+              <a:t>Permohonan</a:t>
+            </a:r>
+            <a:r>
+              <a:rPr lang="en-US" sz="1400" dirty="0">
+                <a:solidFill>
+                  <a:schemeClr val="accent1">
+                    <a:lumMod val="20000"/>
+                    <a:lumOff val="80000"/>
+                  </a:schemeClr>
+                </a:solidFill>
+              </a:rPr>
+              <a:t> oleh </a:t>
+            </a:r>
+            <a:r>
+              <a:rPr lang="en-US" sz="1400" dirty="0" err="1">
+                <a:solidFill>
+                  <a:schemeClr val="accent1">
+                    <a:lumMod val="20000"/>
+                    <a:lumOff val="80000"/>
+                  </a:schemeClr>
+                </a:solidFill>
+              </a:rPr>
+              <a:t>Bajet</a:t>
+            </a:r>
+            <a:r>
+              <a:rPr lang="en-US" sz="1400" dirty="0">
+                <a:solidFill>
+                  <a:schemeClr val="accent1">
+                    <a:lumMod val="20000"/>
+                    <a:lumOff val="80000"/>
+                  </a:schemeClr>
+                </a:solidFill>
+              </a:rPr>
+              <a:t>/Nilai</a:t>
+            </a:r>
+          </a:p>
+          <a:p>
+            <a:pPr marL="342900" indent="-342900">
+              <a:buAutoNum type="arabicParenR"/>
+            </a:pPr>
+            <a:endParaRPr lang="en-MY" sz="1400" dirty="0">
+              <a:solidFill>
+                <a:schemeClr val="accent1">
+                  <a:lumMod val="20000"/>
+                  <a:lumOff val="80000"/>
+                </a:schemeClr>
+              </a:solidFill>
+            </a:endParaRPr>
+          </a:p>
+        </p:txBody>
+      </p:sp>
+      <p:sp>
+        <p:nvSpPr>
+          <p:cNvPr id="6" name="TextBox 5">
+            <a:extLst>
+              <a:ext uri="{FF2B5EF4-FFF2-40B4-BE49-F238E27FC236}">
+                <a16:creationId xmlns:a16="http://schemas.microsoft.com/office/drawing/2014/main" id="{2F3741A9-0C51-45C7-9465-3B7B7C159E21}"/>
+              </a:ext>
+            </a:extLst>
+          </p:cNvPr>
+          <p:cNvSpPr txBox="1"/>
+          <p:nvPr/>
+        </p:nvSpPr>
+        <p:spPr>
+          <a:xfrm>
+            <a:off x="7390504" y="311970"/>
+            <a:ext cx="3851241" cy="1384995"/>
+          </a:xfrm>
+          <a:prstGeom prst="rect">
+            <a:avLst/>
+          </a:prstGeom>
+          <a:noFill/>
+          <a:ln>
+            <a:solidFill>
+              <a:schemeClr val="accent1">
+                <a:lumMod val="60000"/>
+                <a:lumOff val="40000"/>
+              </a:schemeClr>
+            </a:solidFill>
+          </a:ln>
+        </p:spPr>
+        <p:txBody>
+          <a:bodyPr wrap="square" rtlCol="0">
+            <a:spAutoFit/>
+          </a:bodyPr>
+          <a:lstStyle/>
+          <a:p>
+            <a:r>
+              <a:rPr lang="en-US" sz="1400" u="sng" dirty="0">
+                <a:solidFill>
+                  <a:schemeClr val="accent1">
+                    <a:lumMod val="20000"/>
+                    <a:lumOff val="80000"/>
+                  </a:schemeClr>
+                </a:solidFill>
+              </a:rPr>
+              <a:t>Status NOC:</a:t>
+            </a:r>
+          </a:p>
+          <a:p>
+            <a:endParaRPr lang="en-US" sz="1400" dirty="0">
+              <a:solidFill>
+                <a:schemeClr val="accent1">
+                  <a:lumMod val="20000"/>
+                  <a:lumOff val="80000"/>
+                </a:schemeClr>
+              </a:solidFill>
+            </a:endParaRPr>
+          </a:p>
+          <a:p>
+            <a:pPr marL="342900" indent="-342900">
+              <a:buAutoNum type="arabicParenR"/>
+            </a:pPr>
+            <a:r>
+              <a:rPr lang="en-US" sz="1400" dirty="0">
+                <a:solidFill>
+                  <a:schemeClr val="accent1">
+                    <a:lumMod val="20000"/>
+                    <a:lumOff val="80000"/>
+                  </a:schemeClr>
+                </a:solidFill>
+              </a:rPr>
+              <a:t>-</a:t>
+            </a:r>
+          </a:p>
+          <a:p>
+            <a:pPr marL="342900" indent="-342900">
+              <a:buAutoNum type="arabicParenR"/>
+            </a:pPr>
+            <a:r>
+              <a:rPr lang="en-US" sz="1400" dirty="0">
+                <a:solidFill>
+                  <a:schemeClr val="accent1">
+                    <a:lumMod val="20000"/>
+                    <a:lumOff val="80000"/>
+                  </a:schemeClr>
+                </a:solidFill>
+              </a:rPr>
+              <a:t>NOC Baharu</a:t>
+            </a:r>
+          </a:p>
+          <a:p>
+            <a:pPr marL="342900" indent="-342900">
+              <a:buAutoNum type="arabicParenR"/>
+            </a:pPr>
+            <a:r>
+              <a:rPr lang="en-US" sz="1400" dirty="0" err="1">
+                <a:solidFill>
+                  <a:schemeClr val="accent1">
+                    <a:lumMod val="20000"/>
+                    <a:lumOff val="80000"/>
+                  </a:schemeClr>
+                </a:solidFill>
+              </a:rPr>
+              <a:t>Mohon</a:t>
+            </a:r>
+            <a:r>
+              <a:rPr lang="en-US" sz="1400" dirty="0">
+                <a:solidFill>
+                  <a:schemeClr val="accent1">
+                    <a:lumMod val="20000"/>
+                    <a:lumOff val="80000"/>
+                  </a:schemeClr>
+                </a:solidFill>
+              </a:rPr>
+              <a:t> </a:t>
+            </a:r>
+            <a:r>
+              <a:rPr lang="en-US" sz="1400" dirty="0" err="1">
+                <a:solidFill>
+                  <a:schemeClr val="accent1">
+                    <a:lumMod val="20000"/>
+                    <a:lumOff val="80000"/>
+                  </a:schemeClr>
+                </a:solidFill>
+              </a:rPr>
+              <a:t>Ulasan</a:t>
+            </a:r>
+            <a:endParaRPr lang="en-US" sz="1400" dirty="0">
+              <a:solidFill>
+                <a:schemeClr val="accent1">
+                  <a:lumMod val="20000"/>
+                  <a:lumOff val="80000"/>
+                </a:schemeClr>
+              </a:solidFill>
+            </a:endParaRPr>
+          </a:p>
+          <a:p>
+            <a:pPr marL="342900" indent="-342900">
+              <a:buAutoNum type="arabicParenR"/>
+            </a:pPr>
+            <a:r>
+              <a:rPr lang="en-US" sz="1400" dirty="0" err="1">
+                <a:solidFill>
+                  <a:schemeClr val="accent1">
+                    <a:lumMod val="20000"/>
+                    <a:lumOff val="80000"/>
+                  </a:schemeClr>
+                </a:solidFill>
+              </a:rPr>
+              <a:t>Semakan</a:t>
+            </a:r>
+            <a:r>
+              <a:rPr lang="en-US" sz="1400" dirty="0">
+                <a:solidFill>
+                  <a:schemeClr val="accent1">
+                    <a:lumMod val="20000"/>
+                    <a:lumOff val="80000"/>
+                  </a:schemeClr>
+                </a:solidFill>
+              </a:rPr>
+              <a:t> </a:t>
+            </a:r>
+            <a:r>
+              <a:rPr lang="en-US" sz="1400" dirty="0" err="1">
+                <a:solidFill>
+                  <a:schemeClr val="accent1">
+                    <a:lumMod val="20000"/>
+                    <a:lumOff val="80000"/>
+                  </a:schemeClr>
+                </a:solidFill>
+              </a:rPr>
+              <a:t>Permohonan</a:t>
+            </a:r>
+            <a:endParaRPr lang="en-MY" sz="1400" dirty="0">
+              <a:solidFill>
+                <a:schemeClr val="accent1">
+                  <a:lumMod val="20000"/>
+                  <a:lumOff val="80000"/>
+                </a:schemeClr>
+              </a:solidFill>
+            </a:endParaRPr>
+          </a:p>
+        </p:txBody>
+      </p:sp>
+      <p:cxnSp>
+        <p:nvCxnSpPr>
+          <p:cNvPr id="8" name="Straight Arrow Connector 7">
+            <a:extLst>
+              <a:ext uri="{FF2B5EF4-FFF2-40B4-BE49-F238E27FC236}">
+                <a16:creationId xmlns:a16="http://schemas.microsoft.com/office/drawing/2014/main" id="{AD6812E6-116D-4D72-8245-FB3EAD044647}"/>
+              </a:ext>
+            </a:extLst>
+          </p:cNvPr>
+          <p:cNvCxnSpPr>
+            <a:cxnSpLocks/>
+          </p:cNvCxnSpPr>
+          <p:nvPr/>
+        </p:nvCxnSpPr>
+        <p:spPr>
+          <a:xfrm>
+            <a:off x="6295012" y="1112189"/>
+            <a:ext cx="1030944" cy="0"/>
+          </a:xfrm>
+          <a:prstGeom prst="straightConnector1">
+            <a:avLst/>
+          </a:prstGeom>
+          <a:ln>
+            <a:solidFill>
+              <a:schemeClr val="accent2">
+                <a:lumMod val="20000"/>
+                <a:lumOff val="80000"/>
+              </a:schemeClr>
+            </a:solidFill>
+            <a:tailEnd type="triangle"/>
+          </a:ln>
+        </p:spPr>
+        <p:style>
+          <a:lnRef idx="1">
+            <a:schemeClr val="accent1"/>
+          </a:lnRef>
+          <a:fillRef idx="0">
+            <a:schemeClr val="accent1"/>
+          </a:fillRef>
+          <a:effectRef idx="0">
+            <a:schemeClr val="accent1"/>
+          </a:effectRef>
+          <a:fontRef idx="minor">
+            <a:schemeClr val="tx1"/>
+          </a:fontRef>
+        </p:style>
+      </p:cxnSp>
+      <p:cxnSp>
+        <p:nvCxnSpPr>
+          <p:cNvPr id="14" name="Straight Arrow Connector 13">
+            <a:extLst>
+              <a:ext uri="{FF2B5EF4-FFF2-40B4-BE49-F238E27FC236}">
+                <a16:creationId xmlns:a16="http://schemas.microsoft.com/office/drawing/2014/main" id="{E3643D9D-4F28-4EE4-9267-57FBE2C4528B}"/>
+              </a:ext>
+            </a:extLst>
+          </p:cNvPr>
+          <p:cNvCxnSpPr>
+            <a:cxnSpLocks/>
+          </p:cNvCxnSpPr>
+          <p:nvPr/>
+        </p:nvCxnSpPr>
+        <p:spPr>
+          <a:xfrm>
+            <a:off x="6295012" y="1286105"/>
+            <a:ext cx="1030944" cy="0"/>
+          </a:xfrm>
+          <a:prstGeom prst="straightConnector1">
+            <a:avLst/>
+          </a:prstGeom>
+          <a:ln>
+            <a:solidFill>
+              <a:schemeClr val="accent2">
+                <a:lumMod val="20000"/>
+                <a:lumOff val="80000"/>
+              </a:schemeClr>
+            </a:solidFill>
+            <a:tailEnd type="triangle"/>
+          </a:ln>
+        </p:spPr>
+        <p:style>
+          <a:lnRef idx="1">
+            <a:schemeClr val="accent1"/>
+          </a:lnRef>
+          <a:fillRef idx="0">
+            <a:schemeClr val="accent1"/>
+          </a:fillRef>
+          <a:effectRef idx="0">
+            <a:schemeClr val="accent1"/>
+          </a:effectRef>
+          <a:fontRef idx="minor">
+            <a:schemeClr val="tx1"/>
+          </a:fontRef>
+        </p:style>
+      </p:cxnSp>
     </p:spTree>
     <p:extLst>
       <p:ext uri="{BB962C8B-B14F-4D97-AF65-F5344CB8AC3E}">
-        <p14:creationId xmlns:p14="http://schemas.microsoft.com/office/powerpoint/2010/main" val="97354817"/>
+        <p14:creationId xmlns:p14="http://schemas.microsoft.com/office/powerpoint/2010/main" val="3228201088"/>
       </p:ext>
     </p:extLst>
   </p:cSld>
@@ -3444,7 +4200,7 @@
           <p:cNvPr id="4" name="Picture 3">
             <a:extLst>
               <a:ext uri="{FF2B5EF4-FFF2-40B4-BE49-F238E27FC236}">
-                <a16:creationId xmlns:a16="http://schemas.microsoft.com/office/drawing/2014/main" id="{EC9125E0-D33F-43F6-89A5-FDC0F8A3B3C6}"/>
+                <a16:creationId xmlns:a16="http://schemas.microsoft.com/office/drawing/2014/main" id="{E1D68C4C-9036-40C0-BC89-8245206164B2}"/>
               </a:ext>
             </a:extLst>
           </p:cNvPr>
@@ -3461,18 +4217,118 @@
         </p:blipFill>
         <p:spPr>
           <a:xfrm>
-            <a:off x="0" y="0"/>
-            <a:ext cx="12192000" cy="6857999"/>
+            <a:off x="0" y="369332"/>
+            <a:ext cx="12192000" cy="6214348"/>
           </a:xfrm>
           <a:prstGeom prst="rect">
             <a:avLst/>
           </a:prstGeom>
         </p:spPr>
       </p:pic>
+      <p:sp>
+        <p:nvSpPr>
+          <p:cNvPr id="3" name="TextBox 2">
+            <a:extLst>
+              <a:ext uri="{FF2B5EF4-FFF2-40B4-BE49-F238E27FC236}">
+                <a16:creationId xmlns:a16="http://schemas.microsoft.com/office/drawing/2014/main" id="{7E6AB685-DED8-4A4F-ADA9-CDDFB353C3A6}"/>
+              </a:ext>
+            </a:extLst>
+          </p:cNvPr>
+          <p:cNvSpPr txBox="1"/>
+          <p:nvPr/>
+        </p:nvSpPr>
+        <p:spPr>
+          <a:xfrm>
+            <a:off x="0" y="0"/>
+            <a:ext cx="7239786" cy="369332"/>
+          </a:xfrm>
+          <a:prstGeom prst="rect">
+            <a:avLst/>
+          </a:prstGeom>
+          <a:solidFill>
+            <a:schemeClr val="tx1">
+              <a:lumMod val="50000"/>
+              <a:lumOff val="50000"/>
+            </a:schemeClr>
+          </a:solidFill>
+          <a:ln>
+            <a:noFill/>
+          </a:ln>
+        </p:spPr>
+        <p:txBody>
+          <a:bodyPr wrap="square" rtlCol="0">
+            <a:spAutoFit/>
+          </a:bodyPr>
+          <a:lstStyle/>
+          <a:p>
+            <a:r>
+              <a:rPr lang="en-US" dirty="0">
+                <a:solidFill>
+                  <a:schemeClr val="bg1"/>
+                </a:solidFill>
+              </a:rPr>
+              <a:t>Page: NOC info =&gt; (</a:t>
+            </a:r>
+            <a:r>
+              <a:rPr lang="en-US" dirty="0" err="1">
+                <a:solidFill>
+                  <a:schemeClr val="bg1"/>
+                </a:solidFill>
+              </a:rPr>
+              <a:t>Memasukkan</a:t>
+            </a:r>
+            <a:r>
+              <a:rPr lang="en-US" dirty="0">
+                <a:solidFill>
+                  <a:schemeClr val="bg1"/>
+                </a:solidFill>
+              </a:rPr>
+              <a:t> Tarikh </a:t>
+            </a:r>
+            <a:r>
+              <a:rPr lang="en-US" dirty="0" err="1">
+                <a:solidFill>
+                  <a:schemeClr val="bg1"/>
+                </a:solidFill>
+              </a:rPr>
+              <a:t>Semakan</a:t>
+            </a:r>
+            <a:r>
+              <a:rPr lang="en-US" dirty="0">
+                <a:solidFill>
+                  <a:schemeClr val="bg1"/>
+                </a:solidFill>
+              </a:rPr>
+              <a:t> oleh </a:t>
+            </a:r>
+            <a:r>
+              <a:rPr lang="en-US" dirty="0" err="1">
+                <a:solidFill>
+                  <a:schemeClr val="bg1"/>
+                </a:solidFill>
+              </a:rPr>
+              <a:t>Bajet</a:t>
+            </a:r>
+            <a:r>
+              <a:rPr lang="en-US" dirty="0">
+                <a:solidFill>
+                  <a:schemeClr val="bg1"/>
+                </a:solidFill>
+              </a:rPr>
+              <a:t>/Nilai)</a:t>
+            </a:r>
+            <a:endParaRPr lang="en-MY" dirty="0">
+              <a:solidFill>
+                <a:schemeClr val="bg1"/>
+              </a:solidFill>
+            </a:endParaRPr>
+          </a:p>
+        </p:txBody>
+      </p:sp>
     </p:spTree>
     <p:extLst>
       <p:ext uri="{BB962C8B-B14F-4D97-AF65-F5344CB8AC3E}">
-        <p14:creationId xmlns:p14="http://schemas.microsoft.com/office/powerpoint/2010/main" val="987769342"/>
+        <p14:creationId xmlns:p14="http://schemas.microsoft.com/office/powerpoint/2010/main" val="3185754305"/>
       </p:ext>
     </p:extLst>
   </p:cSld>
@@ -3504,7 +4360,7 @@
           <p:cNvPr id="4" name="Picture 3">
             <a:extLst>
               <a:ext uri="{FF2B5EF4-FFF2-40B4-BE49-F238E27FC236}">
-                <a16:creationId xmlns:a16="http://schemas.microsoft.com/office/drawing/2014/main" id="{768ED3B9-3839-46FB-A11C-EB91BE6D94A3}"/>
+                <a16:creationId xmlns:a16="http://schemas.microsoft.com/office/drawing/2014/main" id="{79624E8B-E4F3-4114-8416-E7D789E1344F}"/>
               </a:ext>
             </a:extLst>
           </p:cNvPr>
@@ -3521,18 +4377,150 @@
         </p:blipFill>
         <p:spPr>
           <a:xfrm>
-            <a:off x="0" y="0"/>
-            <a:ext cx="12192000" cy="6858000"/>
+            <a:off x="0" y="369332"/>
+            <a:ext cx="12192000" cy="6214348"/>
           </a:xfrm>
           <a:prstGeom prst="rect">
             <a:avLst/>
           </a:prstGeom>
         </p:spPr>
       </p:pic>
+      <p:sp>
+        <p:nvSpPr>
+          <p:cNvPr id="3" name="TextBox 2">
+            <a:extLst>
+              <a:ext uri="{FF2B5EF4-FFF2-40B4-BE49-F238E27FC236}">
+                <a16:creationId xmlns:a16="http://schemas.microsoft.com/office/drawing/2014/main" id="{5A453EBF-C677-4FAC-975D-1C1AE0F5F12E}"/>
+              </a:ext>
+            </a:extLst>
+          </p:cNvPr>
+          <p:cNvSpPr txBox="1"/>
+          <p:nvPr/>
+        </p:nvSpPr>
+        <p:spPr>
+          <a:xfrm>
+            <a:off x="-1" y="0"/>
+            <a:ext cx="7258639" cy="369332"/>
+          </a:xfrm>
+          <a:prstGeom prst="rect">
+            <a:avLst/>
+          </a:prstGeom>
+          <a:solidFill>
+            <a:schemeClr val="tx1">
+              <a:lumMod val="50000"/>
+              <a:lumOff val="50000"/>
+            </a:schemeClr>
+          </a:solidFill>
+          <a:ln>
+            <a:noFill/>
+          </a:ln>
+        </p:spPr>
+        <p:txBody>
+          <a:bodyPr wrap="square" rtlCol="0">
+            <a:spAutoFit/>
+          </a:bodyPr>
+          <a:lstStyle/>
+          <a:p>
+            <a:r>
+              <a:rPr lang="en-US" dirty="0">
+                <a:solidFill>
+                  <a:schemeClr val="bg1"/>
+                </a:solidFill>
+              </a:rPr>
+              <a:t>Page: NOC info =&gt; (NOC </a:t>
+            </a:r>
+            <a:r>
+              <a:rPr lang="en-US" dirty="0" err="1">
+                <a:solidFill>
+                  <a:schemeClr val="bg1"/>
+                </a:solidFill>
+              </a:rPr>
+              <a:t>mohon</a:t>
+            </a:r>
+            <a:r>
+              <a:rPr lang="en-US" dirty="0">
+                <a:solidFill>
+                  <a:schemeClr val="bg1"/>
+                </a:solidFill>
+              </a:rPr>
+              <a:t> </a:t>
+            </a:r>
+            <a:r>
+              <a:rPr lang="en-US" dirty="0" err="1">
+                <a:solidFill>
+                  <a:schemeClr val="bg1"/>
+                </a:solidFill>
+              </a:rPr>
+              <a:t>ulasan</a:t>
+            </a:r>
+            <a:r>
+              <a:rPr lang="en-US" dirty="0">
+                <a:solidFill>
+                  <a:schemeClr val="bg1"/>
+                </a:solidFill>
+              </a:rPr>
+              <a:t> untuk </a:t>
+            </a:r>
+            <a:r>
+              <a:rPr lang="en-US" dirty="0" err="1">
+                <a:solidFill>
+                  <a:schemeClr val="bg1"/>
+                </a:solidFill>
+              </a:rPr>
+              <a:t>tindakan</a:t>
+            </a:r>
+            <a:r>
+              <a:rPr lang="en-US" dirty="0">
+                <a:solidFill>
+                  <a:schemeClr val="bg1"/>
+                </a:solidFill>
+              </a:rPr>
+              <a:t> </a:t>
+            </a:r>
+            <a:r>
+              <a:rPr lang="en-US" dirty="0" err="1">
+                <a:solidFill>
+                  <a:schemeClr val="bg1"/>
+                </a:solidFill>
+              </a:rPr>
+              <a:t>ulasan</a:t>
+            </a:r>
+            <a:r>
+              <a:rPr lang="en-US" dirty="0">
+                <a:solidFill>
+                  <a:schemeClr val="bg1"/>
+                </a:solidFill>
+              </a:rPr>
+              <a:t> </a:t>
+            </a:r>
+            <a:r>
+              <a:rPr lang="en-US" dirty="0" err="1">
+                <a:solidFill>
+                  <a:schemeClr val="bg1"/>
+                </a:solidFill>
+              </a:rPr>
+              <a:t>Bajet</a:t>
+            </a:r>
+            <a:r>
+              <a:rPr lang="en-US" dirty="0">
+                <a:solidFill>
+                  <a:schemeClr val="bg1"/>
+                </a:solidFill>
+              </a:rPr>
+              <a:t>/Nilai)</a:t>
+            </a:r>
+            <a:endParaRPr lang="en-MY" dirty="0">
+              <a:solidFill>
+                <a:schemeClr val="bg1"/>
+              </a:solidFill>
+            </a:endParaRPr>
+          </a:p>
+        </p:txBody>
+      </p:sp>
     </p:spTree>
     <p:extLst>
       <p:ext uri="{BB962C8B-B14F-4D97-AF65-F5344CB8AC3E}">
-        <p14:creationId xmlns:p14="http://schemas.microsoft.com/office/powerpoint/2010/main" val="2444220980"/>
+        <p14:creationId xmlns:p14="http://schemas.microsoft.com/office/powerpoint/2010/main" val="1828341233"/>
       </p:ext>
     </p:extLst>
   </p:cSld>
@@ -3564,7 +4552,7 @@
           <p:cNvPr id="4" name="Picture 3">
             <a:extLst>
               <a:ext uri="{FF2B5EF4-FFF2-40B4-BE49-F238E27FC236}">
-                <a16:creationId xmlns:a16="http://schemas.microsoft.com/office/drawing/2014/main" id="{0244E15C-5A6B-4A8D-BF6D-F158957AF8B7}"/>
+                <a16:creationId xmlns:a16="http://schemas.microsoft.com/office/drawing/2014/main" id="{8641558B-889C-4266-9E53-B4D1778823EB}"/>
               </a:ext>
             </a:extLst>
           </p:cNvPr>
@@ -3581,18 +4569,134 @@
         </p:blipFill>
         <p:spPr>
           <a:xfrm>
-            <a:off x="0" y="0"/>
-            <a:ext cx="12192000" cy="6858000"/>
+            <a:off x="0" y="369333"/>
+            <a:ext cx="12192000" cy="6202918"/>
           </a:xfrm>
           <a:prstGeom prst="rect">
             <a:avLst/>
           </a:prstGeom>
         </p:spPr>
       </p:pic>
+      <p:sp>
+        <p:nvSpPr>
+          <p:cNvPr id="3" name="TextBox 2">
+            <a:extLst>
+              <a:ext uri="{FF2B5EF4-FFF2-40B4-BE49-F238E27FC236}">
+                <a16:creationId xmlns:a16="http://schemas.microsoft.com/office/drawing/2014/main" id="{2BD16153-3115-4D10-869F-B90982CBB22C}"/>
+              </a:ext>
+            </a:extLst>
+          </p:cNvPr>
+          <p:cNvSpPr txBox="1"/>
+          <p:nvPr/>
+        </p:nvSpPr>
+        <p:spPr>
+          <a:xfrm>
+            <a:off x="-1" y="0"/>
+            <a:ext cx="6862714" cy="369332"/>
+          </a:xfrm>
+          <a:prstGeom prst="rect">
+            <a:avLst/>
+          </a:prstGeom>
+          <a:solidFill>
+            <a:schemeClr val="tx1">
+              <a:lumMod val="50000"/>
+              <a:lumOff val="50000"/>
+            </a:schemeClr>
+          </a:solidFill>
+          <a:ln>
+            <a:noFill/>
+          </a:ln>
+        </p:spPr>
+        <p:txBody>
+          <a:bodyPr wrap="square" rtlCol="0">
+            <a:spAutoFit/>
+          </a:bodyPr>
+          <a:lstStyle/>
+          <a:p>
+            <a:r>
+              <a:rPr lang="en-US" dirty="0">
+                <a:solidFill>
+                  <a:schemeClr val="bg1"/>
+                </a:solidFill>
+              </a:rPr>
+              <a:t>Page: NOC info =&gt; (</a:t>
+            </a:r>
+            <a:r>
+              <a:rPr lang="en-US" dirty="0" err="1">
+                <a:solidFill>
+                  <a:schemeClr val="bg1"/>
+                </a:solidFill>
+              </a:rPr>
+              <a:t>Memasukkan</a:t>
+            </a:r>
+            <a:r>
+              <a:rPr lang="en-US" dirty="0">
+                <a:solidFill>
+                  <a:schemeClr val="bg1"/>
+                </a:solidFill>
+              </a:rPr>
+              <a:t> Tarikh </a:t>
+            </a:r>
+            <a:r>
+              <a:rPr lang="en-US" dirty="0" err="1">
+                <a:solidFill>
+                  <a:schemeClr val="bg1"/>
+                </a:solidFill>
+              </a:rPr>
+              <a:t>Mula</a:t>
+            </a:r>
+            <a:r>
+              <a:rPr lang="en-US" dirty="0">
+                <a:solidFill>
+                  <a:schemeClr val="bg1"/>
+                </a:solidFill>
+              </a:rPr>
+              <a:t> </a:t>
+            </a:r>
+            <a:r>
+              <a:rPr lang="en-US" dirty="0" err="1">
+                <a:solidFill>
+                  <a:schemeClr val="bg1"/>
+                </a:solidFill>
+              </a:rPr>
+              <a:t>Semakan</a:t>
+            </a:r>
+            <a:r>
+              <a:rPr lang="en-US" dirty="0">
+                <a:solidFill>
+                  <a:schemeClr val="bg1"/>
+                </a:solidFill>
+              </a:rPr>
+              <a:t> oleh </a:t>
+            </a:r>
+            <a:r>
+              <a:rPr lang="en-US" dirty="0" err="1">
+                <a:solidFill>
+                  <a:schemeClr val="bg1"/>
+                </a:solidFill>
+              </a:rPr>
+              <a:t>Bajet</a:t>
+            </a:r>
+            <a:r>
+              <a:rPr lang="en-US" dirty="0">
+                <a:solidFill>
+                  <a:schemeClr val="bg1"/>
+                </a:solidFill>
+              </a:rPr>
+              <a:t>/Nilai)</a:t>
+            </a:r>
+            <a:endParaRPr lang="en-MY" dirty="0">
+              <a:solidFill>
+                <a:schemeClr val="bg1"/>
+              </a:solidFill>
+            </a:endParaRPr>
+          </a:p>
+        </p:txBody>
+      </p:sp>
     </p:spTree>
     <p:extLst>
       <p:ext uri="{BB962C8B-B14F-4D97-AF65-F5344CB8AC3E}">
-        <p14:creationId xmlns:p14="http://schemas.microsoft.com/office/powerpoint/2010/main" val="3345081695"/>
+        <p14:creationId xmlns:p14="http://schemas.microsoft.com/office/powerpoint/2010/main" val="1589061947"/>
       </p:ext>
     </p:extLst>
   </p:cSld>
@@ -3624,7 +4728,7 @@
           <p:cNvPr id="4" name="Picture 3">
             <a:extLst>
               <a:ext uri="{FF2B5EF4-FFF2-40B4-BE49-F238E27FC236}">
-                <a16:creationId xmlns:a16="http://schemas.microsoft.com/office/drawing/2014/main" id="{5F5E8C98-B4BE-4D1D-9281-2D7837A90FE5}"/>
+                <a16:creationId xmlns:a16="http://schemas.microsoft.com/office/drawing/2014/main" id="{EC9125E0-D33F-43F6-89A5-FDC0F8A3B3C6}"/>
               </a:ext>
             </a:extLst>
           </p:cNvPr>
@@ -3641,18 +4745,182 @@
         </p:blipFill>
         <p:spPr>
           <a:xfrm>
-            <a:off x="0" y="0"/>
-            <a:ext cx="12192000" cy="6858000"/>
+            <a:off x="0" y="369333"/>
+            <a:ext cx="12192000" cy="6237208"/>
           </a:xfrm>
           <a:prstGeom prst="rect">
             <a:avLst/>
           </a:prstGeom>
         </p:spPr>
       </p:pic>
+      <p:sp>
+        <p:nvSpPr>
+          <p:cNvPr id="3" name="TextBox 2">
+            <a:extLst>
+              <a:ext uri="{FF2B5EF4-FFF2-40B4-BE49-F238E27FC236}">
+                <a16:creationId xmlns:a16="http://schemas.microsoft.com/office/drawing/2014/main" id="{D04B047F-8143-465A-A366-BE034C48200E}"/>
+              </a:ext>
+            </a:extLst>
+          </p:cNvPr>
+          <p:cNvSpPr txBox="1"/>
+          <p:nvPr/>
+        </p:nvSpPr>
+        <p:spPr>
+          <a:xfrm>
+            <a:off x="-1" y="0"/>
+            <a:ext cx="8993171" cy="369332"/>
+          </a:xfrm>
+          <a:prstGeom prst="rect">
+            <a:avLst/>
+          </a:prstGeom>
+          <a:solidFill>
+            <a:schemeClr val="tx1">
+              <a:lumMod val="50000"/>
+              <a:lumOff val="50000"/>
+            </a:schemeClr>
+          </a:solidFill>
+          <a:ln>
+            <a:noFill/>
+          </a:ln>
+        </p:spPr>
+        <p:txBody>
+          <a:bodyPr wrap="square" rtlCol="0">
+            <a:spAutoFit/>
+          </a:bodyPr>
+          <a:lstStyle/>
+          <a:p>
+            <a:r>
+              <a:rPr lang="en-US" dirty="0">
+                <a:solidFill>
+                  <a:schemeClr val="bg1"/>
+                </a:solidFill>
+              </a:rPr>
+              <a:t>Page: NOC info =&gt; (NOC </a:t>
+            </a:r>
+            <a:r>
+              <a:rPr lang="en-US" dirty="0" err="1">
+                <a:solidFill>
+                  <a:schemeClr val="bg1"/>
+                </a:solidFill>
+              </a:rPr>
+              <a:t>sedang</a:t>
+            </a:r>
+            <a:r>
+              <a:rPr lang="en-US" dirty="0">
+                <a:solidFill>
+                  <a:schemeClr val="bg1"/>
+                </a:solidFill>
+              </a:rPr>
+              <a:t> </a:t>
+            </a:r>
+            <a:r>
+              <a:rPr lang="en-US" dirty="0" err="1">
+                <a:solidFill>
+                  <a:schemeClr val="bg1"/>
+                </a:solidFill>
+              </a:rPr>
+              <a:t>disediakan</a:t>
+            </a:r>
+            <a:r>
+              <a:rPr lang="en-US" dirty="0">
+                <a:solidFill>
+                  <a:schemeClr val="bg1"/>
+                </a:solidFill>
+              </a:rPr>
+              <a:t> </a:t>
+            </a:r>
+            <a:r>
+              <a:rPr lang="en-US" dirty="0" err="1">
+                <a:solidFill>
+                  <a:schemeClr val="bg1"/>
+                </a:solidFill>
+              </a:rPr>
+              <a:t>ulasan</a:t>
+            </a:r>
+            <a:r>
+              <a:rPr lang="en-US" dirty="0">
+                <a:solidFill>
+                  <a:schemeClr val="bg1"/>
+                </a:solidFill>
+              </a:rPr>
+              <a:t> dan </a:t>
+            </a:r>
+            <a:r>
+              <a:rPr lang="en-US" dirty="0" err="1">
+                <a:solidFill>
+                  <a:schemeClr val="bg1"/>
+                </a:solidFill>
+              </a:rPr>
+              <a:t>tindakan</a:t>
+            </a:r>
+            <a:r>
+              <a:rPr lang="en-US" dirty="0">
+                <a:solidFill>
+                  <a:schemeClr val="bg1"/>
+                </a:solidFill>
+              </a:rPr>
+              <a:t> </a:t>
+            </a:r>
+            <a:r>
+              <a:rPr lang="en-US" dirty="0" err="1">
+                <a:solidFill>
+                  <a:schemeClr val="bg1"/>
+                </a:solidFill>
+              </a:rPr>
+              <a:t>hantar</a:t>
+            </a:r>
+            <a:r>
+              <a:rPr lang="en-US" dirty="0">
+                <a:solidFill>
+                  <a:schemeClr val="bg1"/>
+                </a:solidFill>
+              </a:rPr>
+              <a:t> </a:t>
+            </a:r>
+            <a:r>
+              <a:rPr lang="en-US" dirty="0" err="1">
+                <a:solidFill>
+                  <a:schemeClr val="bg1"/>
+                </a:solidFill>
+              </a:rPr>
+              <a:t>ulasan</a:t>
+            </a:r>
+            <a:r>
+              <a:rPr lang="en-US" dirty="0">
+                <a:solidFill>
+                  <a:schemeClr val="bg1"/>
+                </a:solidFill>
+              </a:rPr>
+              <a:t> oleh </a:t>
+            </a:r>
+            <a:r>
+              <a:rPr lang="en-US" dirty="0" err="1">
+                <a:solidFill>
+                  <a:schemeClr val="bg1"/>
+                </a:solidFill>
+              </a:rPr>
+              <a:t>Bajet</a:t>
+            </a:r>
+            <a:r>
+              <a:rPr lang="en-US" dirty="0">
+                <a:solidFill>
+                  <a:schemeClr val="bg1"/>
+                </a:solidFill>
+              </a:rPr>
+              <a:t>/Nilai)</a:t>
+            </a:r>
+            <a:endParaRPr lang="en-MY" dirty="0">
+              <a:solidFill>
+                <a:schemeClr val="bg1"/>
+              </a:solidFill>
+            </a:endParaRPr>
+          </a:p>
+        </p:txBody>
+      </p:sp>
     </p:spTree>
     <p:extLst>
       <p:ext uri="{BB962C8B-B14F-4D97-AF65-F5344CB8AC3E}">
-        <p14:creationId xmlns:p14="http://schemas.microsoft.com/office/powerpoint/2010/main" val="3197993451"/>
+        <p14:creationId xmlns:p14="http://schemas.microsoft.com/office/powerpoint/2010/main" val="987769342"/>
       </p:ext>
     </p:extLst>
   </p:cSld>
@@ -3684,7 +4952,7 @@
           <p:cNvPr id="4" name="Picture 3">
             <a:extLst>
               <a:ext uri="{FF2B5EF4-FFF2-40B4-BE49-F238E27FC236}">
-                <a16:creationId xmlns:a16="http://schemas.microsoft.com/office/drawing/2014/main" id="{B4E2E7E3-F830-4EB9-BAF4-DAF9DA42ECA1}"/>
+                <a16:creationId xmlns:a16="http://schemas.microsoft.com/office/drawing/2014/main" id="{768ED3B9-3839-46FB-A11C-EB91BE6D94A3}"/>
               </a:ext>
             </a:extLst>
           </p:cNvPr>
@@ -3701,18 +4969,134 @@
         </p:blipFill>
         <p:spPr>
           <a:xfrm>
-            <a:off x="0" y="0"/>
-            <a:ext cx="12192000" cy="6857999"/>
+            <a:off x="0" y="369332"/>
+            <a:ext cx="12192000" cy="6237208"/>
           </a:xfrm>
           <a:prstGeom prst="rect">
             <a:avLst/>
           </a:prstGeom>
         </p:spPr>
       </p:pic>
+      <p:sp>
+        <p:nvSpPr>
+          <p:cNvPr id="3" name="TextBox 2">
+            <a:extLst>
+              <a:ext uri="{FF2B5EF4-FFF2-40B4-BE49-F238E27FC236}">
+                <a16:creationId xmlns:a16="http://schemas.microsoft.com/office/drawing/2014/main" id="{AF20C6B3-7B5C-4C58-ACE8-FB6E666EDD19}"/>
+              </a:ext>
+            </a:extLst>
+          </p:cNvPr>
+          <p:cNvSpPr txBox="1"/>
+          <p:nvPr/>
+        </p:nvSpPr>
+        <p:spPr>
+          <a:xfrm>
+            <a:off x="0" y="0"/>
+            <a:ext cx="6872140" cy="369332"/>
+          </a:xfrm>
+          <a:prstGeom prst="rect">
+            <a:avLst/>
+          </a:prstGeom>
+          <a:solidFill>
+            <a:schemeClr val="tx1">
+              <a:lumMod val="50000"/>
+              <a:lumOff val="50000"/>
+            </a:schemeClr>
+          </a:solidFill>
+          <a:ln>
+            <a:noFill/>
+          </a:ln>
+        </p:spPr>
+        <p:txBody>
+          <a:bodyPr wrap="square" rtlCol="0">
+            <a:spAutoFit/>
+          </a:bodyPr>
+          <a:lstStyle/>
+          <a:p>
+            <a:r>
+              <a:rPr lang="en-US" dirty="0">
+                <a:solidFill>
+                  <a:schemeClr val="bg1"/>
+                </a:solidFill>
+              </a:rPr>
+              <a:t>Page: NOC info =&gt; (</a:t>
+            </a:r>
+            <a:r>
+              <a:rPr lang="en-US" dirty="0" err="1">
+                <a:solidFill>
+                  <a:schemeClr val="bg1"/>
+                </a:solidFill>
+              </a:rPr>
+              <a:t>Memasukkan</a:t>
+            </a:r>
+            <a:r>
+              <a:rPr lang="en-US" dirty="0">
+                <a:solidFill>
+                  <a:schemeClr val="bg1"/>
+                </a:solidFill>
+              </a:rPr>
+              <a:t> Tarikh </a:t>
+            </a:r>
+            <a:r>
+              <a:rPr lang="en-US" dirty="0" err="1">
+                <a:solidFill>
+                  <a:schemeClr val="bg1"/>
+                </a:solidFill>
+              </a:rPr>
+              <a:t>Hantar</a:t>
+            </a:r>
+            <a:r>
+              <a:rPr lang="en-US" dirty="0">
+                <a:solidFill>
+                  <a:schemeClr val="bg1"/>
+                </a:solidFill>
+              </a:rPr>
+              <a:t> </a:t>
+            </a:r>
+            <a:r>
+              <a:rPr lang="en-US" dirty="0" err="1">
+                <a:solidFill>
+                  <a:schemeClr val="bg1"/>
+                </a:solidFill>
+              </a:rPr>
+              <a:t>Ulasan</a:t>
+            </a:r>
+            <a:r>
+              <a:rPr lang="en-US" dirty="0">
+                <a:solidFill>
+                  <a:schemeClr val="bg1"/>
+                </a:solidFill>
+              </a:rPr>
+              <a:t> oleh </a:t>
+            </a:r>
+            <a:r>
+              <a:rPr lang="en-US" dirty="0" err="1">
+                <a:solidFill>
+                  <a:schemeClr val="bg1"/>
+                </a:solidFill>
+              </a:rPr>
+              <a:t>Bajet</a:t>
+            </a:r>
+            <a:r>
+              <a:rPr lang="en-US" dirty="0">
+                <a:solidFill>
+                  <a:schemeClr val="bg1"/>
+                </a:solidFill>
+              </a:rPr>
+              <a:t>/Nilai)</a:t>
+            </a:r>
+            <a:endParaRPr lang="en-MY" dirty="0">
+              <a:solidFill>
+                <a:schemeClr val="bg1"/>
+              </a:solidFill>
+            </a:endParaRPr>
+          </a:p>
+        </p:txBody>
+      </p:sp>
     </p:spTree>
     <p:extLst>
       <p:ext uri="{BB962C8B-B14F-4D97-AF65-F5344CB8AC3E}">
-        <p14:creationId xmlns:p14="http://schemas.microsoft.com/office/powerpoint/2010/main" val="1285369877"/>
+        <p14:creationId xmlns:p14="http://schemas.microsoft.com/office/powerpoint/2010/main" val="2444220980"/>
       </p:ext>
     </p:extLst>
   </p:cSld>
@@ -3744,7 +5128,7 @@
           <p:cNvPr id="4" name="Picture 3">
             <a:extLst>
               <a:ext uri="{FF2B5EF4-FFF2-40B4-BE49-F238E27FC236}">
-                <a16:creationId xmlns:a16="http://schemas.microsoft.com/office/drawing/2014/main" id="{DC7509E7-4BCF-4F95-BB3F-ABB5CC154803}"/>
+                <a16:creationId xmlns:a16="http://schemas.microsoft.com/office/drawing/2014/main" id="{0244E15C-5A6B-4A8D-BF6D-F158957AF8B7}"/>
               </a:ext>
             </a:extLst>
           </p:cNvPr>
@@ -3761,18 +5145,150 @@
         </p:blipFill>
         <p:spPr>
           <a:xfrm>
-            <a:off x="0" y="0"/>
-            <a:ext cx="12192000" cy="6938682"/>
+            <a:off x="0" y="369332"/>
+            <a:ext cx="12192000" cy="6225778"/>
           </a:xfrm>
           <a:prstGeom prst="rect">
             <a:avLst/>
           </a:prstGeom>
         </p:spPr>
       </p:pic>
+      <p:sp>
+        <p:nvSpPr>
+          <p:cNvPr id="3" name="TextBox 2">
+            <a:extLst>
+              <a:ext uri="{FF2B5EF4-FFF2-40B4-BE49-F238E27FC236}">
+                <a16:creationId xmlns:a16="http://schemas.microsoft.com/office/drawing/2014/main" id="{61CCE395-DCAD-4D61-8953-8963AE0270DD}"/>
+              </a:ext>
+            </a:extLst>
+          </p:cNvPr>
+          <p:cNvSpPr txBox="1"/>
+          <p:nvPr/>
+        </p:nvSpPr>
+        <p:spPr>
+          <a:xfrm>
+            <a:off x="0" y="0"/>
+            <a:ext cx="8955464" cy="369332"/>
+          </a:xfrm>
+          <a:prstGeom prst="rect">
+            <a:avLst/>
+          </a:prstGeom>
+          <a:solidFill>
+            <a:schemeClr val="tx1">
+              <a:lumMod val="50000"/>
+              <a:lumOff val="50000"/>
+            </a:schemeClr>
+          </a:solidFill>
+          <a:ln>
+            <a:noFill/>
+          </a:ln>
+        </p:spPr>
+        <p:txBody>
+          <a:bodyPr wrap="square" rtlCol="0">
+            <a:spAutoFit/>
+          </a:bodyPr>
+          <a:lstStyle/>
+          <a:p>
+            <a:r>
+              <a:rPr lang="en-US" dirty="0">
+                <a:solidFill>
+                  <a:schemeClr val="bg1"/>
+                </a:solidFill>
+              </a:rPr>
+              <a:t>Page: NOC info =&gt; (NOC telah </a:t>
+            </a:r>
+            <a:r>
+              <a:rPr lang="en-US" dirty="0" err="1">
+                <a:solidFill>
+                  <a:schemeClr val="bg1"/>
+                </a:solidFill>
+              </a:rPr>
+              <a:t>dihantar</a:t>
+            </a:r>
+            <a:r>
+              <a:rPr lang="en-US" dirty="0">
+                <a:solidFill>
+                  <a:schemeClr val="bg1"/>
+                </a:solidFill>
+              </a:rPr>
+              <a:t> </a:t>
+            </a:r>
+            <a:r>
+              <a:rPr lang="en-US" dirty="0" err="1">
+                <a:solidFill>
+                  <a:schemeClr val="bg1"/>
+                </a:solidFill>
+              </a:rPr>
+              <a:t>ulasan</a:t>
+            </a:r>
+            <a:r>
+              <a:rPr lang="en-US" dirty="0">
+                <a:solidFill>
+                  <a:schemeClr val="bg1"/>
+                </a:solidFill>
+              </a:rPr>
+              <a:t> dan </a:t>
+            </a:r>
+            <a:r>
+              <a:rPr lang="en-US" dirty="0" err="1">
+                <a:solidFill>
+                  <a:schemeClr val="bg1"/>
+                </a:solidFill>
+              </a:rPr>
+              <a:t>tindakan</a:t>
+            </a:r>
+            <a:r>
+              <a:rPr lang="en-US" dirty="0">
+                <a:solidFill>
+                  <a:schemeClr val="bg1"/>
+                </a:solidFill>
+              </a:rPr>
+              <a:t> </a:t>
+            </a:r>
+            <a:r>
+              <a:rPr lang="en-US" dirty="0" err="1">
+                <a:solidFill>
+                  <a:schemeClr val="bg1"/>
+                </a:solidFill>
+              </a:rPr>
+              <a:t>sediakan</a:t>
+            </a:r>
+            <a:r>
+              <a:rPr lang="en-US" dirty="0">
+                <a:solidFill>
+                  <a:schemeClr val="bg1"/>
+                </a:solidFill>
+              </a:rPr>
+              <a:t> memo oleh </a:t>
+            </a:r>
+            <a:r>
+              <a:rPr lang="en-US" dirty="0" err="1">
+                <a:solidFill>
+                  <a:schemeClr val="bg1"/>
+                </a:solidFill>
+              </a:rPr>
+              <a:t>Bahagian</a:t>
+            </a:r>
+            <a:r>
+              <a:rPr lang="en-US" dirty="0">
+                <a:solidFill>
+                  <a:schemeClr val="bg1"/>
+                </a:solidFill>
+              </a:rPr>
+              <a:t>)</a:t>
+            </a:r>
+            <a:endParaRPr lang="en-MY" dirty="0">
+              <a:solidFill>
+                <a:schemeClr val="bg1"/>
+              </a:solidFill>
+            </a:endParaRPr>
+          </a:p>
+        </p:txBody>
+      </p:sp>
     </p:spTree>
     <p:extLst>
       <p:ext uri="{BB962C8B-B14F-4D97-AF65-F5344CB8AC3E}">
-        <p14:creationId xmlns:p14="http://schemas.microsoft.com/office/powerpoint/2010/main" val="4184532785"/>
+        <p14:creationId xmlns:p14="http://schemas.microsoft.com/office/powerpoint/2010/main" val="3345081695"/>
       </p:ext>
     </p:extLst>
   </p:cSld>
@@ -3804,7 +5320,7 @@
           <p:cNvPr id="4" name="Picture 3">
             <a:extLst>
               <a:ext uri="{FF2B5EF4-FFF2-40B4-BE49-F238E27FC236}">
-                <a16:creationId xmlns:a16="http://schemas.microsoft.com/office/drawing/2014/main" id="{9901CF19-5F94-4B65-BA91-38E70017A4F6}"/>
+                <a16:creationId xmlns:a16="http://schemas.microsoft.com/office/drawing/2014/main" id="{5F5E8C98-B4BE-4D1D-9281-2D7837A90FE5}"/>
               </a:ext>
             </a:extLst>
           </p:cNvPr>
@@ -3821,18 +5337,134 @@
         </p:blipFill>
         <p:spPr>
           <a:xfrm>
-            <a:off x="0" y="0"/>
-            <a:ext cx="12192000" cy="6857999"/>
+            <a:off x="0" y="369332"/>
+            <a:ext cx="12192000" cy="6225778"/>
           </a:xfrm>
           <a:prstGeom prst="rect">
             <a:avLst/>
           </a:prstGeom>
         </p:spPr>
       </p:pic>
+      <p:sp>
+        <p:nvSpPr>
+          <p:cNvPr id="3" name="TextBox 2">
+            <a:extLst>
+              <a:ext uri="{FF2B5EF4-FFF2-40B4-BE49-F238E27FC236}">
+                <a16:creationId xmlns:a16="http://schemas.microsoft.com/office/drawing/2014/main" id="{B89261C1-CFD3-47D1-B006-AFC9895522FD}"/>
+              </a:ext>
+            </a:extLst>
+          </p:cNvPr>
+          <p:cNvSpPr txBox="1"/>
+          <p:nvPr/>
+        </p:nvSpPr>
+        <p:spPr>
+          <a:xfrm>
+            <a:off x="0" y="0"/>
+            <a:ext cx="7107810" cy="369332"/>
+          </a:xfrm>
+          <a:prstGeom prst="rect">
+            <a:avLst/>
+          </a:prstGeom>
+          <a:solidFill>
+            <a:schemeClr val="tx1">
+              <a:lumMod val="50000"/>
+              <a:lumOff val="50000"/>
+            </a:schemeClr>
+          </a:solidFill>
+          <a:ln>
+            <a:noFill/>
+          </a:ln>
+        </p:spPr>
+        <p:txBody>
+          <a:bodyPr wrap="square" rtlCol="0">
+            <a:spAutoFit/>
+          </a:bodyPr>
+          <a:lstStyle/>
+          <a:p>
+            <a:r>
+              <a:rPr lang="en-US" dirty="0">
+                <a:solidFill>
+                  <a:schemeClr val="bg1"/>
+                </a:solidFill>
+              </a:rPr>
+              <a:t>Page: NOC info =&gt; (</a:t>
+            </a:r>
+            <a:r>
+              <a:rPr lang="en-US" dirty="0" err="1">
+                <a:solidFill>
+                  <a:schemeClr val="bg1"/>
+                </a:solidFill>
+              </a:rPr>
+              <a:t>Memasukkan</a:t>
+            </a:r>
+            <a:r>
+              <a:rPr lang="en-US" dirty="0">
+                <a:solidFill>
+                  <a:schemeClr val="bg1"/>
+                </a:solidFill>
+              </a:rPr>
+              <a:t> Tarikh </a:t>
+            </a:r>
+            <a:r>
+              <a:rPr lang="en-US" dirty="0" err="1">
+                <a:solidFill>
+                  <a:schemeClr val="bg1"/>
+                </a:solidFill>
+              </a:rPr>
+              <a:t>Mula</a:t>
+            </a:r>
+            <a:r>
+              <a:rPr lang="en-US" dirty="0">
+                <a:solidFill>
+                  <a:schemeClr val="bg1"/>
+                </a:solidFill>
+              </a:rPr>
+              <a:t> </a:t>
+            </a:r>
+            <a:r>
+              <a:rPr lang="en-US" dirty="0" err="1">
+                <a:solidFill>
+                  <a:schemeClr val="bg1"/>
+                </a:solidFill>
+              </a:rPr>
+              <a:t>Sedia</a:t>
+            </a:r>
+            <a:r>
+              <a:rPr lang="en-US" dirty="0">
+                <a:solidFill>
+                  <a:schemeClr val="bg1"/>
+                </a:solidFill>
+              </a:rPr>
+              <a:t> Memo oleh </a:t>
+            </a:r>
+            <a:r>
+              <a:rPr lang="en-US" dirty="0" err="1">
+                <a:solidFill>
+                  <a:schemeClr val="bg1"/>
+                </a:solidFill>
+              </a:rPr>
+              <a:t>Bahagian</a:t>
+            </a:r>
+            <a:r>
+              <a:rPr lang="en-US" dirty="0">
+                <a:solidFill>
+                  <a:schemeClr val="bg1"/>
+                </a:solidFill>
+              </a:rPr>
+              <a:t>)</a:t>
+            </a:r>
+            <a:endParaRPr lang="en-MY" dirty="0">
+              <a:solidFill>
+                <a:schemeClr val="bg1"/>
+              </a:solidFill>
+            </a:endParaRPr>
+          </a:p>
+        </p:txBody>
+      </p:sp>
     </p:spTree>
     <p:extLst>
       <p:ext uri="{BB962C8B-B14F-4D97-AF65-F5344CB8AC3E}">
-        <p14:creationId xmlns:p14="http://schemas.microsoft.com/office/powerpoint/2010/main" val="1299556472"/>
+        <p14:creationId xmlns:p14="http://schemas.microsoft.com/office/powerpoint/2010/main" val="3197993451"/>
       </p:ext>
     </p:extLst>
   </p:cSld>
@@ -3864,7 +5496,7 @@
           <p:cNvPr id="4" name="Picture 3">
             <a:extLst>
               <a:ext uri="{FF2B5EF4-FFF2-40B4-BE49-F238E27FC236}">
-                <a16:creationId xmlns:a16="http://schemas.microsoft.com/office/drawing/2014/main" id="{B6698114-9A1F-4718-90BA-3550DF9904C1}"/>
+                <a16:creationId xmlns:a16="http://schemas.microsoft.com/office/drawing/2014/main" id="{B4E2E7E3-F830-4EB9-BAF4-DAF9DA42ECA1}"/>
               </a:ext>
             </a:extLst>
           </p:cNvPr>
@@ -3881,18 +5513,182 @@
         </p:blipFill>
         <p:spPr>
           <a:xfrm>
-            <a:off x="0" y="0"/>
-            <a:ext cx="12192000" cy="6858000"/>
+            <a:off x="0" y="369333"/>
+            <a:ext cx="12192000" cy="6225778"/>
           </a:xfrm>
           <a:prstGeom prst="rect">
             <a:avLst/>
           </a:prstGeom>
         </p:spPr>
       </p:pic>
+      <p:sp>
+        <p:nvSpPr>
+          <p:cNvPr id="3" name="TextBox 2">
+            <a:extLst>
+              <a:ext uri="{FF2B5EF4-FFF2-40B4-BE49-F238E27FC236}">
+                <a16:creationId xmlns:a16="http://schemas.microsoft.com/office/drawing/2014/main" id="{4034CBB8-F286-43BE-B083-D62E58F937AB}"/>
+              </a:ext>
+            </a:extLst>
+          </p:cNvPr>
+          <p:cNvSpPr txBox="1"/>
+          <p:nvPr/>
+        </p:nvSpPr>
+        <p:spPr>
+          <a:xfrm>
+            <a:off x="-1" y="0"/>
+            <a:ext cx="10180949" cy="369332"/>
+          </a:xfrm>
+          <a:prstGeom prst="rect">
+            <a:avLst/>
+          </a:prstGeom>
+          <a:solidFill>
+            <a:schemeClr val="tx1">
+              <a:lumMod val="50000"/>
+              <a:lumOff val="50000"/>
+            </a:schemeClr>
+          </a:solidFill>
+          <a:ln>
+            <a:noFill/>
+          </a:ln>
+        </p:spPr>
+        <p:txBody>
+          <a:bodyPr wrap="square" rtlCol="0">
+            <a:spAutoFit/>
+          </a:bodyPr>
+          <a:lstStyle/>
+          <a:p>
+            <a:r>
+              <a:rPr lang="en-US" dirty="0">
+                <a:solidFill>
+                  <a:schemeClr val="bg1"/>
+                </a:solidFill>
+              </a:rPr>
+              <a:t>Page: NOC info =&gt; (NOC </a:t>
+            </a:r>
+            <a:r>
+              <a:rPr lang="en-US" dirty="0" err="1">
+                <a:solidFill>
+                  <a:schemeClr val="bg1"/>
+                </a:solidFill>
+              </a:rPr>
+              <a:t>sedang</a:t>
+            </a:r>
+            <a:r>
+              <a:rPr lang="en-US" dirty="0">
+                <a:solidFill>
+                  <a:schemeClr val="bg1"/>
+                </a:solidFill>
+              </a:rPr>
+              <a:t> </a:t>
+            </a:r>
+            <a:r>
+              <a:rPr lang="en-US" dirty="0" err="1">
+                <a:solidFill>
+                  <a:schemeClr val="bg1"/>
+                </a:solidFill>
+              </a:rPr>
+              <a:t>sedia</a:t>
+            </a:r>
+            <a:r>
+              <a:rPr lang="en-US" dirty="0">
+                <a:solidFill>
+                  <a:schemeClr val="bg1"/>
+                </a:solidFill>
+              </a:rPr>
+              <a:t>/</a:t>
+            </a:r>
+            <a:r>
+              <a:rPr lang="en-US" dirty="0" err="1">
+                <a:solidFill>
+                  <a:schemeClr val="bg1"/>
+                </a:solidFill>
+              </a:rPr>
+              <a:t>hantar</a:t>
+            </a:r>
+            <a:r>
+              <a:rPr lang="en-US" dirty="0">
+                <a:solidFill>
+                  <a:schemeClr val="bg1"/>
+                </a:solidFill>
+              </a:rPr>
+              <a:t> memo dan </a:t>
+            </a:r>
+            <a:r>
+              <a:rPr lang="en-US" dirty="0" err="1">
+                <a:solidFill>
+                  <a:schemeClr val="bg1"/>
+                </a:solidFill>
+              </a:rPr>
+              <a:t>tindakan</a:t>
+            </a:r>
+            <a:r>
+              <a:rPr lang="en-US" dirty="0">
+                <a:solidFill>
+                  <a:schemeClr val="bg1"/>
+                </a:solidFill>
+              </a:rPr>
+              <a:t> </a:t>
+            </a:r>
+            <a:r>
+              <a:rPr lang="en-US" dirty="0" err="1">
+                <a:solidFill>
+                  <a:schemeClr val="bg1"/>
+                </a:solidFill>
+              </a:rPr>
+              <a:t>dapat</a:t>
+            </a:r>
+            <a:r>
+              <a:rPr lang="en-US" dirty="0">
+                <a:solidFill>
+                  <a:schemeClr val="bg1"/>
+                </a:solidFill>
+              </a:rPr>
+              <a:t> memo </a:t>
+            </a:r>
+            <a:r>
+              <a:rPr lang="en-US" dirty="0" err="1">
+                <a:solidFill>
+                  <a:schemeClr val="bg1"/>
+                </a:solidFill>
+              </a:rPr>
+              <a:t>daripada</a:t>
+            </a:r>
+            <a:r>
+              <a:rPr lang="en-US" dirty="0">
+                <a:solidFill>
+                  <a:schemeClr val="bg1"/>
+                </a:solidFill>
+              </a:rPr>
+              <a:t> PT oleh </a:t>
+            </a:r>
+            <a:r>
+              <a:rPr lang="en-US" dirty="0" err="1">
+                <a:solidFill>
+                  <a:schemeClr val="bg1"/>
+                </a:solidFill>
+              </a:rPr>
+              <a:t>Bahagian</a:t>
+            </a:r>
+            <a:r>
+              <a:rPr lang="en-US" dirty="0">
+                <a:solidFill>
+                  <a:schemeClr val="bg1"/>
+                </a:solidFill>
+              </a:rPr>
+              <a:t>)</a:t>
+            </a:r>
+            <a:endParaRPr lang="en-MY" dirty="0">
+              <a:solidFill>
+                <a:schemeClr val="bg1"/>
+              </a:solidFill>
+            </a:endParaRPr>
+          </a:p>
+        </p:txBody>
+      </p:sp>
     </p:spTree>
     <p:extLst>
       <p:ext uri="{BB962C8B-B14F-4D97-AF65-F5344CB8AC3E}">
-        <p14:creationId xmlns:p14="http://schemas.microsoft.com/office/powerpoint/2010/main" val="3942713471"/>
+        <p14:creationId xmlns:p14="http://schemas.microsoft.com/office/powerpoint/2010/main" val="1285369877"/>
       </p:ext>
     </p:extLst>
   </p:cSld>
@@ -3924,7 +5720,7 @@
           <p:cNvPr id="4" name="Picture 3">
             <a:extLst>
               <a:ext uri="{FF2B5EF4-FFF2-40B4-BE49-F238E27FC236}">
-                <a16:creationId xmlns:a16="http://schemas.microsoft.com/office/drawing/2014/main" id="{D4B5CE53-DD0F-4FF0-B480-95BB0169BF5A}"/>
+                <a16:creationId xmlns:a16="http://schemas.microsoft.com/office/drawing/2014/main" id="{DC7509E7-4BCF-4F95-BB3F-ABB5CC154803}"/>
               </a:ext>
             </a:extLst>
           </p:cNvPr>
@@ -3941,18 +5737,118 @@
         </p:blipFill>
         <p:spPr>
           <a:xfrm>
-            <a:off x="0" y="0"/>
-            <a:ext cx="12192000" cy="6858000"/>
+            <a:off x="0" y="381199"/>
+            <a:ext cx="12192000" cy="6168628"/>
           </a:xfrm>
           <a:prstGeom prst="rect">
             <a:avLst/>
           </a:prstGeom>
         </p:spPr>
       </p:pic>
+      <p:sp>
+        <p:nvSpPr>
+          <p:cNvPr id="3" name="TextBox 2">
+            <a:extLst>
+              <a:ext uri="{FF2B5EF4-FFF2-40B4-BE49-F238E27FC236}">
+                <a16:creationId xmlns:a16="http://schemas.microsoft.com/office/drawing/2014/main" id="{A5CEC97E-F237-45F5-8580-F7DF4193C2CC}"/>
+              </a:ext>
+            </a:extLst>
+          </p:cNvPr>
+          <p:cNvSpPr txBox="1"/>
+          <p:nvPr/>
+        </p:nvSpPr>
+        <p:spPr>
+          <a:xfrm>
+            <a:off x="0" y="0"/>
+            <a:ext cx="8436990" cy="369332"/>
+          </a:xfrm>
+          <a:prstGeom prst="rect">
+            <a:avLst/>
+          </a:prstGeom>
+          <a:solidFill>
+            <a:schemeClr val="tx1">
+              <a:lumMod val="50000"/>
+              <a:lumOff val="50000"/>
+            </a:schemeClr>
+          </a:solidFill>
+          <a:ln>
+            <a:noFill/>
+          </a:ln>
+        </p:spPr>
+        <p:txBody>
+          <a:bodyPr wrap="square" rtlCol="0">
+            <a:spAutoFit/>
+          </a:bodyPr>
+          <a:lstStyle/>
+          <a:p>
+            <a:r>
+              <a:rPr lang="en-US" dirty="0">
+                <a:solidFill>
+                  <a:schemeClr val="bg1"/>
+                </a:solidFill>
+              </a:rPr>
+              <a:t>Page: NOC info =&gt; (</a:t>
+            </a:r>
+            <a:r>
+              <a:rPr lang="en-US" dirty="0" err="1">
+                <a:solidFill>
+                  <a:schemeClr val="bg1"/>
+                </a:solidFill>
+              </a:rPr>
+              <a:t>Memasukkan</a:t>
+            </a:r>
+            <a:r>
+              <a:rPr lang="en-US" dirty="0">
+                <a:solidFill>
+                  <a:schemeClr val="bg1"/>
+                </a:solidFill>
+              </a:rPr>
+              <a:t> Tarikh Terima Memo  </a:t>
+            </a:r>
+            <a:r>
+              <a:rPr lang="en-US" dirty="0" err="1">
+                <a:solidFill>
+                  <a:schemeClr val="bg1"/>
+                </a:solidFill>
+              </a:rPr>
+              <a:t>Kelulusan</a:t>
+            </a:r>
+            <a:r>
+              <a:rPr lang="en-US" dirty="0">
+                <a:solidFill>
+                  <a:schemeClr val="bg1"/>
+                </a:solidFill>
+              </a:rPr>
+              <a:t> PT oleh </a:t>
+            </a:r>
+            <a:r>
+              <a:rPr lang="en-US" dirty="0" err="1">
+                <a:solidFill>
+                  <a:schemeClr val="bg1"/>
+                </a:solidFill>
+              </a:rPr>
+              <a:t>Bahagian</a:t>
+            </a:r>
+            <a:r>
+              <a:rPr lang="en-US" dirty="0">
+                <a:solidFill>
+                  <a:schemeClr val="bg1"/>
+                </a:solidFill>
+              </a:rPr>
+              <a:t>)</a:t>
+            </a:r>
+            <a:endParaRPr lang="en-MY" dirty="0">
+              <a:solidFill>
+                <a:schemeClr val="bg1"/>
+              </a:solidFill>
+            </a:endParaRPr>
+          </a:p>
+        </p:txBody>
+      </p:sp>
     </p:spTree>
     <p:extLst>
       <p:ext uri="{BB962C8B-B14F-4D97-AF65-F5344CB8AC3E}">
-        <p14:creationId xmlns:p14="http://schemas.microsoft.com/office/powerpoint/2010/main" val="1678570075"/>
+        <p14:creationId xmlns:p14="http://schemas.microsoft.com/office/powerpoint/2010/main" val="4184532785"/>
       </p:ext>
     </p:extLst>
   </p:cSld>
@@ -3984,7 +5880,7 @@
           <p:cNvPr id="4" name="Picture 3">
             <a:extLst>
               <a:ext uri="{FF2B5EF4-FFF2-40B4-BE49-F238E27FC236}">
-                <a16:creationId xmlns:a16="http://schemas.microsoft.com/office/drawing/2014/main" id="{338540FA-00F9-4821-A942-60EEC3BCDF79}"/>
+                <a16:creationId xmlns:a16="http://schemas.microsoft.com/office/drawing/2014/main" id="{9901CF19-5F94-4B65-BA91-38E70017A4F6}"/>
               </a:ext>
             </a:extLst>
           </p:cNvPr>
@@ -4001,18 +5897,182 @@
         </p:blipFill>
         <p:spPr>
           <a:xfrm>
-            <a:off x="0" y="0"/>
-            <a:ext cx="12192000" cy="6858000"/>
+            <a:off x="0" y="369333"/>
+            <a:ext cx="12192000" cy="6214348"/>
           </a:xfrm>
           <a:prstGeom prst="rect">
             <a:avLst/>
           </a:prstGeom>
         </p:spPr>
       </p:pic>
+      <p:sp>
+        <p:nvSpPr>
+          <p:cNvPr id="3" name="TextBox 2">
+            <a:extLst>
+              <a:ext uri="{FF2B5EF4-FFF2-40B4-BE49-F238E27FC236}">
+                <a16:creationId xmlns:a16="http://schemas.microsoft.com/office/drawing/2014/main" id="{1E0DB4EE-9B7D-45DB-ABB8-D21CE8D79BE5}"/>
+              </a:ext>
+            </a:extLst>
+          </p:cNvPr>
+          <p:cNvSpPr txBox="1"/>
+          <p:nvPr/>
+        </p:nvSpPr>
+        <p:spPr>
+          <a:xfrm>
+            <a:off x="-1" y="0"/>
+            <a:ext cx="10209229" cy="369332"/>
+          </a:xfrm>
+          <a:prstGeom prst="rect">
+            <a:avLst/>
+          </a:prstGeom>
+          <a:solidFill>
+            <a:schemeClr val="tx1">
+              <a:lumMod val="50000"/>
+              <a:lumOff val="50000"/>
+            </a:schemeClr>
+          </a:solidFill>
+          <a:ln>
+            <a:noFill/>
+          </a:ln>
+        </p:spPr>
+        <p:txBody>
+          <a:bodyPr wrap="square" rtlCol="0">
+            <a:spAutoFit/>
+          </a:bodyPr>
+          <a:lstStyle/>
+          <a:p>
+            <a:r>
+              <a:rPr lang="en-US" dirty="0">
+                <a:solidFill>
+                  <a:schemeClr val="bg1"/>
+                </a:solidFill>
+              </a:rPr>
+              <a:t>Page: NOC info =&gt; (NOC </a:t>
+            </a:r>
+            <a:r>
+              <a:rPr lang="en-US" dirty="0" err="1">
+                <a:solidFill>
+                  <a:schemeClr val="bg1"/>
+                </a:solidFill>
+              </a:rPr>
+              <a:t>mula</a:t>
+            </a:r>
+            <a:r>
+              <a:rPr lang="en-US" dirty="0">
+                <a:solidFill>
+                  <a:schemeClr val="bg1"/>
+                </a:solidFill>
+              </a:rPr>
+              <a:t> </a:t>
+            </a:r>
+            <a:r>
+              <a:rPr lang="en-US" dirty="0" err="1">
+                <a:solidFill>
+                  <a:schemeClr val="bg1"/>
+                </a:solidFill>
+              </a:rPr>
+              <a:t>sedia</a:t>
+            </a:r>
+            <a:r>
+              <a:rPr lang="en-US" dirty="0">
+                <a:solidFill>
+                  <a:schemeClr val="bg1"/>
+                </a:solidFill>
+              </a:rPr>
+              <a:t> </a:t>
+            </a:r>
+            <a:r>
+              <a:rPr lang="en-US" dirty="0" err="1">
+                <a:solidFill>
+                  <a:schemeClr val="bg1"/>
+                </a:solidFill>
+              </a:rPr>
+              <a:t>surat</a:t>
+            </a:r>
+            <a:r>
+              <a:rPr lang="en-US" dirty="0">
+                <a:solidFill>
+                  <a:schemeClr val="bg1"/>
+                </a:solidFill>
+              </a:rPr>
+              <a:t> dan </a:t>
+            </a:r>
+            <a:r>
+              <a:rPr lang="en-US" dirty="0" err="1">
+                <a:solidFill>
+                  <a:schemeClr val="bg1"/>
+                </a:solidFill>
+              </a:rPr>
+              <a:t>tindakan</a:t>
+            </a:r>
+            <a:r>
+              <a:rPr lang="en-US" dirty="0">
+                <a:solidFill>
+                  <a:schemeClr val="bg1"/>
+                </a:solidFill>
+              </a:rPr>
+              <a:t> </a:t>
+            </a:r>
+            <a:r>
+              <a:rPr lang="en-US" dirty="0" err="1">
+                <a:solidFill>
+                  <a:schemeClr val="bg1"/>
+                </a:solidFill>
+              </a:rPr>
+              <a:t>mula</a:t>
+            </a:r>
+            <a:r>
+              <a:rPr lang="en-US" dirty="0">
+                <a:solidFill>
+                  <a:schemeClr val="bg1"/>
+                </a:solidFill>
+              </a:rPr>
+              <a:t> </a:t>
+            </a:r>
+            <a:r>
+              <a:rPr lang="en-US" dirty="0" err="1">
+                <a:solidFill>
+                  <a:schemeClr val="bg1"/>
+                </a:solidFill>
+              </a:rPr>
+              <a:t>penyediaan</a:t>
+            </a:r>
+            <a:r>
+              <a:rPr lang="en-US" dirty="0">
+                <a:solidFill>
+                  <a:schemeClr val="bg1"/>
+                </a:solidFill>
+              </a:rPr>
+              <a:t> oleh </a:t>
+            </a:r>
+            <a:r>
+              <a:rPr lang="en-US" dirty="0" err="1">
+                <a:solidFill>
+                  <a:schemeClr val="bg1"/>
+                </a:solidFill>
+              </a:rPr>
+              <a:t>Bahagian</a:t>
+            </a:r>
+            <a:r>
+              <a:rPr lang="en-US" dirty="0">
+                <a:solidFill>
+                  <a:schemeClr val="bg1"/>
+                </a:solidFill>
+              </a:rPr>
+              <a:t>)</a:t>
+            </a:r>
+            <a:endParaRPr lang="en-MY" dirty="0">
+              <a:solidFill>
+                <a:schemeClr val="bg1"/>
+              </a:solidFill>
+            </a:endParaRPr>
+          </a:p>
+        </p:txBody>
+      </p:sp>
     </p:spTree>
     <p:extLst>
       <p:ext uri="{BB962C8B-B14F-4D97-AF65-F5344CB8AC3E}">
-        <p14:creationId xmlns:p14="http://schemas.microsoft.com/office/powerpoint/2010/main" val="1431206113"/>
+        <p14:creationId xmlns:p14="http://schemas.microsoft.com/office/powerpoint/2010/main" val="1299556472"/>
       </p:ext>
     </p:extLst>
   </p:cSld>
@@ -4041,10 +6101,10 @@
       </p:grpSpPr>
       <p:pic>
         <p:nvPicPr>
-          <p:cNvPr id="2" name="Picture 1">
-            <a:extLst>
-              <a:ext uri="{FF2B5EF4-FFF2-40B4-BE49-F238E27FC236}">
-                <a16:creationId xmlns:a16="http://schemas.microsoft.com/office/drawing/2014/main" id="{355FD260-AAA4-40C5-A1EA-42464948B5E9}"/>
+          <p:cNvPr id="4" name="Picture 3">
+            <a:extLst>
+              <a:ext uri="{FF2B5EF4-FFF2-40B4-BE49-F238E27FC236}">
+                <a16:creationId xmlns:a16="http://schemas.microsoft.com/office/drawing/2014/main" id="{18F40A5C-09BD-4C5E-AC5F-FEE7807C2263}"/>
               </a:ext>
             </a:extLst>
           </p:cNvPr>
@@ -4061,18 +6121,70 @@
         </p:blipFill>
         <p:spPr>
           <a:xfrm>
-            <a:off x="0" y="0"/>
-            <a:ext cx="12192000" cy="6858000"/>
+            <a:off x="-1" y="-1"/>
+            <a:ext cx="12192001" cy="6858001"/>
           </a:xfrm>
           <a:prstGeom prst="rect">
             <a:avLst/>
           </a:prstGeom>
         </p:spPr>
       </p:pic>
+      <p:sp>
+        <p:nvSpPr>
+          <p:cNvPr id="5" name="TextBox 4">
+            <a:extLst>
+              <a:ext uri="{FF2B5EF4-FFF2-40B4-BE49-F238E27FC236}">
+                <a16:creationId xmlns:a16="http://schemas.microsoft.com/office/drawing/2014/main" id="{89011F81-06D0-4A46-A096-551B7E0E6370}"/>
+              </a:ext>
+            </a:extLst>
+          </p:cNvPr>
+          <p:cNvSpPr txBox="1"/>
+          <p:nvPr/>
+        </p:nvSpPr>
+        <p:spPr>
+          <a:xfrm>
+            <a:off x="0" y="0"/>
+            <a:ext cx="2108499" cy="369332"/>
+          </a:xfrm>
+          <a:prstGeom prst="rect">
+            <a:avLst/>
+          </a:prstGeom>
+          <a:solidFill>
+            <a:schemeClr val="tx1">
+              <a:lumMod val="50000"/>
+              <a:lumOff val="50000"/>
+            </a:schemeClr>
+          </a:solidFill>
+          <a:ln>
+            <a:noFill/>
+          </a:ln>
+        </p:spPr>
+        <p:txBody>
+          <a:bodyPr wrap="square" rtlCol="0">
+            <a:spAutoFit/>
+          </a:bodyPr>
+          <a:lstStyle/>
+          <a:p>
+            <a:r>
+              <a:rPr lang="en-US" dirty="0">
+                <a:solidFill>
+                  <a:schemeClr val="bg1"/>
+                </a:solidFill>
+              </a:rPr>
+              <a:t>Page: Login</a:t>
+            </a:r>
+            <a:endParaRPr lang="en-MY" dirty="0">
+              <a:solidFill>
+                <a:schemeClr val="bg1"/>
+              </a:solidFill>
+            </a:endParaRPr>
+          </a:p>
+        </p:txBody>
+      </p:sp>
     </p:spTree>
     <p:extLst>
       <p:ext uri="{BB962C8B-B14F-4D97-AF65-F5344CB8AC3E}">
-        <p14:creationId xmlns:p14="http://schemas.microsoft.com/office/powerpoint/2010/main" val="2668949311"/>
+        <p14:creationId xmlns:p14="http://schemas.microsoft.com/office/powerpoint/2010/main" val="97354817"/>
       </p:ext>
     </p:extLst>
   </p:cSld>
@@ -4104,7 +6216,7 @@
           <p:cNvPr id="4" name="Picture 3">
             <a:extLst>
               <a:ext uri="{FF2B5EF4-FFF2-40B4-BE49-F238E27FC236}">
-                <a16:creationId xmlns:a16="http://schemas.microsoft.com/office/drawing/2014/main" id="{D3A3C720-DEA5-4903-971E-A93E2EB10A45}"/>
+                <a16:creationId xmlns:a16="http://schemas.microsoft.com/office/drawing/2014/main" id="{B6698114-9A1F-4718-90BA-3550DF9904C1}"/>
               </a:ext>
             </a:extLst>
           </p:cNvPr>
@@ -4121,18 +6233,150 @@
         </p:blipFill>
         <p:spPr>
           <a:xfrm>
-            <a:off x="0" y="0"/>
-            <a:ext cx="12192000" cy="6858000"/>
+            <a:off x="0" y="369332"/>
+            <a:ext cx="12192000" cy="6220004"/>
           </a:xfrm>
           <a:prstGeom prst="rect">
             <a:avLst/>
           </a:prstGeom>
         </p:spPr>
       </p:pic>
+      <p:sp>
+        <p:nvSpPr>
+          <p:cNvPr id="3" name="TextBox 2">
+            <a:extLst>
+              <a:ext uri="{FF2B5EF4-FFF2-40B4-BE49-F238E27FC236}">
+                <a16:creationId xmlns:a16="http://schemas.microsoft.com/office/drawing/2014/main" id="{B3BF3FFB-F952-44A7-ABEC-BFF970089DEE}"/>
+              </a:ext>
+            </a:extLst>
+          </p:cNvPr>
+          <p:cNvSpPr txBox="1"/>
+          <p:nvPr/>
+        </p:nvSpPr>
+        <p:spPr>
+          <a:xfrm>
+            <a:off x="-1" y="0"/>
+            <a:ext cx="8003357" cy="369332"/>
+          </a:xfrm>
+          <a:prstGeom prst="rect">
+            <a:avLst/>
+          </a:prstGeom>
+          <a:solidFill>
+            <a:schemeClr val="tx1">
+              <a:lumMod val="50000"/>
+              <a:lumOff val="50000"/>
+            </a:schemeClr>
+          </a:solidFill>
+          <a:ln>
+            <a:noFill/>
+          </a:ln>
+        </p:spPr>
+        <p:txBody>
+          <a:bodyPr wrap="square" rtlCol="0">
+            <a:spAutoFit/>
+          </a:bodyPr>
+          <a:lstStyle/>
+          <a:p>
+            <a:r>
+              <a:rPr lang="en-US" dirty="0">
+                <a:solidFill>
+                  <a:schemeClr val="bg1"/>
+                </a:solidFill>
+              </a:rPr>
+              <a:t>Page: NOC info =&gt; (</a:t>
+            </a:r>
+            <a:r>
+              <a:rPr lang="en-US" dirty="0" err="1">
+                <a:solidFill>
+                  <a:schemeClr val="bg1"/>
+                </a:solidFill>
+              </a:rPr>
+              <a:t>Memasukkan</a:t>
+            </a:r>
+            <a:r>
+              <a:rPr lang="en-US" dirty="0">
+                <a:solidFill>
+                  <a:schemeClr val="bg1"/>
+                </a:solidFill>
+              </a:rPr>
+              <a:t> Tarikh </a:t>
+            </a:r>
+            <a:r>
+              <a:rPr lang="en-US" dirty="0" err="1">
+                <a:solidFill>
+                  <a:schemeClr val="bg1"/>
+                </a:solidFill>
+              </a:rPr>
+              <a:t>Mula</a:t>
+            </a:r>
+            <a:r>
+              <a:rPr lang="en-US" dirty="0">
+                <a:solidFill>
+                  <a:schemeClr val="bg1"/>
+                </a:solidFill>
+              </a:rPr>
+              <a:t> </a:t>
+            </a:r>
+            <a:r>
+              <a:rPr lang="en-US" dirty="0" err="1">
+                <a:solidFill>
+                  <a:schemeClr val="bg1"/>
+                </a:solidFill>
+              </a:rPr>
+              <a:t>Sedia</a:t>
+            </a:r>
+            <a:r>
+              <a:rPr lang="en-US" dirty="0">
+                <a:solidFill>
+                  <a:schemeClr val="bg1"/>
+                </a:solidFill>
+              </a:rPr>
+              <a:t> Surat </a:t>
+            </a:r>
+            <a:r>
+              <a:rPr lang="en-US" dirty="0" err="1">
+                <a:solidFill>
+                  <a:schemeClr val="bg1"/>
+                </a:solidFill>
+              </a:rPr>
+              <a:t>Kelulusan</a:t>
+            </a:r>
+            <a:r>
+              <a:rPr lang="en-US" dirty="0">
+                <a:solidFill>
+                  <a:schemeClr val="bg1"/>
+                </a:solidFill>
+              </a:rPr>
+              <a:t> oleh </a:t>
+            </a:r>
+            <a:r>
+              <a:rPr lang="en-US" dirty="0" err="1">
+                <a:solidFill>
+                  <a:schemeClr val="bg1"/>
+                </a:solidFill>
+              </a:rPr>
+              <a:t>Bahagian</a:t>
+            </a:r>
+            <a:r>
+              <a:rPr lang="en-US" dirty="0">
+                <a:solidFill>
+                  <a:schemeClr val="bg1"/>
+                </a:solidFill>
+              </a:rPr>
+              <a:t>)</a:t>
+            </a:r>
+            <a:endParaRPr lang="en-MY" dirty="0">
+              <a:solidFill>
+                <a:schemeClr val="bg1"/>
+              </a:solidFill>
+            </a:endParaRPr>
+          </a:p>
+        </p:txBody>
+      </p:sp>
     </p:spTree>
     <p:extLst>
       <p:ext uri="{BB962C8B-B14F-4D97-AF65-F5344CB8AC3E}">
-        <p14:creationId xmlns:p14="http://schemas.microsoft.com/office/powerpoint/2010/main" val="1127962670"/>
+        <p14:creationId xmlns:p14="http://schemas.microsoft.com/office/powerpoint/2010/main" val="3942713471"/>
       </p:ext>
     </p:extLst>
   </p:cSld>
@@ -4164,7 +6408,7 @@
           <p:cNvPr id="4" name="Picture 3">
             <a:extLst>
               <a:ext uri="{FF2B5EF4-FFF2-40B4-BE49-F238E27FC236}">
-                <a16:creationId xmlns:a16="http://schemas.microsoft.com/office/drawing/2014/main" id="{3DA61426-CF0E-464B-94ED-E4D319349F60}"/>
+                <a16:creationId xmlns:a16="http://schemas.microsoft.com/office/drawing/2014/main" id="{D4B5CE53-DD0F-4FF0-B480-95BB0169BF5A}"/>
               </a:ext>
             </a:extLst>
           </p:cNvPr>
@@ -4181,18 +6425,182 @@
         </p:blipFill>
         <p:spPr>
           <a:xfrm>
-            <a:off x="0" y="0"/>
-            <a:ext cx="12192000" cy="6858000"/>
+            <a:off x="0" y="369332"/>
+            <a:ext cx="12192000" cy="6210577"/>
           </a:xfrm>
           <a:prstGeom prst="rect">
             <a:avLst/>
           </a:prstGeom>
         </p:spPr>
       </p:pic>
+      <p:sp>
+        <p:nvSpPr>
+          <p:cNvPr id="3" name="TextBox 2">
+            <a:extLst>
+              <a:ext uri="{FF2B5EF4-FFF2-40B4-BE49-F238E27FC236}">
+                <a16:creationId xmlns:a16="http://schemas.microsoft.com/office/drawing/2014/main" id="{569B939C-197F-4E57-AE8C-4E4636A73884}"/>
+              </a:ext>
+            </a:extLst>
+          </p:cNvPr>
+          <p:cNvSpPr txBox="1"/>
+          <p:nvPr/>
+        </p:nvSpPr>
+        <p:spPr>
+          <a:xfrm>
+            <a:off x="0" y="0"/>
+            <a:ext cx="8371002" cy="369332"/>
+          </a:xfrm>
+          <a:prstGeom prst="rect">
+            <a:avLst/>
+          </a:prstGeom>
+          <a:solidFill>
+            <a:schemeClr val="tx1">
+              <a:lumMod val="50000"/>
+              <a:lumOff val="50000"/>
+            </a:schemeClr>
+          </a:solidFill>
+          <a:ln>
+            <a:noFill/>
+          </a:ln>
+        </p:spPr>
+        <p:txBody>
+          <a:bodyPr wrap="square" rtlCol="0">
+            <a:spAutoFit/>
+          </a:bodyPr>
+          <a:lstStyle/>
+          <a:p>
+            <a:r>
+              <a:rPr lang="en-US" dirty="0">
+                <a:solidFill>
+                  <a:schemeClr val="bg1"/>
+                </a:solidFill>
+              </a:rPr>
+              <a:t>Page: NOC info =&gt; (NOC </a:t>
+            </a:r>
+            <a:r>
+              <a:rPr lang="en-US" dirty="0" err="1">
+                <a:solidFill>
+                  <a:schemeClr val="bg1"/>
+                </a:solidFill>
+              </a:rPr>
+              <a:t>sedang</a:t>
+            </a:r>
+            <a:r>
+              <a:rPr lang="en-US" dirty="0">
+                <a:solidFill>
+                  <a:schemeClr val="bg1"/>
+                </a:solidFill>
+              </a:rPr>
+              <a:t> </a:t>
+            </a:r>
+            <a:r>
+              <a:rPr lang="en-US" dirty="0" err="1">
+                <a:solidFill>
+                  <a:schemeClr val="bg1"/>
+                </a:solidFill>
+              </a:rPr>
+              <a:t>sedia</a:t>
+            </a:r>
+            <a:r>
+              <a:rPr lang="en-US" dirty="0">
+                <a:solidFill>
+                  <a:schemeClr val="bg1"/>
+                </a:solidFill>
+              </a:rPr>
+              <a:t> </a:t>
+            </a:r>
+            <a:r>
+              <a:rPr lang="en-US" dirty="0" err="1">
+                <a:solidFill>
+                  <a:schemeClr val="bg1"/>
+                </a:solidFill>
+              </a:rPr>
+              <a:t>surat</a:t>
+            </a:r>
+            <a:r>
+              <a:rPr lang="en-US" dirty="0">
+                <a:solidFill>
+                  <a:schemeClr val="bg1"/>
+                </a:solidFill>
+              </a:rPr>
+              <a:t> dan </a:t>
+            </a:r>
+            <a:r>
+              <a:rPr lang="en-US" dirty="0" err="1">
+                <a:solidFill>
+                  <a:schemeClr val="bg1"/>
+                </a:solidFill>
+              </a:rPr>
+              <a:t>tindakan</a:t>
+            </a:r>
+            <a:r>
+              <a:rPr lang="en-US" dirty="0">
+                <a:solidFill>
+                  <a:schemeClr val="bg1"/>
+                </a:solidFill>
+              </a:rPr>
+              <a:t> </a:t>
+            </a:r>
+            <a:r>
+              <a:rPr lang="en-US" dirty="0" err="1">
+                <a:solidFill>
+                  <a:schemeClr val="bg1"/>
+                </a:solidFill>
+              </a:rPr>
+              <a:t>hantar</a:t>
+            </a:r>
+            <a:r>
+              <a:rPr lang="en-US" dirty="0">
+                <a:solidFill>
+                  <a:schemeClr val="bg1"/>
+                </a:solidFill>
+              </a:rPr>
+              <a:t> </a:t>
+            </a:r>
+            <a:r>
+              <a:rPr lang="en-US" dirty="0" err="1">
+                <a:solidFill>
+                  <a:schemeClr val="bg1"/>
+                </a:solidFill>
+              </a:rPr>
+              <a:t>surat</a:t>
+            </a:r>
+            <a:r>
+              <a:rPr lang="en-US" dirty="0">
+                <a:solidFill>
+                  <a:schemeClr val="bg1"/>
+                </a:solidFill>
+              </a:rPr>
+              <a:t> oleh </a:t>
+            </a:r>
+            <a:r>
+              <a:rPr lang="en-US" dirty="0" err="1">
+                <a:solidFill>
+                  <a:schemeClr val="bg1"/>
+                </a:solidFill>
+              </a:rPr>
+              <a:t>Bahagian</a:t>
+            </a:r>
+            <a:r>
+              <a:rPr lang="en-US" dirty="0">
+                <a:solidFill>
+                  <a:schemeClr val="bg1"/>
+                </a:solidFill>
+              </a:rPr>
+              <a:t>)</a:t>
+            </a:r>
+            <a:endParaRPr lang="en-MY" dirty="0">
+              <a:solidFill>
+                <a:schemeClr val="bg1"/>
+              </a:solidFill>
+            </a:endParaRPr>
+          </a:p>
+        </p:txBody>
+      </p:sp>
     </p:spTree>
     <p:extLst>
       <p:ext uri="{BB962C8B-B14F-4D97-AF65-F5344CB8AC3E}">
-        <p14:creationId xmlns:p14="http://schemas.microsoft.com/office/powerpoint/2010/main" val="1148589543"/>
+        <p14:creationId xmlns:p14="http://schemas.microsoft.com/office/powerpoint/2010/main" val="1678570075"/>
       </p:ext>
     </p:extLst>
   </p:cSld>
@@ -4224,7 +6632,7 @@
           <p:cNvPr id="4" name="Picture 3">
             <a:extLst>
               <a:ext uri="{FF2B5EF4-FFF2-40B4-BE49-F238E27FC236}">
-                <a16:creationId xmlns:a16="http://schemas.microsoft.com/office/drawing/2014/main" id="{AC0A5849-343A-4F9A-A6A5-805B1B7FDF5C}"/>
+                <a16:creationId xmlns:a16="http://schemas.microsoft.com/office/drawing/2014/main" id="{338540FA-00F9-4821-A942-60EEC3BCDF79}"/>
               </a:ext>
             </a:extLst>
           </p:cNvPr>
@@ -4241,14 +6649,623 @@
         </p:blipFill>
         <p:spPr>
           <a:xfrm>
-            <a:off x="0" y="0"/>
-            <a:ext cx="12192000" cy="6858000"/>
+            <a:off x="0" y="369332"/>
+            <a:ext cx="12192000" cy="6191724"/>
           </a:xfrm>
           <a:prstGeom prst="rect">
             <a:avLst/>
           </a:prstGeom>
         </p:spPr>
       </p:pic>
+      <p:sp>
+        <p:nvSpPr>
+          <p:cNvPr id="3" name="TextBox 2">
+            <a:extLst>
+              <a:ext uri="{FF2B5EF4-FFF2-40B4-BE49-F238E27FC236}">
+                <a16:creationId xmlns:a16="http://schemas.microsoft.com/office/drawing/2014/main" id="{1565CACF-1608-4F9F-8B94-19E4F7C56D75}"/>
+              </a:ext>
+            </a:extLst>
+          </p:cNvPr>
+          <p:cNvSpPr txBox="1"/>
+          <p:nvPr/>
+        </p:nvSpPr>
+        <p:spPr>
+          <a:xfrm>
+            <a:off x="0" y="0"/>
+            <a:ext cx="8059918" cy="369332"/>
+          </a:xfrm>
+          <a:prstGeom prst="rect">
+            <a:avLst/>
+          </a:prstGeom>
+          <a:solidFill>
+            <a:schemeClr val="tx1">
+              <a:lumMod val="50000"/>
+              <a:lumOff val="50000"/>
+            </a:schemeClr>
+          </a:solidFill>
+          <a:ln>
+            <a:noFill/>
+          </a:ln>
+        </p:spPr>
+        <p:txBody>
+          <a:bodyPr wrap="square" rtlCol="0">
+            <a:spAutoFit/>
+          </a:bodyPr>
+          <a:lstStyle/>
+          <a:p>
+            <a:r>
+              <a:rPr lang="en-US" dirty="0">
+                <a:solidFill>
+                  <a:schemeClr val="bg1"/>
+                </a:solidFill>
+              </a:rPr>
+              <a:t>Page: NOC info =&gt; (</a:t>
+            </a:r>
+            <a:r>
+              <a:rPr lang="en-US" dirty="0" err="1">
+                <a:solidFill>
+                  <a:schemeClr val="bg1"/>
+                </a:solidFill>
+              </a:rPr>
+              <a:t>Memasukkan</a:t>
+            </a:r>
+            <a:r>
+              <a:rPr lang="en-US" dirty="0">
+                <a:solidFill>
+                  <a:schemeClr val="bg1"/>
+                </a:solidFill>
+              </a:rPr>
+              <a:t> Tarikh </a:t>
+            </a:r>
+            <a:r>
+              <a:rPr lang="en-US" dirty="0" err="1">
+                <a:solidFill>
+                  <a:schemeClr val="bg1"/>
+                </a:solidFill>
+              </a:rPr>
+              <a:t>Hantar</a:t>
+            </a:r>
+            <a:r>
+              <a:rPr lang="en-US" dirty="0">
+                <a:solidFill>
+                  <a:schemeClr val="bg1"/>
+                </a:solidFill>
+              </a:rPr>
+              <a:t> Surat </a:t>
+            </a:r>
+            <a:r>
+              <a:rPr lang="en-US" dirty="0" err="1">
+                <a:solidFill>
+                  <a:schemeClr val="bg1"/>
+                </a:solidFill>
+              </a:rPr>
+              <a:t>Kelulusan</a:t>
+            </a:r>
+            <a:r>
+              <a:rPr lang="en-US" dirty="0">
+                <a:solidFill>
+                  <a:schemeClr val="bg1"/>
+                </a:solidFill>
+              </a:rPr>
+              <a:t> oleh </a:t>
+            </a:r>
+            <a:r>
+              <a:rPr lang="en-US" dirty="0" err="1">
+                <a:solidFill>
+                  <a:schemeClr val="bg1"/>
+                </a:solidFill>
+              </a:rPr>
+              <a:t>Bahagian</a:t>
+            </a:r>
+            <a:r>
+              <a:rPr lang="en-US" dirty="0">
+                <a:solidFill>
+                  <a:schemeClr val="bg1"/>
+                </a:solidFill>
+              </a:rPr>
+              <a:t>)</a:t>
+            </a:r>
+            <a:endParaRPr lang="en-MY" dirty="0">
+              <a:solidFill>
+                <a:schemeClr val="bg1"/>
+              </a:solidFill>
+            </a:endParaRPr>
+          </a:p>
+        </p:txBody>
+      </p:sp>
+    </p:spTree>
+    <p:extLst>
+      <p:ext uri="{BB962C8B-B14F-4D97-AF65-F5344CB8AC3E}">
+        <p14:creationId xmlns:p14="http://schemas.microsoft.com/office/powerpoint/2010/main" val="1431206113"/>
+      </p:ext>
+    </p:extLst>
+  </p:cSld>
+  <p:clrMapOvr>
+    <a:masterClrMapping/>
+  </p:clrMapOvr>
+</p:sld>
+</file>
+
+<file path=ppt/slides/slide23.xml><?xml version="1.0" encoding="utf-8"?>
+<p:sld xmlns:a="http://schemas.openxmlformats.org/drawingml/2006/main" xmlns:r="http://schemas.openxmlformats.org/officeDocument/2006/relationships" xmlns:p="http://schemas.openxmlformats.org/presentationml/2006/main">
+  <p:cSld>
+    <p:spTree>
+      <p:nvGrpSpPr>
+        <p:cNvPr id="1" name=""/>
+        <p:cNvGrpSpPr/>
+        <p:nvPr/>
+      </p:nvGrpSpPr>
+      <p:grpSpPr>
+        <a:xfrm>
+          <a:off x="0" y="0"/>
+          <a:ext cx="0" cy="0"/>
+          <a:chOff x="0" y="0"/>
+          <a:chExt cx="0" cy="0"/>
+        </a:xfrm>
+      </p:grpSpPr>
+      <p:pic>
+        <p:nvPicPr>
+          <p:cNvPr id="4" name="Picture 3">
+            <a:extLst>
+              <a:ext uri="{FF2B5EF4-FFF2-40B4-BE49-F238E27FC236}">
+                <a16:creationId xmlns:a16="http://schemas.microsoft.com/office/drawing/2014/main" id="{D3A3C720-DEA5-4903-971E-A93E2EB10A45}"/>
+              </a:ext>
+            </a:extLst>
+          </p:cNvPr>
+          <p:cNvPicPr>
+            <a:picLocks noChangeAspect="1"/>
+          </p:cNvPicPr>
+          <p:nvPr/>
+        </p:nvPicPr>
+        <p:blipFill>
+          <a:blip r:embed="rId2"/>
+          <a:stretch>
+            <a:fillRect/>
+          </a:stretch>
+        </p:blipFill>
+        <p:spPr>
+          <a:xfrm>
+            <a:off x="0" y="369332"/>
+            <a:ext cx="12192000" cy="6229431"/>
+          </a:xfrm>
+          <a:prstGeom prst="rect">
+            <a:avLst/>
+          </a:prstGeom>
+        </p:spPr>
+      </p:pic>
+      <p:sp>
+        <p:nvSpPr>
+          <p:cNvPr id="2" name="Rectangle 1">
+            <a:extLst>
+              <a:ext uri="{FF2B5EF4-FFF2-40B4-BE49-F238E27FC236}">
+                <a16:creationId xmlns:a16="http://schemas.microsoft.com/office/drawing/2014/main" id="{08BF0FE3-C144-4FB9-B75C-862850329F20}"/>
+              </a:ext>
+            </a:extLst>
+          </p:cNvPr>
+          <p:cNvSpPr/>
+          <p:nvPr/>
+        </p:nvSpPr>
+        <p:spPr>
+          <a:xfrm>
+            <a:off x="-1" y="0"/>
+            <a:ext cx="8474697" cy="369332"/>
+          </a:xfrm>
+          <a:prstGeom prst="rect">
+            <a:avLst/>
+          </a:prstGeom>
+          <a:solidFill>
+            <a:schemeClr val="tx1">
+              <a:lumMod val="50000"/>
+              <a:lumOff val="50000"/>
+            </a:schemeClr>
+          </a:solidFill>
+        </p:spPr>
+        <p:txBody>
+          <a:bodyPr wrap="square">
+            <a:spAutoFit/>
+          </a:bodyPr>
+          <a:lstStyle/>
+          <a:p>
+            <a:r>
+              <a:rPr lang="en-US" dirty="0">
+                <a:solidFill>
+                  <a:schemeClr val="bg1"/>
+                </a:solidFill>
+              </a:rPr>
+              <a:t>Page: NOC info =&gt; (NOC telah </a:t>
+            </a:r>
+            <a:r>
+              <a:rPr lang="en-US" dirty="0" err="1">
+                <a:solidFill>
+                  <a:schemeClr val="bg1"/>
+                </a:solidFill>
+              </a:rPr>
+              <a:t>hantar</a:t>
+            </a:r>
+            <a:r>
+              <a:rPr lang="en-US" dirty="0">
+                <a:solidFill>
+                  <a:schemeClr val="bg1"/>
+                </a:solidFill>
+              </a:rPr>
+              <a:t> </a:t>
+            </a:r>
+            <a:r>
+              <a:rPr lang="en-US" dirty="0" err="1">
+                <a:solidFill>
+                  <a:schemeClr val="bg1"/>
+                </a:solidFill>
+              </a:rPr>
+              <a:t>surat</a:t>
+            </a:r>
+            <a:r>
+              <a:rPr lang="en-US" dirty="0">
+                <a:solidFill>
+                  <a:schemeClr val="bg1"/>
+                </a:solidFill>
+              </a:rPr>
+              <a:t> dan </a:t>
+            </a:r>
+            <a:r>
+              <a:rPr lang="en-US" dirty="0" err="1">
+                <a:solidFill>
+                  <a:schemeClr val="bg1"/>
+                </a:solidFill>
+              </a:rPr>
+              <a:t>tindakan</a:t>
+            </a:r>
+            <a:r>
+              <a:rPr lang="en-US" dirty="0">
+                <a:solidFill>
+                  <a:schemeClr val="bg1"/>
+                </a:solidFill>
+              </a:rPr>
+              <a:t> pada Modul NOC oleh </a:t>
+            </a:r>
+            <a:r>
+              <a:rPr lang="en-US" dirty="0" err="1">
+                <a:solidFill>
+                  <a:schemeClr val="bg1"/>
+                </a:solidFill>
+              </a:rPr>
+              <a:t>Bahagian</a:t>
+            </a:r>
+            <a:r>
+              <a:rPr lang="en-US" dirty="0">
+                <a:solidFill>
+                  <a:schemeClr val="bg1"/>
+                </a:solidFill>
+              </a:rPr>
+              <a:t>)</a:t>
+            </a:r>
+            <a:endParaRPr lang="en-MY" dirty="0">
+              <a:solidFill>
+                <a:schemeClr val="bg1"/>
+              </a:solidFill>
+            </a:endParaRPr>
+          </a:p>
+        </p:txBody>
+      </p:sp>
+    </p:spTree>
+    <p:extLst>
+      <p:ext uri="{BB962C8B-B14F-4D97-AF65-F5344CB8AC3E}">
+        <p14:creationId xmlns:p14="http://schemas.microsoft.com/office/powerpoint/2010/main" val="1127962670"/>
+      </p:ext>
+    </p:extLst>
+  </p:cSld>
+  <p:clrMapOvr>
+    <a:masterClrMapping/>
+  </p:clrMapOvr>
+</p:sld>
+</file>
+
+<file path=ppt/slides/slide24.xml><?xml version="1.0" encoding="utf-8"?>
+<p:sld xmlns:a="http://schemas.openxmlformats.org/drawingml/2006/main" xmlns:r="http://schemas.openxmlformats.org/officeDocument/2006/relationships" xmlns:p="http://schemas.openxmlformats.org/presentationml/2006/main">
+  <p:cSld>
+    <p:spTree>
+      <p:nvGrpSpPr>
+        <p:cNvPr id="1" name=""/>
+        <p:cNvGrpSpPr/>
+        <p:nvPr/>
+      </p:nvGrpSpPr>
+      <p:grpSpPr>
+        <a:xfrm>
+          <a:off x="0" y="0"/>
+          <a:ext cx="0" cy="0"/>
+          <a:chOff x="0" y="0"/>
+          <a:chExt cx="0" cy="0"/>
+        </a:xfrm>
+      </p:grpSpPr>
+      <p:pic>
+        <p:nvPicPr>
+          <p:cNvPr id="4" name="Picture 3">
+            <a:extLst>
+              <a:ext uri="{FF2B5EF4-FFF2-40B4-BE49-F238E27FC236}">
+                <a16:creationId xmlns:a16="http://schemas.microsoft.com/office/drawing/2014/main" id="{3DA61426-CF0E-464B-94ED-E4D319349F60}"/>
+              </a:ext>
+            </a:extLst>
+          </p:cNvPr>
+          <p:cNvPicPr>
+            <a:picLocks noChangeAspect="1"/>
+          </p:cNvPicPr>
+          <p:nvPr/>
+        </p:nvPicPr>
+        <p:blipFill>
+          <a:blip r:embed="rId2"/>
+          <a:stretch>
+            <a:fillRect/>
+          </a:stretch>
+        </p:blipFill>
+        <p:spPr>
+          <a:xfrm>
+            <a:off x="0" y="369332"/>
+            <a:ext cx="12192000" cy="6238858"/>
+          </a:xfrm>
+          <a:prstGeom prst="rect">
+            <a:avLst/>
+          </a:prstGeom>
+        </p:spPr>
+      </p:pic>
+      <p:sp>
+        <p:nvSpPr>
+          <p:cNvPr id="3" name="TextBox 2">
+            <a:extLst>
+              <a:ext uri="{FF2B5EF4-FFF2-40B4-BE49-F238E27FC236}">
+                <a16:creationId xmlns:a16="http://schemas.microsoft.com/office/drawing/2014/main" id="{BD35581C-35AC-4824-8ACC-36C5B443FF72}"/>
+              </a:ext>
+            </a:extLst>
+          </p:cNvPr>
+          <p:cNvSpPr txBox="1"/>
+          <p:nvPr/>
+        </p:nvSpPr>
+        <p:spPr>
+          <a:xfrm>
+            <a:off x="-2" y="0"/>
+            <a:ext cx="8041065" cy="369332"/>
+          </a:xfrm>
+          <a:prstGeom prst="rect">
+            <a:avLst/>
+          </a:prstGeom>
+          <a:solidFill>
+            <a:schemeClr val="tx1">
+              <a:lumMod val="50000"/>
+              <a:lumOff val="50000"/>
+            </a:schemeClr>
+          </a:solidFill>
+          <a:ln>
+            <a:noFill/>
+          </a:ln>
+        </p:spPr>
+        <p:txBody>
+          <a:bodyPr wrap="square" rtlCol="0">
+            <a:spAutoFit/>
+          </a:bodyPr>
+          <a:lstStyle/>
+          <a:p>
+            <a:r>
+              <a:rPr lang="en-US" dirty="0">
+                <a:solidFill>
+                  <a:schemeClr val="bg1"/>
+                </a:solidFill>
+              </a:rPr>
+              <a:t>Page: NOC info =&gt; (</a:t>
+            </a:r>
+            <a:r>
+              <a:rPr lang="en-US" dirty="0" err="1">
+                <a:solidFill>
+                  <a:schemeClr val="bg1"/>
+                </a:solidFill>
+              </a:rPr>
+              <a:t>Memasukkan</a:t>
+            </a:r>
+            <a:r>
+              <a:rPr lang="en-US" dirty="0">
+                <a:solidFill>
+                  <a:schemeClr val="bg1"/>
+                </a:solidFill>
+              </a:rPr>
+              <a:t> Tarikh </a:t>
+            </a:r>
+            <a:r>
+              <a:rPr lang="en-US" dirty="0" err="1">
+                <a:solidFill>
+                  <a:schemeClr val="bg1"/>
+                </a:solidFill>
+              </a:rPr>
+              <a:t>Mula</a:t>
+            </a:r>
+            <a:r>
+              <a:rPr lang="en-US" dirty="0">
+                <a:solidFill>
+                  <a:schemeClr val="bg1"/>
+                </a:solidFill>
+              </a:rPr>
+              <a:t> Modul NOC </a:t>
+            </a:r>
+            <a:r>
+              <a:rPr lang="en-US" dirty="0" err="1">
+                <a:solidFill>
+                  <a:schemeClr val="bg1"/>
+                </a:solidFill>
+              </a:rPr>
+              <a:t>MyProjek</a:t>
+            </a:r>
+            <a:r>
+              <a:rPr lang="en-US" dirty="0">
+                <a:solidFill>
+                  <a:schemeClr val="bg1"/>
+                </a:solidFill>
+              </a:rPr>
+              <a:t> oleh </a:t>
+            </a:r>
+            <a:r>
+              <a:rPr lang="en-US" dirty="0" err="1">
+                <a:solidFill>
+                  <a:schemeClr val="bg1"/>
+                </a:solidFill>
+              </a:rPr>
+              <a:t>Bahagian</a:t>
+            </a:r>
+            <a:r>
+              <a:rPr lang="en-US" dirty="0">
+                <a:solidFill>
+                  <a:schemeClr val="bg1"/>
+                </a:solidFill>
+              </a:rPr>
+              <a:t>)</a:t>
+            </a:r>
+            <a:endParaRPr lang="en-MY" dirty="0">
+              <a:solidFill>
+                <a:schemeClr val="bg1"/>
+              </a:solidFill>
+            </a:endParaRPr>
+          </a:p>
+        </p:txBody>
+      </p:sp>
+    </p:spTree>
+    <p:extLst>
+      <p:ext uri="{BB962C8B-B14F-4D97-AF65-F5344CB8AC3E}">
+        <p14:creationId xmlns:p14="http://schemas.microsoft.com/office/powerpoint/2010/main" val="1148589543"/>
+      </p:ext>
+    </p:extLst>
+  </p:cSld>
+  <p:clrMapOvr>
+    <a:masterClrMapping/>
+  </p:clrMapOvr>
+</p:sld>
+</file>
+
+<file path=ppt/slides/slide25.xml><?xml version="1.0" encoding="utf-8"?>
+<p:sld xmlns:a="http://schemas.openxmlformats.org/drawingml/2006/main" xmlns:r="http://schemas.openxmlformats.org/officeDocument/2006/relationships" xmlns:p="http://schemas.openxmlformats.org/presentationml/2006/main">
+  <p:cSld>
+    <p:spTree>
+      <p:nvGrpSpPr>
+        <p:cNvPr id="1" name=""/>
+        <p:cNvGrpSpPr/>
+        <p:nvPr/>
+      </p:nvGrpSpPr>
+      <p:grpSpPr>
+        <a:xfrm>
+          <a:off x="0" y="0"/>
+          <a:ext cx="0" cy="0"/>
+          <a:chOff x="0" y="0"/>
+          <a:chExt cx="0" cy="0"/>
+        </a:xfrm>
+      </p:grpSpPr>
+      <p:pic>
+        <p:nvPicPr>
+          <p:cNvPr id="4" name="Picture 3">
+            <a:extLst>
+              <a:ext uri="{FF2B5EF4-FFF2-40B4-BE49-F238E27FC236}">
+                <a16:creationId xmlns:a16="http://schemas.microsoft.com/office/drawing/2014/main" id="{AC0A5849-343A-4F9A-A6A5-805B1B7FDF5C}"/>
+              </a:ext>
+            </a:extLst>
+          </p:cNvPr>
+          <p:cNvPicPr>
+            <a:picLocks noChangeAspect="1"/>
+          </p:cNvPicPr>
+          <p:nvPr/>
+        </p:nvPicPr>
+        <p:blipFill>
+          <a:blip r:embed="rId2"/>
+          <a:stretch>
+            <a:fillRect/>
+          </a:stretch>
+        </p:blipFill>
+        <p:spPr>
+          <a:xfrm>
+            <a:off x="0" y="369332"/>
+            <a:ext cx="12192000" cy="6257711"/>
+          </a:xfrm>
+          <a:prstGeom prst="rect">
+            <a:avLst/>
+          </a:prstGeom>
+        </p:spPr>
+      </p:pic>
+      <p:sp>
+        <p:nvSpPr>
+          <p:cNvPr id="3" name="TextBox 2">
+            <a:extLst>
+              <a:ext uri="{FF2B5EF4-FFF2-40B4-BE49-F238E27FC236}">
+                <a16:creationId xmlns:a16="http://schemas.microsoft.com/office/drawing/2014/main" id="{3F314F15-B314-4E27-86D9-7870831DF02F}"/>
+              </a:ext>
+            </a:extLst>
+          </p:cNvPr>
+          <p:cNvSpPr txBox="1"/>
+          <p:nvPr/>
+        </p:nvSpPr>
+        <p:spPr>
+          <a:xfrm>
+            <a:off x="-1" y="0"/>
+            <a:ext cx="8493551" cy="369332"/>
+          </a:xfrm>
+          <a:prstGeom prst="rect">
+            <a:avLst/>
+          </a:prstGeom>
+          <a:solidFill>
+            <a:schemeClr val="tx1">
+              <a:lumMod val="50000"/>
+              <a:lumOff val="50000"/>
+            </a:schemeClr>
+          </a:solidFill>
+          <a:ln>
+            <a:noFill/>
+          </a:ln>
+        </p:spPr>
+        <p:txBody>
+          <a:bodyPr wrap="square" rtlCol="0">
+            <a:spAutoFit/>
+          </a:bodyPr>
+          <a:lstStyle/>
+          <a:p>
+            <a:r>
+              <a:rPr lang="en-US" dirty="0">
+                <a:solidFill>
+                  <a:schemeClr val="bg1"/>
+                </a:solidFill>
+              </a:rPr>
+              <a:t>Page: NOC info =&gt; (NOC </a:t>
+            </a:r>
+            <a:r>
+              <a:rPr lang="en-US" dirty="0" err="1">
+                <a:solidFill>
+                  <a:schemeClr val="bg1"/>
+                </a:solidFill>
+              </a:rPr>
+              <a:t>selesai</a:t>
+            </a:r>
+            <a:r>
+              <a:rPr lang="en-US" dirty="0">
+                <a:solidFill>
+                  <a:schemeClr val="bg1"/>
+                </a:solidFill>
+              </a:rPr>
+              <a:t> oleh </a:t>
+            </a:r>
+            <a:r>
+              <a:rPr lang="en-US" dirty="0" err="1">
+                <a:solidFill>
+                  <a:schemeClr val="bg1"/>
+                </a:solidFill>
+              </a:rPr>
+              <a:t>Bahagian</a:t>
+            </a:r>
+            <a:r>
+              <a:rPr lang="en-US" dirty="0">
+                <a:solidFill>
+                  <a:schemeClr val="bg1"/>
+                </a:solidFill>
+              </a:rPr>
+              <a:t>)</a:t>
+            </a:r>
+            <a:endParaRPr lang="en-MY" dirty="0">
+              <a:solidFill>
+                <a:schemeClr val="bg1"/>
+              </a:solidFill>
+            </a:endParaRPr>
+          </a:p>
+        </p:txBody>
+      </p:sp>
     </p:spTree>
     <p:extLst>
       <p:ext uri="{BB962C8B-B14F-4D97-AF65-F5344CB8AC3E}">
@@ -4284,7 +7301,7 @@
           <p:cNvPr id="4" name="Picture 3">
             <a:extLst>
               <a:ext uri="{FF2B5EF4-FFF2-40B4-BE49-F238E27FC236}">
-                <a16:creationId xmlns:a16="http://schemas.microsoft.com/office/drawing/2014/main" id="{7868C65A-4D6B-4FE1-82E4-45FDA8A98205}"/>
+                <a16:creationId xmlns:a16="http://schemas.microsoft.com/office/drawing/2014/main" id="{2AD1BC5D-66C1-4813-A15E-E68C9AD7FF29}"/>
               </a:ext>
             </a:extLst>
           </p:cNvPr>
@@ -4301,18 +7318,102 @@
         </p:blipFill>
         <p:spPr>
           <a:xfrm>
-            <a:off x="0" y="0"/>
-            <a:ext cx="12192000" cy="6858000"/>
+            <a:off x="0" y="369333"/>
+            <a:ext cx="12192000" cy="6182074"/>
           </a:xfrm>
           <a:prstGeom prst="rect">
             <a:avLst/>
           </a:prstGeom>
         </p:spPr>
       </p:pic>
+      <p:sp>
+        <p:nvSpPr>
+          <p:cNvPr id="5" name="TextBox 4">
+            <a:extLst>
+              <a:ext uri="{FF2B5EF4-FFF2-40B4-BE49-F238E27FC236}">
+                <a16:creationId xmlns:a16="http://schemas.microsoft.com/office/drawing/2014/main" id="{AE543B72-334F-4138-A868-F0FC0C6C4958}"/>
+              </a:ext>
+            </a:extLst>
+          </p:cNvPr>
+          <p:cNvSpPr txBox="1"/>
+          <p:nvPr/>
+        </p:nvSpPr>
+        <p:spPr>
+          <a:xfrm>
+            <a:off x="0" y="0"/>
+            <a:ext cx="5905948" cy="369332"/>
+          </a:xfrm>
+          <a:prstGeom prst="rect">
+            <a:avLst/>
+          </a:prstGeom>
+          <a:solidFill>
+            <a:schemeClr val="tx1">
+              <a:lumMod val="50000"/>
+              <a:lumOff val="50000"/>
+            </a:schemeClr>
+          </a:solidFill>
+          <a:ln>
+            <a:noFill/>
+          </a:ln>
+        </p:spPr>
+        <p:txBody>
+          <a:bodyPr wrap="square" rtlCol="0">
+            <a:spAutoFit/>
+          </a:bodyPr>
+          <a:lstStyle/>
+          <a:p>
+            <a:r>
+              <a:rPr lang="en-US" dirty="0">
+                <a:solidFill>
+                  <a:schemeClr val="bg1"/>
+                </a:solidFill>
+              </a:rPr>
+              <a:t>Page: </a:t>
+            </a:r>
+            <a:r>
+              <a:rPr lang="en-US" dirty="0" err="1">
+                <a:solidFill>
+                  <a:schemeClr val="bg1"/>
+                </a:solidFill>
+              </a:rPr>
+              <a:t>Halaman</a:t>
+            </a:r>
+            <a:r>
+              <a:rPr lang="en-US" dirty="0">
+                <a:solidFill>
+                  <a:schemeClr val="bg1"/>
+                </a:solidFill>
+              </a:rPr>
+              <a:t> Utama (</a:t>
+            </a:r>
+            <a:r>
+              <a:rPr lang="en-US" dirty="0" err="1">
+                <a:solidFill>
+                  <a:schemeClr val="bg1"/>
+                </a:solidFill>
+              </a:rPr>
+              <a:t>Peranan</a:t>
+            </a:r>
+            <a:r>
+              <a:rPr lang="en-US" dirty="0">
+                <a:solidFill>
+                  <a:schemeClr val="bg1"/>
+                </a:solidFill>
+              </a:rPr>
+              <a:t>: Admin)</a:t>
+            </a:r>
+            <a:endParaRPr lang="en-MY" dirty="0">
+              <a:solidFill>
+                <a:schemeClr val="bg1"/>
+              </a:solidFill>
+            </a:endParaRPr>
+          </a:p>
+        </p:txBody>
+      </p:sp>
     </p:spTree>
     <p:extLst>
       <p:ext uri="{BB962C8B-B14F-4D97-AF65-F5344CB8AC3E}">
-        <p14:creationId xmlns:p14="http://schemas.microsoft.com/office/powerpoint/2010/main" val="653694485"/>
+        <p14:creationId xmlns:p14="http://schemas.microsoft.com/office/powerpoint/2010/main" val="1474292066"/>
       </p:ext>
     </p:extLst>
   </p:cSld>
@@ -4341,10 +7442,10 @@
       </p:grpSpPr>
       <p:pic>
         <p:nvPicPr>
-          <p:cNvPr id="4" name="Picture 3">
-            <a:extLst>
-              <a:ext uri="{FF2B5EF4-FFF2-40B4-BE49-F238E27FC236}">
-                <a16:creationId xmlns:a16="http://schemas.microsoft.com/office/drawing/2014/main" id="{D2B861FA-7355-4113-976C-94CEC4E87A29}"/>
+          <p:cNvPr id="2" name="Picture 1">
+            <a:extLst>
+              <a:ext uri="{FF2B5EF4-FFF2-40B4-BE49-F238E27FC236}">
+                <a16:creationId xmlns:a16="http://schemas.microsoft.com/office/drawing/2014/main" id="{355FD260-AAA4-40C5-A1EA-42464948B5E9}"/>
               </a:ext>
             </a:extLst>
           </p:cNvPr>
@@ -4361,18 +7462,134 @@
         </p:blipFill>
         <p:spPr>
           <a:xfrm>
-            <a:off x="0" y="0"/>
-            <a:ext cx="12192000" cy="6858000"/>
+            <a:off x="0" y="369332"/>
+            <a:ext cx="12192000" cy="6192833"/>
           </a:xfrm>
           <a:prstGeom prst="rect">
             <a:avLst/>
           </a:prstGeom>
         </p:spPr>
       </p:pic>
+      <p:sp>
+        <p:nvSpPr>
+          <p:cNvPr id="3" name="TextBox 2">
+            <a:extLst>
+              <a:ext uri="{FF2B5EF4-FFF2-40B4-BE49-F238E27FC236}">
+                <a16:creationId xmlns:a16="http://schemas.microsoft.com/office/drawing/2014/main" id="{DA1DAD93-E739-46C7-A29D-C2C407D0D5CE}"/>
+              </a:ext>
+            </a:extLst>
+          </p:cNvPr>
+          <p:cNvSpPr txBox="1"/>
+          <p:nvPr/>
+        </p:nvSpPr>
+        <p:spPr>
+          <a:xfrm>
+            <a:off x="0" y="0"/>
+            <a:ext cx="5905948" cy="369332"/>
+          </a:xfrm>
+          <a:prstGeom prst="rect">
+            <a:avLst/>
+          </a:prstGeom>
+          <a:solidFill>
+            <a:schemeClr val="tx1">
+              <a:lumMod val="50000"/>
+              <a:lumOff val="50000"/>
+            </a:schemeClr>
+          </a:solidFill>
+          <a:ln>
+            <a:noFill/>
+          </a:ln>
+        </p:spPr>
+        <p:txBody>
+          <a:bodyPr wrap="square" rtlCol="0">
+            <a:spAutoFit/>
+          </a:bodyPr>
+          <a:lstStyle/>
+          <a:p>
+            <a:r>
+              <a:rPr lang="en-US" dirty="0">
+                <a:solidFill>
+                  <a:schemeClr val="bg1"/>
+                </a:solidFill>
+              </a:rPr>
+              <a:t>Page: </a:t>
+            </a:r>
+            <a:r>
+              <a:rPr lang="en-US" dirty="0" err="1">
+                <a:solidFill>
+                  <a:schemeClr val="bg1"/>
+                </a:solidFill>
+              </a:rPr>
+              <a:t>Halaman</a:t>
+            </a:r>
+            <a:r>
+              <a:rPr lang="en-US" dirty="0">
+                <a:solidFill>
+                  <a:schemeClr val="bg1"/>
+                </a:solidFill>
+              </a:rPr>
+              <a:t> Utama (</a:t>
+            </a:r>
+            <a:r>
+              <a:rPr lang="en-US" dirty="0" err="1">
+                <a:solidFill>
+                  <a:schemeClr val="bg1"/>
+                </a:solidFill>
+              </a:rPr>
+              <a:t>Peranan</a:t>
+            </a:r>
+            <a:r>
+              <a:rPr lang="en-US" dirty="0">
+                <a:solidFill>
+                  <a:schemeClr val="bg1"/>
+                </a:solidFill>
+              </a:rPr>
+              <a:t>: </a:t>
+            </a:r>
+            <a:r>
+              <a:rPr lang="en-US" dirty="0" err="1">
+                <a:solidFill>
+                  <a:schemeClr val="bg1"/>
+                </a:solidFill>
+              </a:rPr>
+              <a:t>Bajet</a:t>
+            </a:r>
+            <a:r>
+              <a:rPr lang="en-US" dirty="0">
+                <a:solidFill>
+                  <a:schemeClr val="bg1"/>
+                </a:solidFill>
+              </a:rPr>
+              <a:t> / Nilai / </a:t>
+            </a:r>
+            <a:r>
+              <a:rPr lang="en-US" dirty="0" err="1">
+                <a:solidFill>
+                  <a:schemeClr val="bg1"/>
+                </a:solidFill>
+              </a:rPr>
+              <a:t>Bahagian</a:t>
+            </a:r>
+            <a:r>
+              <a:rPr lang="en-US" dirty="0">
+                <a:solidFill>
+                  <a:schemeClr val="bg1"/>
+                </a:solidFill>
+              </a:rPr>
+              <a:t>)</a:t>
+            </a:r>
+            <a:endParaRPr lang="en-MY" dirty="0">
+              <a:solidFill>
+                <a:schemeClr val="bg1"/>
+              </a:solidFill>
+            </a:endParaRPr>
+          </a:p>
+        </p:txBody>
+      </p:sp>
     </p:spTree>
     <p:extLst>
       <p:ext uri="{BB962C8B-B14F-4D97-AF65-F5344CB8AC3E}">
-        <p14:creationId xmlns:p14="http://schemas.microsoft.com/office/powerpoint/2010/main" val="134927820"/>
+        <p14:creationId xmlns:p14="http://schemas.microsoft.com/office/powerpoint/2010/main" val="2668949311"/>
       </p:ext>
     </p:extLst>
   </p:cSld>
@@ -4404,7 +7621,7 @@
           <p:cNvPr id="4" name="Picture 3">
             <a:extLst>
               <a:ext uri="{FF2B5EF4-FFF2-40B4-BE49-F238E27FC236}">
-                <a16:creationId xmlns:a16="http://schemas.microsoft.com/office/drawing/2014/main" id="{0F5C76B1-148E-49BC-94C1-7C39BE0F5AE8}"/>
+                <a16:creationId xmlns:a16="http://schemas.microsoft.com/office/drawing/2014/main" id="{7868C65A-4D6B-4FE1-82E4-45FDA8A98205}"/>
               </a:ext>
             </a:extLst>
           </p:cNvPr>
@@ -4421,18 +7638,118 @@
         </p:blipFill>
         <p:spPr>
           <a:xfrm>
-            <a:off x="0" y="0"/>
-            <a:ext cx="12192000" cy="6858000"/>
+            <a:off x="1" y="369332"/>
+            <a:ext cx="12192000" cy="6192000"/>
           </a:xfrm>
           <a:prstGeom prst="rect">
             <a:avLst/>
           </a:prstGeom>
         </p:spPr>
       </p:pic>
+      <p:sp>
+        <p:nvSpPr>
+          <p:cNvPr id="3" name="TextBox 2">
+            <a:extLst>
+              <a:ext uri="{FF2B5EF4-FFF2-40B4-BE49-F238E27FC236}">
+                <a16:creationId xmlns:a16="http://schemas.microsoft.com/office/drawing/2014/main" id="{02DC768A-55B0-40E8-A0DD-8C5BFD3C00E0}"/>
+              </a:ext>
+            </a:extLst>
+          </p:cNvPr>
+          <p:cNvSpPr txBox="1"/>
+          <p:nvPr/>
+        </p:nvSpPr>
+        <p:spPr>
+          <a:xfrm>
+            <a:off x="0" y="0"/>
+            <a:ext cx="4453666" cy="369332"/>
+          </a:xfrm>
+          <a:prstGeom prst="rect">
+            <a:avLst/>
+          </a:prstGeom>
+          <a:solidFill>
+            <a:schemeClr val="tx1">
+              <a:lumMod val="50000"/>
+              <a:lumOff val="50000"/>
+            </a:schemeClr>
+          </a:solidFill>
+          <a:ln>
+            <a:noFill/>
+          </a:ln>
+        </p:spPr>
+        <p:txBody>
+          <a:bodyPr wrap="square" rtlCol="0">
+            <a:spAutoFit/>
+          </a:bodyPr>
+          <a:lstStyle/>
+          <a:p>
+            <a:r>
+              <a:rPr lang="en-US" dirty="0">
+                <a:solidFill>
+                  <a:schemeClr val="bg1"/>
+                </a:solidFill>
+              </a:rPr>
+              <a:t>Page: Key-in NOC </a:t>
+            </a:r>
+            <a:r>
+              <a:rPr lang="en-US" dirty="0" err="1">
+                <a:solidFill>
+                  <a:schemeClr val="bg1"/>
+                </a:solidFill>
+              </a:rPr>
+              <a:t>baharu</a:t>
+            </a:r>
+            <a:r>
+              <a:rPr lang="en-US" dirty="0">
+                <a:solidFill>
+                  <a:schemeClr val="bg1"/>
+                </a:solidFill>
+              </a:rPr>
+              <a:t> (</a:t>
+            </a:r>
+            <a:r>
+              <a:rPr lang="en-US" dirty="0" err="1">
+                <a:solidFill>
+                  <a:schemeClr val="bg1"/>
+                </a:solidFill>
+              </a:rPr>
+              <a:t>Peranan</a:t>
+            </a:r>
+            <a:r>
+              <a:rPr lang="en-US" dirty="0">
+                <a:solidFill>
+                  <a:schemeClr val="bg1"/>
+                </a:solidFill>
+              </a:rPr>
+              <a:t>: </a:t>
+            </a:r>
+            <a:r>
+              <a:rPr lang="en-US" dirty="0" err="1">
+                <a:solidFill>
+                  <a:schemeClr val="bg1"/>
+                </a:solidFill>
+              </a:rPr>
+              <a:t>Bahagian</a:t>
+            </a:r>
+            <a:r>
+              <a:rPr lang="en-US" dirty="0">
+                <a:solidFill>
+                  <a:schemeClr val="bg1"/>
+                </a:solidFill>
+              </a:rPr>
+              <a:t>)</a:t>
+            </a:r>
+            <a:endParaRPr lang="en-MY" dirty="0">
+              <a:solidFill>
+                <a:schemeClr val="bg1"/>
+              </a:solidFill>
+            </a:endParaRPr>
+          </a:p>
+        </p:txBody>
+      </p:sp>
     </p:spTree>
     <p:extLst>
       <p:ext uri="{BB962C8B-B14F-4D97-AF65-F5344CB8AC3E}">
-        <p14:creationId xmlns:p14="http://schemas.microsoft.com/office/powerpoint/2010/main" val="2125741853"/>
+        <p14:creationId xmlns:p14="http://schemas.microsoft.com/office/powerpoint/2010/main" val="653694485"/>
       </p:ext>
     </p:extLst>
   </p:cSld>
@@ -4464,7 +7781,7 @@
           <p:cNvPr id="4" name="Picture 3">
             <a:extLst>
               <a:ext uri="{FF2B5EF4-FFF2-40B4-BE49-F238E27FC236}">
-                <a16:creationId xmlns:a16="http://schemas.microsoft.com/office/drawing/2014/main" id="{F89E9B7A-69FA-44E7-B104-122D7C8A6F57}"/>
+                <a16:creationId xmlns:a16="http://schemas.microsoft.com/office/drawing/2014/main" id="{0D8810A7-AAB9-426B-BAE8-6FA0AA95E8E5}"/>
               </a:ext>
             </a:extLst>
           </p:cNvPr>
@@ -4481,18 +7798,150 @@
         </p:blipFill>
         <p:spPr>
           <a:xfrm>
-            <a:off x="0" y="0"/>
-            <a:ext cx="12192000" cy="6858000"/>
+            <a:off x="0" y="369331"/>
+            <a:ext cx="12192000" cy="6182075"/>
           </a:xfrm>
           <a:prstGeom prst="rect">
             <a:avLst/>
           </a:prstGeom>
         </p:spPr>
       </p:pic>
+      <p:sp>
+        <p:nvSpPr>
+          <p:cNvPr id="5" name="TextBox 4">
+            <a:extLst>
+              <a:ext uri="{FF2B5EF4-FFF2-40B4-BE49-F238E27FC236}">
+                <a16:creationId xmlns:a16="http://schemas.microsoft.com/office/drawing/2014/main" id="{E57ED6A1-F6E3-4D38-86EE-5C760E5E4DFC}"/>
+              </a:ext>
+            </a:extLst>
+          </p:cNvPr>
+          <p:cNvSpPr txBox="1"/>
+          <p:nvPr/>
+        </p:nvSpPr>
+        <p:spPr>
+          <a:xfrm>
+            <a:off x="-1" y="0"/>
+            <a:ext cx="5647765" cy="369332"/>
+          </a:xfrm>
+          <a:prstGeom prst="rect">
+            <a:avLst/>
+          </a:prstGeom>
+          <a:solidFill>
+            <a:schemeClr val="tx1">
+              <a:lumMod val="50000"/>
+              <a:lumOff val="50000"/>
+            </a:schemeClr>
+          </a:solidFill>
+          <a:ln>
+            <a:noFill/>
+          </a:ln>
+        </p:spPr>
+        <p:txBody>
+          <a:bodyPr wrap="square" rtlCol="0">
+            <a:spAutoFit/>
+          </a:bodyPr>
+          <a:lstStyle/>
+          <a:p>
+            <a:r>
+              <a:rPr lang="en-US" dirty="0">
+                <a:solidFill>
+                  <a:schemeClr val="bg1"/>
+                </a:solidFill>
+              </a:rPr>
+              <a:t>Page: </a:t>
+            </a:r>
+            <a:r>
+              <a:rPr lang="en-US" dirty="0" err="1">
+                <a:solidFill>
+                  <a:schemeClr val="bg1"/>
+                </a:solidFill>
+              </a:rPr>
+              <a:t>Senarai</a:t>
+            </a:r>
+            <a:r>
+              <a:rPr lang="en-US" dirty="0">
+                <a:solidFill>
+                  <a:schemeClr val="bg1"/>
+                </a:solidFill>
+              </a:rPr>
+              <a:t> NOC </a:t>
+            </a:r>
+            <a:r>
+              <a:rPr lang="en-US" dirty="0" err="1">
+                <a:solidFill>
+                  <a:schemeClr val="bg1"/>
+                </a:solidFill>
+              </a:rPr>
+              <a:t>dalam</a:t>
+            </a:r>
+            <a:r>
+              <a:rPr lang="en-US" dirty="0">
+                <a:solidFill>
+                  <a:schemeClr val="bg1"/>
+                </a:solidFill>
+              </a:rPr>
+              <a:t> </a:t>
+            </a:r>
+            <a:r>
+              <a:rPr lang="en-US" dirty="0" err="1">
+                <a:solidFill>
+                  <a:schemeClr val="bg1"/>
+                </a:solidFill>
+              </a:rPr>
+              <a:t>tindakan</a:t>
+            </a:r>
+            <a:r>
+              <a:rPr lang="en-US" dirty="0">
+                <a:solidFill>
+                  <a:schemeClr val="bg1"/>
+                </a:solidFill>
+              </a:rPr>
+              <a:t> (</a:t>
+            </a:r>
+            <a:r>
+              <a:rPr lang="en-US" dirty="0" err="1">
+                <a:solidFill>
+                  <a:schemeClr val="bg1"/>
+                </a:solidFill>
+              </a:rPr>
+              <a:t>Peranan</a:t>
+            </a:r>
+            <a:r>
+              <a:rPr lang="en-US" dirty="0">
+                <a:solidFill>
+                  <a:schemeClr val="bg1"/>
+                </a:solidFill>
+              </a:rPr>
+              <a:t>: </a:t>
+            </a:r>
+            <a:r>
+              <a:rPr lang="en-US" dirty="0" err="1">
+                <a:solidFill>
+                  <a:schemeClr val="bg1"/>
+                </a:solidFill>
+              </a:rPr>
+              <a:t>Bahagian</a:t>
+            </a:r>
+            <a:r>
+              <a:rPr lang="en-US" dirty="0">
+                <a:solidFill>
+                  <a:schemeClr val="bg1"/>
+                </a:solidFill>
+              </a:rPr>
+              <a:t>)</a:t>
+            </a:r>
+            <a:endParaRPr lang="en-MY" dirty="0">
+              <a:solidFill>
+                <a:schemeClr val="bg1"/>
+              </a:solidFill>
+            </a:endParaRPr>
+          </a:p>
+        </p:txBody>
+      </p:sp>
     </p:spTree>
     <p:extLst>
       <p:ext uri="{BB962C8B-B14F-4D97-AF65-F5344CB8AC3E}">
-        <p14:creationId xmlns:p14="http://schemas.microsoft.com/office/powerpoint/2010/main" val="2801574371"/>
+        <p14:creationId xmlns:p14="http://schemas.microsoft.com/office/powerpoint/2010/main" val="4282810992"/>
       </p:ext>
     </p:extLst>
   </p:cSld>
@@ -4524,7 +7973,7 @@
           <p:cNvPr id="4" name="Picture 3">
             <a:extLst>
               <a:ext uri="{FF2B5EF4-FFF2-40B4-BE49-F238E27FC236}">
-                <a16:creationId xmlns:a16="http://schemas.microsoft.com/office/drawing/2014/main" id="{E1D68C4C-9036-40C0-BC89-8245206164B2}"/>
+                <a16:creationId xmlns:a16="http://schemas.microsoft.com/office/drawing/2014/main" id="{D2B861FA-7355-4113-976C-94CEC4E87A29}"/>
               </a:ext>
             </a:extLst>
           </p:cNvPr>
@@ -4541,18 +7990,118 @@
         </p:blipFill>
         <p:spPr>
           <a:xfrm>
-            <a:off x="0" y="0"/>
-            <a:ext cx="12192000" cy="6858000"/>
+            <a:off x="0" y="369332"/>
+            <a:ext cx="12192000" cy="6260068"/>
           </a:xfrm>
           <a:prstGeom prst="rect">
             <a:avLst/>
           </a:prstGeom>
         </p:spPr>
       </p:pic>
+      <p:sp>
+        <p:nvSpPr>
+          <p:cNvPr id="3" name="TextBox 2">
+            <a:extLst>
+              <a:ext uri="{FF2B5EF4-FFF2-40B4-BE49-F238E27FC236}">
+                <a16:creationId xmlns:a16="http://schemas.microsoft.com/office/drawing/2014/main" id="{1D872889-833E-405A-803F-528F1B7B52EC}"/>
+              </a:ext>
+            </a:extLst>
+          </p:cNvPr>
+          <p:cNvSpPr txBox="1"/>
+          <p:nvPr/>
+        </p:nvSpPr>
+        <p:spPr>
+          <a:xfrm>
+            <a:off x="0" y="0"/>
+            <a:ext cx="5550946" cy="369332"/>
+          </a:xfrm>
+          <a:prstGeom prst="rect">
+            <a:avLst/>
+          </a:prstGeom>
+          <a:solidFill>
+            <a:schemeClr val="tx1">
+              <a:lumMod val="50000"/>
+              <a:lumOff val="50000"/>
+            </a:schemeClr>
+          </a:solidFill>
+          <a:ln>
+            <a:noFill/>
+          </a:ln>
+        </p:spPr>
+        <p:txBody>
+          <a:bodyPr wrap="square" rtlCol="0">
+            <a:spAutoFit/>
+          </a:bodyPr>
+          <a:lstStyle/>
+          <a:p>
+            <a:r>
+              <a:rPr lang="en-US" dirty="0">
+                <a:solidFill>
+                  <a:schemeClr val="bg1"/>
+                </a:solidFill>
+              </a:rPr>
+              <a:t>Page: NOC info =&gt; (NOC </a:t>
+            </a:r>
+            <a:r>
+              <a:rPr lang="en-US" dirty="0" err="1">
+                <a:solidFill>
+                  <a:schemeClr val="bg1"/>
+                </a:solidFill>
+              </a:rPr>
+              <a:t>baharu</a:t>
+            </a:r>
+            <a:r>
+              <a:rPr lang="en-US" dirty="0">
+                <a:solidFill>
+                  <a:schemeClr val="bg1"/>
+                </a:solidFill>
+              </a:rPr>
+              <a:t> untuk </a:t>
+            </a:r>
+            <a:r>
+              <a:rPr lang="en-US" dirty="0" err="1">
+                <a:solidFill>
+                  <a:schemeClr val="bg1"/>
+                </a:solidFill>
+              </a:rPr>
+              <a:t>tindakan</a:t>
+            </a:r>
+            <a:r>
+              <a:rPr lang="en-US" dirty="0">
+                <a:solidFill>
+                  <a:schemeClr val="bg1"/>
+                </a:solidFill>
+              </a:rPr>
+              <a:t> </a:t>
+            </a:r>
+            <a:r>
+              <a:rPr lang="en-US" dirty="0" err="1">
+                <a:solidFill>
+                  <a:schemeClr val="bg1"/>
+                </a:solidFill>
+              </a:rPr>
+              <a:t>semakan</a:t>
+            </a:r>
+            <a:r>
+              <a:rPr lang="en-US" dirty="0">
+                <a:solidFill>
+                  <a:schemeClr val="bg1"/>
+                </a:solidFill>
+              </a:rPr>
+              <a:t>)</a:t>
+            </a:r>
+            <a:endParaRPr lang="en-MY" dirty="0">
+              <a:solidFill>
+                <a:schemeClr val="bg1"/>
+              </a:solidFill>
+            </a:endParaRPr>
+          </a:p>
+        </p:txBody>
+      </p:sp>
     </p:spTree>
     <p:extLst>
       <p:ext uri="{BB962C8B-B14F-4D97-AF65-F5344CB8AC3E}">
-        <p14:creationId xmlns:p14="http://schemas.microsoft.com/office/powerpoint/2010/main" val="3185754305"/>
+        <p14:creationId xmlns:p14="http://schemas.microsoft.com/office/powerpoint/2010/main" val="134927820"/>
       </p:ext>
     </p:extLst>
   </p:cSld>
@@ -4584,7 +8133,7 @@
           <p:cNvPr id="4" name="Picture 3">
             <a:extLst>
               <a:ext uri="{FF2B5EF4-FFF2-40B4-BE49-F238E27FC236}">
-                <a16:creationId xmlns:a16="http://schemas.microsoft.com/office/drawing/2014/main" id="{79624E8B-E4F3-4114-8416-E7D789E1344F}"/>
+                <a16:creationId xmlns:a16="http://schemas.microsoft.com/office/drawing/2014/main" id="{0F5C76B1-148E-49BC-94C1-7C39BE0F5AE8}"/>
               </a:ext>
             </a:extLst>
           </p:cNvPr>
@@ -4601,18 +8150,134 @@
         </p:blipFill>
         <p:spPr>
           <a:xfrm>
-            <a:off x="0" y="0"/>
-            <a:ext cx="12192000" cy="6858000"/>
+            <a:off x="0" y="369332"/>
+            <a:ext cx="12192000" cy="6248638"/>
           </a:xfrm>
           <a:prstGeom prst="rect">
             <a:avLst/>
           </a:prstGeom>
         </p:spPr>
       </p:pic>
+      <p:sp>
+        <p:nvSpPr>
+          <p:cNvPr id="3" name="TextBox 2">
+            <a:extLst>
+              <a:ext uri="{FF2B5EF4-FFF2-40B4-BE49-F238E27FC236}">
+                <a16:creationId xmlns:a16="http://schemas.microsoft.com/office/drawing/2014/main" id="{F6FF3D9C-DDA3-480F-954C-687ECF7606BF}"/>
+              </a:ext>
+            </a:extLst>
+          </p:cNvPr>
+          <p:cNvSpPr txBox="1"/>
+          <p:nvPr/>
+        </p:nvSpPr>
+        <p:spPr>
+          <a:xfrm>
+            <a:off x="0" y="0"/>
+            <a:ext cx="6637468" cy="369332"/>
+          </a:xfrm>
+          <a:prstGeom prst="rect">
+            <a:avLst/>
+          </a:prstGeom>
+          <a:solidFill>
+            <a:schemeClr val="tx1">
+              <a:lumMod val="50000"/>
+              <a:lumOff val="50000"/>
+            </a:schemeClr>
+          </a:solidFill>
+          <a:ln>
+            <a:noFill/>
+          </a:ln>
+        </p:spPr>
+        <p:txBody>
+          <a:bodyPr wrap="square" rtlCol="0">
+            <a:spAutoFit/>
+          </a:bodyPr>
+          <a:lstStyle/>
+          <a:p>
+            <a:r>
+              <a:rPr lang="en-US" dirty="0">
+                <a:solidFill>
+                  <a:schemeClr val="bg1"/>
+                </a:solidFill>
+              </a:rPr>
+              <a:t>Page: NOC info =&gt; (</a:t>
+            </a:r>
+            <a:r>
+              <a:rPr lang="en-US" dirty="0" err="1">
+                <a:solidFill>
+                  <a:schemeClr val="bg1"/>
+                </a:solidFill>
+              </a:rPr>
+              <a:t>Memasukkan</a:t>
+            </a:r>
+            <a:r>
+              <a:rPr lang="en-US" dirty="0">
+                <a:solidFill>
+                  <a:schemeClr val="bg1"/>
+                </a:solidFill>
+              </a:rPr>
+              <a:t> Tarikh NOC </a:t>
+            </a:r>
+            <a:r>
+              <a:rPr lang="en-US" dirty="0" err="1">
+                <a:solidFill>
+                  <a:schemeClr val="bg1"/>
+                </a:solidFill>
+              </a:rPr>
+              <a:t>dibuat</a:t>
+            </a:r>
+            <a:r>
+              <a:rPr lang="en-US" dirty="0">
+                <a:solidFill>
+                  <a:schemeClr val="bg1"/>
+                </a:solidFill>
+              </a:rPr>
+              <a:t> </a:t>
+            </a:r>
+            <a:r>
+              <a:rPr lang="en-US" dirty="0" err="1">
+                <a:solidFill>
+                  <a:schemeClr val="bg1"/>
+                </a:solidFill>
+              </a:rPr>
+              <a:t>semakan</a:t>
+            </a:r>
+            <a:r>
+              <a:rPr lang="en-US" dirty="0">
+                <a:solidFill>
+                  <a:schemeClr val="bg1"/>
+                </a:solidFill>
+              </a:rPr>
+              <a:t> </a:t>
+            </a:r>
+            <a:r>
+              <a:rPr lang="en-US" dirty="0" err="1">
+                <a:solidFill>
+                  <a:schemeClr val="bg1"/>
+                </a:solidFill>
+              </a:rPr>
+              <a:t>awal</a:t>
+            </a:r>
+            <a:r>
+              <a:rPr lang="en-US" dirty="0">
+                <a:solidFill>
+                  <a:schemeClr val="bg1"/>
+                </a:solidFill>
+              </a:rPr>
+              <a:t>)</a:t>
+            </a:r>
+            <a:endParaRPr lang="en-MY" dirty="0">
+              <a:solidFill>
+                <a:schemeClr val="bg1"/>
+              </a:solidFill>
+            </a:endParaRPr>
+          </a:p>
+        </p:txBody>
+      </p:sp>
     </p:spTree>
     <p:extLst>
       <p:ext uri="{BB962C8B-B14F-4D97-AF65-F5344CB8AC3E}">
-        <p14:creationId xmlns:p14="http://schemas.microsoft.com/office/powerpoint/2010/main" val="1828341233"/>
+        <p14:creationId xmlns:p14="http://schemas.microsoft.com/office/powerpoint/2010/main" val="2125741853"/>
       </p:ext>
     </p:extLst>
   </p:cSld>
@@ -4644,7 +8309,7 @@
           <p:cNvPr id="4" name="Picture 3">
             <a:extLst>
               <a:ext uri="{FF2B5EF4-FFF2-40B4-BE49-F238E27FC236}">
-                <a16:creationId xmlns:a16="http://schemas.microsoft.com/office/drawing/2014/main" id="{8641558B-889C-4266-9E53-B4D1778823EB}"/>
+                <a16:creationId xmlns:a16="http://schemas.microsoft.com/office/drawing/2014/main" id="{F89E9B7A-69FA-44E7-B104-122D7C8A6F57}"/>
               </a:ext>
             </a:extLst>
           </p:cNvPr>
@@ -4661,18 +8326,150 @@
         </p:blipFill>
         <p:spPr>
           <a:xfrm>
-            <a:off x="0" y="0"/>
-            <a:ext cx="12192000" cy="6857999"/>
+            <a:off x="0" y="369332"/>
+            <a:ext cx="12192000" cy="6237208"/>
           </a:xfrm>
           <a:prstGeom prst="rect">
             <a:avLst/>
           </a:prstGeom>
         </p:spPr>
       </p:pic>
+      <p:sp>
+        <p:nvSpPr>
+          <p:cNvPr id="3" name="TextBox 2">
+            <a:extLst>
+              <a:ext uri="{FF2B5EF4-FFF2-40B4-BE49-F238E27FC236}">
+                <a16:creationId xmlns:a16="http://schemas.microsoft.com/office/drawing/2014/main" id="{122EE089-4B8B-41C3-89DC-6F3B74FB0668}"/>
+              </a:ext>
+            </a:extLst>
+          </p:cNvPr>
+          <p:cNvSpPr txBox="1"/>
+          <p:nvPr/>
+        </p:nvSpPr>
+        <p:spPr>
+          <a:xfrm>
+            <a:off x="-1" y="0"/>
+            <a:ext cx="7230359" cy="369332"/>
+          </a:xfrm>
+          <a:prstGeom prst="rect">
+            <a:avLst/>
+          </a:prstGeom>
+          <a:solidFill>
+            <a:schemeClr val="tx1">
+              <a:lumMod val="50000"/>
+              <a:lumOff val="50000"/>
+            </a:schemeClr>
+          </a:solidFill>
+          <a:ln>
+            <a:noFill/>
+          </a:ln>
+        </p:spPr>
+        <p:txBody>
+          <a:bodyPr wrap="square" rtlCol="0">
+            <a:spAutoFit/>
+          </a:bodyPr>
+          <a:lstStyle/>
+          <a:p>
+            <a:r>
+              <a:rPr lang="en-US" dirty="0">
+                <a:solidFill>
+                  <a:schemeClr val="bg1"/>
+                </a:solidFill>
+              </a:rPr>
+              <a:t>Page: NOC info =&gt; (NOC </a:t>
+            </a:r>
+            <a:r>
+              <a:rPr lang="en-US" dirty="0" err="1">
+                <a:solidFill>
+                  <a:schemeClr val="bg1"/>
+                </a:solidFill>
+              </a:rPr>
+              <a:t>mohon</a:t>
+            </a:r>
+            <a:r>
+              <a:rPr lang="en-US" dirty="0">
+                <a:solidFill>
+                  <a:schemeClr val="bg1"/>
+                </a:solidFill>
+              </a:rPr>
+              <a:t> </a:t>
+            </a:r>
+            <a:r>
+              <a:rPr lang="en-US" dirty="0" err="1">
+                <a:solidFill>
+                  <a:schemeClr val="bg1"/>
+                </a:solidFill>
+              </a:rPr>
+              <a:t>ulasan</a:t>
+            </a:r>
+            <a:r>
+              <a:rPr lang="en-US" dirty="0">
+                <a:solidFill>
+                  <a:schemeClr val="bg1"/>
+                </a:solidFill>
+              </a:rPr>
+              <a:t> untuk </a:t>
+            </a:r>
+            <a:r>
+              <a:rPr lang="en-US" dirty="0" err="1">
+                <a:solidFill>
+                  <a:schemeClr val="bg1"/>
+                </a:solidFill>
+              </a:rPr>
+              <a:t>tindakan</a:t>
+            </a:r>
+            <a:r>
+              <a:rPr lang="en-US" dirty="0">
+                <a:solidFill>
+                  <a:schemeClr val="bg1"/>
+                </a:solidFill>
+              </a:rPr>
+              <a:t> </a:t>
+            </a:r>
+            <a:r>
+              <a:rPr lang="en-US" dirty="0" err="1">
+                <a:solidFill>
+                  <a:schemeClr val="bg1"/>
+                </a:solidFill>
+              </a:rPr>
+              <a:t>semakan</a:t>
+            </a:r>
+            <a:r>
+              <a:rPr lang="en-US" dirty="0">
+                <a:solidFill>
+                  <a:schemeClr val="bg1"/>
+                </a:solidFill>
+              </a:rPr>
+              <a:t> </a:t>
+            </a:r>
+            <a:r>
+              <a:rPr lang="en-US" dirty="0" err="1">
+                <a:solidFill>
+                  <a:schemeClr val="bg1"/>
+                </a:solidFill>
+              </a:rPr>
+              <a:t>Bajet</a:t>
+            </a:r>
+            <a:r>
+              <a:rPr lang="en-US" dirty="0">
+                <a:solidFill>
+                  <a:schemeClr val="bg1"/>
+                </a:solidFill>
+              </a:rPr>
+              <a:t>/Nilai)</a:t>
+            </a:r>
+            <a:endParaRPr lang="en-MY" dirty="0">
+              <a:solidFill>
+                <a:schemeClr val="bg1"/>
+              </a:solidFill>
+            </a:endParaRPr>
+          </a:p>
+        </p:txBody>
+      </p:sp>
     </p:spTree>
     <p:extLst>
       <p:ext uri="{BB962C8B-B14F-4D97-AF65-F5344CB8AC3E}">
-        <p14:creationId xmlns:p14="http://schemas.microsoft.com/office/powerpoint/2010/main" val="1589061947"/>
+        <p14:creationId xmlns:p14="http://schemas.microsoft.com/office/powerpoint/2010/main" val="2801574371"/>
       </p:ext>
     </p:extLst>
   </p:cSld>

--- a/notes/UI_sistem.pptx
+++ b/notes/UI_sistem.pptx
@@ -3399,8 +3399,8 @@
         </p:nvSpPr>
         <p:spPr>
           <a:xfrm>
-            <a:off x="247424" y="311970"/>
-            <a:ext cx="1653914" cy="1600438"/>
+            <a:off x="130688" y="311970"/>
+            <a:ext cx="1447640" cy="1384995"/>
           </a:xfrm>
           <a:prstGeom prst="rect">
             <a:avLst/>
@@ -3414,7 +3414,7 @@
           <a:lstStyle/>
           <a:p>
             <a:r>
-              <a:rPr lang="en-US" sz="1400" dirty="0">
+              <a:rPr lang="en-US" sz="1200" dirty="0">
                 <a:solidFill>
                   <a:schemeClr val="accent1">
                     <a:lumMod val="20000"/>
@@ -3425,7 +3425,7 @@
               <a:t>Nama </a:t>
             </a:r>
             <a:r>
-              <a:rPr lang="en-US" sz="1400" dirty="0" err="1">
+              <a:rPr lang="en-US" sz="1200" dirty="0" err="1">
                 <a:solidFill>
                   <a:schemeClr val="accent1">
                     <a:lumMod val="20000"/>
@@ -3436,7 +3436,7 @@
               <a:t>Sistem</a:t>
             </a:r>
             <a:r>
-              <a:rPr lang="en-US" sz="1400" dirty="0">
+              <a:rPr lang="en-US" sz="1200" dirty="0">
                 <a:solidFill>
                   <a:schemeClr val="accent1">
                     <a:lumMod val="20000"/>
@@ -3447,7 +3447,7 @@
               <a:t>: </a:t>
             </a:r>
             <a:r>
-              <a:rPr lang="en-US" sz="1400" dirty="0" err="1">
+              <a:rPr lang="en-US" sz="1200" dirty="0" err="1">
                 <a:solidFill>
                   <a:schemeClr val="accent1">
                     <a:lumMod val="20000"/>
@@ -3458,7 +3458,7 @@
               <a:t>i</a:t>
             </a:r>
             <a:r>
-              <a:rPr lang="en-US" sz="1400" dirty="0">
+              <a:rPr lang="en-US" sz="1200" dirty="0">
                 <a:solidFill>
                   <a:schemeClr val="accent1">
                     <a:lumMod val="20000"/>
@@ -3470,7 +3470,7 @@
             </a:r>
           </a:p>
           <a:p>
-            <a:endParaRPr lang="en-US" sz="1400" dirty="0">
+            <a:endParaRPr lang="en-US" sz="1200" dirty="0">
               <a:solidFill>
                 <a:schemeClr val="accent1">
                   <a:lumMod val="20000"/>
@@ -3481,7 +3481,7 @@
           </a:p>
           <a:p>
             <a:r>
-              <a:rPr lang="en-US" sz="1400" dirty="0" err="1">
+              <a:rPr lang="en-US" sz="1200" dirty="0" err="1">
                 <a:solidFill>
                   <a:schemeClr val="accent1">
                     <a:lumMod val="20000"/>
@@ -3492,7 +3492,7 @@
               <a:t>Peranan</a:t>
             </a:r>
             <a:r>
-              <a:rPr lang="en-US" sz="1400" dirty="0">
+              <a:rPr lang="en-US" sz="1200" dirty="0">
                 <a:solidFill>
                   <a:schemeClr val="accent1">
                     <a:lumMod val="20000"/>
@@ -3508,7 +3508,7 @@
               <a:buAutoNum type="alphaLcParenR"/>
             </a:pPr>
             <a:r>
-              <a:rPr lang="en-US" sz="1400" dirty="0">
+              <a:rPr lang="en-US" sz="1200" dirty="0">
                 <a:solidFill>
                   <a:schemeClr val="accent1">
                     <a:lumMod val="20000"/>
@@ -3524,7 +3524,7 @@
               <a:buAutoNum type="alphaLcParenR"/>
             </a:pPr>
             <a:r>
-              <a:rPr lang="en-US" sz="1400" dirty="0" err="1">
+              <a:rPr lang="en-US" sz="1200" dirty="0" err="1">
                 <a:solidFill>
                   <a:schemeClr val="accent1">
                     <a:lumMod val="20000"/>
@@ -3534,7 +3534,7 @@
               </a:rPr>
               <a:t>Bahagian</a:t>
             </a:r>
-            <a:endParaRPr lang="en-US" sz="1400" dirty="0">
+            <a:endParaRPr lang="en-US" sz="1200" dirty="0">
               <a:solidFill>
                 <a:schemeClr val="accent1">
                   <a:lumMod val="20000"/>
@@ -3548,7 +3548,7 @@
               <a:buAutoNum type="alphaLcParenR"/>
             </a:pPr>
             <a:r>
-              <a:rPr lang="en-US" sz="1400" dirty="0" err="1">
+              <a:rPr lang="en-US" sz="1200" dirty="0" err="1">
                 <a:solidFill>
                   <a:schemeClr val="accent1">
                     <a:lumMod val="20000"/>
@@ -3558,7 +3558,7 @@
               </a:rPr>
               <a:t>Bajet</a:t>
             </a:r>
-            <a:endParaRPr lang="en-US" sz="1400" dirty="0">
+            <a:endParaRPr lang="en-US" sz="1200" dirty="0">
               <a:solidFill>
                 <a:schemeClr val="accent1">
                   <a:lumMod val="20000"/>
@@ -3572,7 +3572,7 @@
               <a:buAutoNum type="alphaLcParenR"/>
             </a:pPr>
             <a:r>
-              <a:rPr lang="en-US" sz="1400" dirty="0">
+              <a:rPr lang="en-US" sz="1200" dirty="0">
                 <a:solidFill>
                   <a:schemeClr val="accent1">
                     <a:lumMod val="20000"/>
@@ -3599,8 +3599,8 @@
         </p:nvSpPr>
         <p:spPr>
           <a:xfrm>
-            <a:off x="2923588" y="311970"/>
-            <a:ext cx="4058125" cy="1600438"/>
+            <a:off x="1695064" y="311970"/>
+            <a:ext cx="3659361" cy="3062377"/>
           </a:xfrm>
           <a:prstGeom prst="rect">
             <a:avLst/>
@@ -3656,6 +3656,41 @@
             </a:r>
           </a:p>
           <a:p>
+            <a:r>
+              <a:rPr lang="en-US" sz="1100" i="1" dirty="0">
+                <a:solidFill>
+                  <a:schemeClr val="accent1">
+                    <a:lumMod val="20000"/>
+                    <a:lumOff val="80000"/>
+                  </a:schemeClr>
+                </a:solidFill>
+              </a:rPr>
+              <a:t>(</a:t>
+            </a:r>
+            <a:r>
+              <a:rPr lang="en-US" sz="1100" i="1" dirty="0" err="1">
+                <a:solidFill>
+                  <a:schemeClr val="accent1">
+                    <a:lumMod val="20000"/>
+                    <a:lumOff val="80000"/>
+                  </a:schemeClr>
+                </a:solidFill>
+              </a:rPr>
+              <a:t>Klasifikasi</a:t>
+            </a:r>
+            <a:r>
+              <a:rPr lang="en-US" sz="1100" i="1" dirty="0">
+                <a:solidFill>
+                  <a:schemeClr val="accent1">
+                    <a:lumMod val="20000"/>
+                    <a:lumOff val="80000"/>
+                  </a:schemeClr>
+                </a:solidFill>
+              </a:rPr>
+              <a:t>: D7.1/ D7.2/ D7.3/ D8.1/ D8.2/ D10.1/ D10.2/ D10.3/ D10.4)</a:t>
+            </a:r>
+          </a:p>
+          <a:p>
             <a:endParaRPr lang="en-US" sz="1400" dirty="0">
               <a:solidFill>
                 <a:schemeClr val="accent1">
@@ -3666,11 +3701,11 @@
             </a:endParaRPr>
           </a:p>
           <a:p>
-            <a:pPr marL="342900" indent="-342900">
+            <a:pPr marL="273050" indent="-273050">
               <a:buAutoNum type="arabicParenR"/>
             </a:pPr>
             <a:r>
-              <a:rPr lang="en-MY" sz="1400" dirty="0">
+              <a:rPr lang="en-MY" sz="1200" dirty="0">
                 <a:solidFill>
                   <a:schemeClr val="accent1">
                     <a:lumMod val="20000"/>
@@ -3682,11 +3717,11 @@
             </a:r>
           </a:p>
           <a:p>
-            <a:pPr marL="342900" indent="-342900">
+            <a:pPr marL="273050" indent="-273050">
               <a:buAutoNum type="arabicParenR"/>
             </a:pPr>
             <a:r>
-              <a:rPr lang="en-US" sz="1400" dirty="0" err="1">
+              <a:rPr lang="en-US" sz="1200" dirty="0" err="1">
                 <a:solidFill>
                   <a:schemeClr val="accent1">
                     <a:lumMod val="20000"/>
@@ -3697,7 +3732,7 @@
               <a:t>Semakan</a:t>
             </a:r>
             <a:r>
-              <a:rPr lang="en-US" sz="1400" dirty="0">
+              <a:rPr lang="en-US" sz="1200" dirty="0">
                 <a:solidFill>
                   <a:schemeClr val="accent1">
                     <a:lumMod val="20000"/>
@@ -3708,7 +3743,7 @@
               <a:t> </a:t>
             </a:r>
             <a:r>
-              <a:rPr lang="en-US" sz="1400" dirty="0" err="1">
+              <a:rPr lang="en-US" sz="1200" dirty="0" err="1">
                 <a:solidFill>
                   <a:schemeClr val="accent1">
                     <a:lumMod val="20000"/>
@@ -3719,7 +3754,7 @@
               <a:t>awal</a:t>
             </a:r>
             <a:r>
-              <a:rPr lang="en-US" sz="1400" dirty="0">
+              <a:rPr lang="en-US" sz="1200" dirty="0">
                 <a:solidFill>
                   <a:schemeClr val="accent1">
                     <a:lumMod val="20000"/>
@@ -3731,152 +3766,347 @@
             </a:r>
           </a:p>
           <a:p>
-            <a:pPr marL="342900" indent="-342900">
+            <a:pPr marL="273050" indent="-273050">
               <a:buAutoNum type="arabicParenR"/>
             </a:pPr>
             <a:r>
-              <a:rPr lang="en-US" sz="1400" dirty="0" err="1">
-                <a:solidFill>
-                  <a:schemeClr val="accent1">
-                    <a:lumMod val="20000"/>
-                    <a:lumOff val="80000"/>
+              <a:rPr lang="en-US" sz="1200" dirty="0" err="1">
+                <a:solidFill>
+                  <a:schemeClr val="accent5">
+                    <a:lumMod val="50000"/>
                   </a:schemeClr>
                 </a:solidFill>
               </a:rPr>
               <a:t>Mohon</a:t>
             </a:r>
             <a:r>
-              <a:rPr lang="en-US" sz="1400" dirty="0">
-                <a:solidFill>
-                  <a:schemeClr val="accent1">
-                    <a:lumMod val="20000"/>
-                    <a:lumOff val="80000"/>
+              <a:rPr lang="en-US" sz="1200" dirty="0">
+                <a:solidFill>
+                  <a:schemeClr val="accent5">
+                    <a:lumMod val="50000"/>
                   </a:schemeClr>
                 </a:solidFill>
               </a:rPr>
               <a:t> </a:t>
             </a:r>
             <a:r>
-              <a:rPr lang="en-US" sz="1400" dirty="0" err="1">
-                <a:solidFill>
-                  <a:schemeClr val="accent1">
-                    <a:lumMod val="20000"/>
-                    <a:lumOff val="80000"/>
+              <a:rPr lang="en-US" sz="1200" dirty="0" err="1">
+                <a:solidFill>
+                  <a:schemeClr val="accent5">
+                    <a:lumMod val="50000"/>
                   </a:schemeClr>
                 </a:solidFill>
               </a:rPr>
               <a:t>Ulasan</a:t>
             </a:r>
             <a:r>
-              <a:rPr lang="en-US" sz="1400" dirty="0">
-                <a:solidFill>
-                  <a:schemeClr val="accent1">
-                    <a:lumMod val="20000"/>
-                    <a:lumOff val="80000"/>
-                  </a:schemeClr>
-                </a:solidFill>
-              </a:rPr>
-              <a:t> kepada </a:t>
-            </a:r>
-            <a:r>
-              <a:rPr lang="en-US" sz="1400" dirty="0" err="1">
-                <a:solidFill>
-                  <a:schemeClr val="accent1">
-                    <a:lumMod val="20000"/>
-                    <a:lumOff val="80000"/>
+              <a:rPr lang="en-US" sz="1200" dirty="0">
+                <a:solidFill>
+                  <a:schemeClr val="accent5">
+                    <a:lumMod val="50000"/>
+                  </a:schemeClr>
+                </a:solidFill>
+              </a:rPr>
+              <a:t> </a:t>
+            </a:r>
+            <a:r>
+              <a:rPr lang="en-US" sz="1200" dirty="0" err="1">
+                <a:solidFill>
+                  <a:schemeClr val="accent5">
+                    <a:lumMod val="50000"/>
+                  </a:schemeClr>
+                </a:solidFill>
+              </a:rPr>
+              <a:t>kpd</a:t>
+            </a:r>
+            <a:r>
+              <a:rPr lang="en-US" sz="1200" dirty="0">
+                <a:solidFill>
+                  <a:schemeClr val="accent5">
+                    <a:lumMod val="50000"/>
+                  </a:schemeClr>
+                </a:solidFill>
+              </a:rPr>
+              <a:t> </a:t>
+            </a:r>
+            <a:r>
+              <a:rPr lang="en-US" sz="1200" dirty="0" err="1">
+                <a:solidFill>
+                  <a:schemeClr val="accent5">
+                    <a:lumMod val="50000"/>
                   </a:schemeClr>
                 </a:solidFill>
               </a:rPr>
               <a:t>Bajet</a:t>
             </a:r>
             <a:r>
-              <a:rPr lang="en-US" sz="1400" dirty="0">
-                <a:solidFill>
-                  <a:schemeClr val="accent1">
-                    <a:lumMod val="20000"/>
-                    <a:lumOff val="80000"/>
-                  </a:schemeClr>
-                </a:solidFill>
-              </a:rPr>
-              <a:t>/Nilai</a:t>
-            </a:r>
-          </a:p>
-          <a:p>
-            <a:pPr marL="342900" indent="-342900">
+              <a:rPr lang="en-US" sz="1200" dirty="0">
+                <a:solidFill>
+                  <a:schemeClr val="accent5">
+                    <a:lumMod val="50000"/>
+                  </a:schemeClr>
+                </a:solidFill>
+              </a:rPr>
+              <a:t>/ Nilai oleh </a:t>
+            </a:r>
+            <a:r>
+              <a:rPr lang="en-US" sz="1200" dirty="0" err="1">
+                <a:solidFill>
+                  <a:schemeClr val="accent5">
+                    <a:lumMod val="50000"/>
+                  </a:schemeClr>
+                </a:solidFill>
+              </a:rPr>
+              <a:t>Bahagian</a:t>
+            </a:r>
+            <a:endParaRPr lang="en-US" sz="1200" dirty="0">
+              <a:solidFill>
+                <a:schemeClr val="accent5">
+                  <a:lumMod val="50000"/>
+                </a:schemeClr>
+              </a:solidFill>
+            </a:endParaRPr>
+          </a:p>
+          <a:p>
+            <a:pPr marL="273050" indent="-273050">
               <a:buAutoNum type="arabicParenR"/>
             </a:pPr>
             <a:r>
-              <a:rPr lang="en-US" sz="1400" dirty="0" err="1">
-                <a:solidFill>
-                  <a:schemeClr val="accent1">
-                    <a:lumMod val="20000"/>
-                    <a:lumOff val="80000"/>
+              <a:rPr lang="en-US" sz="1200" dirty="0" err="1">
+                <a:solidFill>
+                  <a:schemeClr val="accent5">
+                    <a:lumMod val="50000"/>
                   </a:schemeClr>
                 </a:solidFill>
               </a:rPr>
               <a:t>Semakan</a:t>
             </a:r>
             <a:r>
-              <a:rPr lang="en-US" sz="1400" dirty="0">
-                <a:solidFill>
-                  <a:schemeClr val="accent1">
-                    <a:lumMod val="20000"/>
-                    <a:lumOff val="80000"/>
+              <a:rPr lang="en-US" sz="1200" dirty="0">
+                <a:solidFill>
+                  <a:schemeClr val="accent5">
+                    <a:lumMod val="50000"/>
                   </a:schemeClr>
                 </a:solidFill>
               </a:rPr>
               <a:t> </a:t>
             </a:r>
             <a:r>
-              <a:rPr lang="en-US" sz="1400" dirty="0" err="1">
-                <a:solidFill>
-                  <a:schemeClr val="accent1">
-                    <a:lumMod val="20000"/>
-                    <a:lumOff val="80000"/>
+              <a:rPr lang="en-US" sz="1200" dirty="0" err="1">
+                <a:solidFill>
+                  <a:schemeClr val="accent5">
+                    <a:lumMod val="50000"/>
                   </a:schemeClr>
                 </a:solidFill>
               </a:rPr>
               <a:t>Permohonan</a:t>
             </a:r>
             <a:r>
-              <a:rPr lang="en-US" sz="1400" dirty="0">
-                <a:solidFill>
-                  <a:schemeClr val="accent1">
-                    <a:lumMod val="20000"/>
-                    <a:lumOff val="80000"/>
+              <a:rPr lang="en-US" sz="1200" dirty="0">
+                <a:solidFill>
+                  <a:schemeClr val="accent5">
+                    <a:lumMod val="50000"/>
                   </a:schemeClr>
                 </a:solidFill>
               </a:rPr>
               <a:t> oleh </a:t>
             </a:r>
             <a:r>
-              <a:rPr lang="en-US" sz="1400" dirty="0" err="1">
-                <a:solidFill>
-                  <a:schemeClr val="accent1">
-                    <a:lumMod val="20000"/>
-                    <a:lumOff val="80000"/>
+              <a:rPr lang="en-US" sz="1200" dirty="0" err="1">
+                <a:solidFill>
+                  <a:schemeClr val="accent5">
+                    <a:lumMod val="50000"/>
                   </a:schemeClr>
                 </a:solidFill>
               </a:rPr>
               <a:t>Bajet</a:t>
             </a:r>
             <a:r>
-              <a:rPr lang="en-US" sz="1400" dirty="0">
-                <a:solidFill>
-                  <a:schemeClr val="accent1">
-                    <a:lumMod val="20000"/>
-                    <a:lumOff val="80000"/>
+              <a:rPr lang="en-US" sz="1200" dirty="0">
+                <a:solidFill>
+                  <a:schemeClr val="accent5">
+                    <a:lumMod val="50000"/>
                   </a:schemeClr>
                 </a:solidFill>
               </a:rPr>
               <a:t>/Nilai</a:t>
             </a:r>
-          </a:p>
-          <a:p>
-            <a:pPr marL="342900" indent="-342900">
+            <a:endParaRPr lang="en-US" sz="1400" dirty="0">
+              <a:solidFill>
+                <a:schemeClr val="accent5">
+                  <a:lumMod val="50000"/>
+                </a:schemeClr>
+              </a:solidFill>
+            </a:endParaRPr>
+          </a:p>
+          <a:p>
+            <a:pPr marL="273050" indent="-273050">
               <a:buAutoNum type="arabicParenR"/>
             </a:pPr>
-            <a:endParaRPr lang="en-MY" sz="1400" dirty="0">
+            <a:r>
+              <a:rPr lang="en-US" sz="1200" dirty="0" err="1">
+                <a:solidFill>
+                  <a:schemeClr val="accent5">
+                    <a:lumMod val="50000"/>
+                  </a:schemeClr>
+                </a:solidFill>
+              </a:rPr>
+              <a:t>Penyediaan</a:t>
+            </a:r>
+            <a:r>
+              <a:rPr lang="en-US" sz="1200" dirty="0">
+                <a:solidFill>
+                  <a:schemeClr val="accent5">
+                    <a:lumMod val="50000"/>
+                  </a:schemeClr>
+                </a:solidFill>
+              </a:rPr>
+              <a:t> </a:t>
+            </a:r>
+            <a:r>
+              <a:rPr lang="en-US" sz="1200" dirty="0" err="1">
+                <a:solidFill>
+                  <a:schemeClr val="accent5">
+                    <a:lumMod val="50000"/>
+                  </a:schemeClr>
+                </a:solidFill>
+              </a:rPr>
+              <a:t>Ulasan</a:t>
+            </a:r>
+            <a:r>
+              <a:rPr lang="en-US" sz="1200" dirty="0">
+                <a:solidFill>
+                  <a:schemeClr val="accent5">
+                    <a:lumMod val="50000"/>
+                  </a:schemeClr>
+                </a:solidFill>
+              </a:rPr>
+              <a:t> oleh </a:t>
+            </a:r>
+            <a:r>
+              <a:rPr lang="en-US" sz="1200" dirty="0" err="1">
+                <a:solidFill>
+                  <a:schemeClr val="accent5">
+                    <a:lumMod val="50000"/>
+                  </a:schemeClr>
+                </a:solidFill>
+              </a:rPr>
+              <a:t>Bajet</a:t>
+            </a:r>
+            <a:r>
+              <a:rPr lang="en-US" sz="1200" dirty="0">
+                <a:solidFill>
+                  <a:schemeClr val="accent5">
+                    <a:lumMod val="50000"/>
+                  </a:schemeClr>
+                </a:solidFill>
+              </a:rPr>
+              <a:t>/Nilai</a:t>
+            </a:r>
+          </a:p>
+          <a:p>
+            <a:pPr marL="273050" indent="-273050">
+              <a:buAutoNum type="arabicParenR"/>
+            </a:pPr>
+            <a:r>
+              <a:rPr lang="en-US" sz="1200" dirty="0" err="1">
+                <a:solidFill>
+                  <a:schemeClr val="accent5">
+                    <a:lumMod val="50000"/>
+                  </a:schemeClr>
+                </a:solidFill>
+              </a:rPr>
+              <a:t>Penghantaran</a:t>
+            </a:r>
+            <a:r>
+              <a:rPr lang="en-US" sz="1200" dirty="0">
+                <a:solidFill>
+                  <a:schemeClr val="accent5">
+                    <a:lumMod val="50000"/>
+                  </a:schemeClr>
+                </a:solidFill>
+              </a:rPr>
+              <a:t> </a:t>
+            </a:r>
+            <a:r>
+              <a:rPr lang="en-US" sz="1200" dirty="0" err="1">
+                <a:solidFill>
+                  <a:schemeClr val="accent5">
+                    <a:lumMod val="50000"/>
+                  </a:schemeClr>
+                </a:solidFill>
+              </a:rPr>
+              <a:t>Ulasan</a:t>
+            </a:r>
+            <a:r>
+              <a:rPr lang="en-US" sz="1200" dirty="0">
+                <a:solidFill>
+                  <a:schemeClr val="accent5">
+                    <a:lumMod val="50000"/>
+                  </a:schemeClr>
+                </a:solidFill>
+              </a:rPr>
+              <a:t> oleh </a:t>
+            </a:r>
+            <a:r>
+              <a:rPr lang="en-US" sz="1200" dirty="0" err="1">
+                <a:solidFill>
+                  <a:schemeClr val="accent5">
+                    <a:lumMod val="50000"/>
+                  </a:schemeClr>
+                </a:solidFill>
+              </a:rPr>
+              <a:t>Bajet</a:t>
+            </a:r>
+            <a:r>
+              <a:rPr lang="en-US" sz="1200" dirty="0">
+                <a:solidFill>
+                  <a:schemeClr val="accent5">
+                    <a:lumMod val="50000"/>
+                  </a:schemeClr>
+                </a:solidFill>
+              </a:rPr>
+              <a:t>/Nilai</a:t>
+            </a:r>
+          </a:p>
+          <a:p>
+            <a:pPr marL="273050" indent="-273050">
+              <a:buAutoNum type="arabicParenR"/>
+            </a:pPr>
+            <a:r>
+              <a:rPr lang="en-US" sz="1200" dirty="0" err="1">
+                <a:solidFill>
+                  <a:schemeClr val="accent1">
+                    <a:lumMod val="20000"/>
+                    <a:lumOff val="80000"/>
+                  </a:schemeClr>
+                </a:solidFill>
+              </a:rPr>
+              <a:t>Penyediaan</a:t>
+            </a:r>
+            <a:r>
+              <a:rPr lang="en-US" sz="1200" dirty="0">
+                <a:solidFill>
+                  <a:schemeClr val="accent1">
+                    <a:lumMod val="20000"/>
+                    <a:lumOff val="80000"/>
+                  </a:schemeClr>
+                </a:solidFill>
+              </a:rPr>
+              <a:t> Memo oleh </a:t>
+            </a:r>
+            <a:r>
+              <a:rPr lang="en-US" sz="1200" dirty="0" err="1">
+                <a:solidFill>
+                  <a:schemeClr val="accent1">
+                    <a:lumMod val="20000"/>
+                    <a:lumOff val="80000"/>
+                  </a:schemeClr>
+                </a:solidFill>
+              </a:rPr>
+              <a:t>Bahagian</a:t>
+            </a:r>
+            <a:endParaRPr lang="en-US" sz="1200" dirty="0">
               <a:solidFill>
                 <a:schemeClr val="accent1">
                   <a:lumMod val="20000"/>
@@ -3885,6 +4115,316 @@
               </a:solidFill>
             </a:endParaRPr>
           </a:p>
+          <a:p>
+            <a:pPr marL="273050" indent="-273050">
+              <a:buAutoNum type="arabicParenR"/>
+            </a:pPr>
+            <a:r>
+              <a:rPr lang="en-US" sz="1200" dirty="0" err="1">
+                <a:solidFill>
+                  <a:schemeClr val="accent1">
+                    <a:lumMod val="20000"/>
+                    <a:lumOff val="80000"/>
+                  </a:schemeClr>
+                </a:solidFill>
+              </a:rPr>
+              <a:t>Penghantaran</a:t>
+            </a:r>
+            <a:r>
+              <a:rPr lang="en-US" sz="1200" dirty="0">
+                <a:solidFill>
+                  <a:schemeClr val="accent1">
+                    <a:lumMod val="20000"/>
+                    <a:lumOff val="80000"/>
+                  </a:schemeClr>
+                </a:solidFill>
+              </a:rPr>
+              <a:t> Memo </a:t>
+            </a:r>
+            <a:r>
+              <a:rPr lang="en-US" sz="1200" dirty="0" err="1">
+                <a:solidFill>
+                  <a:schemeClr val="accent1">
+                    <a:lumMod val="20000"/>
+                    <a:lumOff val="80000"/>
+                  </a:schemeClr>
+                </a:solidFill>
+              </a:rPr>
+              <a:t>kpd</a:t>
+            </a:r>
+            <a:r>
+              <a:rPr lang="en-US" sz="1200" dirty="0">
+                <a:solidFill>
+                  <a:schemeClr val="accent1">
+                    <a:lumMod val="20000"/>
+                    <a:lumOff val="80000"/>
+                  </a:schemeClr>
+                </a:solidFill>
+              </a:rPr>
+              <a:t> KP/TKP oleh </a:t>
+            </a:r>
+            <a:r>
+              <a:rPr lang="en-US" sz="1200" dirty="0" err="1">
+                <a:solidFill>
+                  <a:schemeClr val="accent1">
+                    <a:lumMod val="20000"/>
+                    <a:lumOff val="80000"/>
+                  </a:schemeClr>
+                </a:solidFill>
+              </a:rPr>
+              <a:t>Bahagian</a:t>
+            </a:r>
+            <a:endParaRPr lang="en-US" sz="1200" dirty="0">
+              <a:solidFill>
+                <a:schemeClr val="accent1">
+                  <a:lumMod val="20000"/>
+                  <a:lumOff val="80000"/>
+                </a:schemeClr>
+              </a:solidFill>
+            </a:endParaRPr>
+          </a:p>
+          <a:p>
+            <a:pPr marL="273050" indent="-273050">
+              <a:buAutoNum type="arabicParenR"/>
+            </a:pPr>
+            <a:r>
+              <a:rPr lang="en-US" sz="1200" dirty="0" err="1">
+                <a:solidFill>
+                  <a:schemeClr val="accent1">
+                    <a:lumMod val="20000"/>
+                    <a:lumOff val="80000"/>
+                  </a:schemeClr>
+                </a:solidFill>
+              </a:rPr>
+              <a:t>Penerimaan</a:t>
+            </a:r>
+            <a:r>
+              <a:rPr lang="en-US" sz="1200" dirty="0">
+                <a:solidFill>
+                  <a:schemeClr val="accent1">
+                    <a:lumMod val="20000"/>
+                    <a:lumOff val="80000"/>
+                  </a:schemeClr>
+                </a:solidFill>
+              </a:rPr>
+              <a:t> Memo </a:t>
+            </a:r>
+            <a:r>
+              <a:rPr lang="en-US" sz="1200" dirty="0" err="1">
+                <a:solidFill>
+                  <a:schemeClr val="accent1">
+                    <a:lumMod val="20000"/>
+                    <a:lumOff val="80000"/>
+                  </a:schemeClr>
+                </a:solidFill>
+              </a:rPr>
+              <a:t>Kelulusan</a:t>
+            </a:r>
+            <a:endParaRPr lang="en-US" sz="1200" dirty="0">
+              <a:solidFill>
+                <a:schemeClr val="accent1">
+                  <a:lumMod val="20000"/>
+                  <a:lumOff val="80000"/>
+                </a:schemeClr>
+              </a:solidFill>
+            </a:endParaRPr>
+          </a:p>
+          <a:p>
+            <a:pPr marL="273050" indent="-273050">
+              <a:buAutoNum type="arabicParenR"/>
+            </a:pPr>
+            <a:r>
+              <a:rPr lang="en-US" sz="1200" dirty="0" err="1">
+                <a:solidFill>
+                  <a:schemeClr val="accent1">
+                    <a:lumMod val="20000"/>
+                    <a:lumOff val="80000"/>
+                  </a:schemeClr>
+                </a:solidFill>
+              </a:rPr>
+              <a:t>Penyediaan</a:t>
+            </a:r>
+            <a:r>
+              <a:rPr lang="en-US" sz="1200" dirty="0">
+                <a:solidFill>
+                  <a:schemeClr val="accent1">
+                    <a:lumMod val="20000"/>
+                    <a:lumOff val="80000"/>
+                  </a:schemeClr>
+                </a:solidFill>
+              </a:rPr>
+              <a:t> Surat </a:t>
+            </a:r>
+            <a:r>
+              <a:rPr lang="en-US" sz="1200" dirty="0" err="1">
+                <a:solidFill>
+                  <a:schemeClr val="accent1">
+                    <a:lumMod val="20000"/>
+                    <a:lumOff val="80000"/>
+                  </a:schemeClr>
+                </a:solidFill>
+              </a:rPr>
+              <a:t>Kelulusan</a:t>
+            </a:r>
+            <a:r>
+              <a:rPr lang="en-US" sz="1200" dirty="0">
+                <a:solidFill>
+                  <a:schemeClr val="accent1">
+                    <a:lumMod val="20000"/>
+                    <a:lumOff val="80000"/>
+                  </a:schemeClr>
+                </a:solidFill>
+              </a:rPr>
+              <a:t> oleh </a:t>
+            </a:r>
+            <a:r>
+              <a:rPr lang="en-US" sz="1200" dirty="0" err="1">
+                <a:solidFill>
+                  <a:schemeClr val="accent1">
+                    <a:lumMod val="20000"/>
+                    <a:lumOff val="80000"/>
+                  </a:schemeClr>
+                </a:solidFill>
+              </a:rPr>
+              <a:t>Bahagian</a:t>
+            </a:r>
+            <a:endParaRPr lang="en-US" sz="1200" dirty="0">
+              <a:solidFill>
+                <a:schemeClr val="accent1">
+                  <a:lumMod val="20000"/>
+                  <a:lumOff val="80000"/>
+                </a:schemeClr>
+              </a:solidFill>
+            </a:endParaRPr>
+          </a:p>
+          <a:p>
+            <a:pPr marL="273050" indent="-273050">
+              <a:buAutoNum type="arabicParenR"/>
+            </a:pPr>
+            <a:r>
+              <a:rPr lang="en-US" sz="1200" dirty="0" err="1">
+                <a:solidFill>
+                  <a:schemeClr val="accent1">
+                    <a:lumMod val="20000"/>
+                    <a:lumOff val="80000"/>
+                  </a:schemeClr>
+                </a:solidFill>
+              </a:rPr>
+              <a:t>Penghantaran</a:t>
+            </a:r>
+            <a:r>
+              <a:rPr lang="en-US" sz="1200" dirty="0">
+                <a:solidFill>
+                  <a:schemeClr val="accent1">
+                    <a:lumMod val="20000"/>
+                    <a:lumOff val="80000"/>
+                  </a:schemeClr>
+                </a:solidFill>
+              </a:rPr>
+              <a:t> Surat </a:t>
+            </a:r>
+            <a:r>
+              <a:rPr lang="en-US" sz="1200" dirty="0" err="1">
+                <a:solidFill>
+                  <a:schemeClr val="accent1">
+                    <a:lumMod val="20000"/>
+                    <a:lumOff val="80000"/>
+                  </a:schemeClr>
+                </a:solidFill>
+              </a:rPr>
+              <a:t>Kelulusan</a:t>
+            </a:r>
+            <a:r>
+              <a:rPr lang="en-US" sz="1200" dirty="0">
+                <a:solidFill>
+                  <a:schemeClr val="accent1">
+                    <a:lumMod val="20000"/>
+                    <a:lumOff val="80000"/>
+                  </a:schemeClr>
+                </a:solidFill>
+              </a:rPr>
+              <a:t> </a:t>
+            </a:r>
+            <a:r>
+              <a:rPr lang="en-US" sz="1200" dirty="0" err="1">
+                <a:solidFill>
+                  <a:schemeClr val="accent1">
+                    <a:lumMod val="20000"/>
+                    <a:lumOff val="80000"/>
+                  </a:schemeClr>
+                </a:solidFill>
+              </a:rPr>
+              <a:t>ke</a:t>
+            </a:r>
+            <a:r>
+              <a:rPr lang="en-US" sz="1200" dirty="0">
+                <a:solidFill>
+                  <a:schemeClr val="accent1">
+                    <a:lumMod val="20000"/>
+                    <a:lumOff val="80000"/>
+                  </a:schemeClr>
+                </a:solidFill>
+              </a:rPr>
+              <a:t> Kementerian</a:t>
+            </a:r>
+          </a:p>
+          <a:p>
+            <a:pPr marL="273050" indent="-273050">
+              <a:buAutoNum type="arabicParenR"/>
+            </a:pPr>
+            <a:r>
+              <a:rPr lang="en-US" sz="1100" dirty="0" err="1">
+                <a:solidFill>
+                  <a:schemeClr val="accent1">
+                    <a:lumMod val="20000"/>
+                    <a:lumOff val="80000"/>
+                  </a:schemeClr>
+                </a:solidFill>
+              </a:rPr>
+              <a:t>Permohonan</a:t>
+            </a:r>
+            <a:r>
+              <a:rPr lang="en-US" sz="1100" dirty="0">
+                <a:solidFill>
+                  <a:schemeClr val="accent1">
+                    <a:lumMod val="20000"/>
+                    <a:lumOff val="80000"/>
+                  </a:schemeClr>
+                </a:solidFill>
+              </a:rPr>
+              <a:t> Modul NOC </a:t>
+            </a:r>
+            <a:r>
+              <a:rPr lang="en-US" sz="1100" dirty="0" err="1">
+                <a:solidFill>
+                  <a:schemeClr val="accent1">
+                    <a:lumMod val="20000"/>
+                    <a:lumOff val="80000"/>
+                  </a:schemeClr>
+                </a:solidFill>
+              </a:rPr>
+              <a:t>MyProjek</a:t>
+            </a:r>
+            <a:r>
+              <a:rPr lang="en-US" sz="1100" dirty="0">
+                <a:solidFill>
+                  <a:schemeClr val="accent1">
+                    <a:lumMod val="20000"/>
+                    <a:lumOff val="80000"/>
+                  </a:schemeClr>
+                </a:solidFill>
+              </a:rPr>
+              <a:t> oleh Kementerian</a:t>
+            </a:r>
+            <a:endParaRPr lang="en-MY" sz="1100" dirty="0">
+              <a:solidFill>
+                <a:schemeClr val="accent1">
+                  <a:lumMod val="20000"/>
+                  <a:lumOff val="80000"/>
+                </a:schemeClr>
+              </a:solidFill>
+            </a:endParaRPr>
+          </a:p>
         </p:txBody>
       </p:sp>
       <p:sp>
@@ -3901,8 +4441,8 @@
         </p:nvSpPr>
         <p:spPr>
           <a:xfrm>
-            <a:off x="7390504" y="311970"/>
-            <a:ext cx="3851241" cy="1384995"/>
+            <a:off x="8191783" y="311970"/>
+            <a:ext cx="3851241" cy="3077766"/>
           </a:xfrm>
           <a:prstGeom prst="rect">
             <a:avLst/>
@@ -3936,6 +4476,41 @@
             </a:r>
           </a:p>
           <a:p>
+            <a:r>
+              <a:rPr lang="en-US" sz="1100" i="1" dirty="0">
+                <a:solidFill>
+                  <a:schemeClr val="accent1">
+                    <a:lumMod val="20000"/>
+                    <a:lumOff val="80000"/>
+                  </a:schemeClr>
+                </a:solidFill>
+              </a:rPr>
+              <a:t>(</a:t>
+            </a:r>
+            <a:r>
+              <a:rPr lang="en-US" sz="1100" i="1" dirty="0" err="1">
+                <a:solidFill>
+                  <a:schemeClr val="accent1">
+                    <a:lumMod val="20000"/>
+                    <a:lumOff val="80000"/>
+                  </a:schemeClr>
+                </a:solidFill>
+              </a:rPr>
+              <a:t>Klasifikasi</a:t>
+            </a:r>
+            <a:r>
+              <a:rPr lang="en-US" sz="1100" i="1" dirty="0">
+                <a:solidFill>
+                  <a:schemeClr val="accent1">
+                    <a:lumMod val="20000"/>
+                    <a:lumOff val="80000"/>
+                  </a:schemeClr>
+                </a:solidFill>
+              </a:rPr>
+              <a:t>: D7.1/ D7.2/ D7.3/ D8.1/ D8.2/ D10.1/ D10.2/ D10.3/ D10.4)</a:t>
+            </a:r>
+          </a:p>
+          <a:p>
             <a:endParaRPr lang="en-US" sz="1400" dirty="0">
               <a:solidFill>
                 <a:schemeClr val="accent1">
@@ -3946,74 +4521,561 @@
             </a:endParaRPr>
           </a:p>
           <a:p>
-            <a:pPr marL="342900" indent="-342900">
+            <a:pPr marL="273050" indent="-273050">
+              <a:buFontTx/>
               <a:buAutoNum type="arabicParenR"/>
             </a:pPr>
             <a:r>
-              <a:rPr lang="en-US" sz="1400" dirty="0">
-                <a:solidFill>
-                  <a:schemeClr val="accent1">
-                    <a:lumMod val="20000"/>
-                    <a:lumOff val="80000"/>
-                  </a:schemeClr>
-                </a:solidFill>
-              </a:rPr>
-              <a:t>-</a:t>
-            </a:r>
-          </a:p>
-          <a:p>
-            <a:pPr marL="342900" indent="-342900">
+              <a:rPr lang="en-US" sz="1200" dirty="0">
+                <a:solidFill>
+                  <a:schemeClr val="accent1">
+                    <a:lumMod val="20000"/>
+                    <a:lumOff val="80000"/>
+                  </a:schemeClr>
+                </a:solidFill>
+              </a:rPr>
+              <a:t>NOC Baharu</a:t>
+            </a:r>
+          </a:p>
+          <a:p>
+            <a:pPr marL="273050" indent="-273050">
               <a:buAutoNum type="arabicParenR"/>
             </a:pPr>
             <a:r>
-              <a:rPr lang="en-US" sz="1400" dirty="0">
-                <a:solidFill>
-                  <a:schemeClr val="accent1">
-                    <a:lumMod val="20000"/>
-                    <a:lumOff val="80000"/>
-                  </a:schemeClr>
-                </a:solidFill>
-              </a:rPr>
-              <a:t>NOC Baharu</a:t>
-            </a:r>
-          </a:p>
-          <a:p>
-            <a:pPr marL="342900" indent="-342900">
+              <a:rPr lang="en-US" sz="1200" dirty="0" err="1">
+                <a:solidFill>
+                  <a:schemeClr val="accent1">
+                    <a:lumMod val="20000"/>
+                    <a:lumOff val="80000"/>
+                  </a:schemeClr>
+                </a:solidFill>
+              </a:rPr>
+              <a:t>Semakan</a:t>
+            </a:r>
+            <a:r>
+              <a:rPr lang="en-US" sz="1200" dirty="0">
+                <a:solidFill>
+                  <a:schemeClr val="accent1">
+                    <a:lumMod val="20000"/>
+                    <a:lumOff val="80000"/>
+                  </a:schemeClr>
+                </a:solidFill>
+              </a:rPr>
+              <a:t> 1 (</a:t>
+            </a:r>
+            <a:r>
+              <a:rPr lang="en-US" sz="1200" dirty="0" err="1">
+                <a:solidFill>
+                  <a:schemeClr val="accent1">
+                    <a:lumMod val="20000"/>
+                    <a:lumOff val="80000"/>
+                  </a:schemeClr>
+                </a:solidFill>
+              </a:rPr>
+              <a:t>Bahagian</a:t>
+            </a:r>
+            <a:r>
+              <a:rPr lang="en-US" sz="1200" dirty="0">
+                <a:solidFill>
+                  <a:schemeClr val="accent1">
+                    <a:lumMod val="20000"/>
+                    <a:lumOff val="80000"/>
+                  </a:schemeClr>
+                </a:solidFill>
+              </a:rPr>
+              <a:t>)</a:t>
+            </a:r>
+          </a:p>
+          <a:p>
+            <a:pPr marL="273050" indent="-273050">
               <a:buAutoNum type="arabicParenR"/>
             </a:pPr>
             <a:r>
-              <a:rPr lang="en-US" sz="1400" dirty="0" err="1">
-                <a:solidFill>
-                  <a:schemeClr val="accent1">
-                    <a:lumMod val="20000"/>
-                    <a:lumOff val="80000"/>
+              <a:rPr lang="en-US" sz="1200" dirty="0" err="1">
+                <a:solidFill>
+                  <a:schemeClr val="accent5">
+                    <a:lumMod val="50000"/>
                   </a:schemeClr>
                 </a:solidFill>
               </a:rPr>
               <a:t>Mohon</a:t>
             </a:r>
             <a:r>
-              <a:rPr lang="en-US" sz="1400" dirty="0">
-                <a:solidFill>
-                  <a:schemeClr val="accent1">
-                    <a:lumMod val="20000"/>
-                    <a:lumOff val="80000"/>
+              <a:rPr lang="en-US" sz="1200" dirty="0">
+                <a:solidFill>
+                  <a:schemeClr val="accent5">
+                    <a:lumMod val="50000"/>
                   </a:schemeClr>
                 </a:solidFill>
               </a:rPr>
               <a:t> </a:t>
             </a:r>
             <a:r>
-              <a:rPr lang="en-US" sz="1400" dirty="0" err="1">
-                <a:solidFill>
-                  <a:schemeClr val="accent1">
-                    <a:lumMod val="20000"/>
-                    <a:lumOff val="80000"/>
+              <a:rPr lang="en-US" sz="1200" dirty="0" err="1">
+                <a:solidFill>
+                  <a:schemeClr val="accent5">
+                    <a:lumMod val="50000"/>
                   </a:schemeClr>
                 </a:solidFill>
               </a:rPr>
               <a:t>Ulasan</a:t>
             </a:r>
+            <a:endParaRPr lang="en-US" sz="1200" dirty="0">
+              <a:solidFill>
+                <a:schemeClr val="accent5">
+                  <a:lumMod val="50000"/>
+                </a:schemeClr>
+              </a:solidFill>
+            </a:endParaRPr>
+          </a:p>
+          <a:p>
+            <a:pPr marL="273050" indent="-273050">
+              <a:buAutoNum type="arabicParenR"/>
+            </a:pPr>
+            <a:r>
+              <a:rPr lang="en-US" sz="1200" dirty="0" err="1">
+                <a:solidFill>
+                  <a:schemeClr val="accent5">
+                    <a:lumMod val="50000"/>
+                  </a:schemeClr>
+                </a:solidFill>
+              </a:rPr>
+              <a:t>Semakan</a:t>
+            </a:r>
+            <a:r>
+              <a:rPr lang="en-US" sz="1200" dirty="0">
+                <a:solidFill>
+                  <a:schemeClr val="accent5">
+                    <a:lumMod val="50000"/>
+                  </a:schemeClr>
+                </a:solidFill>
+              </a:rPr>
+              <a:t> 2 (</a:t>
+            </a:r>
+            <a:r>
+              <a:rPr lang="en-US" sz="1200" dirty="0" err="1">
+                <a:solidFill>
+                  <a:schemeClr val="accent5">
+                    <a:lumMod val="50000"/>
+                  </a:schemeClr>
+                </a:solidFill>
+              </a:rPr>
+              <a:t>Bajet</a:t>
+            </a:r>
+            <a:r>
+              <a:rPr lang="en-US" sz="1200" dirty="0">
+                <a:solidFill>
+                  <a:schemeClr val="accent5">
+                    <a:lumMod val="50000"/>
+                  </a:schemeClr>
+                </a:solidFill>
+              </a:rPr>
+              <a:t>/Nilai)</a:t>
+            </a:r>
+          </a:p>
+          <a:p>
+            <a:pPr marL="273050" indent="-273050">
+              <a:buAutoNum type="arabicParenR"/>
+            </a:pPr>
+            <a:r>
+              <a:rPr lang="en-US" sz="1200" dirty="0" err="1">
+                <a:solidFill>
+                  <a:schemeClr val="accent5">
+                    <a:lumMod val="50000"/>
+                  </a:schemeClr>
+                </a:solidFill>
+              </a:rPr>
+              <a:t>Penyediaan</a:t>
+            </a:r>
+            <a:r>
+              <a:rPr lang="en-US" sz="1200" dirty="0">
+                <a:solidFill>
+                  <a:schemeClr val="accent5">
+                    <a:lumMod val="50000"/>
+                  </a:schemeClr>
+                </a:solidFill>
+              </a:rPr>
+              <a:t> </a:t>
+            </a:r>
+            <a:r>
+              <a:rPr lang="en-US" sz="1200" dirty="0" err="1">
+                <a:solidFill>
+                  <a:schemeClr val="accent5">
+                    <a:lumMod val="50000"/>
+                  </a:schemeClr>
+                </a:solidFill>
+              </a:rPr>
+              <a:t>Ulasan</a:t>
+            </a:r>
+            <a:endParaRPr lang="en-US" sz="1200" dirty="0">
+              <a:solidFill>
+                <a:schemeClr val="accent5">
+                  <a:lumMod val="50000"/>
+                </a:schemeClr>
+              </a:solidFill>
+            </a:endParaRPr>
+          </a:p>
+          <a:p>
+            <a:pPr marL="273050" indent="-273050">
+              <a:buAutoNum type="arabicParenR"/>
+            </a:pPr>
+            <a:r>
+              <a:rPr lang="en-US" sz="1200" dirty="0" err="1">
+                <a:solidFill>
+                  <a:schemeClr val="accent5">
+                    <a:lumMod val="50000"/>
+                  </a:schemeClr>
+                </a:solidFill>
+              </a:rPr>
+              <a:t>Ulasan</a:t>
+            </a:r>
+            <a:r>
+              <a:rPr lang="en-US" sz="1200" dirty="0">
+                <a:solidFill>
+                  <a:schemeClr val="accent5">
+                    <a:lumMod val="50000"/>
+                  </a:schemeClr>
+                </a:solidFill>
+              </a:rPr>
+              <a:t> telah </a:t>
+            </a:r>
+            <a:r>
+              <a:rPr lang="en-US" sz="1200" dirty="0" err="1">
+                <a:solidFill>
+                  <a:schemeClr val="accent5">
+                    <a:lumMod val="50000"/>
+                  </a:schemeClr>
+                </a:solidFill>
+              </a:rPr>
+              <a:t>dihantar</a:t>
+            </a:r>
+            <a:endParaRPr lang="en-US" sz="1200" dirty="0">
+              <a:solidFill>
+                <a:schemeClr val="accent5">
+                  <a:lumMod val="50000"/>
+                </a:schemeClr>
+              </a:solidFill>
+            </a:endParaRPr>
+          </a:p>
+          <a:p>
+            <a:pPr marL="273050" indent="-273050">
+              <a:buAutoNum type="arabicParenR"/>
+            </a:pPr>
+            <a:r>
+              <a:rPr lang="en-US" sz="1200" dirty="0" err="1">
+                <a:solidFill>
+                  <a:schemeClr val="accent1">
+                    <a:lumMod val="20000"/>
+                    <a:lumOff val="80000"/>
+                  </a:schemeClr>
+                </a:solidFill>
+              </a:rPr>
+              <a:t>Penyediaan</a:t>
+            </a:r>
+            <a:r>
+              <a:rPr lang="en-US" sz="1200" dirty="0">
+                <a:solidFill>
+                  <a:schemeClr val="accent1">
+                    <a:lumMod val="20000"/>
+                    <a:lumOff val="80000"/>
+                  </a:schemeClr>
+                </a:solidFill>
+              </a:rPr>
+              <a:t> Memo</a:t>
+            </a:r>
+          </a:p>
+          <a:p>
+            <a:pPr marL="273050" indent="-273050">
+              <a:buAutoNum type="arabicParenR"/>
+            </a:pPr>
+            <a:r>
+              <a:rPr lang="en-US" sz="1200" dirty="0" err="1">
+                <a:solidFill>
+                  <a:schemeClr val="accent1">
+                    <a:lumMod val="20000"/>
+                    <a:lumOff val="80000"/>
+                  </a:schemeClr>
+                </a:solidFill>
+              </a:rPr>
+              <a:t>Hantar</a:t>
+            </a:r>
+            <a:r>
+              <a:rPr lang="en-US" sz="1200" dirty="0">
+                <a:solidFill>
+                  <a:schemeClr val="accent1">
+                    <a:lumMod val="20000"/>
+                    <a:lumOff val="80000"/>
+                  </a:schemeClr>
+                </a:solidFill>
+              </a:rPr>
+              <a:t> Memo kepada KP/TKP</a:t>
+            </a:r>
+          </a:p>
+          <a:p>
+            <a:pPr marL="273050" indent="-273050">
+              <a:buAutoNum type="arabicParenR"/>
+            </a:pPr>
+            <a:r>
+              <a:rPr lang="en-US" sz="1200" dirty="0">
+                <a:solidFill>
+                  <a:schemeClr val="accent1">
+                    <a:lumMod val="20000"/>
+                    <a:lumOff val="80000"/>
+                  </a:schemeClr>
+                </a:solidFill>
+              </a:rPr>
+              <a:t>Memo </a:t>
+            </a:r>
+            <a:r>
+              <a:rPr lang="en-US" sz="1200" dirty="0" err="1">
+                <a:solidFill>
+                  <a:schemeClr val="accent1">
+                    <a:lumMod val="20000"/>
+                    <a:lumOff val="80000"/>
+                  </a:schemeClr>
+                </a:solidFill>
+              </a:rPr>
+              <a:t>Kelulusan</a:t>
+            </a:r>
+            <a:r>
+              <a:rPr lang="en-US" sz="1200" dirty="0">
+                <a:solidFill>
+                  <a:schemeClr val="accent1">
+                    <a:lumMod val="20000"/>
+                    <a:lumOff val="80000"/>
+                  </a:schemeClr>
+                </a:solidFill>
+              </a:rPr>
+              <a:t> </a:t>
+            </a:r>
+            <a:r>
+              <a:rPr lang="en-US" sz="1200" dirty="0" err="1">
+                <a:solidFill>
+                  <a:schemeClr val="accent1">
+                    <a:lumMod val="20000"/>
+                    <a:lumOff val="80000"/>
+                  </a:schemeClr>
+                </a:solidFill>
+              </a:rPr>
+              <a:t>Diterima</a:t>
+            </a:r>
+            <a:endParaRPr lang="en-US" sz="1200" dirty="0">
+              <a:solidFill>
+                <a:schemeClr val="accent1">
+                  <a:lumMod val="20000"/>
+                  <a:lumOff val="80000"/>
+                </a:schemeClr>
+              </a:solidFill>
+            </a:endParaRPr>
+          </a:p>
+          <a:p>
+            <a:pPr marL="273050" indent="-273050">
+              <a:buAutoNum type="arabicParenR"/>
+            </a:pPr>
+            <a:r>
+              <a:rPr lang="en-US" sz="1200" dirty="0" err="1">
+                <a:solidFill>
+                  <a:schemeClr val="accent1">
+                    <a:lumMod val="20000"/>
+                    <a:lumOff val="80000"/>
+                  </a:schemeClr>
+                </a:solidFill>
+              </a:rPr>
+              <a:t>Penyediaan</a:t>
+            </a:r>
+            <a:r>
+              <a:rPr lang="en-US" sz="1200" dirty="0">
+                <a:solidFill>
+                  <a:schemeClr val="accent1">
+                    <a:lumMod val="20000"/>
+                    <a:lumOff val="80000"/>
+                  </a:schemeClr>
+                </a:solidFill>
+              </a:rPr>
+              <a:t> Surat</a:t>
+            </a:r>
+          </a:p>
+          <a:p>
+            <a:pPr marL="273050" indent="-273050">
+              <a:buAutoNum type="arabicParenR"/>
+            </a:pPr>
+            <a:r>
+              <a:rPr lang="en-US" sz="1200" dirty="0" err="1">
+                <a:solidFill>
+                  <a:schemeClr val="accent1">
+                    <a:lumMod val="20000"/>
+                    <a:lumOff val="80000"/>
+                  </a:schemeClr>
+                </a:solidFill>
+              </a:rPr>
+              <a:t>Hantar</a:t>
+            </a:r>
+            <a:r>
+              <a:rPr lang="en-US" sz="1200" dirty="0">
+                <a:solidFill>
+                  <a:schemeClr val="accent1">
+                    <a:lumMod val="20000"/>
+                    <a:lumOff val="80000"/>
+                  </a:schemeClr>
+                </a:solidFill>
+              </a:rPr>
+              <a:t> Surat </a:t>
+            </a:r>
+            <a:r>
+              <a:rPr lang="en-US" sz="1200" dirty="0" err="1">
+                <a:solidFill>
+                  <a:schemeClr val="accent1">
+                    <a:lumMod val="20000"/>
+                    <a:lumOff val="80000"/>
+                  </a:schemeClr>
+                </a:solidFill>
+              </a:rPr>
+              <a:t>Kelulusan</a:t>
+            </a:r>
+            <a:endParaRPr lang="en-US" sz="1200" dirty="0">
+              <a:solidFill>
+                <a:schemeClr val="accent1">
+                  <a:lumMod val="20000"/>
+                  <a:lumOff val="80000"/>
+                </a:schemeClr>
+              </a:solidFill>
+            </a:endParaRPr>
+          </a:p>
+          <a:p>
+            <a:pPr marL="273050" indent="-273050">
+              <a:buAutoNum type="arabicParenR"/>
+            </a:pPr>
+            <a:r>
+              <a:rPr lang="en-US" sz="1200" dirty="0">
+                <a:solidFill>
+                  <a:schemeClr val="accent1">
+                    <a:lumMod val="20000"/>
+                    <a:lumOff val="80000"/>
+                  </a:schemeClr>
+                </a:solidFill>
+              </a:rPr>
+              <a:t>Modul NOC </a:t>
+            </a:r>
+            <a:r>
+              <a:rPr lang="en-US" sz="1200" dirty="0" err="1">
+                <a:solidFill>
+                  <a:schemeClr val="accent1">
+                    <a:lumMod val="20000"/>
+                    <a:lumOff val="80000"/>
+                  </a:schemeClr>
+                </a:solidFill>
+              </a:rPr>
+              <a:t>MyProjek</a:t>
+            </a:r>
+            <a:endParaRPr lang="en-MY" sz="1200" dirty="0">
+              <a:solidFill>
+                <a:schemeClr val="accent1">
+                  <a:lumMod val="20000"/>
+                  <a:lumOff val="80000"/>
+                </a:schemeClr>
+              </a:solidFill>
+            </a:endParaRPr>
+          </a:p>
+        </p:txBody>
+      </p:sp>
+      <p:sp>
+        <p:nvSpPr>
+          <p:cNvPr id="7" name="TextBox 6">
+            <a:extLst>
+              <a:ext uri="{FF2B5EF4-FFF2-40B4-BE49-F238E27FC236}">
+                <a16:creationId xmlns:a16="http://schemas.microsoft.com/office/drawing/2014/main" id="{B8362887-7C45-40C1-B0A5-C17A1C227473}"/>
+              </a:ext>
+            </a:extLst>
+          </p:cNvPr>
+          <p:cNvSpPr txBox="1"/>
+          <p:nvPr/>
+        </p:nvSpPr>
+        <p:spPr>
+          <a:xfrm>
+            <a:off x="5497289" y="311970"/>
+            <a:ext cx="2562630" cy="3077766"/>
+          </a:xfrm>
+          <a:prstGeom prst="rect">
+            <a:avLst/>
+          </a:prstGeom>
+          <a:noFill/>
+          <a:ln>
+            <a:solidFill>
+              <a:schemeClr val="accent1">
+                <a:lumMod val="60000"/>
+                <a:lumOff val="40000"/>
+              </a:schemeClr>
+            </a:solidFill>
+          </a:ln>
+        </p:spPr>
+        <p:txBody>
+          <a:bodyPr wrap="square" rtlCol="0">
+            <a:spAutoFit/>
+          </a:bodyPr>
+          <a:lstStyle/>
+          <a:p>
+            <a:r>
+              <a:rPr lang="en-US" sz="1400" u="sng" dirty="0" err="1">
+                <a:solidFill>
+                  <a:schemeClr val="accent1">
+                    <a:lumMod val="20000"/>
+                    <a:lumOff val="80000"/>
+                  </a:schemeClr>
+                </a:solidFill>
+              </a:rPr>
+              <a:t>Tindakan</a:t>
+            </a:r>
+            <a:r>
+              <a:rPr lang="en-US" sz="1400" u="sng" dirty="0">
+                <a:solidFill>
+                  <a:schemeClr val="accent1">
+                    <a:lumMod val="20000"/>
+                    <a:lumOff val="80000"/>
+                  </a:schemeClr>
+                </a:solidFill>
+              </a:rPr>
+              <a:t> NOC:</a:t>
+            </a:r>
+          </a:p>
+          <a:p>
+            <a:r>
+              <a:rPr lang="en-US" sz="1100" i="1" dirty="0">
+                <a:solidFill>
+                  <a:schemeClr val="accent1">
+                    <a:lumMod val="20000"/>
+                    <a:lumOff val="80000"/>
+                  </a:schemeClr>
+                </a:solidFill>
+              </a:rPr>
+              <a:t>(</a:t>
+            </a:r>
+            <a:r>
+              <a:rPr lang="en-US" sz="1100" i="1" dirty="0" err="1">
+                <a:solidFill>
+                  <a:schemeClr val="accent1">
+                    <a:lumMod val="20000"/>
+                    <a:lumOff val="80000"/>
+                  </a:schemeClr>
+                </a:solidFill>
+              </a:rPr>
+              <a:t>Klasifikasi</a:t>
+            </a:r>
+            <a:r>
+              <a:rPr lang="en-US" sz="1100" i="1" dirty="0">
+                <a:solidFill>
+                  <a:schemeClr val="accent1">
+                    <a:lumMod val="20000"/>
+                    <a:lumOff val="80000"/>
+                  </a:schemeClr>
+                </a:solidFill>
+              </a:rPr>
+              <a:t>: D7.1/ D7.2/ D7.3/ D8.1/ D8.2/ D10.1/ D10.2/ D10.3/ D10.4)</a:t>
+            </a:r>
+          </a:p>
+          <a:p>
+            <a:pPr marL="174625" indent="-174625">
+              <a:buAutoNum type="arabicParenR"/>
+            </a:pPr>
             <a:endParaRPr lang="en-US" sz="1400" dirty="0">
               <a:solidFill>
                 <a:schemeClr val="accent1">
@@ -4024,43 +5086,367 @@
             </a:endParaRPr>
           </a:p>
           <a:p>
-            <a:pPr marL="342900" indent="-342900">
+            <a:pPr marL="273050" indent="-273050">
               <a:buAutoNum type="arabicParenR"/>
             </a:pPr>
             <a:r>
-              <a:rPr lang="en-US" sz="1400" dirty="0" err="1">
-                <a:solidFill>
-                  <a:schemeClr val="accent1">
-                    <a:lumMod val="20000"/>
-                    <a:lumOff val="80000"/>
-                  </a:schemeClr>
-                </a:solidFill>
-              </a:rPr>
-              <a:t>Semakan</a:t>
-            </a:r>
-            <a:r>
-              <a:rPr lang="en-US" sz="1400" dirty="0">
-                <a:solidFill>
-                  <a:schemeClr val="accent1">
-                    <a:lumMod val="20000"/>
-                    <a:lumOff val="80000"/>
+              <a:rPr lang="en-US" sz="1200" dirty="0">
+                <a:solidFill>
+                  <a:schemeClr val="accent1">
+                    <a:lumMod val="20000"/>
+                    <a:lumOff val="80000"/>
+                  </a:schemeClr>
+                </a:solidFill>
+              </a:rPr>
+              <a:t>Submit NOC</a:t>
+            </a:r>
+          </a:p>
+          <a:p>
+            <a:pPr marL="273050" indent="-273050">
+              <a:buAutoNum type="arabicParenR"/>
+            </a:pPr>
+            <a:r>
+              <a:rPr lang="en-US" sz="1200" dirty="0" err="1">
+                <a:solidFill>
+                  <a:schemeClr val="accent1">
+                    <a:lumMod val="20000"/>
+                    <a:lumOff val="80000"/>
+                  </a:schemeClr>
+                </a:solidFill>
+              </a:rPr>
+              <a:t>Menyemak</a:t>
+            </a:r>
+            <a:r>
+              <a:rPr lang="en-US" sz="1200" dirty="0">
+                <a:solidFill>
+                  <a:schemeClr val="accent1">
+                    <a:lumMod val="20000"/>
+                    <a:lumOff val="80000"/>
+                  </a:schemeClr>
+                </a:solidFill>
+              </a:rPr>
+              <a:t> NOC</a:t>
+            </a:r>
+          </a:p>
+          <a:p>
+            <a:pPr marL="273050" indent="-273050">
+              <a:buAutoNum type="arabicParenR"/>
+            </a:pPr>
+            <a:r>
+              <a:rPr lang="en-US" sz="1200" dirty="0" err="1">
+                <a:solidFill>
+                  <a:schemeClr val="accent5">
+                    <a:lumMod val="50000"/>
+                  </a:schemeClr>
+                </a:solidFill>
+              </a:rPr>
+              <a:t>Memohon</a:t>
+            </a:r>
+            <a:r>
+              <a:rPr lang="en-US" sz="1200" dirty="0">
+                <a:solidFill>
+                  <a:schemeClr val="accent5">
+                    <a:lumMod val="50000"/>
                   </a:schemeClr>
                 </a:solidFill>
               </a:rPr>
               <a:t> </a:t>
             </a:r>
             <a:r>
-              <a:rPr lang="en-US" sz="1400" dirty="0" err="1">
-                <a:solidFill>
-                  <a:schemeClr val="accent1">
-                    <a:lumMod val="20000"/>
-                    <a:lumOff val="80000"/>
+              <a:rPr lang="en-US" sz="1200" dirty="0" err="1">
+                <a:solidFill>
+                  <a:schemeClr val="accent5">
+                    <a:lumMod val="50000"/>
+                  </a:schemeClr>
+                </a:solidFill>
+              </a:rPr>
+              <a:t>Ulasan</a:t>
+            </a:r>
+            <a:endParaRPr lang="en-US" sz="1200" dirty="0">
+              <a:solidFill>
+                <a:schemeClr val="accent5">
+                  <a:lumMod val="50000"/>
+                </a:schemeClr>
+              </a:solidFill>
+            </a:endParaRPr>
+          </a:p>
+          <a:p>
+            <a:pPr marL="273050" indent="-273050">
+              <a:buAutoNum type="arabicParenR"/>
+            </a:pPr>
+            <a:r>
+              <a:rPr lang="en-US" sz="1200" dirty="0" err="1">
+                <a:solidFill>
+                  <a:schemeClr val="accent5">
+                    <a:lumMod val="50000"/>
+                  </a:schemeClr>
+                </a:solidFill>
+              </a:rPr>
+              <a:t>Menyemak</a:t>
+            </a:r>
+            <a:r>
+              <a:rPr lang="en-US" sz="1200" dirty="0">
+                <a:solidFill>
+                  <a:schemeClr val="accent5">
+                    <a:lumMod val="50000"/>
+                  </a:schemeClr>
+                </a:solidFill>
+              </a:rPr>
+              <a:t> </a:t>
+            </a:r>
+            <a:r>
+              <a:rPr lang="en-US" sz="1200" dirty="0" err="1">
+                <a:solidFill>
+                  <a:schemeClr val="accent5">
+                    <a:lumMod val="50000"/>
                   </a:schemeClr>
                 </a:solidFill>
               </a:rPr>
               <a:t>Permohonan</a:t>
             </a:r>
-            <a:endParaRPr lang="en-MY" sz="1400" dirty="0">
+            <a:endParaRPr lang="en-US" sz="1200" dirty="0">
+              <a:solidFill>
+                <a:schemeClr val="accent5">
+                  <a:lumMod val="50000"/>
+                </a:schemeClr>
+              </a:solidFill>
+            </a:endParaRPr>
+          </a:p>
+          <a:p>
+            <a:pPr marL="273050" indent="-273050">
+              <a:buAutoNum type="arabicParenR"/>
+            </a:pPr>
+            <a:r>
+              <a:rPr lang="en-US" sz="1200" dirty="0" err="1">
+                <a:solidFill>
+                  <a:schemeClr val="accent5">
+                    <a:lumMod val="50000"/>
+                  </a:schemeClr>
+                </a:solidFill>
+              </a:rPr>
+              <a:t>Sediakan</a:t>
+            </a:r>
+            <a:r>
+              <a:rPr lang="en-US" sz="1200" dirty="0">
+                <a:solidFill>
+                  <a:schemeClr val="accent5">
+                    <a:lumMod val="50000"/>
+                  </a:schemeClr>
+                </a:solidFill>
+              </a:rPr>
+              <a:t> </a:t>
+            </a:r>
+            <a:r>
+              <a:rPr lang="en-US" sz="1200" dirty="0" err="1">
+                <a:solidFill>
+                  <a:schemeClr val="accent5">
+                    <a:lumMod val="50000"/>
+                  </a:schemeClr>
+                </a:solidFill>
+              </a:rPr>
+              <a:t>Ulasan</a:t>
+            </a:r>
+            <a:endParaRPr lang="en-US" sz="1200" dirty="0">
+              <a:solidFill>
+                <a:schemeClr val="accent5">
+                  <a:lumMod val="50000"/>
+                </a:schemeClr>
+              </a:solidFill>
+            </a:endParaRPr>
+          </a:p>
+          <a:p>
+            <a:pPr marL="273050" indent="-273050">
+              <a:buAutoNum type="arabicParenR"/>
+            </a:pPr>
+            <a:r>
+              <a:rPr lang="en-US" sz="1200" dirty="0" err="1">
+                <a:solidFill>
+                  <a:schemeClr val="accent5">
+                    <a:lumMod val="50000"/>
+                  </a:schemeClr>
+                </a:solidFill>
+              </a:rPr>
+              <a:t>Hantar</a:t>
+            </a:r>
+            <a:r>
+              <a:rPr lang="en-US" sz="1200" dirty="0">
+                <a:solidFill>
+                  <a:schemeClr val="accent5">
+                    <a:lumMod val="50000"/>
+                  </a:schemeClr>
+                </a:solidFill>
+              </a:rPr>
+              <a:t> </a:t>
+            </a:r>
+            <a:r>
+              <a:rPr lang="en-US" sz="1200" dirty="0" err="1">
+                <a:solidFill>
+                  <a:schemeClr val="accent5">
+                    <a:lumMod val="50000"/>
+                  </a:schemeClr>
+                </a:solidFill>
+              </a:rPr>
+              <a:t>Ulasan</a:t>
+            </a:r>
+            <a:endParaRPr lang="en-US" sz="1200" dirty="0">
+              <a:solidFill>
+                <a:schemeClr val="accent5">
+                  <a:lumMod val="50000"/>
+                </a:schemeClr>
+              </a:solidFill>
+            </a:endParaRPr>
+          </a:p>
+          <a:p>
+            <a:pPr marL="273050" indent="-273050">
+              <a:buAutoNum type="arabicParenR"/>
+            </a:pPr>
+            <a:r>
+              <a:rPr lang="en-US" sz="1200" dirty="0" err="1">
+                <a:solidFill>
+                  <a:schemeClr val="accent1">
+                    <a:lumMod val="20000"/>
+                    <a:lumOff val="80000"/>
+                  </a:schemeClr>
+                </a:solidFill>
+              </a:rPr>
+              <a:t>Sediakan</a:t>
+            </a:r>
+            <a:r>
+              <a:rPr lang="en-US" sz="1200" dirty="0">
+                <a:solidFill>
+                  <a:schemeClr val="accent1">
+                    <a:lumMod val="20000"/>
+                    <a:lumOff val="80000"/>
+                  </a:schemeClr>
+                </a:solidFill>
+              </a:rPr>
+              <a:t> Memo</a:t>
+            </a:r>
+          </a:p>
+          <a:p>
+            <a:pPr marL="273050" indent="-273050">
+              <a:buAutoNum type="arabicParenR"/>
+            </a:pPr>
+            <a:r>
+              <a:rPr lang="en-US" sz="1200" dirty="0" err="1">
+                <a:solidFill>
+                  <a:schemeClr val="accent1">
+                    <a:lumMod val="20000"/>
+                    <a:lumOff val="80000"/>
+                  </a:schemeClr>
+                </a:solidFill>
+              </a:rPr>
+              <a:t>Hantar</a:t>
+            </a:r>
+            <a:r>
+              <a:rPr lang="en-US" sz="1200" dirty="0">
+                <a:solidFill>
+                  <a:schemeClr val="accent1">
+                    <a:lumMod val="20000"/>
+                    <a:lumOff val="80000"/>
+                  </a:schemeClr>
+                </a:solidFill>
+              </a:rPr>
+              <a:t> Memo</a:t>
+            </a:r>
+          </a:p>
+          <a:p>
+            <a:pPr marL="273050" indent="-273050">
+              <a:buAutoNum type="arabicParenR"/>
+            </a:pPr>
+            <a:r>
+              <a:rPr lang="en-US" sz="1200" dirty="0">
+                <a:solidFill>
+                  <a:schemeClr val="accent1">
+                    <a:lumMod val="20000"/>
+                    <a:lumOff val="80000"/>
+                  </a:schemeClr>
+                </a:solidFill>
+              </a:rPr>
+              <a:t>Terima Memo</a:t>
+            </a:r>
+          </a:p>
+          <a:p>
+            <a:pPr marL="273050" indent="-273050">
+              <a:buAutoNum type="arabicParenR"/>
+            </a:pPr>
+            <a:r>
+              <a:rPr lang="en-US" sz="1200" dirty="0" err="1">
+                <a:solidFill>
+                  <a:schemeClr val="accent1">
+                    <a:lumMod val="20000"/>
+                    <a:lumOff val="80000"/>
+                  </a:schemeClr>
+                </a:solidFill>
+              </a:rPr>
+              <a:t>Sediakan</a:t>
+            </a:r>
+            <a:r>
+              <a:rPr lang="en-US" sz="1200" dirty="0">
+                <a:solidFill>
+                  <a:schemeClr val="accent1">
+                    <a:lumMod val="20000"/>
+                    <a:lumOff val="80000"/>
+                  </a:schemeClr>
+                </a:solidFill>
+              </a:rPr>
+              <a:t> Surat</a:t>
+            </a:r>
+          </a:p>
+          <a:p>
+            <a:pPr marL="273050" indent="-273050">
+              <a:buAutoNum type="arabicParenR"/>
+            </a:pPr>
+            <a:r>
+              <a:rPr lang="en-US" sz="1200" dirty="0" err="1">
+                <a:solidFill>
+                  <a:schemeClr val="accent1">
+                    <a:lumMod val="20000"/>
+                    <a:lumOff val="80000"/>
+                  </a:schemeClr>
+                </a:solidFill>
+              </a:rPr>
+              <a:t>Hantar</a:t>
+            </a:r>
+            <a:r>
+              <a:rPr lang="en-US" sz="1200" dirty="0">
+                <a:solidFill>
+                  <a:schemeClr val="accent1">
+                    <a:lumMod val="20000"/>
+                    <a:lumOff val="80000"/>
+                  </a:schemeClr>
+                </a:solidFill>
+              </a:rPr>
+              <a:t> Surat</a:t>
+            </a:r>
+          </a:p>
+          <a:p>
+            <a:pPr marL="273050" indent="-273050">
+              <a:buAutoNum type="arabicParenR"/>
+            </a:pPr>
+            <a:r>
+              <a:rPr lang="en-US" sz="1200" dirty="0" err="1">
+                <a:solidFill>
+                  <a:schemeClr val="accent1">
+                    <a:lumMod val="20000"/>
+                    <a:lumOff val="80000"/>
+                  </a:schemeClr>
+                </a:solidFill>
+              </a:rPr>
+              <a:t>Mohon</a:t>
+            </a:r>
+            <a:r>
+              <a:rPr lang="en-US" sz="1200" dirty="0">
+                <a:solidFill>
+                  <a:schemeClr val="accent1">
+                    <a:lumMod val="20000"/>
+                    <a:lumOff val="80000"/>
+                  </a:schemeClr>
+                </a:solidFill>
+              </a:rPr>
+              <a:t> Modul NOC</a:t>
+            </a:r>
+            <a:endParaRPr lang="en-MY" sz="1200" dirty="0">
               <a:solidFill>
                 <a:schemeClr val="accent1">
                   <a:lumMod val="20000"/>
@@ -4071,100 +5457,1277 @@
           </a:p>
         </p:txBody>
       </p:sp>
-      <p:cxnSp>
-        <p:nvCxnSpPr>
-          <p:cNvPr id="8" name="Straight Arrow Connector 7">
-            <a:extLst>
-              <a:ext uri="{FF2B5EF4-FFF2-40B4-BE49-F238E27FC236}">
-                <a16:creationId xmlns:a16="http://schemas.microsoft.com/office/drawing/2014/main" id="{AD6812E6-116D-4D72-8245-FB3EAD044647}"/>
-              </a:ext>
-            </a:extLst>
-          </p:cNvPr>
-          <p:cNvCxnSpPr>
-            <a:cxnSpLocks/>
-          </p:cNvCxnSpPr>
+      <p:sp>
+        <p:nvSpPr>
+          <p:cNvPr id="9" name="TextBox 8">
+            <a:extLst>
+              <a:ext uri="{FF2B5EF4-FFF2-40B4-BE49-F238E27FC236}">
+                <a16:creationId xmlns:a16="http://schemas.microsoft.com/office/drawing/2014/main" id="{79B16011-724D-4B69-817C-5C87E527C55D}"/>
+              </a:ext>
+            </a:extLst>
+          </p:cNvPr>
+          <p:cNvSpPr txBox="1"/>
           <p:nvPr/>
-        </p:nvCxnSpPr>
+        </p:nvSpPr>
         <p:spPr>
           <a:xfrm>
-            <a:off x="6295012" y="1112189"/>
-            <a:ext cx="1030944" cy="0"/>
+            <a:off x="1695064" y="3468265"/>
+            <a:ext cx="3659361" cy="2323713"/>
           </a:xfrm>
-          <a:prstGeom prst="straightConnector1">
+          <a:prstGeom prst="rect">
             <a:avLst/>
           </a:prstGeom>
+          <a:noFill/>
           <a:ln>
             <a:solidFill>
-              <a:schemeClr val="accent2">
-                <a:lumMod val="20000"/>
-                <a:lumOff val="80000"/>
+              <a:schemeClr val="accent1">
+                <a:lumMod val="60000"/>
+                <a:lumOff val="40000"/>
               </a:schemeClr>
             </a:solidFill>
-            <a:tailEnd type="triangle"/>
           </a:ln>
         </p:spPr>
-        <p:style>
-          <a:lnRef idx="1">
-            <a:schemeClr val="accent1"/>
-          </a:lnRef>
-          <a:fillRef idx="0">
-            <a:schemeClr val="accent1"/>
-          </a:fillRef>
-          <a:effectRef idx="0">
-            <a:schemeClr val="accent1"/>
-          </a:effectRef>
-          <a:fontRef idx="minor">
-            <a:schemeClr val="tx1"/>
-          </a:fontRef>
-        </p:style>
-      </p:cxnSp>
-      <p:cxnSp>
-        <p:nvCxnSpPr>
-          <p:cNvPr id="14" name="Straight Arrow Connector 13">
-            <a:extLst>
-              <a:ext uri="{FF2B5EF4-FFF2-40B4-BE49-F238E27FC236}">
-                <a16:creationId xmlns:a16="http://schemas.microsoft.com/office/drawing/2014/main" id="{E3643D9D-4F28-4EE4-9267-57FBE2C4528B}"/>
-              </a:ext>
-            </a:extLst>
-          </p:cNvPr>
-          <p:cNvCxnSpPr>
-            <a:cxnSpLocks/>
-          </p:cNvCxnSpPr>
+        <p:txBody>
+          <a:bodyPr wrap="square" rtlCol="0">
+            <a:spAutoFit/>
+          </a:bodyPr>
+          <a:lstStyle/>
+          <a:p>
+            <a:r>
+              <a:rPr lang="en-US" sz="1400" u="sng" dirty="0">
+                <a:solidFill>
+                  <a:schemeClr val="accent1">
+                    <a:lumMod val="20000"/>
+                    <a:lumOff val="80000"/>
+                  </a:schemeClr>
+                </a:solidFill>
+              </a:rPr>
+              <a:t>Flow </a:t>
+            </a:r>
+            <a:r>
+              <a:rPr lang="en-US" sz="1400" u="sng" dirty="0" err="1">
+                <a:solidFill>
+                  <a:schemeClr val="accent1">
+                    <a:lumMod val="20000"/>
+                    <a:lumOff val="80000"/>
+                  </a:schemeClr>
+                </a:solidFill>
+              </a:rPr>
+              <a:t>Sistem</a:t>
+            </a:r>
+            <a:r>
+              <a:rPr lang="en-US" sz="1400" u="sng" dirty="0">
+                <a:solidFill>
+                  <a:schemeClr val="accent1">
+                    <a:lumMod val="20000"/>
+                    <a:lumOff val="80000"/>
+                  </a:schemeClr>
+                </a:solidFill>
+              </a:rPr>
+              <a:t>:</a:t>
+            </a:r>
+          </a:p>
+          <a:p>
+            <a:r>
+              <a:rPr lang="en-US" sz="1100" i="1" dirty="0">
+                <a:solidFill>
+                  <a:schemeClr val="accent1">
+                    <a:lumMod val="20000"/>
+                    <a:lumOff val="80000"/>
+                  </a:schemeClr>
+                </a:solidFill>
+              </a:rPr>
+              <a:t>(</a:t>
+            </a:r>
+            <a:r>
+              <a:rPr lang="en-US" sz="1100" i="1" dirty="0" err="1">
+                <a:solidFill>
+                  <a:schemeClr val="accent1">
+                    <a:lumMod val="20000"/>
+                    <a:lumOff val="80000"/>
+                  </a:schemeClr>
+                </a:solidFill>
+              </a:rPr>
+              <a:t>Klasifikasi</a:t>
+            </a:r>
+            <a:r>
+              <a:rPr lang="en-US" sz="1100" i="1" dirty="0">
+                <a:solidFill>
+                  <a:schemeClr val="accent1">
+                    <a:lumMod val="20000"/>
+                    <a:lumOff val="80000"/>
+                  </a:schemeClr>
+                </a:solidFill>
+              </a:rPr>
+              <a:t>: D1/ D2/ D4/ D5/ D6.1/ D6.2/ D6.3/ D6.4/ D9 )</a:t>
+            </a:r>
+          </a:p>
+          <a:p>
+            <a:endParaRPr lang="en-US" sz="1100" dirty="0">
+              <a:solidFill>
+                <a:schemeClr val="accent1">
+                  <a:lumMod val="20000"/>
+                  <a:lumOff val="80000"/>
+                </a:schemeClr>
+              </a:solidFill>
+            </a:endParaRPr>
+          </a:p>
+          <a:p>
+            <a:endParaRPr lang="en-US" sz="1400" dirty="0">
+              <a:solidFill>
+                <a:schemeClr val="accent1">
+                  <a:lumMod val="20000"/>
+                  <a:lumOff val="80000"/>
+                </a:schemeClr>
+              </a:solidFill>
+            </a:endParaRPr>
+          </a:p>
+          <a:p>
+            <a:pPr marL="273050" indent="-273050">
+              <a:buAutoNum type="arabicParenR"/>
+            </a:pPr>
+            <a:r>
+              <a:rPr lang="en-MY" sz="1200" dirty="0">
+                <a:solidFill>
+                  <a:schemeClr val="accent1">
+                    <a:lumMod val="20000"/>
+                    <a:lumOff val="80000"/>
+                  </a:schemeClr>
+                </a:solidFill>
+              </a:rPr>
+              <a:t>Key-in NOC</a:t>
+            </a:r>
+          </a:p>
+          <a:p>
+            <a:pPr marL="273050" indent="-273050">
+              <a:buAutoNum type="arabicParenR"/>
+            </a:pPr>
+            <a:r>
+              <a:rPr lang="en-US" sz="1200" dirty="0" err="1">
+                <a:solidFill>
+                  <a:schemeClr val="accent1">
+                    <a:lumMod val="20000"/>
+                    <a:lumOff val="80000"/>
+                  </a:schemeClr>
+                </a:solidFill>
+              </a:rPr>
+              <a:t>Semakan</a:t>
+            </a:r>
+            <a:r>
+              <a:rPr lang="en-US" sz="1200" dirty="0">
+                <a:solidFill>
+                  <a:schemeClr val="accent1">
+                    <a:lumMod val="20000"/>
+                    <a:lumOff val="80000"/>
+                  </a:schemeClr>
+                </a:solidFill>
+              </a:rPr>
+              <a:t> </a:t>
+            </a:r>
+            <a:r>
+              <a:rPr lang="en-US" sz="1200" dirty="0" err="1">
+                <a:solidFill>
+                  <a:schemeClr val="accent1">
+                    <a:lumMod val="20000"/>
+                    <a:lumOff val="80000"/>
+                  </a:schemeClr>
+                </a:solidFill>
+              </a:rPr>
+              <a:t>awal</a:t>
+            </a:r>
+            <a:r>
+              <a:rPr lang="en-US" sz="1200" dirty="0">
+                <a:solidFill>
+                  <a:schemeClr val="accent1">
+                    <a:lumMod val="20000"/>
+                    <a:lumOff val="80000"/>
+                  </a:schemeClr>
+                </a:solidFill>
+              </a:rPr>
+              <a:t> NOC</a:t>
+            </a:r>
+          </a:p>
+          <a:p>
+            <a:pPr marL="273050" indent="-273050">
+              <a:buAutoNum type="arabicParenR"/>
+            </a:pPr>
+            <a:r>
+              <a:rPr lang="en-US" sz="1200" dirty="0" err="1">
+                <a:solidFill>
+                  <a:schemeClr val="accent1">
+                    <a:lumMod val="20000"/>
+                    <a:lumOff val="80000"/>
+                  </a:schemeClr>
+                </a:solidFill>
+              </a:rPr>
+              <a:t>Penyediaan</a:t>
+            </a:r>
+            <a:r>
+              <a:rPr lang="en-US" sz="1200" dirty="0">
+                <a:solidFill>
+                  <a:schemeClr val="accent1">
+                    <a:lumMod val="20000"/>
+                    <a:lumOff val="80000"/>
+                  </a:schemeClr>
+                </a:solidFill>
+              </a:rPr>
+              <a:t> Memo oleh </a:t>
+            </a:r>
+            <a:r>
+              <a:rPr lang="en-US" sz="1200" dirty="0" err="1">
+                <a:solidFill>
+                  <a:schemeClr val="accent1">
+                    <a:lumMod val="20000"/>
+                    <a:lumOff val="80000"/>
+                  </a:schemeClr>
+                </a:solidFill>
+              </a:rPr>
+              <a:t>Bahagian</a:t>
+            </a:r>
+            <a:endParaRPr lang="en-US" sz="1200" dirty="0">
+              <a:solidFill>
+                <a:schemeClr val="accent1">
+                  <a:lumMod val="20000"/>
+                  <a:lumOff val="80000"/>
+                </a:schemeClr>
+              </a:solidFill>
+            </a:endParaRPr>
+          </a:p>
+          <a:p>
+            <a:pPr marL="273050" indent="-273050">
+              <a:buAutoNum type="arabicParenR"/>
+            </a:pPr>
+            <a:r>
+              <a:rPr lang="en-US" sz="1200" dirty="0" err="1">
+                <a:solidFill>
+                  <a:schemeClr val="accent1">
+                    <a:lumMod val="20000"/>
+                    <a:lumOff val="80000"/>
+                  </a:schemeClr>
+                </a:solidFill>
+              </a:rPr>
+              <a:t>Penghantaran</a:t>
+            </a:r>
+            <a:r>
+              <a:rPr lang="en-US" sz="1200" dirty="0">
+                <a:solidFill>
+                  <a:schemeClr val="accent1">
+                    <a:lumMod val="20000"/>
+                    <a:lumOff val="80000"/>
+                  </a:schemeClr>
+                </a:solidFill>
+              </a:rPr>
+              <a:t> Memo </a:t>
+            </a:r>
+            <a:r>
+              <a:rPr lang="en-US" sz="1200" dirty="0" err="1">
+                <a:solidFill>
+                  <a:schemeClr val="accent1">
+                    <a:lumMod val="20000"/>
+                    <a:lumOff val="80000"/>
+                  </a:schemeClr>
+                </a:solidFill>
+              </a:rPr>
+              <a:t>kpd</a:t>
+            </a:r>
+            <a:r>
+              <a:rPr lang="en-US" sz="1200" dirty="0">
+                <a:solidFill>
+                  <a:schemeClr val="accent1">
+                    <a:lumMod val="20000"/>
+                    <a:lumOff val="80000"/>
+                  </a:schemeClr>
+                </a:solidFill>
+              </a:rPr>
+              <a:t> </a:t>
+            </a:r>
+            <a:r>
+              <a:rPr lang="en-US" sz="1200" dirty="0" err="1">
+                <a:solidFill>
+                  <a:schemeClr val="accent1">
+                    <a:lumMod val="20000"/>
+                    <a:lumOff val="80000"/>
+                  </a:schemeClr>
+                </a:solidFill>
+              </a:rPr>
+              <a:t>Pengarah</a:t>
+            </a:r>
+            <a:r>
+              <a:rPr lang="en-US" sz="1200" dirty="0">
+                <a:solidFill>
+                  <a:schemeClr val="accent1">
+                    <a:lumMod val="20000"/>
+                    <a:lumOff val="80000"/>
+                  </a:schemeClr>
+                </a:solidFill>
+              </a:rPr>
+              <a:t> oleh </a:t>
+            </a:r>
+            <a:r>
+              <a:rPr lang="en-US" sz="1200" dirty="0" err="1">
+                <a:solidFill>
+                  <a:schemeClr val="accent1">
+                    <a:lumMod val="20000"/>
+                    <a:lumOff val="80000"/>
+                  </a:schemeClr>
+                </a:solidFill>
+              </a:rPr>
+              <a:t>Bahagian</a:t>
+            </a:r>
+            <a:endParaRPr lang="en-US" sz="1200" dirty="0">
+              <a:solidFill>
+                <a:schemeClr val="accent1">
+                  <a:lumMod val="20000"/>
+                  <a:lumOff val="80000"/>
+                </a:schemeClr>
+              </a:solidFill>
+            </a:endParaRPr>
+          </a:p>
+          <a:p>
+            <a:pPr marL="273050" indent="-273050">
+              <a:buAutoNum type="arabicParenR"/>
+            </a:pPr>
+            <a:r>
+              <a:rPr lang="en-US" sz="1200" dirty="0" err="1">
+                <a:solidFill>
+                  <a:schemeClr val="accent1">
+                    <a:lumMod val="20000"/>
+                    <a:lumOff val="80000"/>
+                  </a:schemeClr>
+                </a:solidFill>
+              </a:rPr>
+              <a:t>Penerimaan</a:t>
+            </a:r>
+            <a:r>
+              <a:rPr lang="en-US" sz="1200" dirty="0">
+                <a:solidFill>
+                  <a:schemeClr val="accent1">
+                    <a:lumMod val="20000"/>
+                    <a:lumOff val="80000"/>
+                  </a:schemeClr>
+                </a:solidFill>
+              </a:rPr>
+              <a:t> Memo </a:t>
+            </a:r>
+            <a:r>
+              <a:rPr lang="en-US" sz="1200" dirty="0" err="1">
+                <a:solidFill>
+                  <a:schemeClr val="accent1">
+                    <a:lumMod val="20000"/>
+                    <a:lumOff val="80000"/>
+                  </a:schemeClr>
+                </a:solidFill>
+              </a:rPr>
+              <a:t>Kelulusan</a:t>
+            </a:r>
+            <a:endParaRPr lang="en-US" sz="1200" dirty="0">
+              <a:solidFill>
+                <a:schemeClr val="accent1">
+                  <a:lumMod val="20000"/>
+                  <a:lumOff val="80000"/>
+                </a:schemeClr>
+              </a:solidFill>
+            </a:endParaRPr>
+          </a:p>
+          <a:p>
+            <a:pPr marL="273050" indent="-273050">
+              <a:buAutoNum type="arabicParenR"/>
+            </a:pPr>
+            <a:r>
+              <a:rPr lang="en-US" sz="1200" dirty="0" err="1">
+                <a:solidFill>
+                  <a:schemeClr val="accent1">
+                    <a:lumMod val="20000"/>
+                    <a:lumOff val="80000"/>
+                  </a:schemeClr>
+                </a:solidFill>
+              </a:rPr>
+              <a:t>Penyediaan</a:t>
+            </a:r>
+            <a:r>
+              <a:rPr lang="en-US" sz="1200" dirty="0">
+                <a:solidFill>
+                  <a:schemeClr val="accent1">
+                    <a:lumMod val="20000"/>
+                    <a:lumOff val="80000"/>
+                  </a:schemeClr>
+                </a:solidFill>
+              </a:rPr>
+              <a:t> Surat </a:t>
+            </a:r>
+            <a:r>
+              <a:rPr lang="en-US" sz="1200" dirty="0" err="1">
+                <a:solidFill>
+                  <a:schemeClr val="accent1">
+                    <a:lumMod val="20000"/>
+                    <a:lumOff val="80000"/>
+                  </a:schemeClr>
+                </a:solidFill>
+              </a:rPr>
+              <a:t>Kelulusan</a:t>
+            </a:r>
+            <a:r>
+              <a:rPr lang="en-US" sz="1200" dirty="0">
+                <a:solidFill>
+                  <a:schemeClr val="accent1">
+                    <a:lumMod val="20000"/>
+                    <a:lumOff val="80000"/>
+                  </a:schemeClr>
+                </a:solidFill>
+              </a:rPr>
+              <a:t> oleh </a:t>
+            </a:r>
+            <a:r>
+              <a:rPr lang="en-US" sz="1200" dirty="0" err="1">
+                <a:solidFill>
+                  <a:schemeClr val="accent1">
+                    <a:lumMod val="20000"/>
+                    <a:lumOff val="80000"/>
+                  </a:schemeClr>
+                </a:solidFill>
+              </a:rPr>
+              <a:t>Bahagian</a:t>
+            </a:r>
+            <a:endParaRPr lang="en-US" sz="1200" dirty="0">
+              <a:solidFill>
+                <a:schemeClr val="accent1">
+                  <a:lumMod val="20000"/>
+                  <a:lumOff val="80000"/>
+                </a:schemeClr>
+              </a:solidFill>
+            </a:endParaRPr>
+          </a:p>
+          <a:p>
+            <a:pPr marL="273050" indent="-273050">
+              <a:buAutoNum type="arabicParenR"/>
+            </a:pPr>
+            <a:r>
+              <a:rPr lang="en-US" sz="1200" dirty="0" err="1">
+                <a:solidFill>
+                  <a:schemeClr val="accent1">
+                    <a:lumMod val="20000"/>
+                    <a:lumOff val="80000"/>
+                  </a:schemeClr>
+                </a:solidFill>
+              </a:rPr>
+              <a:t>Penghantaran</a:t>
+            </a:r>
+            <a:r>
+              <a:rPr lang="en-US" sz="1200" dirty="0">
+                <a:solidFill>
+                  <a:schemeClr val="accent1">
+                    <a:lumMod val="20000"/>
+                    <a:lumOff val="80000"/>
+                  </a:schemeClr>
+                </a:solidFill>
+              </a:rPr>
+              <a:t> Surat </a:t>
+            </a:r>
+            <a:r>
+              <a:rPr lang="en-US" sz="1200" dirty="0" err="1">
+                <a:solidFill>
+                  <a:schemeClr val="accent1">
+                    <a:lumMod val="20000"/>
+                    <a:lumOff val="80000"/>
+                  </a:schemeClr>
+                </a:solidFill>
+              </a:rPr>
+              <a:t>Kelulusan</a:t>
+            </a:r>
+            <a:r>
+              <a:rPr lang="en-US" sz="1200" dirty="0">
+                <a:solidFill>
+                  <a:schemeClr val="accent1">
+                    <a:lumMod val="20000"/>
+                    <a:lumOff val="80000"/>
+                  </a:schemeClr>
+                </a:solidFill>
+              </a:rPr>
+              <a:t> </a:t>
+            </a:r>
+            <a:r>
+              <a:rPr lang="en-US" sz="1200" dirty="0" err="1">
+                <a:solidFill>
+                  <a:schemeClr val="accent1">
+                    <a:lumMod val="20000"/>
+                    <a:lumOff val="80000"/>
+                  </a:schemeClr>
+                </a:solidFill>
+              </a:rPr>
+              <a:t>ke</a:t>
+            </a:r>
+            <a:r>
+              <a:rPr lang="en-US" sz="1200" dirty="0">
+                <a:solidFill>
+                  <a:schemeClr val="accent1">
+                    <a:lumMod val="20000"/>
+                    <a:lumOff val="80000"/>
+                  </a:schemeClr>
+                </a:solidFill>
+              </a:rPr>
+              <a:t> Kementerian</a:t>
+            </a:r>
+          </a:p>
+          <a:p>
+            <a:pPr marL="273050" indent="-273050">
+              <a:buAutoNum type="arabicParenR"/>
+            </a:pPr>
+            <a:r>
+              <a:rPr lang="en-US" sz="1100" dirty="0" err="1">
+                <a:solidFill>
+                  <a:schemeClr val="accent1">
+                    <a:lumMod val="20000"/>
+                    <a:lumOff val="80000"/>
+                  </a:schemeClr>
+                </a:solidFill>
+              </a:rPr>
+              <a:t>Permohonan</a:t>
+            </a:r>
+            <a:r>
+              <a:rPr lang="en-US" sz="1100" dirty="0">
+                <a:solidFill>
+                  <a:schemeClr val="accent1">
+                    <a:lumMod val="20000"/>
+                    <a:lumOff val="80000"/>
+                  </a:schemeClr>
+                </a:solidFill>
+              </a:rPr>
+              <a:t> Modul NOC </a:t>
+            </a:r>
+            <a:r>
+              <a:rPr lang="en-US" sz="1100" dirty="0" err="1">
+                <a:solidFill>
+                  <a:schemeClr val="accent1">
+                    <a:lumMod val="20000"/>
+                    <a:lumOff val="80000"/>
+                  </a:schemeClr>
+                </a:solidFill>
+              </a:rPr>
+              <a:t>MyProjek</a:t>
+            </a:r>
+            <a:r>
+              <a:rPr lang="en-US" sz="1100" dirty="0">
+                <a:solidFill>
+                  <a:schemeClr val="accent1">
+                    <a:lumMod val="20000"/>
+                    <a:lumOff val="80000"/>
+                  </a:schemeClr>
+                </a:solidFill>
+              </a:rPr>
+              <a:t> oleh Kementerian</a:t>
+            </a:r>
+            <a:endParaRPr lang="en-MY" sz="1100" dirty="0">
+              <a:solidFill>
+                <a:schemeClr val="accent1">
+                  <a:lumMod val="20000"/>
+                  <a:lumOff val="80000"/>
+                </a:schemeClr>
+              </a:solidFill>
+            </a:endParaRPr>
+          </a:p>
+        </p:txBody>
+      </p:sp>
+      <p:sp>
+        <p:nvSpPr>
+          <p:cNvPr id="10" name="TextBox 9">
+            <a:extLst>
+              <a:ext uri="{FF2B5EF4-FFF2-40B4-BE49-F238E27FC236}">
+                <a16:creationId xmlns:a16="http://schemas.microsoft.com/office/drawing/2014/main" id="{D50C9F28-D56F-439D-BBCE-9C53443BF5B2}"/>
+              </a:ext>
+            </a:extLst>
+          </p:cNvPr>
+          <p:cNvSpPr txBox="1"/>
           <p:nvPr/>
-        </p:nvCxnSpPr>
+        </p:nvSpPr>
         <p:spPr>
           <a:xfrm>
-            <a:off x="6295012" y="1286105"/>
-            <a:ext cx="1030944" cy="0"/>
+            <a:off x="8191783" y="3468265"/>
+            <a:ext cx="3851241" cy="2339102"/>
           </a:xfrm>
-          <a:prstGeom prst="straightConnector1">
+          <a:prstGeom prst="rect">
             <a:avLst/>
           </a:prstGeom>
+          <a:noFill/>
           <a:ln>
             <a:solidFill>
-              <a:schemeClr val="accent2">
-                <a:lumMod val="20000"/>
-                <a:lumOff val="80000"/>
+              <a:schemeClr val="accent1">
+                <a:lumMod val="60000"/>
+                <a:lumOff val="40000"/>
               </a:schemeClr>
             </a:solidFill>
-            <a:tailEnd type="triangle"/>
           </a:ln>
         </p:spPr>
-        <p:style>
-          <a:lnRef idx="1">
-            <a:schemeClr val="accent1"/>
-          </a:lnRef>
-          <a:fillRef idx="0">
-            <a:schemeClr val="accent1"/>
-          </a:fillRef>
-          <a:effectRef idx="0">
-            <a:schemeClr val="accent1"/>
-          </a:effectRef>
-          <a:fontRef idx="minor">
-            <a:schemeClr val="tx1"/>
-          </a:fontRef>
-        </p:style>
-      </p:cxnSp>
+        <p:txBody>
+          <a:bodyPr wrap="square" rtlCol="0">
+            <a:spAutoFit/>
+          </a:bodyPr>
+          <a:lstStyle/>
+          <a:p>
+            <a:r>
+              <a:rPr lang="en-US" sz="1400" u="sng" dirty="0">
+                <a:solidFill>
+                  <a:schemeClr val="accent1">
+                    <a:lumMod val="20000"/>
+                    <a:lumOff val="80000"/>
+                  </a:schemeClr>
+                </a:solidFill>
+              </a:rPr>
+              <a:t>Status NOC:</a:t>
+            </a:r>
+          </a:p>
+          <a:p>
+            <a:r>
+              <a:rPr lang="en-US" sz="1100" i="1" dirty="0">
+                <a:solidFill>
+                  <a:schemeClr val="accent1">
+                    <a:lumMod val="20000"/>
+                    <a:lumOff val="80000"/>
+                  </a:schemeClr>
+                </a:solidFill>
+              </a:rPr>
+              <a:t>(</a:t>
+            </a:r>
+            <a:r>
+              <a:rPr lang="en-US" sz="1100" i="1" dirty="0" err="1">
+                <a:solidFill>
+                  <a:schemeClr val="accent1">
+                    <a:lumMod val="20000"/>
+                    <a:lumOff val="80000"/>
+                  </a:schemeClr>
+                </a:solidFill>
+              </a:rPr>
+              <a:t>Klasifikasi</a:t>
+            </a:r>
+            <a:r>
+              <a:rPr lang="en-US" sz="1100" i="1" dirty="0">
+                <a:solidFill>
+                  <a:schemeClr val="accent1">
+                    <a:lumMod val="20000"/>
+                    <a:lumOff val="80000"/>
+                  </a:schemeClr>
+                </a:solidFill>
+              </a:rPr>
+              <a:t>: D1/ D2/ D4/ D5/ D6.1/ D6.2/ D6.3/ D6.4/ D9 )</a:t>
+            </a:r>
+          </a:p>
+          <a:p>
+            <a:endParaRPr lang="en-US" sz="1100" dirty="0">
+              <a:solidFill>
+                <a:schemeClr val="accent1">
+                  <a:lumMod val="20000"/>
+                  <a:lumOff val="80000"/>
+                </a:schemeClr>
+              </a:solidFill>
+            </a:endParaRPr>
+          </a:p>
+          <a:p>
+            <a:endParaRPr lang="en-US" sz="1400" dirty="0">
+              <a:solidFill>
+                <a:schemeClr val="accent1">
+                  <a:lumMod val="20000"/>
+                  <a:lumOff val="80000"/>
+                </a:schemeClr>
+              </a:solidFill>
+            </a:endParaRPr>
+          </a:p>
+          <a:p>
+            <a:pPr marL="273050" indent="-273050">
+              <a:buFontTx/>
+              <a:buAutoNum type="arabicParenR"/>
+            </a:pPr>
+            <a:r>
+              <a:rPr lang="en-US" sz="1200" dirty="0">
+                <a:solidFill>
+                  <a:schemeClr val="accent1">
+                    <a:lumMod val="20000"/>
+                    <a:lumOff val="80000"/>
+                  </a:schemeClr>
+                </a:solidFill>
+              </a:rPr>
+              <a:t>NOC Baharu</a:t>
+            </a:r>
+          </a:p>
+          <a:p>
+            <a:pPr marL="273050" indent="-273050">
+              <a:buAutoNum type="arabicParenR"/>
+            </a:pPr>
+            <a:r>
+              <a:rPr lang="en-US" sz="1200" dirty="0" err="1">
+                <a:solidFill>
+                  <a:schemeClr val="accent1">
+                    <a:lumMod val="20000"/>
+                    <a:lumOff val="80000"/>
+                  </a:schemeClr>
+                </a:solidFill>
+              </a:rPr>
+              <a:t>Semakan</a:t>
+            </a:r>
+            <a:r>
+              <a:rPr lang="en-US" sz="1200" dirty="0">
+                <a:solidFill>
+                  <a:schemeClr val="accent1">
+                    <a:lumMod val="20000"/>
+                    <a:lumOff val="80000"/>
+                  </a:schemeClr>
+                </a:solidFill>
+              </a:rPr>
+              <a:t> 1 (</a:t>
+            </a:r>
+            <a:r>
+              <a:rPr lang="en-US" sz="1200" dirty="0" err="1">
+                <a:solidFill>
+                  <a:schemeClr val="accent1">
+                    <a:lumMod val="20000"/>
+                    <a:lumOff val="80000"/>
+                  </a:schemeClr>
+                </a:solidFill>
+              </a:rPr>
+              <a:t>Bahagian</a:t>
+            </a:r>
+            <a:r>
+              <a:rPr lang="en-US" sz="1200" dirty="0">
+                <a:solidFill>
+                  <a:schemeClr val="accent1">
+                    <a:lumMod val="20000"/>
+                    <a:lumOff val="80000"/>
+                  </a:schemeClr>
+                </a:solidFill>
+              </a:rPr>
+              <a:t>)</a:t>
+            </a:r>
+          </a:p>
+          <a:p>
+            <a:pPr marL="273050" indent="-273050">
+              <a:buAutoNum type="arabicParenR"/>
+            </a:pPr>
+            <a:r>
+              <a:rPr lang="en-US" sz="1200" dirty="0" err="1">
+                <a:solidFill>
+                  <a:schemeClr val="accent1">
+                    <a:lumMod val="20000"/>
+                    <a:lumOff val="80000"/>
+                  </a:schemeClr>
+                </a:solidFill>
+              </a:rPr>
+              <a:t>Penyediaan</a:t>
+            </a:r>
+            <a:r>
+              <a:rPr lang="en-US" sz="1200" dirty="0">
+                <a:solidFill>
+                  <a:schemeClr val="accent1">
+                    <a:lumMod val="20000"/>
+                    <a:lumOff val="80000"/>
+                  </a:schemeClr>
+                </a:solidFill>
+              </a:rPr>
+              <a:t> Memo</a:t>
+            </a:r>
+          </a:p>
+          <a:p>
+            <a:pPr marL="273050" indent="-273050">
+              <a:buAutoNum type="arabicParenR"/>
+            </a:pPr>
+            <a:r>
+              <a:rPr lang="en-US" sz="1200" dirty="0" err="1">
+                <a:solidFill>
+                  <a:schemeClr val="accent1">
+                    <a:lumMod val="20000"/>
+                    <a:lumOff val="80000"/>
+                  </a:schemeClr>
+                </a:solidFill>
+              </a:rPr>
+              <a:t>Hantar</a:t>
+            </a:r>
+            <a:r>
+              <a:rPr lang="en-US" sz="1200" dirty="0">
+                <a:solidFill>
+                  <a:schemeClr val="accent1">
+                    <a:lumMod val="20000"/>
+                    <a:lumOff val="80000"/>
+                  </a:schemeClr>
+                </a:solidFill>
+              </a:rPr>
+              <a:t> Memo kepada KP/TKP</a:t>
+            </a:r>
+          </a:p>
+          <a:p>
+            <a:pPr marL="273050" indent="-273050">
+              <a:buAutoNum type="arabicParenR"/>
+            </a:pPr>
+            <a:r>
+              <a:rPr lang="en-US" sz="1200" dirty="0">
+                <a:solidFill>
+                  <a:schemeClr val="accent1">
+                    <a:lumMod val="20000"/>
+                    <a:lumOff val="80000"/>
+                  </a:schemeClr>
+                </a:solidFill>
+              </a:rPr>
+              <a:t>Memo </a:t>
+            </a:r>
+            <a:r>
+              <a:rPr lang="en-US" sz="1200" dirty="0" err="1">
+                <a:solidFill>
+                  <a:schemeClr val="accent1">
+                    <a:lumMod val="20000"/>
+                    <a:lumOff val="80000"/>
+                  </a:schemeClr>
+                </a:solidFill>
+              </a:rPr>
+              <a:t>Kelulusan</a:t>
+            </a:r>
+            <a:r>
+              <a:rPr lang="en-US" sz="1200" dirty="0">
+                <a:solidFill>
+                  <a:schemeClr val="accent1">
+                    <a:lumMod val="20000"/>
+                    <a:lumOff val="80000"/>
+                  </a:schemeClr>
+                </a:solidFill>
+              </a:rPr>
+              <a:t> </a:t>
+            </a:r>
+            <a:r>
+              <a:rPr lang="en-US" sz="1200" dirty="0" err="1">
+                <a:solidFill>
+                  <a:schemeClr val="accent1">
+                    <a:lumMod val="20000"/>
+                    <a:lumOff val="80000"/>
+                  </a:schemeClr>
+                </a:solidFill>
+              </a:rPr>
+              <a:t>Diterima</a:t>
+            </a:r>
+            <a:endParaRPr lang="en-US" sz="1200" dirty="0">
+              <a:solidFill>
+                <a:schemeClr val="accent1">
+                  <a:lumMod val="20000"/>
+                  <a:lumOff val="80000"/>
+                </a:schemeClr>
+              </a:solidFill>
+            </a:endParaRPr>
+          </a:p>
+          <a:p>
+            <a:pPr marL="273050" indent="-273050">
+              <a:buAutoNum type="arabicParenR"/>
+            </a:pPr>
+            <a:r>
+              <a:rPr lang="en-US" sz="1200" dirty="0" err="1">
+                <a:solidFill>
+                  <a:schemeClr val="accent1">
+                    <a:lumMod val="20000"/>
+                    <a:lumOff val="80000"/>
+                  </a:schemeClr>
+                </a:solidFill>
+              </a:rPr>
+              <a:t>Penyediaan</a:t>
+            </a:r>
+            <a:r>
+              <a:rPr lang="en-US" sz="1200" dirty="0">
+                <a:solidFill>
+                  <a:schemeClr val="accent1">
+                    <a:lumMod val="20000"/>
+                    <a:lumOff val="80000"/>
+                  </a:schemeClr>
+                </a:solidFill>
+              </a:rPr>
+              <a:t> Surat</a:t>
+            </a:r>
+          </a:p>
+          <a:p>
+            <a:pPr marL="273050" indent="-273050">
+              <a:buAutoNum type="arabicParenR"/>
+            </a:pPr>
+            <a:r>
+              <a:rPr lang="en-US" sz="1200" dirty="0" err="1">
+                <a:solidFill>
+                  <a:schemeClr val="accent1">
+                    <a:lumMod val="20000"/>
+                    <a:lumOff val="80000"/>
+                  </a:schemeClr>
+                </a:solidFill>
+              </a:rPr>
+              <a:t>Hantar</a:t>
+            </a:r>
+            <a:r>
+              <a:rPr lang="en-US" sz="1200" dirty="0">
+                <a:solidFill>
+                  <a:schemeClr val="accent1">
+                    <a:lumMod val="20000"/>
+                    <a:lumOff val="80000"/>
+                  </a:schemeClr>
+                </a:solidFill>
+              </a:rPr>
+              <a:t> Surat </a:t>
+            </a:r>
+            <a:r>
+              <a:rPr lang="en-US" sz="1200" dirty="0" err="1">
+                <a:solidFill>
+                  <a:schemeClr val="accent1">
+                    <a:lumMod val="20000"/>
+                    <a:lumOff val="80000"/>
+                  </a:schemeClr>
+                </a:solidFill>
+              </a:rPr>
+              <a:t>Kelulusan</a:t>
+            </a:r>
+            <a:endParaRPr lang="en-US" sz="1200" dirty="0">
+              <a:solidFill>
+                <a:schemeClr val="accent1">
+                  <a:lumMod val="20000"/>
+                  <a:lumOff val="80000"/>
+                </a:schemeClr>
+              </a:solidFill>
+            </a:endParaRPr>
+          </a:p>
+          <a:p>
+            <a:pPr marL="273050" indent="-273050">
+              <a:buAutoNum type="arabicParenR"/>
+            </a:pPr>
+            <a:r>
+              <a:rPr lang="en-US" sz="1200" dirty="0">
+                <a:solidFill>
+                  <a:schemeClr val="accent1">
+                    <a:lumMod val="20000"/>
+                    <a:lumOff val="80000"/>
+                  </a:schemeClr>
+                </a:solidFill>
+              </a:rPr>
+              <a:t>Modul NOC </a:t>
+            </a:r>
+            <a:r>
+              <a:rPr lang="en-US" sz="1200" dirty="0" err="1">
+                <a:solidFill>
+                  <a:schemeClr val="accent1">
+                    <a:lumMod val="20000"/>
+                    <a:lumOff val="80000"/>
+                  </a:schemeClr>
+                </a:solidFill>
+              </a:rPr>
+              <a:t>MyProjek</a:t>
+            </a:r>
+            <a:endParaRPr lang="en-MY" sz="1200" dirty="0">
+              <a:solidFill>
+                <a:schemeClr val="accent1">
+                  <a:lumMod val="20000"/>
+                  <a:lumOff val="80000"/>
+                </a:schemeClr>
+              </a:solidFill>
+            </a:endParaRPr>
+          </a:p>
+        </p:txBody>
+      </p:sp>
+      <p:sp>
+        <p:nvSpPr>
+          <p:cNvPr id="11" name="TextBox 10">
+            <a:extLst>
+              <a:ext uri="{FF2B5EF4-FFF2-40B4-BE49-F238E27FC236}">
+                <a16:creationId xmlns:a16="http://schemas.microsoft.com/office/drawing/2014/main" id="{FF6B305A-B4CD-48CA-AF89-B5B4F900F0D4}"/>
+              </a:ext>
+            </a:extLst>
+          </p:cNvPr>
+          <p:cNvSpPr txBox="1"/>
+          <p:nvPr/>
+        </p:nvSpPr>
+        <p:spPr>
+          <a:xfrm>
+            <a:off x="5497289" y="3468265"/>
+            <a:ext cx="2562630" cy="2339102"/>
+          </a:xfrm>
+          <a:prstGeom prst="rect">
+            <a:avLst/>
+          </a:prstGeom>
+          <a:noFill/>
+          <a:ln>
+            <a:solidFill>
+              <a:schemeClr val="accent1">
+                <a:lumMod val="60000"/>
+                <a:lumOff val="40000"/>
+              </a:schemeClr>
+            </a:solidFill>
+          </a:ln>
+        </p:spPr>
+        <p:txBody>
+          <a:bodyPr wrap="square" rtlCol="0">
+            <a:spAutoFit/>
+          </a:bodyPr>
+          <a:lstStyle/>
+          <a:p>
+            <a:r>
+              <a:rPr lang="en-US" sz="1400" u="sng" dirty="0" err="1">
+                <a:solidFill>
+                  <a:schemeClr val="accent1">
+                    <a:lumMod val="20000"/>
+                    <a:lumOff val="80000"/>
+                  </a:schemeClr>
+                </a:solidFill>
+              </a:rPr>
+              <a:t>Tindakan</a:t>
+            </a:r>
+            <a:r>
+              <a:rPr lang="en-US" sz="1400" u="sng" dirty="0">
+                <a:solidFill>
+                  <a:schemeClr val="accent1">
+                    <a:lumMod val="20000"/>
+                    <a:lumOff val="80000"/>
+                  </a:schemeClr>
+                </a:solidFill>
+              </a:rPr>
+              <a:t> NOC:</a:t>
+            </a:r>
+          </a:p>
+          <a:p>
+            <a:r>
+              <a:rPr lang="en-US" sz="1100" i="1" dirty="0">
+                <a:solidFill>
+                  <a:schemeClr val="accent1">
+                    <a:lumMod val="20000"/>
+                    <a:lumOff val="80000"/>
+                  </a:schemeClr>
+                </a:solidFill>
+              </a:rPr>
+              <a:t>(</a:t>
+            </a:r>
+            <a:r>
+              <a:rPr lang="en-US" sz="1100" i="1" dirty="0" err="1">
+                <a:solidFill>
+                  <a:schemeClr val="accent1">
+                    <a:lumMod val="20000"/>
+                    <a:lumOff val="80000"/>
+                  </a:schemeClr>
+                </a:solidFill>
+              </a:rPr>
+              <a:t>Klasifikasi</a:t>
+            </a:r>
+            <a:r>
+              <a:rPr lang="en-US" sz="1100" i="1" dirty="0">
+                <a:solidFill>
+                  <a:schemeClr val="accent1">
+                    <a:lumMod val="20000"/>
+                    <a:lumOff val="80000"/>
+                  </a:schemeClr>
+                </a:solidFill>
+              </a:rPr>
+              <a:t>: D1/ D2/ D4/ D5/ D6.1/ D6.2/ D6.3/ D6.4/ D9 )</a:t>
+            </a:r>
+          </a:p>
+          <a:p>
+            <a:pPr marL="174625" indent="-174625">
+              <a:buAutoNum type="arabicParenR"/>
+            </a:pPr>
+            <a:endParaRPr lang="en-US" sz="1400" dirty="0">
+              <a:solidFill>
+                <a:schemeClr val="accent1">
+                  <a:lumMod val="20000"/>
+                  <a:lumOff val="80000"/>
+                </a:schemeClr>
+              </a:solidFill>
+            </a:endParaRPr>
+          </a:p>
+          <a:p>
+            <a:pPr marL="273050" indent="-273050">
+              <a:buAutoNum type="arabicParenR"/>
+            </a:pPr>
+            <a:r>
+              <a:rPr lang="en-US" sz="1200" dirty="0">
+                <a:solidFill>
+                  <a:schemeClr val="accent1">
+                    <a:lumMod val="20000"/>
+                    <a:lumOff val="80000"/>
+                  </a:schemeClr>
+                </a:solidFill>
+              </a:rPr>
+              <a:t>Submit NOC</a:t>
+            </a:r>
+          </a:p>
+          <a:p>
+            <a:pPr marL="273050" indent="-273050">
+              <a:buAutoNum type="arabicParenR"/>
+            </a:pPr>
+            <a:r>
+              <a:rPr lang="en-US" sz="1200" dirty="0" err="1">
+                <a:solidFill>
+                  <a:schemeClr val="accent1">
+                    <a:lumMod val="20000"/>
+                    <a:lumOff val="80000"/>
+                  </a:schemeClr>
+                </a:solidFill>
+              </a:rPr>
+              <a:t>Menyemak</a:t>
+            </a:r>
+            <a:r>
+              <a:rPr lang="en-US" sz="1200" dirty="0">
+                <a:solidFill>
+                  <a:schemeClr val="accent1">
+                    <a:lumMod val="20000"/>
+                    <a:lumOff val="80000"/>
+                  </a:schemeClr>
+                </a:solidFill>
+              </a:rPr>
+              <a:t> NOC</a:t>
+            </a:r>
+          </a:p>
+          <a:p>
+            <a:pPr marL="273050" indent="-273050">
+              <a:buAutoNum type="arabicParenR"/>
+            </a:pPr>
+            <a:r>
+              <a:rPr lang="en-US" sz="1200" dirty="0" err="1">
+                <a:solidFill>
+                  <a:schemeClr val="accent1">
+                    <a:lumMod val="20000"/>
+                    <a:lumOff val="80000"/>
+                  </a:schemeClr>
+                </a:solidFill>
+              </a:rPr>
+              <a:t>Sediakan</a:t>
+            </a:r>
+            <a:r>
+              <a:rPr lang="en-US" sz="1200" dirty="0">
+                <a:solidFill>
+                  <a:schemeClr val="accent1">
+                    <a:lumMod val="20000"/>
+                    <a:lumOff val="80000"/>
+                  </a:schemeClr>
+                </a:solidFill>
+              </a:rPr>
+              <a:t> Memo</a:t>
+            </a:r>
+          </a:p>
+          <a:p>
+            <a:pPr marL="273050" indent="-273050">
+              <a:buAutoNum type="arabicParenR"/>
+            </a:pPr>
+            <a:r>
+              <a:rPr lang="en-US" sz="1200" dirty="0" err="1">
+                <a:solidFill>
+                  <a:schemeClr val="accent1">
+                    <a:lumMod val="20000"/>
+                    <a:lumOff val="80000"/>
+                  </a:schemeClr>
+                </a:solidFill>
+              </a:rPr>
+              <a:t>Hantar</a:t>
+            </a:r>
+            <a:r>
+              <a:rPr lang="en-US" sz="1200" dirty="0">
+                <a:solidFill>
+                  <a:schemeClr val="accent1">
+                    <a:lumMod val="20000"/>
+                    <a:lumOff val="80000"/>
+                  </a:schemeClr>
+                </a:solidFill>
+              </a:rPr>
+              <a:t> Memo</a:t>
+            </a:r>
+          </a:p>
+          <a:p>
+            <a:pPr marL="273050" indent="-273050">
+              <a:buAutoNum type="arabicParenR"/>
+            </a:pPr>
+            <a:r>
+              <a:rPr lang="en-US" sz="1200" dirty="0">
+                <a:solidFill>
+                  <a:schemeClr val="accent1">
+                    <a:lumMod val="20000"/>
+                    <a:lumOff val="80000"/>
+                  </a:schemeClr>
+                </a:solidFill>
+              </a:rPr>
+              <a:t>Terima Memo</a:t>
+            </a:r>
+          </a:p>
+          <a:p>
+            <a:pPr marL="273050" indent="-273050">
+              <a:buAutoNum type="arabicParenR"/>
+            </a:pPr>
+            <a:r>
+              <a:rPr lang="en-US" sz="1200" dirty="0" err="1">
+                <a:solidFill>
+                  <a:schemeClr val="accent1">
+                    <a:lumMod val="20000"/>
+                    <a:lumOff val="80000"/>
+                  </a:schemeClr>
+                </a:solidFill>
+              </a:rPr>
+              <a:t>Sediakan</a:t>
+            </a:r>
+            <a:r>
+              <a:rPr lang="en-US" sz="1200" dirty="0">
+                <a:solidFill>
+                  <a:schemeClr val="accent1">
+                    <a:lumMod val="20000"/>
+                    <a:lumOff val="80000"/>
+                  </a:schemeClr>
+                </a:solidFill>
+              </a:rPr>
+              <a:t> Surat</a:t>
+            </a:r>
+          </a:p>
+          <a:p>
+            <a:pPr marL="273050" indent="-273050">
+              <a:buAutoNum type="arabicParenR"/>
+            </a:pPr>
+            <a:r>
+              <a:rPr lang="en-US" sz="1200" dirty="0" err="1">
+                <a:solidFill>
+                  <a:schemeClr val="accent1">
+                    <a:lumMod val="20000"/>
+                    <a:lumOff val="80000"/>
+                  </a:schemeClr>
+                </a:solidFill>
+              </a:rPr>
+              <a:t>Hantar</a:t>
+            </a:r>
+            <a:r>
+              <a:rPr lang="en-US" sz="1200" dirty="0">
+                <a:solidFill>
+                  <a:schemeClr val="accent1">
+                    <a:lumMod val="20000"/>
+                    <a:lumOff val="80000"/>
+                  </a:schemeClr>
+                </a:solidFill>
+              </a:rPr>
+              <a:t> Surat</a:t>
+            </a:r>
+          </a:p>
+          <a:p>
+            <a:pPr marL="273050" indent="-273050">
+              <a:buAutoNum type="arabicParenR"/>
+            </a:pPr>
+            <a:r>
+              <a:rPr lang="en-US" sz="1200" dirty="0" err="1">
+                <a:solidFill>
+                  <a:schemeClr val="accent1">
+                    <a:lumMod val="20000"/>
+                    <a:lumOff val="80000"/>
+                  </a:schemeClr>
+                </a:solidFill>
+              </a:rPr>
+              <a:t>Mohon</a:t>
+            </a:r>
+            <a:r>
+              <a:rPr lang="en-US" sz="1200" dirty="0">
+                <a:solidFill>
+                  <a:schemeClr val="accent1">
+                    <a:lumMod val="20000"/>
+                    <a:lumOff val="80000"/>
+                  </a:schemeClr>
+                </a:solidFill>
+              </a:rPr>
+              <a:t> Modul NOC</a:t>
+            </a:r>
+            <a:endParaRPr lang="en-MY" sz="1200" dirty="0">
+              <a:solidFill>
+                <a:schemeClr val="accent1">
+                  <a:lumMod val="20000"/>
+                  <a:lumOff val="80000"/>
+                </a:schemeClr>
+              </a:solidFill>
+            </a:endParaRPr>
+          </a:p>
+        </p:txBody>
+      </p:sp>
     </p:spTree>
     <p:extLst>
       <p:ext uri="{BB962C8B-B14F-4D97-AF65-F5344CB8AC3E}">

--- a/notes/UI_sistem.pptx
+++ b/notes/UI_sistem.pptx
@@ -6,30 +6,31 @@
   </p:sldMasterIdLst>
   <p:sldIdLst>
     <p:sldId id="278" r:id="rId2"/>
-    <p:sldId id="256" r:id="rId3"/>
-    <p:sldId id="279" r:id="rId4"/>
-    <p:sldId id="257" r:id="rId5"/>
-    <p:sldId id="258" r:id="rId6"/>
-    <p:sldId id="280" r:id="rId7"/>
-    <p:sldId id="259" r:id="rId8"/>
-    <p:sldId id="260" r:id="rId9"/>
-    <p:sldId id="261" r:id="rId10"/>
-    <p:sldId id="262" r:id="rId11"/>
-    <p:sldId id="263" r:id="rId12"/>
-    <p:sldId id="264" r:id="rId13"/>
-    <p:sldId id="266" r:id="rId14"/>
-    <p:sldId id="265" r:id="rId15"/>
-    <p:sldId id="267" r:id="rId16"/>
-    <p:sldId id="268" r:id="rId17"/>
-    <p:sldId id="269" r:id="rId18"/>
-    <p:sldId id="270" r:id="rId19"/>
-    <p:sldId id="271" r:id="rId20"/>
-    <p:sldId id="272" r:id="rId21"/>
-    <p:sldId id="273" r:id="rId22"/>
-    <p:sldId id="274" r:id="rId23"/>
-    <p:sldId id="275" r:id="rId24"/>
-    <p:sldId id="276" r:id="rId25"/>
-    <p:sldId id="277" r:id="rId26"/>
+    <p:sldId id="281" r:id="rId3"/>
+    <p:sldId id="256" r:id="rId4"/>
+    <p:sldId id="279" r:id="rId5"/>
+    <p:sldId id="257" r:id="rId6"/>
+    <p:sldId id="258" r:id="rId7"/>
+    <p:sldId id="280" r:id="rId8"/>
+    <p:sldId id="259" r:id="rId9"/>
+    <p:sldId id="260" r:id="rId10"/>
+    <p:sldId id="261" r:id="rId11"/>
+    <p:sldId id="262" r:id="rId12"/>
+    <p:sldId id="263" r:id="rId13"/>
+    <p:sldId id="264" r:id="rId14"/>
+    <p:sldId id="266" r:id="rId15"/>
+    <p:sldId id="265" r:id="rId16"/>
+    <p:sldId id="267" r:id="rId17"/>
+    <p:sldId id="268" r:id="rId18"/>
+    <p:sldId id="269" r:id="rId19"/>
+    <p:sldId id="270" r:id="rId20"/>
+    <p:sldId id="271" r:id="rId21"/>
+    <p:sldId id="272" r:id="rId22"/>
+    <p:sldId id="273" r:id="rId23"/>
+    <p:sldId id="274" r:id="rId24"/>
+    <p:sldId id="275" r:id="rId25"/>
+    <p:sldId id="276" r:id="rId26"/>
+    <p:sldId id="277" r:id="rId27"/>
   </p:sldIdLst>
   <p:sldSz cx="12192000" cy="6858000"/>
   <p:notesSz cx="9939338" cy="6807200"/>
@@ -296,7 +297,7 @@
           <a:p>
             <a:fld id="{F9CAA67B-2C66-40B7-AFE2-752B8990435C}" type="datetimeFigureOut">
               <a:rPr lang="en-MY" smtClean="0"/>
-              <a:t>20/6/2022</a:t>
+              <a:t>29/6/2022</a:t>
             </a:fld>
             <a:endParaRPr lang="en-MY"/>
           </a:p>
@@ -496,7 +497,7 @@
           <a:p>
             <a:fld id="{F9CAA67B-2C66-40B7-AFE2-752B8990435C}" type="datetimeFigureOut">
               <a:rPr lang="en-MY" smtClean="0"/>
-              <a:t>20/6/2022</a:t>
+              <a:t>29/6/2022</a:t>
             </a:fld>
             <a:endParaRPr lang="en-MY"/>
           </a:p>
@@ -706,7 +707,7 @@
           <a:p>
             <a:fld id="{F9CAA67B-2C66-40B7-AFE2-752B8990435C}" type="datetimeFigureOut">
               <a:rPr lang="en-MY" smtClean="0"/>
-              <a:t>20/6/2022</a:t>
+              <a:t>29/6/2022</a:t>
             </a:fld>
             <a:endParaRPr lang="en-MY"/>
           </a:p>
@@ -906,7 +907,7 @@
           <a:p>
             <a:fld id="{F9CAA67B-2C66-40B7-AFE2-752B8990435C}" type="datetimeFigureOut">
               <a:rPr lang="en-MY" smtClean="0"/>
-              <a:t>20/6/2022</a:t>
+              <a:t>29/6/2022</a:t>
             </a:fld>
             <a:endParaRPr lang="en-MY"/>
           </a:p>
@@ -1182,7 +1183,7 @@
           <a:p>
             <a:fld id="{F9CAA67B-2C66-40B7-AFE2-752B8990435C}" type="datetimeFigureOut">
               <a:rPr lang="en-MY" smtClean="0"/>
-              <a:t>20/6/2022</a:t>
+              <a:t>29/6/2022</a:t>
             </a:fld>
             <a:endParaRPr lang="en-MY"/>
           </a:p>
@@ -1450,7 +1451,7 @@
           <a:p>
             <a:fld id="{F9CAA67B-2C66-40B7-AFE2-752B8990435C}" type="datetimeFigureOut">
               <a:rPr lang="en-MY" smtClean="0"/>
-              <a:t>20/6/2022</a:t>
+              <a:t>29/6/2022</a:t>
             </a:fld>
             <a:endParaRPr lang="en-MY"/>
           </a:p>
@@ -1865,7 +1866,7 @@
           <a:p>
             <a:fld id="{F9CAA67B-2C66-40B7-AFE2-752B8990435C}" type="datetimeFigureOut">
               <a:rPr lang="en-MY" smtClean="0"/>
-              <a:t>20/6/2022</a:t>
+              <a:t>29/6/2022</a:t>
             </a:fld>
             <a:endParaRPr lang="en-MY"/>
           </a:p>
@@ -2007,7 +2008,7 @@
           <a:p>
             <a:fld id="{F9CAA67B-2C66-40B7-AFE2-752B8990435C}" type="datetimeFigureOut">
               <a:rPr lang="en-MY" smtClean="0"/>
-              <a:t>20/6/2022</a:t>
+              <a:t>29/6/2022</a:t>
             </a:fld>
             <a:endParaRPr lang="en-MY"/>
           </a:p>
@@ -2120,7 +2121,7 @@
           <a:p>
             <a:fld id="{F9CAA67B-2C66-40B7-AFE2-752B8990435C}" type="datetimeFigureOut">
               <a:rPr lang="en-MY" smtClean="0"/>
-              <a:t>20/6/2022</a:t>
+              <a:t>29/6/2022</a:t>
             </a:fld>
             <a:endParaRPr lang="en-MY"/>
           </a:p>
@@ -2433,7 +2434,7 @@
           <a:p>
             <a:fld id="{F9CAA67B-2C66-40B7-AFE2-752B8990435C}" type="datetimeFigureOut">
               <a:rPr lang="en-MY" smtClean="0"/>
-              <a:t>20/6/2022</a:t>
+              <a:t>29/6/2022</a:t>
             </a:fld>
             <a:endParaRPr lang="en-MY"/>
           </a:p>
@@ -2722,7 +2723,7 @@
           <a:p>
             <a:fld id="{F9CAA67B-2C66-40B7-AFE2-752B8990435C}" type="datetimeFigureOut">
               <a:rPr lang="en-MY" smtClean="0"/>
-              <a:t>20/6/2022</a:t>
+              <a:t>29/6/2022</a:t>
             </a:fld>
             <a:endParaRPr lang="en-MY"/>
           </a:p>
@@ -2968,7 +2969,7 @@
           <a:p>
             <a:fld id="{F9CAA67B-2C66-40B7-AFE2-752B8990435C}" type="datetimeFigureOut">
               <a:rPr lang="en-MY" smtClean="0"/>
-              <a:t>20/6/2022</a:t>
+              <a:t>29/6/2022</a:t>
             </a:fld>
             <a:endParaRPr lang="en-MY"/>
           </a:p>
@@ -6763,7 +6764,7 @@
           <p:cNvPr id="4" name="Picture 3">
             <a:extLst>
               <a:ext uri="{FF2B5EF4-FFF2-40B4-BE49-F238E27FC236}">
-                <a16:creationId xmlns:a16="http://schemas.microsoft.com/office/drawing/2014/main" id="{E1D68C4C-9036-40C0-BC89-8245206164B2}"/>
+                <a16:creationId xmlns:a16="http://schemas.microsoft.com/office/drawing/2014/main" id="{F89E9B7A-69FA-44E7-B104-122D7C8A6F57}"/>
               </a:ext>
             </a:extLst>
           </p:cNvPr>
@@ -6781,7 +6782,7 @@
         <p:spPr>
           <a:xfrm>
             <a:off x="0" y="369332"/>
-            <a:ext cx="12192000" cy="6214348"/>
+            <a:ext cx="12192000" cy="6237208"/>
           </a:xfrm>
           <a:prstGeom prst="rect">
             <a:avLst/>
@@ -6793,7 +6794,7 @@
           <p:cNvPr id="3" name="TextBox 2">
             <a:extLst>
               <a:ext uri="{FF2B5EF4-FFF2-40B4-BE49-F238E27FC236}">
-                <a16:creationId xmlns:a16="http://schemas.microsoft.com/office/drawing/2014/main" id="{7E6AB685-DED8-4A4F-ADA9-CDDFB353C3A6}"/>
+                <a16:creationId xmlns:a16="http://schemas.microsoft.com/office/drawing/2014/main" id="{122EE089-4B8B-41C3-89DC-6F3B74FB0668}"/>
               </a:ext>
             </a:extLst>
           </p:cNvPr>
@@ -6802,8 +6803,8 @@
         </p:nvSpPr>
         <p:spPr>
           <a:xfrm>
-            <a:off x="0" y="0"/>
-            <a:ext cx="7239786" cy="369332"/>
+            <a:off x="-1" y="0"/>
+            <a:ext cx="7230359" cy="369332"/>
           </a:xfrm>
           <a:prstGeom prst="rect">
             <a:avLst/>
@@ -6830,7 +6831,7 @@
                   <a:schemeClr val="bg1"/>
                 </a:solidFill>
               </a:rPr>
-              <a:t>Page: NOC info =&gt; (</a:t>
+              <a:t>Page: NOC info =&gt; (NOC </a:t>
             </a:r>
             <a:r>
               <a:rPr lang="en-US" dirty="0" err="1">
@@ -6838,7 +6839,7 @@
                   <a:schemeClr val="bg1"/>
                 </a:solidFill>
               </a:rPr>
-              <a:t>Memasukkan</a:t>
+              <a:t>mohon</a:t>
             </a:r>
             <a:r>
               <a:rPr lang="en-US" dirty="0">
@@ -6846,7 +6847,7 @@
                   <a:schemeClr val="bg1"/>
                 </a:solidFill>
               </a:rPr>
-              <a:t> Tarikh </a:t>
+              <a:t> </a:t>
             </a:r>
             <a:r>
               <a:rPr lang="en-US" dirty="0" err="1">
@@ -6854,7 +6855,7 @@
                   <a:schemeClr val="bg1"/>
                 </a:solidFill>
               </a:rPr>
-              <a:t>Semakan</a:t>
+              <a:t>ulasan</a:t>
             </a:r>
             <a:r>
               <a:rPr lang="en-US" dirty="0">
@@ -6862,7 +6863,39 @@
                   <a:schemeClr val="bg1"/>
                 </a:solidFill>
               </a:rPr>
-              <a:t> oleh </a:t>
+              <a:t> untuk </a:t>
+            </a:r>
+            <a:r>
+              <a:rPr lang="en-US" dirty="0" err="1">
+                <a:solidFill>
+                  <a:schemeClr val="bg1"/>
+                </a:solidFill>
+              </a:rPr>
+              <a:t>tindakan</a:t>
+            </a:r>
+            <a:r>
+              <a:rPr lang="en-US" dirty="0">
+                <a:solidFill>
+                  <a:schemeClr val="bg1"/>
+                </a:solidFill>
+              </a:rPr>
+              <a:t> </a:t>
+            </a:r>
+            <a:r>
+              <a:rPr lang="en-US" dirty="0" err="1">
+                <a:solidFill>
+                  <a:schemeClr val="bg1"/>
+                </a:solidFill>
+              </a:rPr>
+              <a:t>semakan</a:t>
+            </a:r>
+            <a:r>
+              <a:rPr lang="en-US" dirty="0">
+                <a:solidFill>
+                  <a:schemeClr val="bg1"/>
+                </a:solidFill>
+              </a:rPr>
+              <a:t> </a:t>
             </a:r>
             <a:r>
               <a:rPr lang="en-US" dirty="0" err="1">
@@ -6891,7 +6924,7 @@
     </p:spTree>
     <p:extLst>
       <p:ext uri="{BB962C8B-B14F-4D97-AF65-F5344CB8AC3E}">
-        <p14:creationId xmlns:p14="http://schemas.microsoft.com/office/powerpoint/2010/main" val="3185754305"/>
+        <p14:creationId xmlns:p14="http://schemas.microsoft.com/office/powerpoint/2010/main" val="2801574371"/>
       </p:ext>
     </p:extLst>
   </p:cSld>
@@ -6923,7 +6956,7 @@
           <p:cNvPr id="4" name="Picture 3">
             <a:extLst>
               <a:ext uri="{FF2B5EF4-FFF2-40B4-BE49-F238E27FC236}">
-                <a16:creationId xmlns:a16="http://schemas.microsoft.com/office/drawing/2014/main" id="{79624E8B-E4F3-4114-8416-E7D789E1344F}"/>
+                <a16:creationId xmlns:a16="http://schemas.microsoft.com/office/drawing/2014/main" id="{E1D68C4C-9036-40C0-BC89-8245206164B2}"/>
               </a:ext>
             </a:extLst>
           </p:cNvPr>
@@ -6953,7 +6986,7 @@
           <p:cNvPr id="3" name="TextBox 2">
             <a:extLst>
               <a:ext uri="{FF2B5EF4-FFF2-40B4-BE49-F238E27FC236}">
-                <a16:creationId xmlns:a16="http://schemas.microsoft.com/office/drawing/2014/main" id="{5A453EBF-C677-4FAC-975D-1C1AE0F5F12E}"/>
+                <a16:creationId xmlns:a16="http://schemas.microsoft.com/office/drawing/2014/main" id="{7E6AB685-DED8-4A4F-ADA9-CDDFB353C3A6}"/>
               </a:ext>
             </a:extLst>
           </p:cNvPr>
@@ -6962,8 +6995,8 @@
         </p:nvSpPr>
         <p:spPr>
           <a:xfrm>
-            <a:off x="-1" y="0"/>
-            <a:ext cx="7258639" cy="369332"/>
+            <a:off x="0" y="0"/>
+            <a:ext cx="7239786" cy="369332"/>
           </a:xfrm>
           <a:prstGeom prst="rect">
             <a:avLst/>
@@ -6990,7 +7023,7 @@
                   <a:schemeClr val="bg1"/>
                 </a:solidFill>
               </a:rPr>
-              <a:t>Page: NOC info =&gt; (NOC </a:t>
+              <a:t>Page: NOC info =&gt; (</a:t>
             </a:r>
             <a:r>
               <a:rPr lang="en-US" dirty="0" err="1">
@@ -6998,7 +7031,7 @@
                   <a:schemeClr val="bg1"/>
                 </a:solidFill>
               </a:rPr>
-              <a:t>mohon</a:t>
+              <a:t>Memasukkan</a:t>
             </a:r>
             <a:r>
               <a:rPr lang="en-US" dirty="0">
@@ -7006,7 +7039,7 @@
                   <a:schemeClr val="bg1"/>
                 </a:solidFill>
               </a:rPr>
-              <a:t> </a:t>
+              <a:t> Tarikh </a:t>
             </a:r>
             <a:r>
               <a:rPr lang="en-US" dirty="0" err="1">
@@ -7014,7 +7047,7 @@
                   <a:schemeClr val="bg1"/>
                 </a:solidFill>
               </a:rPr>
-              <a:t>ulasan</a:t>
+              <a:t>Semakan</a:t>
             </a:r>
             <a:r>
               <a:rPr lang="en-US" dirty="0">
@@ -7022,39 +7055,7 @@
                   <a:schemeClr val="bg1"/>
                 </a:solidFill>
               </a:rPr>
-              <a:t> untuk </a:t>
-            </a:r>
-            <a:r>
-              <a:rPr lang="en-US" dirty="0" err="1">
-                <a:solidFill>
-                  <a:schemeClr val="bg1"/>
-                </a:solidFill>
-              </a:rPr>
-              <a:t>tindakan</a:t>
-            </a:r>
-            <a:r>
-              <a:rPr lang="en-US" dirty="0">
-                <a:solidFill>
-                  <a:schemeClr val="bg1"/>
-                </a:solidFill>
-              </a:rPr>
-              <a:t> </a:t>
-            </a:r>
-            <a:r>
-              <a:rPr lang="en-US" dirty="0" err="1">
-                <a:solidFill>
-                  <a:schemeClr val="bg1"/>
-                </a:solidFill>
-              </a:rPr>
-              <a:t>ulasan</a:t>
-            </a:r>
-            <a:r>
-              <a:rPr lang="en-US" dirty="0">
-                <a:solidFill>
-                  <a:schemeClr val="bg1"/>
-                </a:solidFill>
-              </a:rPr>
-              <a:t> </a:t>
+              <a:t> oleh </a:t>
             </a:r>
             <a:r>
               <a:rPr lang="en-US" dirty="0" err="1">
@@ -7083,7 +7084,7 @@
     </p:spTree>
     <p:extLst>
       <p:ext uri="{BB962C8B-B14F-4D97-AF65-F5344CB8AC3E}">
-        <p14:creationId xmlns:p14="http://schemas.microsoft.com/office/powerpoint/2010/main" val="1828341233"/>
+        <p14:creationId xmlns:p14="http://schemas.microsoft.com/office/powerpoint/2010/main" val="3185754305"/>
       </p:ext>
     </p:extLst>
   </p:cSld>
@@ -7115,7 +7116,7 @@
           <p:cNvPr id="4" name="Picture 3">
             <a:extLst>
               <a:ext uri="{FF2B5EF4-FFF2-40B4-BE49-F238E27FC236}">
-                <a16:creationId xmlns:a16="http://schemas.microsoft.com/office/drawing/2014/main" id="{8641558B-889C-4266-9E53-B4D1778823EB}"/>
+                <a16:creationId xmlns:a16="http://schemas.microsoft.com/office/drawing/2014/main" id="{79624E8B-E4F3-4114-8416-E7D789E1344F}"/>
               </a:ext>
             </a:extLst>
           </p:cNvPr>
@@ -7132,8 +7133,8 @@
         </p:blipFill>
         <p:spPr>
           <a:xfrm>
-            <a:off x="0" y="369333"/>
-            <a:ext cx="12192000" cy="6202918"/>
+            <a:off x="0" y="369332"/>
+            <a:ext cx="12192000" cy="6214348"/>
           </a:xfrm>
           <a:prstGeom prst="rect">
             <a:avLst/>
@@ -7145,7 +7146,7 @@
           <p:cNvPr id="3" name="TextBox 2">
             <a:extLst>
               <a:ext uri="{FF2B5EF4-FFF2-40B4-BE49-F238E27FC236}">
-                <a16:creationId xmlns:a16="http://schemas.microsoft.com/office/drawing/2014/main" id="{2BD16153-3115-4D10-869F-B90982CBB22C}"/>
+                <a16:creationId xmlns:a16="http://schemas.microsoft.com/office/drawing/2014/main" id="{5A453EBF-C677-4FAC-975D-1C1AE0F5F12E}"/>
               </a:ext>
             </a:extLst>
           </p:cNvPr>
@@ -7155,7 +7156,7 @@
         <p:spPr>
           <a:xfrm>
             <a:off x="-1" y="0"/>
-            <a:ext cx="6862714" cy="369332"/>
+            <a:ext cx="7258639" cy="369332"/>
           </a:xfrm>
           <a:prstGeom prst="rect">
             <a:avLst/>
@@ -7182,7 +7183,7 @@
                   <a:schemeClr val="bg1"/>
                 </a:solidFill>
               </a:rPr>
-              <a:t>Page: NOC info =&gt; (</a:t>
+              <a:t>Page: NOC info =&gt; (NOC </a:t>
             </a:r>
             <a:r>
               <a:rPr lang="en-US" dirty="0" err="1">
@@ -7190,7 +7191,7 @@
                   <a:schemeClr val="bg1"/>
                 </a:solidFill>
               </a:rPr>
-              <a:t>Memasukkan</a:t>
+              <a:t>mohon</a:t>
             </a:r>
             <a:r>
               <a:rPr lang="en-US" dirty="0">
@@ -7198,7 +7199,7 @@
                   <a:schemeClr val="bg1"/>
                 </a:solidFill>
               </a:rPr>
-              <a:t> Tarikh </a:t>
+              <a:t> </a:t>
             </a:r>
             <a:r>
               <a:rPr lang="en-US" dirty="0" err="1">
@@ -7206,7 +7207,7 @@
                   <a:schemeClr val="bg1"/>
                 </a:solidFill>
               </a:rPr>
-              <a:t>Mula</a:t>
+              <a:t>ulasan</a:t>
             </a:r>
             <a:r>
               <a:rPr lang="en-US" dirty="0">
@@ -7214,6 +7215,22 @@
                   <a:schemeClr val="bg1"/>
                 </a:solidFill>
               </a:rPr>
+              <a:t> untuk </a:t>
+            </a:r>
+            <a:r>
+              <a:rPr lang="en-US" dirty="0" err="1">
+                <a:solidFill>
+                  <a:schemeClr val="bg1"/>
+                </a:solidFill>
+              </a:rPr>
+              <a:t>tindakan</a:t>
+            </a:r>
+            <a:r>
+              <a:rPr lang="en-US" dirty="0">
+                <a:solidFill>
+                  <a:schemeClr val="bg1"/>
+                </a:solidFill>
+              </a:rPr>
               <a:t> </a:t>
             </a:r>
             <a:r>
@@ -7222,7 +7239,7 @@
                   <a:schemeClr val="bg1"/>
                 </a:solidFill>
               </a:rPr>
-              <a:t>Semakan</a:t>
+              <a:t>ulasan</a:t>
             </a:r>
             <a:r>
               <a:rPr lang="en-US" dirty="0">
@@ -7230,7 +7247,7 @@
                   <a:schemeClr val="bg1"/>
                 </a:solidFill>
               </a:rPr>
-              <a:t> oleh </a:t>
+              <a:t> </a:t>
             </a:r>
             <a:r>
               <a:rPr lang="en-US" dirty="0" err="1">
@@ -7259,7 +7276,7 @@
     </p:spTree>
     <p:extLst>
       <p:ext uri="{BB962C8B-B14F-4D97-AF65-F5344CB8AC3E}">
-        <p14:creationId xmlns:p14="http://schemas.microsoft.com/office/powerpoint/2010/main" val="1589061947"/>
+        <p14:creationId xmlns:p14="http://schemas.microsoft.com/office/powerpoint/2010/main" val="1828341233"/>
       </p:ext>
     </p:extLst>
   </p:cSld>
@@ -7291,7 +7308,7 @@
           <p:cNvPr id="4" name="Picture 3">
             <a:extLst>
               <a:ext uri="{FF2B5EF4-FFF2-40B4-BE49-F238E27FC236}">
-                <a16:creationId xmlns:a16="http://schemas.microsoft.com/office/drawing/2014/main" id="{EC9125E0-D33F-43F6-89A5-FDC0F8A3B3C6}"/>
+                <a16:creationId xmlns:a16="http://schemas.microsoft.com/office/drawing/2014/main" id="{8641558B-889C-4266-9E53-B4D1778823EB}"/>
               </a:ext>
             </a:extLst>
           </p:cNvPr>
@@ -7309,7 +7326,7 @@
         <p:spPr>
           <a:xfrm>
             <a:off x="0" y="369333"/>
-            <a:ext cx="12192000" cy="6237208"/>
+            <a:ext cx="12192000" cy="6202918"/>
           </a:xfrm>
           <a:prstGeom prst="rect">
             <a:avLst/>
@@ -7321,7 +7338,7 @@
           <p:cNvPr id="3" name="TextBox 2">
             <a:extLst>
               <a:ext uri="{FF2B5EF4-FFF2-40B4-BE49-F238E27FC236}">
-                <a16:creationId xmlns:a16="http://schemas.microsoft.com/office/drawing/2014/main" id="{D04B047F-8143-465A-A366-BE034C48200E}"/>
+                <a16:creationId xmlns:a16="http://schemas.microsoft.com/office/drawing/2014/main" id="{2BD16153-3115-4D10-869F-B90982CBB22C}"/>
               </a:ext>
             </a:extLst>
           </p:cNvPr>
@@ -7331,7 +7348,7 @@
         <p:spPr>
           <a:xfrm>
             <a:off x="-1" y="0"/>
-            <a:ext cx="8993171" cy="369332"/>
+            <a:ext cx="6862714" cy="369332"/>
           </a:xfrm>
           <a:prstGeom prst="rect">
             <a:avLst/>
@@ -7358,7 +7375,7 @@
                   <a:schemeClr val="bg1"/>
                 </a:solidFill>
               </a:rPr>
-              <a:t>Page: NOC info =&gt; (NOC </a:t>
+              <a:t>Page: NOC info =&gt; (</a:t>
             </a:r>
             <a:r>
               <a:rPr lang="en-US" dirty="0" err="1">
@@ -7366,7 +7383,7 @@
                   <a:schemeClr val="bg1"/>
                 </a:solidFill>
               </a:rPr>
-              <a:t>sedang</a:t>
+              <a:t>Memasukkan</a:t>
             </a:r>
             <a:r>
               <a:rPr lang="en-US" dirty="0">
@@ -7374,6 +7391,22 @@
                   <a:schemeClr val="bg1"/>
                 </a:solidFill>
               </a:rPr>
+              <a:t> Tarikh </a:t>
+            </a:r>
+            <a:r>
+              <a:rPr lang="en-US" dirty="0" err="1">
+                <a:solidFill>
+                  <a:schemeClr val="bg1"/>
+                </a:solidFill>
+              </a:rPr>
+              <a:t>Mula</a:t>
+            </a:r>
+            <a:r>
+              <a:rPr lang="en-US" dirty="0">
+                <a:solidFill>
+                  <a:schemeClr val="bg1"/>
+                </a:solidFill>
+              </a:rPr>
               <a:t> </a:t>
             </a:r>
             <a:r>
@@ -7382,71 +7415,7 @@
                   <a:schemeClr val="bg1"/>
                 </a:solidFill>
               </a:rPr>
-              <a:t>disediakan</a:t>
-            </a:r>
-            <a:r>
-              <a:rPr lang="en-US" dirty="0">
-                <a:solidFill>
-                  <a:schemeClr val="bg1"/>
-                </a:solidFill>
-              </a:rPr>
-              <a:t> </a:t>
-            </a:r>
-            <a:r>
-              <a:rPr lang="en-US" dirty="0" err="1">
-                <a:solidFill>
-                  <a:schemeClr val="bg1"/>
-                </a:solidFill>
-              </a:rPr>
-              <a:t>ulasan</a:t>
-            </a:r>
-            <a:r>
-              <a:rPr lang="en-US" dirty="0">
-                <a:solidFill>
-                  <a:schemeClr val="bg1"/>
-                </a:solidFill>
-              </a:rPr>
-              <a:t> dan </a:t>
-            </a:r>
-            <a:r>
-              <a:rPr lang="en-US" dirty="0" err="1">
-                <a:solidFill>
-                  <a:schemeClr val="bg1"/>
-                </a:solidFill>
-              </a:rPr>
-              <a:t>tindakan</a:t>
-            </a:r>
-            <a:r>
-              <a:rPr lang="en-US" dirty="0">
-                <a:solidFill>
-                  <a:schemeClr val="bg1"/>
-                </a:solidFill>
-              </a:rPr>
-              <a:t> </a:t>
-            </a:r>
-            <a:r>
-              <a:rPr lang="en-US" dirty="0" err="1">
-                <a:solidFill>
-                  <a:schemeClr val="bg1"/>
-                </a:solidFill>
-              </a:rPr>
-              <a:t>hantar</a:t>
-            </a:r>
-            <a:r>
-              <a:rPr lang="en-US" dirty="0">
-                <a:solidFill>
-                  <a:schemeClr val="bg1"/>
-                </a:solidFill>
-              </a:rPr>
-              <a:t> </a:t>
-            </a:r>
-            <a:r>
-              <a:rPr lang="en-US" dirty="0" err="1">
-                <a:solidFill>
-                  <a:schemeClr val="bg1"/>
-                </a:solidFill>
-              </a:rPr>
-              <a:t>ulasan</a:t>
+              <a:t>Semakan</a:t>
             </a:r>
             <a:r>
               <a:rPr lang="en-US" dirty="0">
@@ -7483,7 +7452,7 @@
     </p:spTree>
     <p:extLst>
       <p:ext uri="{BB962C8B-B14F-4D97-AF65-F5344CB8AC3E}">
-        <p14:creationId xmlns:p14="http://schemas.microsoft.com/office/powerpoint/2010/main" val="987769342"/>
+        <p14:creationId xmlns:p14="http://schemas.microsoft.com/office/powerpoint/2010/main" val="1589061947"/>
       </p:ext>
     </p:extLst>
   </p:cSld>
@@ -7515,7 +7484,7 @@
           <p:cNvPr id="4" name="Picture 3">
             <a:extLst>
               <a:ext uri="{FF2B5EF4-FFF2-40B4-BE49-F238E27FC236}">
-                <a16:creationId xmlns:a16="http://schemas.microsoft.com/office/drawing/2014/main" id="{768ED3B9-3839-46FB-A11C-EB91BE6D94A3}"/>
+                <a16:creationId xmlns:a16="http://schemas.microsoft.com/office/drawing/2014/main" id="{EC9125E0-D33F-43F6-89A5-FDC0F8A3B3C6}"/>
               </a:ext>
             </a:extLst>
           </p:cNvPr>
@@ -7532,7 +7501,7 @@
         </p:blipFill>
         <p:spPr>
           <a:xfrm>
-            <a:off x="0" y="369332"/>
+            <a:off x="0" y="369333"/>
             <a:ext cx="12192000" cy="6237208"/>
           </a:xfrm>
           <a:prstGeom prst="rect">
@@ -7545,7 +7514,7 @@
           <p:cNvPr id="3" name="TextBox 2">
             <a:extLst>
               <a:ext uri="{FF2B5EF4-FFF2-40B4-BE49-F238E27FC236}">
-                <a16:creationId xmlns:a16="http://schemas.microsoft.com/office/drawing/2014/main" id="{AF20C6B3-7B5C-4C58-ACE8-FB6E666EDD19}"/>
+                <a16:creationId xmlns:a16="http://schemas.microsoft.com/office/drawing/2014/main" id="{D04B047F-8143-465A-A366-BE034C48200E}"/>
               </a:ext>
             </a:extLst>
           </p:cNvPr>
@@ -7554,8 +7523,8 @@
         </p:nvSpPr>
         <p:spPr>
           <a:xfrm>
-            <a:off x="0" y="0"/>
-            <a:ext cx="6872140" cy="369332"/>
+            <a:off x="-1" y="0"/>
+            <a:ext cx="8993171" cy="369332"/>
           </a:xfrm>
           <a:prstGeom prst="rect">
             <a:avLst/>
@@ -7582,7 +7551,7 @@
                   <a:schemeClr val="bg1"/>
                 </a:solidFill>
               </a:rPr>
-              <a:t>Page: NOC info =&gt; (</a:t>
+              <a:t>Page: NOC info =&gt; (NOC </a:t>
             </a:r>
             <a:r>
               <a:rPr lang="en-US" dirty="0" err="1">
@@ -7590,7 +7559,7 @@
                   <a:schemeClr val="bg1"/>
                 </a:solidFill>
               </a:rPr>
-              <a:t>Memasukkan</a:t>
+              <a:t>sedang</a:t>
             </a:r>
             <a:r>
               <a:rPr lang="en-US" dirty="0">
@@ -7598,7 +7567,7 @@
                   <a:schemeClr val="bg1"/>
                 </a:solidFill>
               </a:rPr>
-              <a:t> Tarikh </a:t>
+              <a:t> </a:t>
             </a:r>
             <a:r>
               <a:rPr lang="en-US" dirty="0" err="1">
@@ -7606,7 +7575,7 @@
                   <a:schemeClr val="bg1"/>
                 </a:solidFill>
               </a:rPr>
-              <a:t>Hantar</a:t>
+              <a:t>disediakan</a:t>
             </a:r>
             <a:r>
               <a:rPr lang="en-US" dirty="0">
@@ -7622,7 +7591,55 @@
                   <a:schemeClr val="bg1"/>
                 </a:solidFill>
               </a:rPr>
-              <a:t>Ulasan</a:t>
+              <a:t>ulasan</a:t>
+            </a:r>
+            <a:r>
+              <a:rPr lang="en-US" dirty="0">
+                <a:solidFill>
+                  <a:schemeClr val="bg1"/>
+                </a:solidFill>
+              </a:rPr>
+              <a:t> dan </a:t>
+            </a:r>
+            <a:r>
+              <a:rPr lang="en-US" dirty="0" err="1">
+                <a:solidFill>
+                  <a:schemeClr val="bg1"/>
+                </a:solidFill>
+              </a:rPr>
+              <a:t>tindakan</a:t>
+            </a:r>
+            <a:r>
+              <a:rPr lang="en-US" dirty="0">
+                <a:solidFill>
+                  <a:schemeClr val="bg1"/>
+                </a:solidFill>
+              </a:rPr>
+              <a:t> </a:t>
+            </a:r>
+            <a:r>
+              <a:rPr lang="en-US" dirty="0" err="1">
+                <a:solidFill>
+                  <a:schemeClr val="bg1"/>
+                </a:solidFill>
+              </a:rPr>
+              <a:t>hantar</a:t>
+            </a:r>
+            <a:r>
+              <a:rPr lang="en-US" dirty="0">
+                <a:solidFill>
+                  <a:schemeClr val="bg1"/>
+                </a:solidFill>
+              </a:rPr>
+              <a:t> </a:t>
+            </a:r>
+            <a:r>
+              <a:rPr lang="en-US" dirty="0" err="1">
+                <a:solidFill>
+                  <a:schemeClr val="bg1"/>
+                </a:solidFill>
+              </a:rPr>
+              <a:t>ulasan</a:t>
             </a:r>
             <a:r>
               <a:rPr lang="en-US" dirty="0">
@@ -7659,7 +7676,7 @@
     </p:spTree>
     <p:extLst>
       <p:ext uri="{BB962C8B-B14F-4D97-AF65-F5344CB8AC3E}">
-        <p14:creationId xmlns:p14="http://schemas.microsoft.com/office/powerpoint/2010/main" val="2444220980"/>
+        <p14:creationId xmlns:p14="http://schemas.microsoft.com/office/powerpoint/2010/main" val="987769342"/>
       </p:ext>
     </p:extLst>
   </p:cSld>
@@ -7691,7 +7708,7 @@
           <p:cNvPr id="4" name="Picture 3">
             <a:extLst>
               <a:ext uri="{FF2B5EF4-FFF2-40B4-BE49-F238E27FC236}">
-                <a16:creationId xmlns:a16="http://schemas.microsoft.com/office/drawing/2014/main" id="{0244E15C-5A6B-4A8D-BF6D-F158957AF8B7}"/>
+                <a16:creationId xmlns:a16="http://schemas.microsoft.com/office/drawing/2014/main" id="{768ED3B9-3839-46FB-A11C-EB91BE6D94A3}"/>
               </a:ext>
             </a:extLst>
           </p:cNvPr>
@@ -7709,7 +7726,7 @@
         <p:spPr>
           <a:xfrm>
             <a:off x="0" y="369332"/>
-            <a:ext cx="12192000" cy="6225778"/>
+            <a:ext cx="12192000" cy="6237208"/>
           </a:xfrm>
           <a:prstGeom prst="rect">
             <a:avLst/>
@@ -7721,7 +7738,7 @@
           <p:cNvPr id="3" name="TextBox 2">
             <a:extLst>
               <a:ext uri="{FF2B5EF4-FFF2-40B4-BE49-F238E27FC236}">
-                <a16:creationId xmlns:a16="http://schemas.microsoft.com/office/drawing/2014/main" id="{61CCE395-DCAD-4D61-8953-8963AE0270DD}"/>
+                <a16:creationId xmlns:a16="http://schemas.microsoft.com/office/drawing/2014/main" id="{AF20C6B3-7B5C-4C58-ACE8-FB6E666EDD19}"/>
               </a:ext>
             </a:extLst>
           </p:cNvPr>
@@ -7731,7 +7748,7 @@
         <p:spPr>
           <a:xfrm>
             <a:off x="0" y="0"/>
-            <a:ext cx="8955464" cy="369332"/>
+            <a:ext cx="6872140" cy="369332"/>
           </a:xfrm>
           <a:prstGeom prst="rect">
             <a:avLst/>
@@ -7758,7 +7775,7 @@
                   <a:schemeClr val="bg1"/>
                 </a:solidFill>
               </a:rPr>
-              <a:t>Page: NOC info =&gt; (NOC telah </a:t>
+              <a:t>Page: NOC info =&gt; (</a:t>
             </a:r>
             <a:r>
               <a:rPr lang="en-US" dirty="0" err="1">
@@ -7766,7 +7783,7 @@
                   <a:schemeClr val="bg1"/>
                 </a:solidFill>
               </a:rPr>
-              <a:t>dihantar</a:t>
+              <a:t>Memasukkan</a:t>
             </a:r>
             <a:r>
               <a:rPr lang="en-US" dirty="0">
@@ -7774,6 +7791,22 @@
                   <a:schemeClr val="bg1"/>
                 </a:solidFill>
               </a:rPr>
+              <a:t> Tarikh </a:t>
+            </a:r>
+            <a:r>
+              <a:rPr lang="en-US" dirty="0" err="1">
+                <a:solidFill>
+                  <a:schemeClr val="bg1"/>
+                </a:solidFill>
+              </a:rPr>
+              <a:t>Hantar</a:t>
+            </a:r>
+            <a:r>
+              <a:rPr lang="en-US" dirty="0">
+                <a:solidFill>
+                  <a:schemeClr val="bg1"/>
+                </a:solidFill>
+              </a:rPr>
               <a:t> </a:t>
             </a:r>
             <a:r>
@@ -7782,7 +7815,7 @@
                   <a:schemeClr val="bg1"/>
                 </a:solidFill>
               </a:rPr>
-              <a:t>ulasan</a:t>
+              <a:t>Ulasan</a:t>
             </a:r>
             <a:r>
               <a:rPr lang="en-US" dirty="0">
@@ -7790,7 +7823,7 @@
                   <a:schemeClr val="bg1"/>
                 </a:solidFill>
               </a:rPr>
-              <a:t> dan </a:t>
+              <a:t> oleh </a:t>
             </a:r>
             <a:r>
               <a:rPr lang="en-US" dirty="0" err="1">
@@ -7798,7 +7831,7 @@
                   <a:schemeClr val="bg1"/>
                 </a:solidFill>
               </a:rPr>
-              <a:t>tindakan</a:t>
+              <a:t>Bajet</a:t>
             </a:r>
             <a:r>
               <a:rPr lang="en-US" dirty="0">
@@ -7806,39 +7839,7 @@
                   <a:schemeClr val="bg1"/>
                 </a:solidFill>
               </a:rPr>
-              <a:t> </a:t>
-            </a:r>
-            <a:r>
-              <a:rPr lang="en-US" dirty="0" err="1">
-                <a:solidFill>
-                  <a:schemeClr val="bg1"/>
-                </a:solidFill>
-              </a:rPr>
-              <a:t>sediakan</a:t>
-            </a:r>
-            <a:r>
-              <a:rPr lang="en-US" dirty="0">
-                <a:solidFill>
-                  <a:schemeClr val="bg1"/>
-                </a:solidFill>
-              </a:rPr>
-              <a:t> memo oleh </a:t>
-            </a:r>
-            <a:r>
-              <a:rPr lang="en-US" dirty="0" err="1">
-                <a:solidFill>
-                  <a:schemeClr val="bg1"/>
-                </a:solidFill>
-              </a:rPr>
-              <a:t>Bahagian</a:t>
-            </a:r>
-            <a:r>
-              <a:rPr lang="en-US" dirty="0">
-                <a:solidFill>
-                  <a:schemeClr val="bg1"/>
-                </a:solidFill>
-              </a:rPr>
-              <a:t>)</a:t>
+              <a:t>/Nilai)</a:t>
             </a:r>
             <a:endParaRPr lang="en-MY" dirty="0">
               <a:solidFill>
@@ -7851,7 +7852,7 @@
     </p:spTree>
     <p:extLst>
       <p:ext uri="{BB962C8B-B14F-4D97-AF65-F5344CB8AC3E}">
-        <p14:creationId xmlns:p14="http://schemas.microsoft.com/office/powerpoint/2010/main" val="3345081695"/>
+        <p14:creationId xmlns:p14="http://schemas.microsoft.com/office/powerpoint/2010/main" val="2444220980"/>
       </p:ext>
     </p:extLst>
   </p:cSld>
@@ -7883,7 +7884,7 @@
           <p:cNvPr id="4" name="Picture 3">
             <a:extLst>
               <a:ext uri="{FF2B5EF4-FFF2-40B4-BE49-F238E27FC236}">
-                <a16:creationId xmlns:a16="http://schemas.microsoft.com/office/drawing/2014/main" id="{5F5E8C98-B4BE-4D1D-9281-2D7837A90FE5}"/>
+                <a16:creationId xmlns:a16="http://schemas.microsoft.com/office/drawing/2014/main" id="{0244E15C-5A6B-4A8D-BF6D-F158957AF8B7}"/>
               </a:ext>
             </a:extLst>
           </p:cNvPr>
@@ -7913,7 +7914,7 @@
           <p:cNvPr id="3" name="TextBox 2">
             <a:extLst>
               <a:ext uri="{FF2B5EF4-FFF2-40B4-BE49-F238E27FC236}">
-                <a16:creationId xmlns:a16="http://schemas.microsoft.com/office/drawing/2014/main" id="{B89261C1-CFD3-47D1-B006-AFC9895522FD}"/>
+                <a16:creationId xmlns:a16="http://schemas.microsoft.com/office/drawing/2014/main" id="{61CCE395-DCAD-4D61-8953-8963AE0270DD}"/>
               </a:ext>
             </a:extLst>
           </p:cNvPr>
@@ -7923,7 +7924,7 @@
         <p:spPr>
           <a:xfrm>
             <a:off x="0" y="0"/>
-            <a:ext cx="7107810" cy="369332"/>
+            <a:ext cx="8955464" cy="369332"/>
           </a:xfrm>
           <a:prstGeom prst="rect">
             <a:avLst/>
@@ -7950,7 +7951,7 @@
                   <a:schemeClr val="bg1"/>
                 </a:solidFill>
               </a:rPr>
-              <a:t>Page: NOC info =&gt; (</a:t>
+              <a:t>Page: NOC info =&gt; (NOC telah </a:t>
             </a:r>
             <a:r>
               <a:rPr lang="en-US" dirty="0" err="1">
@@ -7958,7 +7959,7 @@
                   <a:schemeClr val="bg1"/>
                 </a:solidFill>
               </a:rPr>
-              <a:t>Memasukkan</a:t>
+              <a:t>dihantar</a:t>
             </a:r>
             <a:r>
               <a:rPr lang="en-US" dirty="0">
@@ -7966,7 +7967,7 @@
                   <a:schemeClr val="bg1"/>
                 </a:solidFill>
               </a:rPr>
-              <a:t> Tarikh </a:t>
+              <a:t> </a:t>
             </a:r>
             <a:r>
               <a:rPr lang="en-US" dirty="0" err="1">
@@ -7974,7 +7975,7 @@
                   <a:schemeClr val="bg1"/>
                 </a:solidFill>
               </a:rPr>
-              <a:t>Mula</a:t>
+              <a:t>ulasan</a:t>
             </a:r>
             <a:r>
               <a:rPr lang="en-US" dirty="0">
@@ -7982,6 +7983,22 @@
                   <a:schemeClr val="bg1"/>
                 </a:solidFill>
               </a:rPr>
+              <a:t> dan </a:t>
+            </a:r>
+            <a:r>
+              <a:rPr lang="en-US" dirty="0" err="1">
+                <a:solidFill>
+                  <a:schemeClr val="bg1"/>
+                </a:solidFill>
+              </a:rPr>
+              <a:t>tindakan</a:t>
+            </a:r>
+            <a:r>
+              <a:rPr lang="en-US" dirty="0">
+                <a:solidFill>
+                  <a:schemeClr val="bg1"/>
+                </a:solidFill>
+              </a:rPr>
               <a:t> </a:t>
             </a:r>
             <a:r>
@@ -7990,7 +8007,7 @@
                   <a:schemeClr val="bg1"/>
                 </a:solidFill>
               </a:rPr>
-              <a:t>Sedia</a:t>
+              <a:t>sediakan</a:t>
             </a:r>
             <a:r>
               <a:rPr lang="en-US" dirty="0">
@@ -7998,7 +8015,7 @@
                   <a:schemeClr val="bg1"/>
                 </a:solidFill>
               </a:rPr>
-              <a:t> Memo oleh </a:t>
+              <a:t> memo oleh </a:t>
             </a:r>
             <a:r>
               <a:rPr lang="en-US" dirty="0" err="1">
@@ -8027,7 +8044,7 @@
     </p:spTree>
     <p:extLst>
       <p:ext uri="{BB962C8B-B14F-4D97-AF65-F5344CB8AC3E}">
-        <p14:creationId xmlns:p14="http://schemas.microsoft.com/office/powerpoint/2010/main" val="3197993451"/>
+        <p14:creationId xmlns:p14="http://schemas.microsoft.com/office/powerpoint/2010/main" val="3345081695"/>
       </p:ext>
     </p:extLst>
   </p:cSld>
@@ -8059,7 +8076,7 @@
           <p:cNvPr id="4" name="Picture 3">
             <a:extLst>
               <a:ext uri="{FF2B5EF4-FFF2-40B4-BE49-F238E27FC236}">
-                <a16:creationId xmlns:a16="http://schemas.microsoft.com/office/drawing/2014/main" id="{B4E2E7E3-F830-4EB9-BAF4-DAF9DA42ECA1}"/>
+                <a16:creationId xmlns:a16="http://schemas.microsoft.com/office/drawing/2014/main" id="{5F5E8C98-B4BE-4D1D-9281-2D7837A90FE5}"/>
               </a:ext>
             </a:extLst>
           </p:cNvPr>
@@ -8076,7 +8093,7 @@
         </p:blipFill>
         <p:spPr>
           <a:xfrm>
-            <a:off x="0" y="369333"/>
+            <a:off x="0" y="369332"/>
             <a:ext cx="12192000" cy="6225778"/>
           </a:xfrm>
           <a:prstGeom prst="rect">
@@ -8089,7 +8106,7 @@
           <p:cNvPr id="3" name="TextBox 2">
             <a:extLst>
               <a:ext uri="{FF2B5EF4-FFF2-40B4-BE49-F238E27FC236}">
-                <a16:creationId xmlns:a16="http://schemas.microsoft.com/office/drawing/2014/main" id="{4034CBB8-F286-43BE-B083-D62E58F937AB}"/>
+                <a16:creationId xmlns:a16="http://schemas.microsoft.com/office/drawing/2014/main" id="{B89261C1-CFD3-47D1-B006-AFC9895522FD}"/>
               </a:ext>
             </a:extLst>
           </p:cNvPr>
@@ -8098,8 +8115,8 @@
         </p:nvSpPr>
         <p:spPr>
           <a:xfrm>
-            <a:off x="-1" y="0"/>
-            <a:ext cx="10180949" cy="369332"/>
+            <a:off x="0" y="0"/>
+            <a:ext cx="7107810" cy="369332"/>
           </a:xfrm>
           <a:prstGeom prst="rect">
             <a:avLst/>
@@ -8126,7 +8143,7 @@
                   <a:schemeClr val="bg1"/>
                 </a:solidFill>
               </a:rPr>
-              <a:t>Page: NOC info =&gt; (NOC </a:t>
+              <a:t>Page: NOC info =&gt; (</a:t>
             </a:r>
             <a:r>
               <a:rPr lang="en-US" dirty="0" err="1">
@@ -8134,7 +8151,7 @@
                   <a:schemeClr val="bg1"/>
                 </a:solidFill>
               </a:rPr>
-              <a:t>sedang</a:t>
+              <a:t>Memasukkan</a:t>
             </a:r>
             <a:r>
               <a:rPr lang="en-US" dirty="0">
@@ -8142,6 +8159,22 @@
                   <a:schemeClr val="bg1"/>
                 </a:solidFill>
               </a:rPr>
+              <a:t> Tarikh </a:t>
+            </a:r>
+            <a:r>
+              <a:rPr lang="en-US" dirty="0" err="1">
+                <a:solidFill>
+                  <a:schemeClr val="bg1"/>
+                </a:solidFill>
+              </a:rPr>
+              <a:t>Mula</a:t>
+            </a:r>
+            <a:r>
+              <a:rPr lang="en-US" dirty="0">
+                <a:solidFill>
+                  <a:schemeClr val="bg1"/>
+                </a:solidFill>
+              </a:rPr>
               <a:t> </a:t>
             </a:r>
             <a:r>
@@ -8150,7 +8183,7 @@
                   <a:schemeClr val="bg1"/>
                 </a:solidFill>
               </a:rPr>
-              <a:t>sedia</a:t>
+              <a:t>Sedia</a:t>
             </a:r>
             <a:r>
               <a:rPr lang="en-US" dirty="0">
@@ -8158,71 +8191,7 @@
                   <a:schemeClr val="bg1"/>
                 </a:solidFill>
               </a:rPr>
-              <a:t>/</a:t>
-            </a:r>
-            <a:r>
-              <a:rPr lang="en-US" dirty="0" err="1">
-                <a:solidFill>
-                  <a:schemeClr val="bg1"/>
-                </a:solidFill>
-              </a:rPr>
-              <a:t>hantar</a:t>
-            </a:r>
-            <a:r>
-              <a:rPr lang="en-US" dirty="0">
-                <a:solidFill>
-                  <a:schemeClr val="bg1"/>
-                </a:solidFill>
-              </a:rPr>
-              <a:t> memo dan </a:t>
-            </a:r>
-            <a:r>
-              <a:rPr lang="en-US" dirty="0" err="1">
-                <a:solidFill>
-                  <a:schemeClr val="bg1"/>
-                </a:solidFill>
-              </a:rPr>
-              <a:t>tindakan</a:t>
-            </a:r>
-            <a:r>
-              <a:rPr lang="en-US" dirty="0">
-                <a:solidFill>
-                  <a:schemeClr val="bg1"/>
-                </a:solidFill>
-              </a:rPr>
-              <a:t> </a:t>
-            </a:r>
-            <a:r>
-              <a:rPr lang="en-US" dirty="0" err="1">
-                <a:solidFill>
-                  <a:schemeClr val="bg1"/>
-                </a:solidFill>
-              </a:rPr>
-              <a:t>dapat</a:t>
-            </a:r>
-            <a:r>
-              <a:rPr lang="en-US" dirty="0">
-                <a:solidFill>
-                  <a:schemeClr val="bg1"/>
-                </a:solidFill>
-              </a:rPr>
-              <a:t> memo </a:t>
-            </a:r>
-            <a:r>
-              <a:rPr lang="en-US" dirty="0" err="1">
-                <a:solidFill>
-                  <a:schemeClr val="bg1"/>
-                </a:solidFill>
-              </a:rPr>
-              <a:t>daripada</a:t>
-            </a:r>
-            <a:r>
-              <a:rPr lang="en-US" dirty="0">
-                <a:solidFill>
-                  <a:schemeClr val="bg1"/>
-                </a:solidFill>
-              </a:rPr>
-              <a:t> PT oleh </a:t>
+              <a:t> Memo oleh </a:t>
             </a:r>
             <a:r>
               <a:rPr lang="en-US" dirty="0" err="1">
@@ -8251,7 +8220,7 @@
     </p:spTree>
     <p:extLst>
       <p:ext uri="{BB962C8B-B14F-4D97-AF65-F5344CB8AC3E}">
-        <p14:creationId xmlns:p14="http://schemas.microsoft.com/office/powerpoint/2010/main" val="1285369877"/>
+        <p14:creationId xmlns:p14="http://schemas.microsoft.com/office/powerpoint/2010/main" val="3197993451"/>
       </p:ext>
     </p:extLst>
   </p:cSld>
@@ -8283,7 +8252,7 @@
           <p:cNvPr id="4" name="Picture 3">
             <a:extLst>
               <a:ext uri="{FF2B5EF4-FFF2-40B4-BE49-F238E27FC236}">
-                <a16:creationId xmlns:a16="http://schemas.microsoft.com/office/drawing/2014/main" id="{DC7509E7-4BCF-4F95-BB3F-ABB5CC154803}"/>
+                <a16:creationId xmlns:a16="http://schemas.microsoft.com/office/drawing/2014/main" id="{B4E2E7E3-F830-4EB9-BAF4-DAF9DA42ECA1}"/>
               </a:ext>
             </a:extLst>
           </p:cNvPr>
@@ -8300,8 +8269,8 @@
         </p:blipFill>
         <p:spPr>
           <a:xfrm>
-            <a:off x="0" y="381199"/>
-            <a:ext cx="12192000" cy="6168628"/>
+            <a:off x="0" y="369333"/>
+            <a:ext cx="12192000" cy="6225778"/>
           </a:xfrm>
           <a:prstGeom prst="rect">
             <a:avLst/>
@@ -8313,7 +8282,7 @@
           <p:cNvPr id="3" name="TextBox 2">
             <a:extLst>
               <a:ext uri="{FF2B5EF4-FFF2-40B4-BE49-F238E27FC236}">
-                <a16:creationId xmlns:a16="http://schemas.microsoft.com/office/drawing/2014/main" id="{A5CEC97E-F237-45F5-8580-F7DF4193C2CC}"/>
+                <a16:creationId xmlns:a16="http://schemas.microsoft.com/office/drawing/2014/main" id="{4034CBB8-F286-43BE-B083-D62E58F937AB}"/>
               </a:ext>
             </a:extLst>
           </p:cNvPr>
@@ -8322,8 +8291,8 @@
         </p:nvSpPr>
         <p:spPr>
           <a:xfrm>
-            <a:off x="0" y="0"/>
-            <a:ext cx="8436990" cy="369332"/>
+            <a:off x="-1" y="0"/>
+            <a:ext cx="10180949" cy="369332"/>
           </a:xfrm>
           <a:prstGeom prst="rect">
             <a:avLst/>
@@ -8350,7 +8319,7 @@
                   <a:schemeClr val="bg1"/>
                 </a:solidFill>
               </a:rPr>
-              <a:t>Page: NOC info =&gt; (</a:t>
+              <a:t>Page: NOC info =&gt; (NOC </a:t>
             </a:r>
             <a:r>
               <a:rPr lang="en-US" dirty="0" err="1">
@@ -8358,7 +8327,7 @@
                   <a:schemeClr val="bg1"/>
                 </a:solidFill>
               </a:rPr>
-              <a:t>Memasukkan</a:t>
+              <a:t>sedang</a:t>
             </a:r>
             <a:r>
               <a:rPr lang="en-US" dirty="0">
@@ -8366,7 +8335,7 @@
                   <a:schemeClr val="bg1"/>
                 </a:solidFill>
               </a:rPr>
-              <a:t> Tarikh Terima Memo  </a:t>
+              <a:t> </a:t>
             </a:r>
             <a:r>
               <a:rPr lang="en-US" dirty="0" err="1">
@@ -8374,7 +8343,71 @@
                   <a:schemeClr val="bg1"/>
                 </a:solidFill>
               </a:rPr>
-              <a:t>Kelulusan</a:t>
+              <a:t>sedia</a:t>
+            </a:r>
+            <a:r>
+              <a:rPr lang="en-US" dirty="0">
+                <a:solidFill>
+                  <a:schemeClr val="bg1"/>
+                </a:solidFill>
+              </a:rPr>
+              <a:t>/</a:t>
+            </a:r>
+            <a:r>
+              <a:rPr lang="en-US" dirty="0" err="1">
+                <a:solidFill>
+                  <a:schemeClr val="bg1"/>
+                </a:solidFill>
+              </a:rPr>
+              <a:t>hantar</a:t>
+            </a:r>
+            <a:r>
+              <a:rPr lang="en-US" dirty="0">
+                <a:solidFill>
+                  <a:schemeClr val="bg1"/>
+                </a:solidFill>
+              </a:rPr>
+              <a:t> memo dan </a:t>
+            </a:r>
+            <a:r>
+              <a:rPr lang="en-US" dirty="0" err="1">
+                <a:solidFill>
+                  <a:schemeClr val="bg1"/>
+                </a:solidFill>
+              </a:rPr>
+              <a:t>tindakan</a:t>
+            </a:r>
+            <a:r>
+              <a:rPr lang="en-US" dirty="0">
+                <a:solidFill>
+                  <a:schemeClr val="bg1"/>
+                </a:solidFill>
+              </a:rPr>
+              <a:t> </a:t>
+            </a:r>
+            <a:r>
+              <a:rPr lang="en-US" dirty="0" err="1">
+                <a:solidFill>
+                  <a:schemeClr val="bg1"/>
+                </a:solidFill>
+              </a:rPr>
+              <a:t>dapat</a:t>
+            </a:r>
+            <a:r>
+              <a:rPr lang="en-US" dirty="0">
+                <a:solidFill>
+                  <a:schemeClr val="bg1"/>
+                </a:solidFill>
+              </a:rPr>
+              <a:t> memo </a:t>
+            </a:r>
+            <a:r>
+              <a:rPr lang="en-US" dirty="0" err="1">
+                <a:solidFill>
+                  <a:schemeClr val="bg1"/>
+                </a:solidFill>
+              </a:rPr>
+              <a:t>daripada</a:t>
             </a:r>
             <a:r>
               <a:rPr lang="en-US" dirty="0">
@@ -8411,7 +8444,7 @@
     </p:spTree>
     <p:extLst>
       <p:ext uri="{BB962C8B-B14F-4D97-AF65-F5344CB8AC3E}">
-        <p14:creationId xmlns:p14="http://schemas.microsoft.com/office/powerpoint/2010/main" val="4184532785"/>
+        <p14:creationId xmlns:p14="http://schemas.microsoft.com/office/powerpoint/2010/main" val="1285369877"/>
       </p:ext>
     </p:extLst>
   </p:cSld>
@@ -8443,7 +8476,7 @@
           <p:cNvPr id="4" name="Picture 3">
             <a:extLst>
               <a:ext uri="{FF2B5EF4-FFF2-40B4-BE49-F238E27FC236}">
-                <a16:creationId xmlns:a16="http://schemas.microsoft.com/office/drawing/2014/main" id="{9901CF19-5F94-4B65-BA91-38E70017A4F6}"/>
+                <a16:creationId xmlns:a16="http://schemas.microsoft.com/office/drawing/2014/main" id="{DC7509E7-4BCF-4F95-BB3F-ABB5CC154803}"/>
               </a:ext>
             </a:extLst>
           </p:cNvPr>
@@ -8460,8 +8493,8 @@
         </p:blipFill>
         <p:spPr>
           <a:xfrm>
-            <a:off x="0" y="369333"/>
-            <a:ext cx="12192000" cy="6214348"/>
+            <a:off x="0" y="381199"/>
+            <a:ext cx="12192000" cy="6168628"/>
           </a:xfrm>
           <a:prstGeom prst="rect">
             <a:avLst/>
@@ -8473,7 +8506,7 @@
           <p:cNvPr id="3" name="TextBox 2">
             <a:extLst>
               <a:ext uri="{FF2B5EF4-FFF2-40B4-BE49-F238E27FC236}">
-                <a16:creationId xmlns:a16="http://schemas.microsoft.com/office/drawing/2014/main" id="{1E0DB4EE-9B7D-45DB-ABB8-D21CE8D79BE5}"/>
+                <a16:creationId xmlns:a16="http://schemas.microsoft.com/office/drawing/2014/main" id="{A5CEC97E-F237-45F5-8580-F7DF4193C2CC}"/>
               </a:ext>
             </a:extLst>
           </p:cNvPr>
@@ -8482,8 +8515,8 @@
         </p:nvSpPr>
         <p:spPr>
           <a:xfrm>
-            <a:off x="-1" y="0"/>
-            <a:ext cx="10209229" cy="369332"/>
+            <a:off x="0" y="0"/>
+            <a:ext cx="8436990" cy="369332"/>
           </a:xfrm>
           <a:prstGeom prst="rect">
             <a:avLst/>
@@ -8510,7 +8543,7 @@
                   <a:schemeClr val="bg1"/>
                 </a:solidFill>
               </a:rPr>
-              <a:t>Page: NOC info =&gt; (NOC </a:t>
+              <a:t>Page: NOC info =&gt; (</a:t>
             </a:r>
             <a:r>
               <a:rPr lang="en-US" dirty="0" err="1">
@@ -8518,7 +8551,7 @@
                   <a:schemeClr val="bg1"/>
                 </a:solidFill>
               </a:rPr>
-              <a:t>mula</a:t>
+              <a:t>Memasukkan</a:t>
             </a:r>
             <a:r>
               <a:rPr lang="en-US" dirty="0">
@@ -8526,7 +8559,7 @@
                   <a:schemeClr val="bg1"/>
                 </a:solidFill>
               </a:rPr>
-              <a:t> </a:t>
+              <a:t> Tarikh Terima Memo  </a:t>
             </a:r>
             <a:r>
               <a:rPr lang="en-US" dirty="0" err="1">
@@ -8534,7 +8567,7 @@
                   <a:schemeClr val="bg1"/>
                 </a:solidFill>
               </a:rPr>
-              <a:t>sedia</a:t>
+              <a:t>Kelulusan</a:t>
             </a:r>
             <a:r>
               <a:rPr lang="en-US" dirty="0">
@@ -8542,71 +8575,7 @@
                   <a:schemeClr val="bg1"/>
                 </a:solidFill>
               </a:rPr>
-              <a:t> </a:t>
-            </a:r>
-            <a:r>
-              <a:rPr lang="en-US" dirty="0" err="1">
-                <a:solidFill>
-                  <a:schemeClr val="bg1"/>
-                </a:solidFill>
-              </a:rPr>
-              <a:t>surat</a:t>
-            </a:r>
-            <a:r>
-              <a:rPr lang="en-US" dirty="0">
-                <a:solidFill>
-                  <a:schemeClr val="bg1"/>
-                </a:solidFill>
-              </a:rPr>
-              <a:t> dan </a:t>
-            </a:r>
-            <a:r>
-              <a:rPr lang="en-US" dirty="0" err="1">
-                <a:solidFill>
-                  <a:schemeClr val="bg1"/>
-                </a:solidFill>
-              </a:rPr>
-              <a:t>tindakan</a:t>
-            </a:r>
-            <a:r>
-              <a:rPr lang="en-US" dirty="0">
-                <a:solidFill>
-                  <a:schemeClr val="bg1"/>
-                </a:solidFill>
-              </a:rPr>
-              <a:t> </a:t>
-            </a:r>
-            <a:r>
-              <a:rPr lang="en-US" dirty="0" err="1">
-                <a:solidFill>
-                  <a:schemeClr val="bg1"/>
-                </a:solidFill>
-              </a:rPr>
-              <a:t>mula</a:t>
-            </a:r>
-            <a:r>
-              <a:rPr lang="en-US" dirty="0">
-                <a:solidFill>
-                  <a:schemeClr val="bg1"/>
-                </a:solidFill>
-              </a:rPr>
-              <a:t> </a:t>
-            </a:r>
-            <a:r>
-              <a:rPr lang="en-US" dirty="0" err="1">
-                <a:solidFill>
-                  <a:schemeClr val="bg1"/>
-                </a:solidFill>
-              </a:rPr>
-              <a:t>penyediaan</a:t>
-            </a:r>
-            <a:r>
-              <a:rPr lang="en-US" dirty="0">
-                <a:solidFill>
-                  <a:schemeClr val="bg1"/>
-                </a:solidFill>
-              </a:rPr>
-              <a:t> oleh </a:t>
+              <a:t> PT oleh </a:t>
             </a:r>
             <a:r>
               <a:rPr lang="en-US" dirty="0" err="1">
@@ -8635,7 +8604,7 @@
     </p:spTree>
     <p:extLst>
       <p:ext uri="{BB962C8B-B14F-4D97-AF65-F5344CB8AC3E}">
-        <p14:creationId xmlns:p14="http://schemas.microsoft.com/office/powerpoint/2010/main" val="1299556472"/>
+        <p14:creationId xmlns:p14="http://schemas.microsoft.com/office/powerpoint/2010/main" val="4184532785"/>
       </p:ext>
     </p:extLst>
   </p:cSld>
@@ -8648,6 +8617,14 @@
 <file path=ppt/slides/slide2.xml><?xml version="1.0" encoding="utf-8"?>
 <p:sld xmlns:a="http://schemas.openxmlformats.org/drawingml/2006/main" xmlns:r="http://schemas.openxmlformats.org/officeDocument/2006/relationships" xmlns:p="http://schemas.openxmlformats.org/presentationml/2006/main">
   <p:cSld>
+    <p:bg>
+      <p:bgPr>
+        <a:solidFill>
+          <a:schemeClr val="bg1"/>
+        </a:solidFill>
+        <a:effectLst/>
+      </p:bgPr>
+    </p:bg>
     <p:spTree>
       <p:nvGrpSpPr>
         <p:cNvPr id="1" name=""/>
@@ -8662,42 +8639,4030 @@
           <a:chExt cx="0" cy="0"/>
         </a:xfrm>
       </p:grpSpPr>
-      <p:pic>
-        <p:nvPicPr>
-          <p:cNvPr id="4" name="Picture 3">
-            <a:extLst>
-              <a:ext uri="{FF2B5EF4-FFF2-40B4-BE49-F238E27FC236}">
-                <a16:creationId xmlns:a16="http://schemas.microsoft.com/office/drawing/2014/main" id="{18F40A5C-09BD-4C5E-AC5F-FEE7807C2263}"/>
-              </a:ext>
-            </a:extLst>
-          </p:cNvPr>
-          <p:cNvPicPr>
-            <a:picLocks noChangeAspect="1"/>
-          </p:cNvPicPr>
+      <p:cxnSp>
+        <p:nvCxnSpPr>
+          <p:cNvPr id="67" name="Straight Arrow Connector 66">
+            <a:extLst>
+              <a:ext uri="{FF2B5EF4-FFF2-40B4-BE49-F238E27FC236}">
+                <a16:creationId xmlns:a16="http://schemas.microsoft.com/office/drawing/2014/main" id="{81087579-3DC1-4006-AC5D-538E5AE58DAC}"/>
+              </a:ext>
+            </a:extLst>
+          </p:cNvPr>
+          <p:cNvCxnSpPr>
+            <a:stCxn id="20" idx="2"/>
+            <a:endCxn id="22" idx="0"/>
+          </p:cNvCxnSpPr>
           <p:nvPr/>
-        </p:nvPicPr>
-        <p:blipFill>
-          <a:blip r:embed="rId2"/>
-          <a:stretch>
-            <a:fillRect/>
-          </a:stretch>
-        </p:blipFill>
+        </p:nvCxnSpPr>
+        <p:spPr>
+          <a:xfrm flipH="1">
+            <a:off x="4816461" y="4355857"/>
+            <a:ext cx="2" cy="1203785"/>
+          </a:xfrm>
+          <a:prstGeom prst="straightConnector1">
+            <a:avLst/>
+          </a:prstGeom>
+          <a:ln>
+            <a:tailEnd type="triangle"/>
+          </a:ln>
+        </p:spPr>
+        <p:style>
+          <a:lnRef idx="1">
+            <a:schemeClr val="accent1"/>
+          </a:lnRef>
+          <a:fillRef idx="0">
+            <a:schemeClr val="accent1"/>
+          </a:fillRef>
+          <a:effectRef idx="0">
+            <a:schemeClr val="accent1"/>
+          </a:effectRef>
+          <a:fontRef idx="minor">
+            <a:schemeClr val="tx1"/>
+          </a:fontRef>
+        </p:style>
+      </p:cxnSp>
+      <p:cxnSp>
+        <p:nvCxnSpPr>
+          <p:cNvPr id="68" name="Straight Arrow Connector 67">
+            <a:extLst>
+              <a:ext uri="{FF2B5EF4-FFF2-40B4-BE49-F238E27FC236}">
+                <a16:creationId xmlns:a16="http://schemas.microsoft.com/office/drawing/2014/main" id="{06F9481C-ABF6-4549-A54B-6E6DFB9B4D6A}"/>
+              </a:ext>
+            </a:extLst>
+          </p:cNvPr>
+          <p:cNvCxnSpPr>
+            <a:cxnSpLocks/>
+            <a:stCxn id="15" idx="2"/>
+            <a:endCxn id="18" idx="0"/>
+          </p:cNvCxnSpPr>
+          <p:nvPr/>
+        </p:nvCxnSpPr>
         <p:spPr>
           <a:xfrm>
-            <a:off x="-1" y="-1"/>
-            <a:ext cx="12192001" cy="6858001"/>
+            <a:off x="6184050" y="4355857"/>
+            <a:ext cx="8021" cy="1180139"/>
+          </a:xfrm>
+          <a:prstGeom prst="straightConnector1">
+            <a:avLst/>
+          </a:prstGeom>
+          <a:ln>
+            <a:tailEnd type="triangle"/>
+          </a:ln>
+        </p:spPr>
+        <p:style>
+          <a:lnRef idx="1">
+            <a:schemeClr val="accent1"/>
+          </a:lnRef>
+          <a:fillRef idx="0">
+            <a:schemeClr val="accent1"/>
+          </a:fillRef>
+          <a:effectRef idx="0">
+            <a:schemeClr val="accent1"/>
+          </a:effectRef>
+          <a:fontRef idx="minor">
+            <a:schemeClr val="tx1"/>
+          </a:fontRef>
+        </p:style>
+      </p:cxnSp>
+      <p:cxnSp>
+        <p:nvCxnSpPr>
+          <p:cNvPr id="35" name="Straight Arrow Connector 34">
+            <a:extLst>
+              <a:ext uri="{FF2B5EF4-FFF2-40B4-BE49-F238E27FC236}">
+                <a16:creationId xmlns:a16="http://schemas.microsoft.com/office/drawing/2014/main" id="{5A7EDB04-701D-4274-9F65-083BFE157525}"/>
+              </a:ext>
+            </a:extLst>
+          </p:cNvPr>
+          <p:cNvCxnSpPr>
+            <a:cxnSpLocks/>
+            <a:stCxn id="33" idx="4"/>
+            <a:endCxn id="162" idx="0"/>
+          </p:cNvCxnSpPr>
+          <p:nvPr/>
+        </p:nvCxnSpPr>
+        <p:spPr>
+          <a:xfrm flipH="1">
+            <a:off x="2795340" y="360738"/>
+            <a:ext cx="16039" cy="1967992"/>
+          </a:xfrm>
+          <a:prstGeom prst="straightConnector1">
+            <a:avLst/>
+          </a:prstGeom>
+          <a:ln>
+            <a:tailEnd type="triangle"/>
+          </a:ln>
+        </p:spPr>
+        <p:style>
+          <a:lnRef idx="1">
+            <a:schemeClr val="accent1"/>
+          </a:lnRef>
+          <a:fillRef idx="0">
+            <a:schemeClr val="accent1"/>
+          </a:fillRef>
+          <a:effectRef idx="0">
+            <a:schemeClr val="accent1"/>
+          </a:effectRef>
+          <a:fontRef idx="minor">
+            <a:schemeClr val="tx1"/>
+          </a:fontRef>
+        </p:style>
+      </p:cxnSp>
+      <p:sp>
+        <p:nvSpPr>
+          <p:cNvPr id="6" name="Rectangle 5">
+            <a:extLst>
+              <a:ext uri="{FF2B5EF4-FFF2-40B4-BE49-F238E27FC236}">
+                <a16:creationId xmlns:a16="http://schemas.microsoft.com/office/drawing/2014/main" id="{302DA7BC-44C0-4746-A463-314A9872301F}"/>
+              </a:ext>
+            </a:extLst>
+          </p:cNvPr>
+          <p:cNvSpPr/>
+          <p:nvPr/>
+        </p:nvSpPr>
+        <p:spPr>
+          <a:xfrm>
+            <a:off x="2201779" y="601995"/>
+            <a:ext cx="1179095" cy="613611"/>
           </a:xfrm>
           <a:prstGeom prst="rect">
             <a:avLst/>
           </a:prstGeom>
+          <a:solidFill>
+            <a:schemeClr val="accent5">
+              <a:lumMod val="60000"/>
+              <a:lumOff val="40000"/>
+            </a:schemeClr>
+          </a:solidFill>
+          <a:ln>
+            <a:solidFill>
+              <a:schemeClr val="accent5">
+                <a:lumMod val="50000"/>
+              </a:schemeClr>
+            </a:solidFill>
+          </a:ln>
         </p:spPr>
-      </p:pic>
+        <p:style>
+          <a:lnRef idx="2">
+            <a:schemeClr val="accent1">
+              <a:shade val="50000"/>
+            </a:schemeClr>
+          </a:lnRef>
+          <a:fillRef idx="1">
+            <a:schemeClr val="accent1"/>
+          </a:fillRef>
+          <a:effectRef idx="0">
+            <a:schemeClr val="accent1"/>
+          </a:effectRef>
+          <a:fontRef idx="minor">
+            <a:schemeClr val="lt1"/>
+          </a:fontRef>
+        </p:style>
+        <p:txBody>
+          <a:bodyPr rtlCol="0" anchor="ctr"/>
+          <a:lstStyle/>
+          <a:p>
+            <a:pPr algn="ctr"/>
+            <a:r>
+              <a:rPr lang="en-US" sz="1200" dirty="0">
+                <a:solidFill>
+                  <a:schemeClr val="tx1"/>
+                </a:solidFill>
+                <a:latin typeface="Times New Roman" panose="02020603050405020304" pitchFamily="18" charset="0"/>
+                <a:ea typeface="Iosevka Fixed" panose="02000509030000000004" pitchFamily="49" charset="0"/>
+                <a:cs typeface="Times New Roman" panose="02020603050405020304" pitchFamily="18" charset="0"/>
+              </a:rPr>
+              <a:t>Kunci </a:t>
+            </a:r>
+            <a:r>
+              <a:rPr lang="en-US" sz="1200" dirty="0" err="1">
+                <a:solidFill>
+                  <a:schemeClr val="tx1"/>
+                </a:solidFill>
+                <a:latin typeface="Times New Roman" panose="02020603050405020304" pitchFamily="18" charset="0"/>
+                <a:ea typeface="Iosevka Fixed" panose="02000509030000000004" pitchFamily="49" charset="0"/>
+                <a:cs typeface="Times New Roman" panose="02020603050405020304" pitchFamily="18" charset="0"/>
+              </a:rPr>
+              <a:t>masuk</a:t>
+            </a:r>
+            <a:r>
+              <a:rPr lang="en-US" sz="1200" dirty="0">
+                <a:solidFill>
+                  <a:schemeClr val="tx1"/>
+                </a:solidFill>
+                <a:latin typeface="Times New Roman" panose="02020603050405020304" pitchFamily="18" charset="0"/>
+                <a:ea typeface="Iosevka Fixed" panose="02000509030000000004" pitchFamily="49" charset="0"/>
+                <a:cs typeface="Times New Roman" panose="02020603050405020304" pitchFamily="18" charset="0"/>
+              </a:rPr>
+              <a:t> NOC</a:t>
+            </a:r>
+            <a:endParaRPr lang="en-MY" sz="1200" dirty="0">
+              <a:solidFill>
+                <a:schemeClr val="tx1"/>
+              </a:solidFill>
+              <a:latin typeface="Times New Roman" panose="02020603050405020304" pitchFamily="18" charset="0"/>
+              <a:ea typeface="Iosevka Fixed" panose="02000509030000000004" pitchFamily="49" charset="0"/>
+              <a:cs typeface="Times New Roman" panose="02020603050405020304" pitchFamily="18" charset="0"/>
+            </a:endParaRPr>
+          </a:p>
+        </p:txBody>
+      </p:sp>
       <p:sp>
         <p:nvSpPr>
-          <p:cNvPr id="5" name="TextBox 4">
-            <a:extLst>
-              <a:ext uri="{FF2B5EF4-FFF2-40B4-BE49-F238E27FC236}">
-                <a16:creationId xmlns:a16="http://schemas.microsoft.com/office/drawing/2014/main" id="{89011F81-06D0-4A46-A096-551B7E0E6370}"/>
+          <p:cNvPr id="7" name="Rectangle 6">
+            <a:extLst>
+              <a:ext uri="{FF2B5EF4-FFF2-40B4-BE49-F238E27FC236}">
+                <a16:creationId xmlns:a16="http://schemas.microsoft.com/office/drawing/2014/main" id="{533F38CE-40CF-4580-B5F2-A03CFEAF743F}"/>
+              </a:ext>
+            </a:extLst>
+          </p:cNvPr>
+          <p:cNvSpPr/>
+          <p:nvPr/>
+        </p:nvSpPr>
+        <p:spPr>
+          <a:xfrm>
+            <a:off x="2201779" y="1528427"/>
+            <a:ext cx="1179095" cy="613611"/>
+          </a:xfrm>
+          <a:prstGeom prst="rect">
+            <a:avLst/>
+          </a:prstGeom>
+          <a:solidFill>
+            <a:schemeClr val="accent5">
+              <a:lumMod val="60000"/>
+              <a:lumOff val="40000"/>
+            </a:schemeClr>
+          </a:solidFill>
+          <a:ln>
+            <a:solidFill>
+              <a:schemeClr val="accent5">
+                <a:lumMod val="50000"/>
+              </a:schemeClr>
+            </a:solidFill>
+          </a:ln>
+        </p:spPr>
+        <p:style>
+          <a:lnRef idx="2">
+            <a:schemeClr val="accent1">
+              <a:shade val="50000"/>
+            </a:schemeClr>
+          </a:lnRef>
+          <a:fillRef idx="1">
+            <a:schemeClr val="accent1"/>
+          </a:fillRef>
+          <a:effectRef idx="0">
+            <a:schemeClr val="accent1"/>
+          </a:effectRef>
+          <a:fontRef idx="minor">
+            <a:schemeClr val="lt1"/>
+          </a:fontRef>
+        </p:style>
+        <p:txBody>
+          <a:bodyPr rtlCol="0" anchor="ctr"/>
+          <a:lstStyle/>
+          <a:p>
+            <a:pPr algn="ctr"/>
+            <a:r>
+              <a:rPr lang="en-US" sz="1200" dirty="0" err="1">
+                <a:solidFill>
+                  <a:schemeClr val="tx1"/>
+                </a:solidFill>
+                <a:latin typeface="Times New Roman" panose="02020603050405020304" pitchFamily="18" charset="0"/>
+                <a:ea typeface="Iosevka Fixed" panose="02000509030000000004" pitchFamily="49" charset="0"/>
+                <a:cs typeface="Times New Roman" panose="02020603050405020304" pitchFamily="18" charset="0"/>
+              </a:rPr>
+              <a:t>Semakan</a:t>
+            </a:r>
+            <a:r>
+              <a:rPr lang="en-US" sz="1200" dirty="0">
+                <a:solidFill>
+                  <a:schemeClr val="tx1"/>
+                </a:solidFill>
+                <a:latin typeface="Times New Roman" panose="02020603050405020304" pitchFamily="18" charset="0"/>
+                <a:ea typeface="Iosevka Fixed" panose="02000509030000000004" pitchFamily="49" charset="0"/>
+                <a:cs typeface="Times New Roman" panose="02020603050405020304" pitchFamily="18" charset="0"/>
+              </a:rPr>
+              <a:t> </a:t>
+            </a:r>
+            <a:r>
+              <a:rPr lang="en-US" sz="1200" dirty="0" err="1">
+                <a:solidFill>
+                  <a:schemeClr val="tx1"/>
+                </a:solidFill>
+                <a:latin typeface="Times New Roman" panose="02020603050405020304" pitchFamily="18" charset="0"/>
+                <a:ea typeface="Iosevka Fixed" panose="02000509030000000004" pitchFamily="49" charset="0"/>
+                <a:cs typeface="Times New Roman" panose="02020603050405020304" pitchFamily="18" charset="0"/>
+              </a:rPr>
+              <a:t>Awal</a:t>
+            </a:r>
+            <a:endParaRPr lang="en-MY" sz="1200" dirty="0">
+              <a:solidFill>
+                <a:schemeClr val="tx1"/>
+              </a:solidFill>
+              <a:latin typeface="Times New Roman" panose="02020603050405020304" pitchFamily="18" charset="0"/>
+              <a:ea typeface="Iosevka Fixed" panose="02000509030000000004" pitchFamily="49" charset="0"/>
+              <a:cs typeface="Times New Roman" panose="02020603050405020304" pitchFamily="18" charset="0"/>
+            </a:endParaRPr>
+          </a:p>
+        </p:txBody>
+      </p:sp>
+      <p:sp>
+        <p:nvSpPr>
+          <p:cNvPr id="8" name="Rectangle 7">
+            <a:extLst>
+              <a:ext uri="{FF2B5EF4-FFF2-40B4-BE49-F238E27FC236}">
+                <a16:creationId xmlns:a16="http://schemas.microsoft.com/office/drawing/2014/main" id="{A1EDBBB6-7AFA-4B0D-A441-B72BE8FC94F2}"/>
+              </a:ext>
+            </a:extLst>
+          </p:cNvPr>
+          <p:cNvSpPr/>
+          <p:nvPr/>
+        </p:nvSpPr>
+        <p:spPr>
+          <a:xfrm>
+            <a:off x="505144" y="2815814"/>
+            <a:ext cx="1179095" cy="613611"/>
+          </a:xfrm>
+          <a:prstGeom prst="rect">
+            <a:avLst/>
+          </a:prstGeom>
+          <a:solidFill>
+            <a:schemeClr val="accent5">
+              <a:lumMod val="20000"/>
+              <a:lumOff val="80000"/>
+            </a:schemeClr>
+          </a:solidFill>
+          <a:ln>
+            <a:solidFill>
+              <a:schemeClr val="accent5">
+                <a:lumMod val="50000"/>
+              </a:schemeClr>
+            </a:solidFill>
+          </a:ln>
+        </p:spPr>
+        <p:style>
+          <a:lnRef idx="2">
+            <a:schemeClr val="accent1">
+              <a:shade val="50000"/>
+            </a:schemeClr>
+          </a:lnRef>
+          <a:fillRef idx="1">
+            <a:schemeClr val="accent1"/>
+          </a:fillRef>
+          <a:effectRef idx="0">
+            <a:schemeClr val="accent1"/>
+          </a:effectRef>
+          <a:fontRef idx="minor">
+            <a:schemeClr val="lt1"/>
+          </a:fontRef>
+        </p:style>
+        <p:txBody>
+          <a:bodyPr rtlCol="0" anchor="ctr"/>
+          <a:lstStyle/>
+          <a:p>
+            <a:pPr algn="ctr"/>
+            <a:r>
+              <a:rPr lang="en-US" sz="1200" dirty="0">
+                <a:solidFill>
+                  <a:schemeClr val="tx1"/>
+                </a:solidFill>
+                <a:latin typeface="Times New Roman" panose="02020603050405020304" pitchFamily="18" charset="0"/>
+                <a:ea typeface="Iosevka Fixed" panose="02000509030000000004" pitchFamily="49" charset="0"/>
+                <a:cs typeface="Times New Roman" panose="02020603050405020304" pitchFamily="18" charset="0"/>
+              </a:rPr>
+              <a:t>D1, D2, D4, D5, D6.1, D6.2, D6.3, D6.4, D9</a:t>
+            </a:r>
+            <a:endParaRPr lang="en-MY" sz="1200" dirty="0">
+              <a:solidFill>
+                <a:schemeClr val="tx1"/>
+              </a:solidFill>
+              <a:latin typeface="Times New Roman" panose="02020603050405020304" pitchFamily="18" charset="0"/>
+              <a:ea typeface="Iosevka Fixed" panose="02000509030000000004" pitchFamily="49" charset="0"/>
+              <a:cs typeface="Times New Roman" panose="02020603050405020304" pitchFamily="18" charset="0"/>
+            </a:endParaRPr>
+          </a:p>
+        </p:txBody>
+      </p:sp>
+      <p:sp>
+        <p:nvSpPr>
+          <p:cNvPr id="10" name="Rectangle 9">
+            <a:extLst>
+              <a:ext uri="{FF2B5EF4-FFF2-40B4-BE49-F238E27FC236}">
+                <a16:creationId xmlns:a16="http://schemas.microsoft.com/office/drawing/2014/main" id="{CC3D16E1-7B01-4A46-AB85-86BC2ECE95DC}"/>
+              </a:ext>
+            </a:extLst>
+          </p:cNvPr>
+          <p:cNvSpPr/>
+          <p:nvPr/>
+        </p:nvSpPr>
+        <p:spPr>
+          <a:xfrm>
+            <a:off x="2206408" y="2815814"/>
+            <a:ext cx="1179095" cy="613611"/>
+          </a:xfrm>
+          <a:prstGeom prst="rect">
+            <a:avLst/>
+          </a:prstGeom>
+          <a:solidFill>
+            <a:schemeClr val="accent5">
+              <a:lumMod val="20000"/>
+              <a:lumOff val="80000"/>
+            </a:schemeClr>
+          </a:solidFill>
+          <a:ln>
+            <a:solidFill>
+              <a:schemeClr val="accent5">
+                <a:lumMod val="50000"/>
+              </a:schemeClr>
+            </a:solidFill>
+          </a:ln>
+        </p:spPr>
+        <p:style>
+          <a:lnRef idx="2">
+            <a:schemeClr val="accent1">
+              <a:shade val="50000"/>
+            </a:schemeClr>
+          </a:lnRef>
+          <a:fillRef idx="1">
+            <a:schemeClr val="accent1"/>
+          </a:fillRef>
+          <a:effectRef idx="0">
+            <a:schemeClr val="accent1"/>
+          </a:effectRef>
+          <a:fontRef idx="minor">
+            <a:schemeClr val="lt1"/>
+          </a:fontRef>
+        </p:style>
+        <p:txBody>
+          <a:bodyPr rtlCol="0" anchor="ctr"/>
+          <a:lstStyle/>
+          <a:p>
+            <a:pPr algn="ctr"/>
+            <a:r>
+              <a:rPr lang="en-US" sz="1200" dirty="0">
+                <a:solidFill>
+                  <a:schemeClr val="tx1"/>
+                </a:solidFill>
+                <a:latin typeface="Times New Roman" panose="02020603050405020304" pitchFamily="18" charset="0"/>
+                <a:ea typeface="Iosevka Fixed" panose="02000509030000000004" pitchFamily="49" charset="0"/>
+                <a:cs typeface="Times New Roman" panose="02020603050405020304" pitchFamily="18" charset="0"/>
+              </a:rPr>
+              <a:t>D7.1, D7.3, D8.2</a:t>
+            </a:r>
+            <a:endParaRPr lang="en-MY" sz="1200" dirty="0">
+              <a:solidFill>
+                <a:schemeClr val="tx1"/>
+              </a:solidFill>
+              <a:latin typeface="Times New Roman" panose="02020603050405020304" pitchFamily="18" charset="0"/>
+              <a:ea typeface="Iosevka Fixed" panose="02000509030000000004" pitchFamily="49" charset="0"/>
+              <a:cs typeface="Times New Roman" panose="02020603050405020304" pitchFamily="18" charset="0"/>
+            </a:endParaRPr>
+          </a:p>
+        </p:txBody>
+      </p:sp>
+      <p:sp>
+        <p:nvSpPr>
+          <p:cNvPr id="11" name="Rectangle 10">
+            <a:extLst>
+              <a:ext uri="{FF2B5EF4-FFF2-40B4-BE49-F238E27FC236}">
+                <a16:creationId xmlns:a16="http://schemas.microsoft.com/office/drawing/2014/main" id="{6BF3897B-9920-416E-AB1B-84C3E66D59FE}"/>
+              </a:ext>
+            </a:extLst>
+          </p:cNvPr>
+          <p:cNvSpPr/>
+          <p:nvPr/>
+        </p:nvSpPr>
+        <p:spPr>
+          <a:xfrm>
+            <a:off x="4892657" y="2815813"/>
+            <a:ext cx="1179095" cy="613611"/>
+          </a:xfrm>
+          <a:prstGeom prst="rect">
+            <a:avLst/>
+          </a:prstGeom>
+          <a:solidFill>
+            <a:schemeClr val="accent5">
+              <a:lumMod val="20000"/>
+              <a:lumOff val="80000"/>
+            </a:schemeClr>
+          </a:solidFill>
+          <a:ln>
+            <a:solidFill>
+              <a:schemeClr val="accent5">
+                <a:lumMod val="50000"/>
+              </a:schemeClr>
+            </a:solidFill>
+          </a:ln>
+        </p:spPr>
+        <p:style>
+          <a:lnRef idx="2">
+            <a:schemeClr val="accent1">
+              <a:shade val="50000"/>
+            </a:schemeClr>
+          </a:lnRef>
+          <a:fillRef idx="1">
+            <a:schemeClr val="accent1"/>
+          </a:fillRef>
+          <a:effectRef idx="0">
+            <a:schemeClr val="accent1"/>
+          </a:effectRef>
+          <a:fontRef idx="minor">
+            <a:schemeClr val="lt1"/>
+          </a:fontRef>
+        </p:style>
+        <p:txBody>
+          <a:bodyPr rtlCol="0" anchor="ctr"/>
+          <a:lstStyle/>
+          <a:p>
+            <a:pPr algn="ctr"/>
+            <a:r>
+              <a:rPr lang="en-US" sz="1200" dirty="0">
+                <a:solidFill>
+                  <a:schemeClr val="tx1"/>
+                </a:solidFill>
+                <a:latin typeface="Times New Roman" panose="02020603050405020304" pitchFamily="18" charset="0"/>
+                <a:ea typeface="Iosevka Fixed" panose="02000509030000000004" pitchFamily="49" charset="0"/>
+                <a:cs typeface="Times New Roman" panose="02020603050405020304" pitchFamily="18" charset="0"/>
+              </a:rPr>
+              <a:t>D7.2, D8.1, D10.1, D10.2, D10.3, D10.4</a:t>
+            </a:r>
+            <a:endParaRPr lang="en-MY" sz="1200" dirty="0">
+              <a:solidFill>
+                <a:schemeClr val="tx1"/>
+              </a:solidFill>
+              <a:latin typeface="Times New Roman" panose="02020603050405020304" pitchFamily="18" charset="0"/>
+              <a:ea typeface="Iosevka Fixed" panose="02000509030000000004" pitchFamily="49" charset="0"/>
+              <a:cs typeface="Times New Roman" panose="02020603050405020304" pitchFamily="18" charset="0"/>
+            </a:endParaRPr>
+          </a:p>
+        </p:txBody>
+      </p:sp>
+      <p:sp>
+        <p:nvSpPr>
+          <p:cNvPr id="14" name="Rectangle 13">
+            <a:extLst>
+              <a:ext uri="{FF2B5EF4-FFF2-40B4-BE49-F238E27FC236}">
+                <a16:creationId xmlns:a16="http://schemas.microsoft.com/office/drawing/2014/main" id="{14A3C9DF-D0E6-4FE6-8D00-BA414945CBF7}"/>
+              </a:ext>
+            </a:extLst>
+          </p:cNvPr>
+          <p:cNvSpPr/>
+          <p:nvPr/>
+        </p:nvSpPr>
+        <p:spPr>
+          <a:xfrm>
+            <a:off x="5578460" y="4650093"/>
+            <a:ext cx="1179095" cy="613611"/>
+          </a:xfrm>
+          <a:prstGeom prst="rect">
+            <a:avLst/>
+          </a:prstGeom>
+          <a:solidFill>
+            <a:schemeClr val="accent4">
+              <a:lumMod val="40000"/>
+              <a:lumOff val="60000"/>
+            </a:schemeClr>
+          </a:solidFill>
+          <a:ln>
+            <a:solidFill>
+              <a:schemeClr val="accent5">
+                <a:lumMod val="50000"/>
+              </a:schemeClr>
+            </a:solidFill>
+          </a:ln>
+        </p:spPr>
+        <p:style>
+          <a:lnRef idx="2">
+            <a:schemeClr val="accent1">
+              <a:shade val="50000"/>
+            </a:schemeClr>
+          </a:lnRef>
+          <a:fillRef idx="1">
+            <a:schemeClr val="accent1"/>
+          </a:fillRef>
+          <a:effectRef idx="0">
+            <a:schemeClr val="accent1"/>
+          </a:effectRef>
+          <a:fontRef idx="minor">
+            <a:schemeClr val="lt1"/>
+          </a:fontRef>
+        </p:style>
+        <p:txBody>
+          <a:bodyPr rtlCol="0" anchor="ctr"/>
+          <a:lstStyle/>
+          <a:p>
+            <a:pPr algn="ctr"/>
+            <a:r>
+              <a:rPr lang="en-US" sz="1200" dirty="0" err="1">
+                <a:solidFill>
+                  <a:schemeClr val="tx1"/>
+                </a:solidFill>
+                <a:latin typeface="Times New Roman" panose="02020603050405020304" pitchFamily="18" charset="0"/>
+                <a:ea typeface="Iosevka Fixed" panose="02000509030000000004" pitchFamily="49" charset="0"/>
+                <a:cs typeface="Times New Roman" panose="02020603050405020304" pitchFamily="18" charset="0"/>
+              </a:rPr>
+              <a:t>Sedia</a:t>
+            </a:r>
+            <a:r>
+              <a:rPr lang="en-US" sz="1200" dirty="0">
+                <a:solidFill>
+                  <a:schemeClr val="tx1"/>
+                </a:solidFill>
+                <a:latin typeface="Times New Roman" panose="02020603050405020304" pitchFamily="18" charset="0"/>
+                <a:ea typeface="Iosevka Fixed" panose="02000509030000000004" pitchFamily="49" charset="0"/>
+                <a:cs typeface="Times New Roman" panose="02020603050405020304" pitchFamily="18" charset="0"/>
+              </a:rPr>
+              <a:t> </a:t>
+            </a:r>
+            <a:r>
+              <a:rPr lang="en-US" sz="1200" dirty="0" err="1">
+                <a:solidFill>
+                  <a:schemeClr val="tx1"/>
+                </a:solidFill>
+                <a:latin typeface="Times New Roman" panose="02020603050405020304" pitchFamily="18" charset="0"/>
+                <a:ea typeface="Iosevka Fixed" panose="02000509030000000004" pitchFamily="49" charset="0"/>
+                <a:cs typeface="Times New Roman" panose="02020603050405020304" pitchFamily="18" charset="0"/>
+              </a:rPr>
+              <a:t>Ulasan</a:t>
+            </a:r>
+            <a:r>
+              <a:rPr lang="en-US" sz="1200" dirty="0">
+                <a:solidFill>
+                  <a:schemeClr val="tx1"/>
+                </a:solidFill>
+                <a:latin typeface="Times New Roman" panose="02020603050405020304" pitchFamily="18" charset="0"/>
+                <a:ea typeface="Iosevka Fixed" panose="02000509030000000004" pitchFamily="49" charset="0"/>
+                <a:cs typeface="Times New Roman" panose="02020603050405020304" pitchFamily="18" charset="0"/>
+              </a:rPr>
+              <a:t> Teknikal</a:t>
+            </a:r>
+            <a:endParaRPr lang="en-MY" sz="1200" dirty="0">
+              <a:solidFill>
+                <a:schemeClr val="tx1"/>
+              </a:solidFill>
+              <a:latin typeface="Times New Roman" panose="02020603050405020304" pitchFamily="18" charset="0"/>
+              <a:ea typeface="Iosevka Fixed" panose="02000509030000000004" pitchFamily="49" charset="0"/>
+              <a:cs typeface="Times New Roman" panose="02020603050405020304" pitchFamily="18" charset="0"/>
+            </a:endParaRPr>
+          </a:p>
+        </p:txBody>
+      </p:sp>
+      <p:sp>
+        <p:nvSpPr>
+          <p:cNvPr id="15" name="Rectangle 14">
+            <a:extLst>
+              <a:ext uri="{FF2B5EF4-FFF2-40B4-BE49-F238E27FC236}">
+                <a16:creationId xmlns:a16="http://schemas.microsoft.com/office/drawing/2014/main" id="{B73C5312-64FE-480A-9C2A-AB5091E940FD}"/>
+              </a:ext>
+            </a:extLst>
+          </p:cNvPr>
+          <p:cNvSpPr/>
+          <p:nvPr/>
+        </p:nvSpPr>
+        <p:spPr>
+          <a:xfrm>
+            <a:off x="5594502" y="3742246"/>
+            <a:ext cx="1179095" cy="613611"/>
+          </a:xfrm>
+          <a:prstGeom prst="rect">
+            <a:avLst/>
+          </a:prstGeom>
+          <a:solidFill>
+            <a:schemeClr val="accent4">
+              <a:lumMod val="40000"/>
+              <a:lumOff val="60000"/>
+            </a:schemeClr>
+          </a:solidFill>
+          <a:ln>
+            <a:solidFill>
+              <a:schemeClr val="accent5">
+                <a:lumMod val="50000"/>
+              </a:schemeClr>
+            </a:solidFill>
+          </a:ln>
+        </p:spPr>
+        <p:style>
+          <a:lnRef idx="2">
+            <a:schemeClr val="accent1">
+              <a:shade val="50000"/>
+            </a:schemeClr>
+          </a:lnRef>
+          <a:fillRef idx="1">
+            <a:schemeClr val="accent1"/>
+          </a:fillRef>
+          <a:effectRef idx="0">
+            <a:schemeClr val="accent1"/>
+          </a:effectRef>
+          <a:fontRef idx="minor">
+            <a:schemeClr val="lt1"/>
+          </a:fontRef>
+        </p:style>
+        <p:txBody>
+          <a:bodyPr rtlCol="0" anchor="ctr"/>
+          <a:lstStyle/>
+          <a:p>
+            <a:pPr algn="ctr"/>
+            <a:r>
+              <a:rPr lang="en-US" sz="1200" dirty="0" err="1">
+                <a:solidFill>
+                  <a:schemeClr val="tx1"/>
+                </a:solidFill>
+                <a:latin typeface="Times New Roman" panose="02020603050405020304" pitchFamily="18" charset="0"/>
+                <a:ea typeface="Iosevka Fixed" panose="02000509030000000004" pitchFamily="49" charset="0"/>
+                <a:cs typeface="Times New Roman" panose="02020603050405020304" pitchFamily="18" charset="0"/>
+              </a:rPr>
+              <a:t>Mohon</a:t>
+            </a:r>
+            <a:r>
+              <a:rPr lang="en-US" sz="1200" dirty="0">
+                <a:solidFill>
+                  <a:schemeClr val="tx1"/>
+                </a:solidFill>
+                <a:latin typeface="Times New Roman" panose="02020603050405020304" pitchFamily="18" charset="0"/>
+                <a:ea typeface="Iosevka Fixed" panose="02000509030000000004" pitchFamily="49" charset="0"/>
+                <a:cs typeface="Times New Roman" panose="02020603050405020304" pitchFamily="18" charset="0"/>
+              </a:rPr>
+              <a:t> </a:t>
+            </a:r>
+            <a:r>
+              <a:rPr lang="en-US" sz="1200" dirty="0" err="1">
+                <a:solidFill>
+                  <a:schemeClr val="tx1"/>
+                </a:solidFill>
+                <a:latin typeface="Times New Roman" panose="02020603050405020304" pitchFamily="18" charset="0"/>
+                <a:ea typeface="Iosevka Fixed" panose="02000509030000000004" pitchFamily="49" charset="0"/>
+                <a:cs typeface="Times New Roman" panose="02020603050405020304" pitchFamily="18" charset="0"/>
+              </a:rPr>
+              <a:t>Ulasan</a:t>
+            </a:r>
+            <a:r>
+              <a:rPr lang="en-US" sz="1200" dirty="0">
+                <a:solidFill>
+                  <a:schemeClr val="tx1"/>
+                </a:solidFill>
+                <a:latin typeface="Times New Roman" panose="02020603050405020304" pitchFamily="18" charset="0"/>
+                <a:ea typeface="Iosevka Fixed" panose="02000509030000000004" pitchFamily="49" charset="0"/>
+                <a:cs typeface="Times New Roman" panose="02020603050405020304" pitchFamily="18" charset="0"/>
+              </a:rPr>
+              <a:t> Teknikal</a:t>
+            </a:r>
+            <a:endParaRPr lang="en-MY" sz="1200" dirty="0">
+              <a:solidFill>
+                <a:schemeClr val="tx1"/>
+              </a:solidFill>
+              <a:latin typeface="Times New Roman" panose="02020603050405020304" pitchFamily="18" charset="0"/>
+              <a:ea typeface="Iosevka Fixed" panose="02000509030000000004" pitchFamily="49" charset="0"/>
+              <a:cs typeface="Times New Roman" panose="02020603050405020304" pitchFamily="18" charset="0"/>
+            </a:endParaRPr>
+          </a:p>
+        </p:txBody>
+      </p:sp>
+      <p:sp>
+        <p:nvSpPr>
+          <p:cNvPr id="18" name="Rectangle 17">
+            <a:extLst>
+              <a:ext uri="{FF2B5EF4-FFF2-40B4-BE49-F238E27FC236}">
+                <a16:creationId xmlns:a16="http://schemas.microsoft.com/office/drawing/2014/main" id="{1CB140A0-ED95-4CBD-9205-D6536709112D}"/>
+              </a:ext>
+            </a:extLst>
+          </p:cNvPr>
+          <p:cNvSpPr/>
+          <p:nvPr/>
+        </p:nvSpPr>
+        <p:spPr>
+          <a:xfrm>
+            <a:off x="5602523" y="5535996"/>
+            <a:ext cx="1179095" cy="613611"/>
+          </a:xfrm>
+          <a:prstGeom prst="rect">
+            <a:avLst/>
+          </a:prstGeom>
+          <a:solidFill>
+            <a:schemeClr val="accent4">
+              <a:lumMod val="40000"/>
+              <a:lumOff val="60000"/>
+            </a:schemeClr>
+          </a:solidFill>
+          <a:ln>
+            <a:solidFill>
+              <a:schemeClr val="accent5">
+                <a:lumMod val="50000"/>
+              </a:schemeClr>
+            </a:solidFill>
+          </a:ln>
+        </p:spPr>
+        <p:style>
+          <a:lnRef idx="2">
+            <a:schemeClr val="accent1">
+              <a:shade val="50000"/>
+            </a:schemeClr>
+          </a:lnRef>
+          <a:fillRef idx="1">
+            <a:schemeClr val="accent1"/>
+          </a:fillRef>
+          <a:effectRef idx="0">
+            <a:schemeClr val="accent1"/>
+          </a:effectRef>
+          <a:fontRef idx="minor">
+            <a:schemeClr val="lt1"/>
+          </a:fontRef>
+        </p:style>
+        <p:txBody>
+          <a:bodyPr rtlCol="0" anchor="ctr"/>
+          <a:lstStyle/>
+          <a:p>
+            <a:pPr algn="ctr"/>
+            <a:r>
+              <a:rPr lang="en-US" sz="1200" dirty="0" err="1">
+                <a:solidFill>
+                  <a:schemeClr val="tx1"/>
+                </a:solidFill>
+                <a:latin typeface="Times New Roman" panose="02020603050405020304" pitchFamily="18" charset="0"/>
+                <a:ea typeface="Iosevka Fixed" panose="02000509030000000004" pitchFamily="49" charset="0"/>
+                <a:cs typeface="Times New Roman" panose="02020603050405020304" pitchFamily="18" charset="0"/>
+              </a:rPr>
+              <a:t>Hantar</a:t>
+            </a:r>
+            <a:r>
+              <a:rPr lang="en-US" sz="1200" dirty="0">
+                <a:solidFill>
+                  <a:schemeClr val="tx1"/>
+                </a:solidFill>
+                <a:latin typeface="Times New Roman" panose="02020603050405020304" pitchFamily="18" charset="0"/>
+                <a:ea typeface="Iosevka Fixed" panose="02000509030000000004" pitchFamily="49" charset="0"/>
+                <a:cs typeface="Times New Roman" panose="02020603050405020304" pitchFamily="18" charset="0"/>
+              </a:rPr>
+              <a:t> </a:t>
+            </a:r>
+            <a:r>
+              <a:rPr lang="en-US" sz="1200" dirty="0" err="1">
+                <a:solidFill>
+                  <a:schemeClr val="tx1"/>
+                </a:solidFill>
+                <a:latin typeface="Times New Roman" panose="02020603050405020304" pitchFamily="18" charset="0"/>
+                <a:ea typeface="Iosevka Fixed" panose="02000509030000000004" pitchFamily="49" charset="0"/>
+                <a:cs typeface="Times New Roman" panose="02020603050405020304" pitchFamily="18" charset="0"/>
+              </a:rPr>
+              <a:t>Ulasan</a:t>
+            </a:r>
+            <a:r>
+              <a:rPr lang="en-US" sz="1200" dirty="0">
+                <a:solidFill>
+                  <a:schemeClr val="tx1"/>
+                </a:solidFill>
+                <a:latin typeface="Times New Roman" panose="02020603050405020304" pitchFamily="18" charset="0"/>
+                <a:ea typeface="Iosevka Fixed" panose="02000509030000000004" pitchFamily="49" charset="0"/>
+                <a:cs typeface="Times New Roman" panose="02020603050405020304" pitchFamily="18" charset="0"/>
+              </a:rPr>
+              <a:t> Teknikal</a:t>
+            </a:r>
+            <a:endParaRPr lang="en-MY" sz="1200" dirty="0">
+              <a:solidFill>
+                <a:schemeClr val="tx1"/>
+              </a:solidFill>
+              <a:latin typeface="Times New Roman" panose="02020603050405020304" pitchFamily="18" charset="0"/>
+              <a:ea typeface="Iosevka Fixed" panose="02000509030000000004" pitchFamily="49" charset="0"/>
+              <a:cs typeface="Times New Roman" panose="02020603050405020304" pitchFamily="18" charset="0"/>
+            </a:endParaRPr>
+          </a:p>
+        </p:txBody>
+      </p:sp>
+      <p:sp>
+        <p:nvSpPr>
+          <p:cNvPr id="19" name="Rectangle 18">
+            <a:extLst>
+              <a:ext uri="{FF2B5EF4-FFF2-40B4-BE49-F238E27FC236}">
+                <a16:creationId xmlns:a16="http://schemas.microsoft.com/office/drawing/2014/main" id="{56192A25-0ECB-4794-AC11-DFA1AC46F28E}"/>
+              </a:ext>
+            </a:extLst>
+          </p:cNvPr>
+          <p:cNvSpPr/>
+          <p:nvPr/>
+        </p:nvSpPr>
+        <p:spPr>
+          <a:xfrm>
+            <a:off x="8208540" y="5781381"/>
+            <a:ext cx="1179095" cy="613611"/>
+          </a:xfrm>
+          <a:prstGeom prst="rect">
+            <a:avLst/>
+          </a:prstGeom>
+          <a:solidFill>
+            <a:schemeClr val="accent5">
+              <a:lumMod val="60000"/>
+              <a:lumOff val="40000"/>
+            </a:schemeClr>
+          </a:solidFill>
+          <a:ln>
+            <a:solidFill>
+              <a:schemeClr val="accent5">
+                <a:lumMod val="50000"/>
+              </a:schemeClr>
+            </a:solidFill>
+          </a:ln>
+        </p:spPr>
+        <p:style>
+          <a:lnRef idx="2">
+            <a:schemeClr val="accent1">
+              <a:shade val="50000"/>
+            </a:schemeClr>
+          </a:lnRef>
+          <a:fillRef idx="1">
+            <a:schemeClr val="accent1"/>
+          </a:fillRef>
+          <a:effectRef idx="0">
+            <a:schemeClr val="accent1"/>
+          </a:effectRef>
+          <a:fontRef idx="minor">
+            <a:schemeClr val="lt1"/>
+          </a:fontRef>
+        </p:style>
+        <p:txBody>
+          <a:bodyPr rtlCol="0" anchor="ctr"/>
+          <a:lstStyle/>
+          <a:p>
+            <a:pPr algn="ctr"/>
+            <a:r>
+              <a:rPr lang="en-US" sz="1200" dirty="0" err="1">
+                <a:solidFill>
+                  <a:schemeClr val="tx1"/>
+                </a:solidFill>
+                <a:latin typeface="Times New Roman" panose="02020603050405020304" pitchFamily="18" charset="0"/>
+                <a:ea typeface="Iosevka Fixed" panose="02000509030000000004" pitchFamily="49" charset="0"/>
+                <a:cs typeface="Times New Roman" panose="02020603050405020304" pitchFamily="18" charset="0"/>
+              </a:rPr>
+              <a:t>Sedia</a:t>
+            </a:r>
+            <a:r>
+              <a:rPr lang="en-US" sz="1200" dirty="0">
+                <a:solidFill>
+                  <a:schemeClr val="tx1"/>
+                </a:solidFill>
+                <a:latin typeface="Times New Roman" panose="02020603050405020304" pitchFamily="18" charset="0"/>
+                <a:ea typeface="Iosevka Fixed" panose="02000509030000000004" pitchFamily="49" charset="0"/>
+                <a:cs typeface="Times New Roman" panose="02020603050405020304" pitchFamily="18" charset="0"/>
+              </a:rPr>
+              <a:t> Memo </a:t>
+            </a:r>
+            <a:r>
+              <a:rPr lang="en-US" sz="1200" dirty="0" err="1">
+                <a:solidFill>
+                  <a:schemeClr val="tx1"/>
+                </a:solidFill>
+                <a:latin typeface="Times New Roman" panose="02020603050405020304" pitchFamily="18" charset="0"/>
+                <a:ea typeface="Iosevka Fixed" panose="02000509030000000004" pitchFamily="49" charset="0"/>
+                <a:cs typeface="Times New Roman" panose="02020603050405020304" pitchFamily="18" charset="0"/>
+              </a:rPr>
+              <a:t>Kelulusan</a:t>
+            </a:r>
+            <a:endParaRPr lang="en-MY" sz="1200" dirty="0">
+              <a:solidFill>
+                <a:schemeClr val="tx1"/>
+              </a:solidFill>
+              <a:latin typeface="Times New Roman" panose="02020603050405020304" pitchFamily="18" charset="0"/>
+              <a:ea typeface="Iosevka Fixed" panose="02000509030000000004" pitchFamily="49" charset="0"/>
+              <a:cs typeface="Times New Roman" panose="02020603050405020304" pitchFamily="18" charset="0"/>
+            </a:endParaRPr>
+          </a:p>
+        </p:txBody>
+      </p:sp>
+      <p:sp>
+        <p:nvSpPr>
+          <p:cNvPr id="20" name="Rectangle 19">
+            <a:extLst>
+              <a:ext uri="{FF2B5EF4-FFF2-40B4-BE49-F238E27FC236}">
+                <a16:creationId xmlns:a16="http://schemas.microsoft.com/office/drawing/2014/main" id="{489D6D0B-3453-4E29-9A15-B669370A691B}"/>
+              </a:ext>
+            </a:extLst>
+          </p:cNvPr>
+          <p:cNvSpPr/>
+          <p:nvPr/>
+        </p:nvSpPr>
+        <p:spPr>
+          <a:xfrm>
+            <a:off x="4226915" y="3742246"/>
+            <a:ext cx="1179095" cy="613611"/>
+          </a:xfrm>
+          <a:prstGeom prst="rect">
+            <a:avLst/>
+          </a:prstGeom>
+          <a:solidFill>
+            <a:schemeClr val="accent6">
+              <a:lumMod val="40000"/>
+              <a:lumOff val="60000"/>
+            </a:schemeClr>
+          </a:solidFill>
+          <a:ln>
+            <a:solidFill>
+              <a:schemeClr val="accent5">
+                <a:lumMod val="50000"/>
+              </a:schemeClr>
+            </a:solidFill>
+          </a:ln>
+        </p:spPr>
+        <p:style>
+          <a:lnRef idx="2">
+            <a:schemeClr val="accent1">
+              <a:shade val="50000"/>
+            </a:schemeClr>
+          </a:lnRef>
+          <a:fillRef idx="1">
+            <a:schemeClr val="accent1"/>
+          </a:fillRef>
+          <a:effectRef idx="0">
+            <a:schemeClr val="accent1"/>
+          </a:effectRef>
+          <a:fontRef idx="minor">
+            <a:schemeClr val="lt1"/>
+          </a:fontRef>
+        </p:style>
+        <p:txBody>
+          <a:bodyPr rtlCol="0" anchor="ctr"/>
+          <a:lstStyle/>
+          <a:p>
+            <a:pPr algn="ctr"/>
+            <a:r>
+              <a:rPr lang="en-US" sz="1200" dirty="0" err="1">
+                <a:solidFill>
+                  <a:schemeClr val="tx1"/>
+                </a:solidFill>
+                <a:latin typeface="Times New Roman" panose="02020603050405020304" pitchFamily="18" charset="0"/>
+                <a:ea typeface="Iosevka Fixed" panose="02000509030000000004" pitchFamily="49" charset="0"/>
+                <a:cs typeface="Times New Roman" panose="02020603050405020304" pitchFamily="18" charset="0"/>
+              </a:rPr>
+              <a:t>Mohon</a:t>
+            </a:r>
+            <a:r>
+              <a:rPr lang="en-US" sz="1200" dirty="0">
+                <a:solidFill>
+                  <a:schemeClr val="tx1"/>
+                </a:solidFill>
+                <a:latin typeface="Times New Roman" panose="02020603050405020304" pitchFamily="18" charset="0"/>
+                <a:ea typeface="Iosevka Fixed" panose="02000509030000000004" pitchFamily="49" charset="0"/>
+                <a:cs typeface="Times New Roman" panose="02020603050405020304" pitchFamily="18" charset="0"/>
+              </a:rPr>
+              <a:t> </a:t>
+            </a:r>
+            <a:r>
+              <a:rPr lang="en-US" sz="1200" dirty="0" err="1">
+                <a:solidFill>
+                  <a:schemeClr val="tx1"/>
+                </a:solidFill>
+                <a:latin typeface="Times New Roman" panose="02020603050405020304" pitchFamily="18" charset="0"/>
+                <a:ea typeface="Iosevka Fixed" panose="02000509030000000004" pitchFamily="49" charset="0"/>
+                <a:cs typeface="Times New Roman" panose="02020603050405020304" pitchFamily="18" charset="0"/>
+              </a:rPr>
+              <a:t>Ulasan</a:t>
+            </a:r>
+            <a:r>
+              <a:rPr lang="en-US" sz="1200" dirty="0">
+                <a:solidFill>
+                  <a:schemeClr val="tx1"/>
+                </a:solidFill>
+                <a:latin typeface="Times New Roman" panose="02020603050405020304" pitchFamily="18" charset="0"/>
+                <a:ea typeface="Iosevka Fixed" panose="02000509030000000004" pitchFamily="49" charset="0"/>
+                <a:cs typeface="Times New Roman" panose="02020603050405020304" pitchFamily="18" charset="0"/>
+              </a:rPr>
+              <a:t> </a:t>
+            </a:r>
+            <a:r>
+              <a:rPr lang="en-US" sz="1200" dirty="0" err="1">
+                <a:solidFill>
+                  <a:schemeClr val="tx1"/>
+                </a:solidFill>
+                <a:latin typeface="Times New Roman" panose="02020603050405020304" pitchFamily="18" charset="0"/>
+                <a:ea typeface="Iosevka Fixed" panose="02000509030000000004" pitchFamily="49" charset="0"/>
+                <a:cs typeface="Times New Roman" panose="02020603050405020304" pitchFamily="18" charset="0"/>
+              </a:rPr>
+              <a:t>Bajet</a:t>
+            </a:r>
+            <a:endParaRPr lang="en-MY" sz="1200" dirty="0">
+              <a:solidFill>
+                <a:schemeClr val="tx1"/>
+              </a:solidFill>
+              <a:latin typeface="Times New Roman" panose="02020603050405020304" pitchFamily="18" charset="0"/>
+              <a:ea typeface="Iosevka Fixed" panose="02000509030000000004" pitchFamily="49" charset="0"/>
+              <a:cs typeface="Times New Roman" panose="02020603050405020304" pitchFamily="18" charset="0"/>
+            </a:endParaRPr>
+          </a:p>
+        </p:txBody>
+      </p:sp>
+      <p:sp>
+        <p:nvSpPr>
+          <p:cNvPr id="21" name="Rectangle 20">
+            <a:extLst>
+              <a:ext uri="{FF2B5EF4-FFF2-40B4-BE49-F238E27FC236}">
+                <a16:creationId xmlns:a16="http://schemas.microsoft.com/office/drawing/2014/main" id="{60C36CDC-9345-4A41-98C0-E338335349E5}"/>
+              </a:ext>
+            </a:extLst>
+          </p:cNvPr>
+          <p:cNvSpPr/>
+          <p:nvPr/>
+        </p:nvSpPr>
+        <p:spPr>
+          <a:xfrm>
+            <a:off x="4226914" y="4656855"/>
+            <a:ext cx="1179095" cy="613611"/>
+          </a:xfrm>
+          <a:prstGeom prst="rect">
+            <a:avLst/>
+          </a:prstGeom>
+          <a:solidFill>
+            <a:schemeClr val="accent6">
+              <a:lumMod val="40000"/>
+              <a:lumOff val="60000"/>
+            </a:schemeClr>
+          </a:solidFill>
+          <a:ln>
+            <a:solidFill>
+              <a:schemeClr val="accent5">
+                <a:lumMod val="50000"/>
+              </a:schemeClr>
+            </a:solidFill>
+          </a:ln>
+        </p:spPr>
+        <p:style>
+          <a:lnRef idx="2">
+            <a:schemeClr val="accent1">
+              <a:shade val="50000"/>
+            </a:schemeClr>
+          </a:lnRef>
+          <a:fillRef idx="1">
+            <a:schemeClr val="accent1"/>
+          </a:fillRef>
+          <a:effectRef idx="0">
+            <a:schemeClr val="accent1"/>
+          </a:effectRef>
+          <a:fontRef idx="minor">
+            <a:schemeClr val="lt1"/>
+          </a:fontRef>
+        </p:style>
+        <p:txBody>
+          <a:bodyPr rtlCol="0" anchor="ctr"/>
+          <a:lstStyle/>
+          <a:p>
+            <a:pPr algn="ctr"/>
+            <a:r>
+              <a:rPr lang="en-US" sz="1200" dirty="0" err="1">
+                <a:solidFill>
+                  <a:schemeClr val="tx1"/>
+                </a:solidFill>
+                <a:latin typeface="Times New Roman" panose="02020603050405020304" pitchFamily="18" charset="0"/>
+                <a:ea typeface="Iosevka Fixed" panose="02000509030000000004" pitchFamily="49" charset="0"/>
+                <a:cs typeface="Times New Roman" panose="02020603050405020304" pitchFamily="18" charset="0"/>
+              </a:rPr>
+              <a:t>Sedia</a:t>
+            </a:r>
+            <a:r>
+              <a:rPr lang="en-US" sz="1200" dirty="0">
+                <a:solidFill>
+                  <a:schemeClr val="tx1"/>
+                </a:solidFill>
+                <a:latin typeface="Times New Roman" panose="02020603050405020304" pitchFamily="18" charset="0"/>
+                <a:ea typeface="Iosevka Fixed" panose="02000509030000000004" pitchFamily="49" charset="0"/>
+                <a:cs typeface="Times New Roman" panose="02020603050405020304" pitchFamily="18" charset="0"/>
+              </a:rPr>
+              <a:t> </a:t>
+            </a:r>
+            <a:r>
+              <a:rPr lang="en-US" sz="1200" dirty="0" err="1">
+                <a:solidFill>
+                  <a:schemeClr val="tx1"/>
+                </a:solidFill>
+                <a:latin typeface="Times New Roman" panose="02020603050405020304" pitchFamily="18" charset="0"/>
+                <a:ea typeface="Iosevka Fixed" panose="02000509030000000004" pitchFamily="49" charset="0"/>
+                <a:cs typeface="Times New Roman" panose="02020603050405020304" pitchFamily="18" charset="0"/>
+              </a:rPr>
+              <a:t>Ulasan</a:t>
+            </a:r>
+            <a:r>
+              <a:rPr lang="en-US" sz="1200" dirty="0">
+                <a:solidFill>
+                  <a:schemeClr val="tx1"/>
+                </a:solidFill>
+                <a:latin typeface="Times New Roman" panose="02020603050405020304" pitchFamily="18" charset="0"/>
+                <a:ea typeface="Iosevka Fixed" panose="02000509030000000004" pitchFamily="49" charset="0"/>
+                <a:cs typeface="Times New Roman" panose="02020603050405020304" pitchFamily="18" charset="0"/>
+              </a:rPr>
+              <a:t> </a:t>
+            </a:r>
+            <a:r>
+              <a:rPr lang="en-US" sz="1200" dirty="0" err="1">
+                <a:solidFill>
+                  <a:schemeClr val="tx1"/>
+                </a:solidFill>
+                <a:latin typeface="Times New Roman" panose="02020603050405020304" pitchFamily="18" charset="0"/>
+                <a:ea typeface="Iosevka Fixed" panose="02000509030000000004" pitchFamily="49" charset="0"/>
+                <a:cs typeface="Times New Roman" panose="02020603050405020304" pitchFamily="18" charset="0"/>
+              </a:rPr>
+              <a:t>Bajet</a:t>
+            </a:r>
+            <a:endParaRPr lang="en-MY" sz="1200" dirty="0">
+              <a:solidFill>
+                <a:schemeClr val="tx1"/>
+              </a:solidFill>
+              <a:latin typeface="Times New Roman" panose="02020603050405020304" pitchFamily="18" charset="0"/>
+              <a:ea typeface="Iosevka Fixed" panose="02000509030000000004" pitchFamily="49" charset="0"/>
+              <a:cs typeface="Times New Roman" panose="02020603050405020304" pitchFamily="18" charset="0"/>
+            </a:endParaRPr>
+          </a:p>
+        </p:txBody>
+      </p:sp>
+      <p:sp>
+        <p:nvSpPr>
+          <p:cNvPr id="22" name="Rectangle 21">
+            <a:extLst>
+              <a:ext uri="{FF2B5EF4-FFF2-40B4-BE49-F238E27FC236}">
+                <a16:creationId xmlns:a16="http://schemas.microsoft.com/office/drawing/2014/main" id="{38940793-9460-43F1-A197-BCC765575E20}"/>
+              </a:ext>
+            </a:extLst>
+          </p:cNvPr>
+          <p:cNvSpPr/>
+          <p:nvPr/>
+        </p:nvSpPr>
+        <p:spPr>
+          <a:xfrm>
+            <a:off x="4226913" y="5559642"/>
+            <a:ext cx="1179095" cy="613611"/>
+          </a:xfrm>
+          <a:prstGeom prst="rect">
+            <a:avLst/>
+          </a:prstGeom>
+          <a:solidFill>
+            <a:schemeClr val="accent6">
+              <a:lumMod val="40000"/>
+              <a:lumOff val="60000"/>
+            </a:schemeClr>
+          </a:solidFill>
+          <a:ln>
+            <a:solidFill>
+              <a:schemeClr val="accent5">
+                <a:lumMod val="50000"/>
+              </a:schemeClr>
+            </a:solidFill>
+          </a:ln>
+        </p:spPr>
+        <p:style>
+          <a:lnRef idx="2">
+            <a:schemeClr val="accent1">
+              <a:shade val="50000"/>
+            </a:schemeClr>
+          </a:lnRef>
+          <a:fillRef idx="1">
+            <a:schemeClr val="accent1"/>
+          </a:fillRef>
+          <a:effectRef idx="0">
+            <a:schemeClr val="accent1"/>
+          </a:effectRef>
+          <a:fontRef idx="minor">
+            <a:schemeClr val="lt1"/>
+          </a:fontRef>
+        </p:style>
+        <p:txBody>
+          <a:bodyPr rtlCol="0" anchor="ctr"/>
+          <a:lstStyle/>
+          <a:p>
+            <a:pPr algn="ctr"/>
+            <a:r>
+              <a:rPr lang="en-US" sz="1200" dirty="0" err="1">
+                <a:solidFill>
+                  <a:schemeClr val="tx1"/>
+                </a:solidFill>
+                <a:latin typeface="Times New Roman" panose="02020603050405020304" pitchFamily="18" charset="0"/>
+                <a:ea typeface="Iosevka Fixed" panose="02000509030000000004" pitchFamily="49" charset="0"/>
+                <a:cs typeface="Times New Roman" panose="02020603050405020304" pitchFamily="18" charset="0"/>
+              </a:rPr>
+              <a:t>Hantar</a:t>
+            </a:r>
+            <a:r>
+              <a:rPr lang="en-US" sz="1200" dirty="0">
+                <a:solidFill>
+                  <a:schemeClr val="tx1"/>
+                </a:solidFill>
+                <a:latin typeface="Times New Roman" panose="02020603050405020304" pitchFamily="18" charset="0"/>
+                <a:ea typeface="Iosevka Fixed" panose="02000509030000000004" pitchFamily="49" charset="0"/>
+                <a:cs typeface="Times New Roman" panose="02020603050405020304" pitchFamily="18" charset="0"/>
+              </a:rPr>
+              <a:t> </a:t>
+            </a:r>
+            <a:r>
+              <a:rPr lang="en-US" sz="1200" dirty="0" err="1">
+                <a:solidFill>
+                  <a:schemeClr val="tx1"/>
+                </a:solidFill>
+                <a:latin typeface="Times New Roman" panose="02020603050405020304" pitchFamily="18" charset="0"/>
+                <a:ea typeface="Iosevka Fixed" panose="02000509030000000004" pitchFamily="49" charset="0"/>
+                <a:cs typeface="Times New Roman" panose="02020603050405020304" pitchFamily="18" charset="0"/>
+              </a:rPr>
+              <a:t>Ulasan</a:t>
+            </a:r>
+            <a:r>
+              <a:rPr lang="en-US" sz="1200" dirty="0">
+                <a:solidFill>
+                  <a:schemeClr val="tx1"/>
+                </a:solidFill>
+                <a:latin typeface="Times New Roman" panose="02020603050405020304" pitchFamily="18" charset="0"/>
+                <a:ea typeface="Iosevka Fixed" panose="02000509030000000004" pitchFamily="49" charset="0"/>
+                <a:cs typeface="Times New Roman" panose="02020603050405020304" pitchFamily="18" charset="0"/>
+              </a:rPr>
+              <a:t> </a:t>
+            </a:r>
+            <a:r>
+              <a:rPr lang="en-US" sz="1200" dirty="0" err="1">
+                <a:solidFill>
+                  <a:schemeClr val="tx1"/>
+                </a:solidFill>
+                <a:latin typeface="Times New Roman" panose="02020603050405020304" pitchFamily="18" charset="0"/>
+                <a:ea typeface="Iosevka Fixed" panose="02000509030000000004" pitchFamily="49" charset="0"/>
+                <a:cs typeface="Times New Roman" panose="02020603050405020304" pitchFamily="18" charset="0"/>
+              </a:rPr>
+              <a:t>Bajet</a:t>
+            </a:r>
+            <a:endParaRPr lang="en-MY" sz="1200" dirty="0">
+              <a:solidFill>
+                <a:schemeClr val="tx1"/>
+              </a:solidFill>
+              <a:latin typeface="Times New Roman" panose="02020603050405020304" pitchFamily="18" charset="0"/>
+              <a:ea typeface="Iosevka Fixed" panose="02000509030000000004" pitchFamily="49" charset="0"/>
+              <a:cs typeface="Times New Roman" panose="02020603050405020304" pitchFamily="18" charset="0"/>
+            </a:endParaRPr>
+          </a:p>
+        </p:txBody>
+      </p:sp>
+      <p:sp>
+        <p:nvSpPr>
+          <p:cNvPr id="16" name="Rectangle 15">
+            <a:extLst>
+              <a:ext uri="{FF2B5EF4-FFF2-40B4-BE49-F238E27FC236}">
+                <a16:creationId xmlns:a16="http://schemas.microsoft.com/office/drawing/2014/main" id="{AFE99AB7-1113-4F0D-A67B-A3659094B475}"/>
+              </a:ext>
+            </a:extLst>
+          </p:cNvPr>
+          <p:cNvSpPr/>
+          <p:nvPr/>
+        </p:nvSpPr>
+        <p:spPr>
+          <a:xfrm>
+            <a:off x="2206408" y="5559642"/>
+            <a:ext cx="1179095" cy="613611"/>
+          </a:xfrm>
+          <a:prstGeom prst="rect">
+            <a:avLst/>
+          </a:prstGeom>
+          <a:solidFill>
+            <a:schemeClr val="accent6">
+              <a:lumMod val="40000"/>
+              <a:lumOff val="60000"/>
+            </a:schemeClr>
+          </a:solidFill>
+          <a:ln>
+            <a:solidFill>
+              <a:schemeClr val="accent5">
+                <a:lumMod val="50000"/>
+              </a:schemeClr>
+            </a:solidFill>
+          </a:ln>
+        </p:spPr>
+        <p:style>
+          <a:lnRef idx="2">
+            <a:schemeClr val="accent1">
+              <a:shade val="50000"/>
+            </a:schemeClr>
+          </a:lnRef>
+          <a:fillRef idx="1">
+            <a:schemeClr val="accent1"/>
+          </a:fillRef>
+          <a:effectRef idx="0">
+            <a:schemeClr val="accent1"/>
+          </a:effectRef>
+          <a:fontRef idx="minor">
+            <a:schemeClr val="lt1"/>
+          </a:fontRef>
+        </p:style>
+        <p:txBody>
+          <a:bodyPr rtlCol="0" anchor="ctr"/>
+          <a:lstStyle/>
+          <a:p>
+            <a:pPr algn="ctr"/>
+            <a:r>
+              <a:rPr lang="en-US" sz="1200" dirty="0" err="1">
+                <a:solidFill>
+                  <a:schemeClr val="tx1"/>
+                </a:solidFill>
+                <a:latin typeface="Times New Roman" panose="02020603050405020304" pitchFamily="18" charset="0"/>
+                <a:ea typeface="Iosevka Fixed" panose="02000509030000000004" pitchFamily="49" charset="0"/>
+                <a:cs typeface="Times New Roman" panose="02020603050405020304" pitchFamily="18" charset="0"/>
+              </a:rPr>
+              <a:t>Hantar</a:t>
+            </a:r>
+            <a:r>
+              <a:rPr lang="en-US" sz="1200" dirty="0">
+                <a:solidFill>
+                  <a:schemeClr val="tx1"/>
+                </a:solidFill>
+                <a:latin typeface="Times New Roman" panose="02020603050405020304" pitchFamily="18" charset="0"/>
+                <a:ea typeface="Iosevka Fixed" panose="02000509030000000004" pitchFamily="49" charset="0"/>
+                <a:cs typeface="Times New Roman" panose="02020603050405020304" pitchFamily="18" charset="0"/>
+              </a:rPr>
+              <a:t> </a:t>
+            </a:r>
+            <a:r>
+              <a:rPr lang="en-US" sz="1200" dirty="0" err="1">
+                <a:solidFill>
+                  <a:schemeClr val="tx1"/>
+                </a:solidFill>
+                <a:latin typeface="Times New Roman" panose="02020603050405020304" pitchFamily="18" charset="0"/>
+                <a:ea typeface="Iosevka Fixed" panose="02000509030000000004" pitchFamily="49" charset="0"/>
+                <a:cs typeface="Times New Roman" panose="02020603050405020304" pitchFamily="18" charset="0"/>
+              </a:rPr>
+              <a:t>Ulasan</a:t>
+            </a:r>
+            <a:r>
+              <a:rPr lang="en-US" sz="1200" dirty="0">
+                <a:solidFill>
+                  <a:schemeClr val="tx1"/>
+                </a:solidFill>
+                <a:latin typeface="Times New Roman" panose="02020603050405020304" pitchFamily="18" charset="0"/>
+                <a:ea typeface="Iosevka Fixed" panose="02000509030000000004" pitchFamily="49" charset="0"/>
+                <a:cs typeface="Times New Roman" panose="02020603050405020304" pitchFamily="18" charset="0"/>
+              </a:rPr>
+              <a:t> </a:t>
+            </a:r>
+            <a:r>
+              <a:rPr lang="en-US" sz="1200" dirty="0" err="1">
+                <a:solidFill>
+                  <a:schemeClr val="tx1"/>
+                </a:solidFill>
+                <a:latin typeface="Times New Roman" panose="02020603050405020304" pitchFamily="18" charset="0"/>
+                <a:ea typeface="Iosevka Fixed" panose="02000509030000000004" pitchFamily="49" charset="0"/>
+                <a:cs typeface="Times New Roman" panose="02020603050405020304" pitchFamily="18" charset="0"/>
+              </a:rPr>
+              <a:t>Bajet</a:t>
+            </a:r>
+            <a:endParaRPr lang="en-MY" sz="1200" dirty="0">
+              <a:solidFill>
+                <a:schemeClr val="tx1"/>
+              </a:solidFill>
+              <a:latin typeface="Times New Roman" panose="02020603050405020304" pitchFamily="18" charset="0"/>
+              <a:ea typeface="Iosevka Fixed" panose="02000509030000000004" pitchFamily="49" charset="0"/>
+              <a:cs typeface="Times New Roman" panose="02020603050405020304" pitchFamily="18" charset="0"/>
+            </a:endParaRPr>
+          </a:p>
+        </p:txBody>
+      </p:sp>
+      <p:sp>
+        <p:nvSpPr>
+          <p:cNvPr id="23" name="Rectangle 22">
+            <a:extLst>
+              <a:ext uri="{FF2B5EF4-FFF2-40B4-BE49-F238E27FC236}">
+                <a16:creationId xmlns:a16="http://schemas.microsoft.com/office/drawing/2014/main" id="{82AF0451-B369-4AC5-B8A2-EF631E761C0D}"/>
+              </a:ext>
+            </a:extLst>
+          </p:cNvPr>
+          <p:cNvSpPr/>
+          <p:nvPr/>
+        </p:nvSpPr>
+        <p:spPr>
+          <a:xfrm>
+            <a:off x="8208539" y="4918480"/>
+            <a:ext cx="1179095" cy="613611"/>
+          </a:xfrm>
+          <a:prstGeom prst="rect">
+            <a:avLst/>
+          </a:prstGeom>
+          <a:solidFill>
+            <a:schemeClr val="accent5">
+              <a:lumMod val="60000"/>
+              <a:lumOff val="40000"/>
+            </a:schemeClr>
+          </a:solidFill>
+          <a:ln>
+            <a:solidFill>
+              <a:schemeClr val="accent5">
+                <a:lumMod val="50000"/>
+              </a:schemeClr>
+            </a:solidFill>
+          </a:ln>
+        </p:spPr>
+        <p:style>
+          <a:lnRef idx="2">
+            <a:schemeClr val="accent1">
+              <a:shade val="50000"/>
+            </a:schemeClr>
+          </a:lnRef>
+          <a:fillRef idx="1">
+            <a:schemeClr val="accent1"/>
+          </a:fillRef>
+          <a:effectRef idx="0">
+            <a:schemeClr val="accent1"/>
+          </a:effectRef>
+          <a:fontRef idx="minor">
+            <a:schemeClr val="lt1"/>
+          </a:fontRef>
+        </p:style>
+        <p:txBody>
+          <a:bodyPr rtlCol="0" anchor="ctr"/>
+          <a:lstStyle/>
+          <a:p>
+            <a:pPr algn="ctr"/>
+            <a:r>
+              <a:rPr lang="en-US" sz="1200" dirty="0" err="1">
+                <a:solidFill>
+                  <a:schemeClr val="tx1"/>
+                </a:solidFill>
+                <a:latin typeface="Times New Roman" panose="02020603050405020304" pitchFamily="18" charset="0"/>
+                <a:ea typeface="Iosevka Fixed" panose="02000509030000000004" pitchFamily="49" charset="0"/>
+                <a:cs typeface="Times New Roman" panose="02020603050405020304" pitchFamily="18" charset="0"/>
+              </a:rPr>
+              <a:t>Hantar</a:t>
+            </a:r>
+            <a:r>
+              <a:rPr lang="en-US" sz="1200" dirty="0">
+                <a:solidFill>
+                  <a:schemeClr val="tx1"/>
+                </a:solidFill>
+                <a:latin typeface="Times New Roman" panose="02020603050405020304" pitchFamily="18" charset="0"/>
+                <a:ea typeface="Iosevka Fixed" panose="02000509030000000004" pitchFamily="49" charset="0"/>
+                <a:cs typeface="Times New Roman" panose="02020603050405020304" pitchFamily="18" charset="0"/>
+              </a:rPr>
+              <a:t> Memo </a:t>
+            </a:r>
+            <a:r>
+              <a:rPr lang="en-US" sz="1200" dirty="0" err="1">
+                <a:solidFill>
+                  <a:schemeClr val="tx1"/>
+                </a:solidFill>
+                <a:latin typeface="Times New Roman" panose="02020603050405020304" pitchFamily="18" charset="0"/>
+                <a:ea typeface="Iosevka Fixed" panose="02000509030000000004" pitchFamily="49" charset="0"/>
+                <a:cs typeface="Times New Roman" panose="02020603050405020304" pitchFamily="18" charset="0"/>
+              </a:rPr>
+              <a:t>Kelulusan</a:t>
+            </a:r>
+            <a:endParaRPr lang="en-MY" sz="1200" dirty="0">
+              <a:solidFill>
+                <a:schemeClr val="tx1"/>
+              </a:solidFill>
+              <a:latin typeface="Times New Roman" panose="02020603050405020304" pitchFamily="18" charset="0"/>
+              <a:ea typeface="Iosevka Fixed" panose="02000509030000000004" pitchFamily="49" charset="0"/>
+              <a:cs typeface="Times New Roman" panose="02020603050405020304" pitchFamily="18" charset="0"/>
+            </a:endParaRPr>
+          </a:p>
+        </p:txBody>
+      </p:sp>
+      <p:sp>
+        <p:nvSpPr>
+          <p:cNvPr id="24" name="Rectangle 23">
+            <a:extLst>
+              <a:ext uri="{FF2B5EF4-FFF2-40B4-BE49-F238E27FC236}">
+                <a16:creationId xmlns:a16="http://schemas.microsoft.com/office/drawing/2014/main" id="{A7ADFB6F-7E4B-4624-8475-34D0D8A46362}"/>
+              </a:ext>
+            </a:extLst>
+          </p:cNvPr>
+          <p:cNvSpPr/>
+          <p:nvPr/>
+        </p:nvSpPr>
+        <p:spPr>
+          <a:xfrm>
+            <a:off x="10499045" y="3994902"/>
+            <a:ext cx="1179095" cy="613611"/>
+          </a:xfrm>
+          <a:prstGeom prst="rect">
+            <a:avLst/>
+          </a:prstGeom>
+          <a:solidFill>
+            <a:schemeClr val="accent5">
+              <a:lumMod val="20000"/>
+              <a:lumOff val="80000"/>
+            </a:schemeClr>
+          </a:solidFill>
+          <a:ln>
+            <a:solidFill>
+              <a:schemeClr val="accent5">
+                <a:lumMod val="50000"/>
+              </a:schemeClr>
+            </a:solidFill>
+          </a:ln>
+        </p:spPr>
+        <p:style>
+          <a:lnRef idx="2">
+            <a:schemeClr val="accent1">
+              <a:shade val="50000"/>
+            </a:schemeClr>
+          </a:lnRef>
+          <a:fillRef idx="1">
+            <a:schemeClr val="accent1"/>
+          </a:fillRef>
+          <a:effectRef idx="0">
+            <a:schemeClr val="accent1"/>
+          </a:effectRef>
+          <a:fontRef idx="minor">
+            <a:schemeClr val="lt1"/>
+          </a:fontRef>
+        </p:style>
+        <p:txBody>
+          <a:bodyPr rtlCol="0" anchor="ctr"/>
+          <a:lstStyle/>
+          <a:p>
+            <a:pPr algn="ctr"/>
+            <a:r>
+              <a:rPr lang="en-US" sz="1200" dirty="0" err="1">
+                <a:solidFill>
+                  <a:schemeClr val="tx1"/>
+                </a:solidFill>
+                <a:latin typeface="Times New Roman" panose="02020603050405020304" pitchFamily="18" charset="0"/>
+                <a:ea typeface="Iosevka Fixed" panose="02000509030000000004" pitchFamily="49" charset="0"/>
+                <a:cs typeface="Times New Roman" panose="02020603050405020304" pitchFamily="18" charset="0"/>
+              </a:rPr>
+              <a:t>Pengarah</a:t>
+            </a:r>
+            <a:endParaRPr lang="en-MY" sz="1200" dirty="0">
+              <a:solidFill>
+                <a:schemeClr val="tx1"/>
+              </a:solidFill>
+              <a:latin typeface="Times New Roman" panose="02020603050405020304" pitchFamily="18" charset="0"/>
+              <a:ea typeface="Iosevka Fixed" panose="02000509030000000004" pitchFamily="49" charset="0"/>
+              <a:cs typeface="Times New Roman" panose="02020603050405020304" pitchFamily="18" charset="0"/>
+            </a:endParaRPr>
+          </a:p>
+        </p:txBody>
+      </p:sp>
+      <p:sp>
+        <p:nvSpPr>
+          <p:cNvPr id="25" name="Rectangle 24">
+            <a:extLst>
+              <a:ext uri="{FF2B5EF4-FFF2-40B4-BE49-F238E27FC236}">
+                <a16:creationId xmlns:a16="http://schemas.microsoft.com/office/drawing/2014/main" id="{3F3D4C7F-4505-4B8E-9E24-E2139CE31CF5}"/>
+              </a:ext>
+            </a:extLst>
+          </p:cNvPr>
+          <p:cNvSpPr/>
+          <p:nvPr/>
+        </p:nvSpPr>
+        <p:spPr>
+          <a:xfrm>
+            <a:off x="7929071" y="3807109"/>
+            <a:ext cx="713614" cy="613611"/>
+          </a:xfrm>
+          <a:prstGeom prst="rect">
+            <a:avLst/>
+          </a:prstGeom>
+          <a:solidFill>
+            <a:schemeClr val="accent5">
+              <a:lumMod val="20000"/>
+              <a:lumOff val="80000"/>
+            </a:schemeClr>
+          </a:solidFill>
+          <a:ln>
+            <a:solidFill>
+              <a:schemeClr val="accent5">
+                <a:lumMod val="50000"/>
+              </a:schemeClr>
+            </a:solidFill>
+          </a:ln>
+        </p:spPr>
+        <p:style>
+          <a:lnRef idx="2">
+            <a:schemeClr val="accent1">
+              <a:shade val="50000"/>
+            </a:schemeClr>
+          </a:lnRef>
+          <a:fillRef idx="1">
+            <a:schemeClr val="accent1"/>
+          </a:fillRef>
+          <a:effectRef idx="0">
+            <a:schemeClr val="accent1"/>
+          </a:effectRef>
+          <a:fontRef idx="minor">
+            <a:schemeClr val="lt1"/>
+          </a:fontRef>
+        </p:style>
+        <p:txBody>
+          <a:bodyPr rtlCol="0" anchor="ctr"/>
+          <a:lstStyle/>
+          <a:p>
+            <a:pPr algn="ctr"/>
+            <a:r>
+              <a:rPr lang="en-US" sz="1200" dirty="0">
+                <a:solidFill>
+                  <a:schemeClr val="tx1"/>
+                </a:solidFill>
+                <a:latin typeface="Times New Roman" panose="02020603050405020304" pitchFamily="18" charset="0"/>
+                <a:ea typeface="Iosevka Fixed" panose="02000509030000000004" pitchFamily="49" charset="0"/>
+                <a:cs typeface="Times New Roman" panose="02020603050405020304" pitchFamily="18" charset="0"/>
+              </a:rPr>
+              <a:t>KP</a:t>
+            </a:r>
+            <a:endParaRPr lang="en-MY" sz="1200" dirty="0">
+              <a:solidFill>
+                <a:schemeClr val="tx1"/>
+              </a:solidFill>
+              <a:latin typeface="Times New Roman" panose="02020603050405020304" pitchFamily="18" charset="0"/>
+              <a:ea typeface="Iosevka Fixed" panose="02000509030000000004" pitchFamily="49" charset="0"/>
+              <a:cs typeface="Times New Roman" panose="02020603050405020304" pitchFamily="18" charset="0"/>
+            </a:endParaRPr>
+          </a:p>
+        </p:txBody>
+      </p:sp>
+      <p:sp>
+        <p:nvSpPr>
+          <p:cNvPr id="26" name="Rectangle 25">
+            <a:extLst>
+              <a:ext uri="{FF2B5EF4-FFF2-40B4-BE49-F238E27FC236}">
+                <a16:creationId xmlns:a16="http://schemas.microsoft.com/office/drawing/2014/main" id="{898A7AEB-1FFD-44B4-A6F6-CF193630B312}"/>
+              </a:ext>
+            </a:extLst>
+          </p:cNvPr>
+          <p:cNvSpPr/>
+          <p:nvPr/>
+        </p:nvSpPr>
+        <p:spPr>
+          <a:xfrm>
+            <a:off x="8938088" y="3805827"/>
+            <a:ext cx="713614" cy="613611"/>
+          </a:xfrm>
+          <a:prstGeom prst="rect">
+            <a:avLst/>
+          </a:prstGeom>
+          <a:solidFill>
+            <a:schemeClr val="accent5">
+              <a:lumMod val="20000"/>
+              <a:lumOff val="80000"/>
+            </a:schemeClr>
+          </a:solidFill>
+          <a:ln>
+            <a:solidFill>
+              <a:schemeClr val="accent5">
+                <a:lumMod val="50000"/>
+              </a:schemeClr>
+            </a:solidFill>
+          </a:ln>
+        </p:spPr>
+        <p:style>
+          <a:lnRef idx="2">
+            <a:schemeClr val="accent1">
+              <a:shade val="50000"/>
+            </a:schemeClr>
+          </a:lnRef>
+          <a:fillRef idx="1">
+            <a:schemeClr val="accent1"/>
+          </a:fillRef>
+          <a:effectRef idx="0">
+            <a:schemeClr val="accent1"/>
+          </a:effectRef>
+          <a:fontRef idx="minor">
+            <a:schemeClr val="lt1"/>
+          </a:fontRef>
+        </p:style>
+        <p:txBody>
+          <a:bodyPr rtlCol="0" anchor="ctr"/>
+          <a:lstStyle/>
+          <a:p>
+            <a:pPr algn="ctr"/>
+            <a:r>
+              <a:rPr lang="en-US" sz="1200" dirty="0">
+                <a:solidFill>
+                  <a:schemeClr val="tx1"/>
+                </a:solidFill>
+                <a:latin typeface="Times New Roman" panose="02020603050405020304" pitchFamily="18" charset="0"/>
+                <a:ea typeface="Iosevka Fixed" panose="02000509030000000004" pitchFamily="49" charset="0"/>
+                <a:cs typeface="Times New Roman" panose="02020603050405020304" pitchFamily="18" charset="0"/>
+              </a:rPr>
+              <a:t>TKP</a:t>
+            </a:r>
+            <a:endParaRPr lang="en-MY" sz="1200" dirty="0">
+              <a:solidFill>
+                <a:schemeClr val="tx1"/>
+              </a:solidFill>
+              <a:latin typeface="Times New Roman" panose="02020603050405020304" pitchFamily="18" charset="0"/>
+              <a:ea typeface="Iosevka Fixed" panose="02000509030000000004" pitchFamily="49" charset="0"/>
+              <a:cs typeface="Times New Roman" panose="02020603050405020304" pitchFamily="18" charset="0"/>
+            </a:endParaRPr>
+          </a:p>
+        </p:txBody>
+      </p:sp>
+      <p:sp>
+        <p:nvSpPr>
+          <p:cNvPr id="27" name="Rectangle 26">
+            <a:extLst>
+              <a:ext uri="{FF2B5EF4-FFF2-40B4-BE49-F238E27FC236}">
+                <a16:creationId xmlns:a16="http://schemas.microsoft.com/office/drawing/2014/main" id="{34FBD96C-FAB2-4547-89B9-59C9EFD75D19}"/>
+              </a:ext>
+            </a:extLst>
+          </p:cNvPr>
+          <p:cNvSpPr/>
+          <p:nvPr/>
+        </p:nvSpPr>
+        <p:spPr>
+          <a:xfrm>
+            <a:off x="8208539" y="2924696"/>
+            <a:ext cx="1179095" cy="613611"/>
+          </a:xfrm>
+          <a:prstGeom prst="rect">
+            <a:avLst/>
+          </a:prstGeom>
+          <a:solidFill>
+            <a:schemeClr val="accent5">
+              <a:lumMod val="60000"/>
+              <a:lumOff val="40000"/>
+            </a:schemeClr>
+          </a:solidFill>
+          <a:ln>
+            <a:solidFill>
+              <a:schemeClr val="accent5">
+                <a:lumMod val="50000"/>
+              </a:schemeClr>
+            </a:solidFill>
+          </a:ln>
+        </p:spPr>
+        <p:style>
+          <a:lnRef idx="2">
+            <a:schemeClr val="accent1">
+              <a:shade val="50000"/>
+            </a:schemeClr>
+          </a:lnRef>
+          <a:fillRef idx="1">
+            <a:schemeClr val="accent1"/>
+          </a:fillRef>
+          <a:effectRef idx="0">
+            <a:schemeClr val="accent1"/>
+          </a:effectRef>
+          <a:fontRef idx="minor">
+            <a:schemeClr val="lt1"/>
+          </a:fontRef>
+        </p:style>
+        <p:txBody>
+          <a:bodyPr rtlCol="0" anchor="ctr"/>
+          <a:lstStyle/>
+          <a:p>
+            <a:pPr algn="ctr"/>
+            <a:r>
+              <a:rPr lang="en-US" sz="1200" dirty="0">
+                <a:solidFill>
+                  <a:schemeClr val="tx1"/>
+                </a:solidFill>
+                <a:latin typeface="Times New Roman" panose="02020603050405020304" pitchFamily="18" charset="0"/>
+                <a:ea typeface="Iosevka Fixed" panose="02000509030000000004" pitchFamily="49" charset="0"/>
+                <a:cs typeface="Times New Roman" panose="02020603050405020304" pitchFamily="18" charset="0"/>
+              </a:rPr>
+              <a:t>Terima Memo </a:t>
+            </a:r>
+            <a:r>
+              <a:rPr lang="en-US" sz="1200" dirty="0" err="1">
+                <a:solidFill>
+                  <a:schemeClr val="tx1"/>
+                </a:solidFill>
+                <a:latin typeface="Times New Roman" panose="02020603050405020304" pitchFamily="18" charset="0"/>
+                <a:ea typeface="Iosevka Fixed" panose="02000509030000000004" pitchFamily="49" charset="0"/>
+                <a:cs typeface="Times New Roman" panose="02020603050405020304" pitchFamily="18" charset="0"/>
+              </a:rPr>
+              <a:t>Kelulusan</a:t>
+            </a:r>
+            <a:endParaRPr lang="en-MY" sz="1200" dirty="0">
+              <a:solidFill>
+                <a:schemeClr val="tx1"/>
+              </a:solidFill>
+              <a:latin typeface="Times New Roman" panose="02020603050405020304" pitchFamily="18" charset="0"/>
+              <a:ea typeface="Iosevka Fixed" panose="02000509030000000004" pitchFamily="49" charset="0"/>
+              <a:cs typeface="Times New Roman" panose="02020603050405020304" pitchFamily="18" charset="0"/>
+            </a:endParaRPr>
+          </a:p>
+        </p:txBody>
+      </p:sp>
+      <p:cxnSp>
+        <p:nvCxnSpPr>
+          <p:cNvPr id="61" name="Straight Arrow Connector 60">
+            <a:extLst>
+              <a:ext uri="{FF2B5EF4-FFF2-40B4-BE49-F238E27FC236}">
+                <a16:creationId xmlns:a16="http://schemas.microsoft.com/office/drawing/2014/main" id="{52C2A8A1-F9E6-4270-B54D-80A7E0413D77}"/>
+              </a:ext>
+            </a:extLst>
+          </p:cNvPr>
+          <p:cNvCxnSpPr>
+            <a:stCxn id="10" idx="2"/>
+            <a:endCxn id="16" idx="0"/>
+          </p:cNvCxnSpPr>
+          <p:nvPr/>
+        </p:nvCxnSpPr>
+        <p:spPr>
+          <a:xfrm>
+            <a:off x="2795956" y="3429425"/>
+            <a:ext cx="0" cy="2130217"/>
+          </a:xfrm>
+          <a:prstGeom prst="straightConnector1">
+            <a:avLst/>
+          </a:prstGeom>
+          <a:ln>
+            <a:tailEnd type="triangle"/>
+          </a:ln>
+        </p:spPr>
+        <p:style>
+          <a:lnRef idx="1">
+            <a:schemeClr val="accent1"/>
+          </a:lnRef>
+          <a:fillRef idx="0">
+            <a:schemeClr val="accent1"/>
+          </a:fillRef>
+          <a:effectRef idx="0">
+            <a:schemeClr val="accent1"/>
+          </a:effectRef>
+          <a:fontRef idx="minor">
+            <a:schemeClr val="tx1"/>
+          </a:fontRef>
+        </p:style>
+      </p:cxnSp>
+      <p:sp>
+        <p:nvSpPr>
+          <p:cNvPr id="28" name="Rectangle 27">
+            <a:extLst>
+              <a:ext uri="{FF2B5EF4-FFF2-40B4-BE49-F238E27FC236}">
+                <a16:creationId xmlns:a16="http://schemas.microsoft.com/office/drawing/2014/main" id="{EA98C577-AA53-4235-ABC7-AA8C818303D4}"/>
+              </a:ext>
+            </a:extLst>
+          </p:cNvPr>
+          <p:cNvSpPr/>
+          <p:nvPr/>
+        </p:nvSpPr>
+        <p:spPr>
+          <a:xfrm>
+            <a:off x="10495035" y="2924696"/>
+            <a:ext cx="1179095" cy="613611"/>
+          </a:xfrm>
+          <a:prstGeom prst="rect">
+            <a:avLst/>
+          </a:prstGeom>
+          <a:solidFill>
+            <a:schemeClr val="accent5">
+              <a:lumMod val="60000"/>
+              <a:lumOff val="40000"/>
+            </a:schemeClr>
+          </a:solidFill>
+          <a:ln>
+            <a:solidFill>
+              <a:schemeClr val="accent5">
+                <a:lumMod val="50000"/>
+              </a:schemeClr>
+            </a:solidFill>
+          </a:ln>
+        </p:spPr>
+        <p:style>
+          <a:lnRef idx="2">
+            <a:schemeClr val="accent1">
+              <a:shade val="50000"/>
+            </a:schemeClr>
+          </a:lnRef>
+          <a:fillRef idx="1">
+            <a:schemeClr val="accent1"/>
+          </a:fillRef>
+          <a:effectRef idx="0">
+            <a:schemeClr val="accent1"/>
+          </a:effectRef>
+          <a:fontRef idx="minor">
+            <a:schemeClr val="lt1"/>
+          </a:fontRef>
+        </p:style>
+        <p:txBody>
+          <a:bodyPr rtlCol="0" anchor="ctr"/>
+          <a:lstStyle/>
+          <a:p>
+            <a:pPr algn="ctr"/>
+            <a:r>
+              <a:rPr lang="en-US" sz="1200" dirty="0" err="1">
+                <a:solidFill>
+                  <a:schemeClr val="tx1"/>
+                </a:solidFill>
+                <a:latin typeface="Times New Roman" panose="02020603050405020304" pitchFamily="18" charset="0"/>
+                <a:ea typeface="Iosevka Fixed" panose="02000509030000000004" pitchFamily="49" charset="0"/>
+                <a:cs typeface="Times New Roman" panose="02020603050405020304" pitchFamily="18" charset="0"/>
+              </a:rPr>
+              <a:t>Sedia</a:t>
+            </a:r>
+            <a:r>
+              <a:rPr lang="en-US" sz="1200" dirty="0">
+                <a:solidFill>
+                  <a:schemeClr val="tx1"/>
+                </a:solidFill>
+                <a:latin typeface="Times New Roman" panose="02020603050405020304" pitchFamily="18" charset="0"/>
+                <a:ea typeface="Iosevka Fixed" panose="02000509030000000004" pitchFamily="49" charset="0"/>
+                <a:cs typeface="Times New Roman" panose="02020603050405020304" pitchFamily="18" charset="0"/>
+              </a:rPr>
+              <a:t> Surat </a:t>
+            </a:r>
+            <a:r>
+              <a:rPr lang="en-US" sz="1200" dirty="0" err="1">
+                <a:solidFill>
+                  <a:schemeClr val="tx1"/>
+                </a:solidFill>
+                <a:latin typeface="Times New Roman" panose="02020603050405020304" pitchFamily="18" charset="0"/>
+                <a:ea typeface="Iosevka Fixed" panose="02000509030000000004" pitchFamily="49" charset="0"/>
+                <a:cs typeface="Times New Roman" panose="02020603050405020304" pitchFamily="18" charset="0"/>
+              </a:rPr>
+              <a:t>Kelulusan</a:t>
+            </a:r>
+            <a:endParaRPr lang="en-MY" sz="1200" dirty="0">
+              <a:solidFill>
+                <a:schemeClr val="tx1"/>
+              </a:solidFill>
+              <a:latin typeface="Times New Roman" panose="02020603050405020304" pitchFamily="18" charset="0"/>
+              <a:ea typeface="Iosevka Fixed" panose="02000509030000000004" pitchFamily="49" charset="0"/>
+              <a:cs typeface="Times New Roman" panose="02020603050405020304" pitchFamily="18" charset="0"/>
+            </a:endParaRPr>
+          </a:p>
+        </p:txBody>
+      </p:sp>
+      <p:sp>
+        <p:nvSpPr>
+          <p:cNvPr id="29" name="Rectangle 28">
+            <a:extLst>
+              <a:ext uri="{FF2B5EF4-FFF2-40B4-BE49-F238E27FC236}">
+                <a16:creationId xmlns:a16="http://schemas.microsoft.com/office/drawing/2014/main" id="{69137D6C-9E84-45B7-AFB2-805E1A2F5183}"/>
+              </a:ext>
+            </a:extLst>
+          </p:cNvPr>
+          <p:cNvSpPr/>
+          <p:nvPr/>
+        </p:nvSpPr>
+        <p:spPr>
+          <a:xfrm>
+            <a:off x="10495035" y="1955130"/>
+            <a:ext cx="1179095" cy="613611"/>
+          </a:xfrm>
+          <a:prstGeom prst="rect">
+            <a:avLst/>
+          </a:prstGeom>
+          <a:solidFill>
+            <a:schemeClr val="accent5">
+              <a:lumMod val="60000"/>
+              <a:lumOff val="40000"/>
+            </a:schemeClr>
+          </a:solidFill>
+          <a:ln>
+            <a:solidFill>
+              <a:schemeClr val="accent5">
+                <a:lumMod val="50000"/>
+              </a:schemeClr>
+            </a:solidFill>
+          </a:ln>
+        </p:spPr>
+        <p:style>
+          <a:lnRef idx="2">
+            <a:schemeClr val="accent1">
+              <a:shade val="50000"/>
+            </a:schemeClr>
+          </a:lnRef>
+          <a:fillRef idx="1">
+            <a:schemeClr val="accent1"/>
+          </a:fillRef>
+          <a:effectRef idx="0">
+            <a:schemeClr val="accent1"/>
+          </a:effectRef>
+          <a:fontRef idx="minor">
+            <a:schemeClr val="lt1"/>
+          </a:fontRef>
+        </p:style>
+        <p:txBody>
+          <a:bodyPr rtlCol="0" anchor="ctr"/>
+          <a:lstStyle/>
+          <a:p>
+            <a:pPr algn="ctr"/>
+            <a:r>
+              <a:rPr lang="en-US" sz="1200" dirty="0" err="1">
+                <a:solidFill>
+                  <a:schemeClr val="tx1"/>
+                </a:solidFill>
+                <a:latin typeface="Times New Roman" panose="02020603050405020304" pitchFamily="18" charset="0"/>
+                <a:ea typeface="Iosevka Fixed" panose="02000509030000000004" pitchFamily="49" charset="0"/>
+                <a:cs typeface="Times New Roman" panose="02020603050405020304" pitchFamily="18" charset="0"/>
+              </a:rPr>
+              <a:t>Hantar</a:t>
+            </a:r>
+            <a:r>
+              <a:rPr lang="en-US" sz="1200" dirty="0">
+                <a:solidFill>
+                  <a:schemeClr val="tx1"/>
+                </a:solidFill>
+                <a:latin typeface="Times New Roman" panose="02020603050405020304" pitchFamily="18" charset="0"/>
+                <a:ea typeface="Iosevka Fixed" panose="02000509030000000004" pitchFamily="49" charset="0"/>
+                <a:cs typeface="Times New Roman" panose="02020603050405020304" pitchFamily="18" charset="0"/>
+              </a:rPr>
+              <a:t> Surat </a:t>
+            </a:r>
+            <a:r>
+              <a:rPr lang="en-US" sz="1200" dirty="0" err="1">
+                <a:solidFill>
+                  <a:schemeClr val="tx1"/>
+                </a:solidFill>
+                <a:latin typeface="Times New Roman" panose="02020603050405020304" pitchFamily="18" charset="0"/>
+                <a:ea typeface="Iosevka Fixed" panose="02000509030000000004" pitchFamily="49" charset="0"/>
+                <a:cs typeface="Times New Roman" panose="02020603050405020304" pitchFamily="18" charset="0"/>
+              </a:rPr>
+              <a:t>Kelulusan</a:t>
+            </a:r>
+            <a:endParaRPr lang="en-MY" sz="1200" dirty="0">
+              <a:solidFill>
+                <a:schemeClr val="tx1"/>
+              </a:solidFill>
+              <a:latin typeface="Times New Roman" panose="02020603050405020304" pitchFamily="18" charset="0"/>
+              <a:ea typeface="Iosevka Fixed" panose="02000509030000000004" pitchFamily="49" charset="0"/>
+              <a:cs typeface="Times New Roman" panose="02020603050405020304" pitchFamily="18" charset="0"/>
+            </a:endParaRPr>
+          </a:p>
+        </p:txBody>
+      </p:sp>
+      <p:sp>
+        <p:nvSpPr>
+          <p:cNvPr id="32" name="Oval 31">
+            <a:extLst>
+              <a:ext uri="{FF2B5EF4-FFF2-40B4-BE49-F238E27FC236}">
+                <a16:creationId xmlns:a16="http://schemas.microsoft.com/office/drawing/2014/main" id="{767FCE41-1AC9-4219-A3E5-ABBAD30ADE12}"/>
+              </a:ext>
+            </a:extLst>
+          </p:cNvPr>
+          <p:cNvSpPr/>
+          <p:nvPr/>
+        </p:nvSpPr>
+        <p:spPr>
+          <a:xfrm>
+            <a:off x="10621761" y="206626"/>
+            <a:ext cx="907384" cy="324642"/>
+          </a:xfrm>
+          <a:prstGeom prst="ellipse">
+            <a:avLst/>
+          </a:prstGeom>
+          <a:solidFill>
+            <a:schemeClr val="accent5">
+              <a:lumMod val="20000"/>
+              <a:lumOff val="80000"/>
+            </a:schemeClr>
+          </a:solidFill>
+          <a:ln>
+            <a:solidFill>
+              <a:schemeClr val="accent5">
+                <a:lumMod val="50000"/>
+              </a:schemeClr>
+            </a:solidFill>
+          </a:ln>
+        </p:spPr>
+        <p:style>
+          <a:lnRef idx="2">
+            <a:schemeClr val="accent1">
+              <a:shade val="50000"/>
+            </a:schemeClr>
+          </a:lnRef>
+          <a:fillRef idx="1">
+            <a:schemeClr val="accent1"/>
+          </a:fillRef>
+          <a:effectRef idx="0">
+            <a:schemeClr val="accent1"/>
+          </a:effectRef>
+          <a:fontRef idx="minor">
+            <a:schemeClr val="lt1"/>
+          </a:fontRef>
+        </p:style>
+        <p:txBody>
+          <a:bodyPr rtlCol="0" anchor="ctr"/>
+          <a:lstStyle/>
+          <a:p>
+            <a:pPr algn="ctr"/>
+            <a:r>
+              <a:rPr lang="en-US" sz="1200" dirty="0" err="1">
+                <a:solidFill>
+                  <a:schemeClr val="tx1"/>
+                </a:solidFill>
+                <a:latin typeface="Times New Roman" panose="02020603050405020304" pitchFamily="18" charset="0"/>
+                <a:cs typeface="Times New Roman" panose="02020603050405020304" pitchFamily="18" charset="0"/>
+              </a:rPr>
+              <a:t>Tamat</a:t>
+            </a:r>
+            <a:endParaRPr lang="en-MY" sz="1200" dirty="0">
+              <a:solidFill>
+                <a:schemeClr val="tx1"/>
+              </a:solidFill>
+              <a:latin typeface="Times New Roman" panose="02020603050405020304" pitchFamily="18" charset="0"/>
+              <a:cs typeface="Times New Roman" panose="02020603050405020304" pitchFamily="18" charset="0"/>
+            </a:endParaRPr>
+          </a:p>
+        </p:txBody>
+      </p:sp>
+      <p:sp>
+        <p:nvSpPr>
+          <p:cNvPr id="30" name="Rectangle 29">
+            <a:extLst>
+              <a:ext uri="{FF2B5EF4-FFF2-40B4-BE49-F238E27FC236}">
+                <a16:creationId xmlns:a16="http://schemas.microsoft.com/office/drawing/2014/main" id="{A855DE99-AE24-4879-90BD-C6464C532919}"/>
+              </a:ext>
+            </a:extLst>
+          </p:cNvPr>
+          <p:cNvSpPr/>
+          <p:nvPr/>
+        </p:nvSpPr>
+        <p:spPr>
+          <a:xfrm>
+            <a:off x="10485906" y="985564"/>
+            <a:ext cx="1179095" cy="613611"/>
+          </a:xfrm>
+          <a:prstGeom prst="rect">
+            <a:avLst/>
+          </a:prstGeom>
+          <a:solidFill>
+            <a:schemeClr val="accent5">
+              <a:lumMod val="60000"/>
+              <a:lumOff val="40000"/>
+            </a:schemeClr>
+          </a:solidFill>
+          <a:ln>
+            <a:solidFill>
+              <a:schemeClr val="accent5">
+                <a:lumMod val="50000"/>
+              </a:schemeClr>
+            </a:solidFill>
+          </a:ln>
+        </p:spPr>
+        <p:style>
+          <a:lnRef idx="2">
+            <a:schemeClr val="accent1">
+              <a:shade val="50000"/>
+            </a:schemeClr>
+          </a:lnRef>
+          <a:fillRef idx="1">
+            <a:schemeClr val="accent1"/>
+          </a:fillRef>
+          <a:effectRef idx="0">
+            <a:schemeClr val="accent1"/>
+          </a:effectRef>
+          <a:fontRef idx="minor">
+            <a:schemeClr val="lt1"/>
+          </a:fontRef>
+        </p:style>
+        <p:txBody>
+          <a:bodyPr rtlCol="0" anchor="ctr"/>
+          <a:lstStyle/>
+          <a:p>
+            <a:pPr algn="ctr"/>
+            <a:r>
+              <a:rPr lang="en-US" sz="1200" dirty="0">
+                <a:solidFill>
+                  <a:schemeClr val="tx1"/>
+                </a:solidFill>
+                <a:latin typeface="Times New Roman" panose="02020603050405020304" pitchFamily="18" charset="0"/>
+                <a:ea typeface="Iosevka Fixed" panose="02000509030000000004" pitchFamily="49" charset="0"/>
+                <a:cs typeface="Times New Roman" panose="02020603050405020304" pitchFamily="18" charset="0"/>
+              </a:rPr>
+              <a:t>Modul NOC </a:t>
+            </a:r>
+            <a:r>
+              <a:rPr lang="en-US" sz="1200" dirty="0" err="1">
+                <a:solidFill>
+                  <a:schemeClr val="tx1"/>
+                </a:solidFill>
+                <a:latin typeface="Times New Roman" panose="02020603050405020304" pitchFamily="18" charset="0"/>
+                <a:ea typeface="Iosevka Fixed" panose="02000509030000000004" pitchFamily="49" charset="0"/>
+                <a:cs typeface="Times New Roman" panose="02020603050405020304" pitchFamily="18" charset="0"/>
+              </a:rPr>
+              <a:t>MyProjek</a:t>
+            </a:r>
+            <a:endParaRPr lang="en-MY" sz="1200" dirty="0">
+              <a:solidFill>
+                <a:schemeClr val="tx1"/>
+              </a:solidFill>
+              <a:latin typeface="Times New Roman" panose="02020603050405020304" pitchFamily="18" charset="0"/>
+              <a:ea typeface="Iosevka Fixed" panose="02000509030000000004" pitchFamily="49" charset="0"/>
+              <a:cs typeface="Times New Roman" panose="02020603050405020304" pitchFamily="18" charset="0"/>
+            </a:endParaRPr>
+          </a:p>
+        </p:txBody>
+      </p:sp>
+      <p:sp>
+        <p:nvSpPr>
+          <p:cNvPr id="33" name="Oval 32">
+            <a:extLst>
+              <a:ext uri="{FF2B5EF4-FFF2-40B4-BE49-F238E27FC236}">
+                <a16:creationId xmlns:a16="http://schemas.microsoft.com/office/drawing/2014/main" id="{5D525AF3-41B1-4857-B3F1-C63D471F49F5}"/>
+              </a:ext>
+            </a:extLst>
+          </p:cNvPr>
+          <p:cNvSpPr/>
+          <p:nvPr/>
+        </p:nvSpPr>
+        <p:spPr>
+          <a:xfrm>
+            <a:off x="2357687" y="36096"/>
+            <a:ext cx="907384" cy="324642"/>
+          </a:xfrm>
+          <a:prstGeom prst="ellipse">
+            <a:avLst/>
+          </a:prstGeom>
+          <a:solidFill>
+            <a:schemeClr val="accent5">
+              <a:lumMod val="20000"/>
+              <a:lumOff val="80000"/>
+            </a:schemeClr>
+          </a:solidFill>
+          <a:ln>
+            <a:solidFill>
+              <a:schemeClr val="accent5">
+                <a:lumMod val="50000"/>
+              </a:schemeClr>
+            </a:solidFill>
+          </a:ln>
+        </p:spPr>
+        <p:style>
+          <a:lnRef idx="2">
+            <a:schemeClr val="accent1">
+              <a:shade val="50000"/>
+            </a:schemeClr>
+          </a:lnRef>
+          <a:fillRef idx="1">
+            <a:schemeClr val="accent1"/>
+          </a:fillRef>
+          <a:effectRef idx="0">
+            <a:schemeClr val="accent1"/>
+          </a:effectRef>
+          <a:fontRef idx="minor">
+            <a:schemeClr val="lt1"/>
+          </a:fontRef>
+        </p:style>
+        <p:txBody>
+          <a:bodyPr rtlCol="0" anchor="ctr"/>
+          <a:lstStyle/>
+          <a:p>
+            <a:pPr algn="ctr"/>
+            <a:r>
+              <a:rPr lang="en-US" sz="1200" dirty="0" err="1">
+                <a:solidFill>
+                  <a:schemeClr val="tx1"/>
+                </a:solidFill>
+                <a:latin typeface="Times New Roman" panose="02020603050405020304" pitchFamily="18" charset="0"/>
+                <a:cs typeface="Times New Roman" panose="02020603050405020304" pitchFamily="18" charset="0"/>
+              </a:rPr>
+              <a:t>Mula</a:t>
+            </a:r>
+            <a:endParaRPr lang="en-MY" sz="1200" dirty="0">
+              <a:solidFill>
+                <a:schemeClr val="tx1"/>
+              </a:solidFill>
+              <a:latin typeface="Times New Roman" panose="02020603050405020304" pitchFamily="18" charset="0"/>
+              <a:cs typeface="Times New Roman" panose="02020603050405020304" pitchFamily="18" charset="0"/>
+            </a:endParaRPr>
+          </a:p>
+        </p:txBody>
+      </p:sp>
+      <p:cxnSp>
+        <p:nvCxnSpPr>
+          <p:cNvPr id="45" name="Connector: Elbow 44">
+            <a:extLst>
+              <a:ext uri="{FF2B5EF4-FFF2-40B4-BE49-F238E27FC236}">
+                <a16:creationId xmlns:a16="http://schemas.microsoft.com/office/drawing/2014/main" id="{E4376BEF-C35C-4BF5-96F2-DDFFB5ECC3D2}"/>
+              </a:ext>
+            </a:extLst>
+          </p:cNvPr>
+          <p:cNvCxnSpPr>
+            <a:stCxn id="7" idx="1"/>
+            <a:endCxn id="6" idx="1"/>
+          </p:cNvCxnSpPr>
+          <p:nvPr/>
+        </p:nvCxnSpPr>
+        <p:spPr>
+          <a:xfrm rot="10800000">
+            <a:off x="2201779" y="908801"/>
+            <a:ext cx="12700" cy="926432"/>
+          </a:xfrm>
+          <a:prstGeom prst="bentConnector3">
+            <a:avLst>
+              <a:gd name="adj1" fmla="val 1800000"/>
+            </a:avLst>
+          </a:prstGeom>
+          <a:ln>
+            <a:solidFill>
+              <a:srgbClr val="FF0000"/>
+            </a:solidFill>
+            <a:tailEnd type="triangle"/>
+          </a:ln>
+        </p:spPr>
+        <p:style>
+          <a:lnRef idx="1">
+            <a:schemeClr val="accent1"/>
+          </a:lnRef>
+          <a:fillRef idx="0">
+            <a:schemeClr val="accent1"/>
+          </a:fillRef>
+          <a:effectRef idx="0">
+            <a:schemeClr val="accent1"/>
+          </a:effectRef>
+          <a:fontRef idx="minor">
+            <a:schemeClr val="tx1"/>
+          </a:fontRef>
+        </p:style>
+      </p:cxnSp>
+      <p:cxnSp>
+        <p:nvCxnSpPr>
+          <p:cNvPr id="47" name="Connector: Elbow 46">
+            <a:extLst>
+              <a:ext uri="{FF2B5EF4-FFF2-40B4-BE49-F238E27FC236}">
+                <a16:creationId xmlns:a16="http://schemas.microsoft.com/office/drawing/2014/main" id="{95EFD092-A4C1-49DF-9760-E51CA7F38586}"/>
+              </a:ext>
+            </a:extLst>
+          </p:cNvPr>
+          <p:cNvCxnSpPr>
+            <a:cxnSpLocks/>
+            <a:stCxn id="12" idx="3"/>
+            <a:endCxn id="7" idx="3"/>
+          </p:cNvCxnSpPr>
+          <p:nvPr/>
+        </p:nvCxnSpPr>
+        <p:spPr>
+          <a:xfrm flipH="1" flipV="1">
+            <a:off x="3380874" y="1835233"/>
+            <a:ext cx="4631" cy="2213819"/>
+          </a:xfrm>
+          <a:prstGeom prst="bentConnector3">
+            <a:avLst>
+              <a:gd name="adj1" fmla="val -4936299"/>
+            </a:avLst>
+          </a:prstGeom>
+          <a:ln>
+            <a:solidFill>
+              <a:srgbClr val="FF0000"/>
+            </a:solidFill>
+            <a:tailEnd type="triangle"/>
+          </a:ln>
+        </p:spPr>
+        <p:style>
+          <a:lnRef idx="1">
+            <a:schemeClr val="accent1"/>
+          </a:lnRef>
+          <a:fillRef idx="0">
+            <a:schemeClr val="accent1"/>
+          </a:fillRef>
+          <a:effectRef idx="0">
+            <a:schemeClr val="accent1"/>
+          </a:effectRef>
+          <a:fontRef idx="minor">
+            <a:schemeClr val="tx1"/>
+          </a:fontRef>
+        </p:style>
+      </p:cxnSp>
+      <p:cxnSp>
+        <p:nvCxnSpPr>
+          <p:cNvPr id="51" name="Connector: Elbow 50">
+            <a:extLst>
+              <a:ext uri="{FF2B5EF4-FFF2-40B4-BE49-F238E27FC236}">
+                <a16:creationId xmlns:a16="http://schemas.microsoft.com/office/drawing/2014/main" id="{0AE64BB2-A944-4FFA-B342-BA71620295C3}"/>
+              </a:ext>
+            </a:extLst>
+          </p:cNvPr>
+          <p:cNvCxnSpPr>
+            <a:cxnSpLocks/>
+            <a:stCxn id="20" idx="1"/>
+            <a:endCxn id="7" idx="3"/>
+          </p:cNvCxnSpPr>
+          <p:nvPr/>
+        </p:nvCxnSpPr>
+        <p:spPr>
+          <a:xfrm rot="10800000">
+            <a:off x="3380875" y="1835234"/>
+            <a:ext cx="846041" cy="2213819"/>
+          </a:xfrm>
+          <a:prstGeom prst="bentConnector3">
+            <a:avLst>
+              <a:gd name="adj1" fmla="val 50000"/>
+            </a:avLst>
+          </a:prstGeom>
+          <a:ln>
+            <a:solidFill>
+              <a:srgbClr val="FF0000"/>
+            </a:solidFill>
+            <a:tailEnd type="triangle"/>
+          </a:ln>
+        </p:spPr>
+        <p:style>
+          <a:lnRef idx="1">
+            <a:schemeClr val="accent1"/>
+          </a:lnRef>
+          <a:fillRef idx="0">
+            <a:schemeClr val="accent1"/>
+          </a:fillRef>
+          <a:effectRef idx="0">
+            <a:schemeClr val="accent1"/>
+          </a:effectRef>
+          <a:fontRef idx="minor">
+            <a:schemeClr val="tx1"/>
+          </a:fontRef>
+        </p:style>
+      </p:cxnSp>
+      <p:cxnSp>
+        <p:nvCxnSpPr>
+          <p:cNvPr id="53" name="Connector: Elbow 52">
+            <a:extLst>
+              <a:ext uri="{FF2B5EF4-FFF2-40B4-BE49-F238E27FC236}">
+                <a16:creationId xmlns:a16="http://schemas.microsoft.com/office/drawing/2014/main" id="{C1E3A7D8-4DF5-41B6-9AEE-DE06F1A40A33}"/>
+              </a:ext>
+            </a:extLst>
+          </p:cNvPr>
+          <p:cNvCxnSpPr>
+            <a:cxnSpLocks/>
+            <a:stCxn id="15" idx="3"/>
+            <a:endCxn id="7" idx="3"/>
+          </p:cNvCxnSpPr>
+          <p:nvPr/>
+        </p:nvCxnSpPr>
+        <p:spPr>
+          <a:xfrm flipH="1" flipV="1">
+            <a:off x="3380874" y="1835233"/>
+            <a:ext cx="3392723" cy="2213819"/>
+          </a:xfrm>
+          <a:prstGeom prst="bentConnector3">
+            <a:avLst>
+              <a:gd name="adj1" fmla="val -6738"/>
+            </a:avLst>
+          </a:prstGeom>
+          <a:ln>
+            <a:solidFill>
+              <a:srgbClr val="FF0000"/>
+            </a:solidFill>
+            <a:tailEnd type="triangle"/>
+          </a:ln>
+        </p:spPr>
+        <p:style>
+          <a:lnRef idx="1">
+            <a:schemeClr val="accent1"/>
+          </a:lnRef>
+          <a:fillRef idx="0">
+            <a:schemeClr val="accent1"/>
+          </a:fillRef>
+          <a:effectRef idx="0">
+            <a:schemeClr val="accent1"/>
+          </a:effectRef>
+          <a:fontRef idx="minor">
+            <a:schemeClr val="tx1"/>
+          </a:fontRef>
+        </p:style>
+      </p:cxnSp>
+      <p:sp>
+        <p:nvSpPr>
+          <p:cNvPr id="57" name="TextBox 56">
+            <a:extLst>
+              <a:ext uri="{FF2B5EF4-FFF2-40B4-BE49-F238E27FC236}">
+                <a16:creationId xmlns:a16="http://schemas.microsoft.com/office/drawing/2014/main" id="{A700BFCC-2DC1-4043-917A-FA9E406638B2}"/>
+              </a:ext>
+            </a:extLst>
+          </p:cNvPr>
+          <p:cNvSpPr txBox="1"/>
+          <p:nvPr/>
+        </p:nvSpPr>
+        <p:spPr>
+          <a:xfrm rot="5400000">
+            <a:off x="6342896" y="2733066"/>
+            <a:ext cx="1459054" cy="276999"/>
+          </a:xfrm>
+          <a:prstGeom prst="rect">
+            <a:avLst/>
+          </a:prstGeom>
+          <a:noFill/>
+        </p:spPr>
+        <p:txBody>
+          <a:bodyPr wrap="none" rtlCol="0">
+            <a:spAutoFit/>
+          </a:bodyPr>
+          <a:lstStyle/>
+          <a:p>
+            <a:r>
+              <a:rPr lang="en-US" sz="1200" dirty="0">
+                <a:solidFill>
+                  <a:srgbClr val="FF0000"/>
+                </a:solidFill>
+                <a:latin typeface="Times New Roman" panose="02020603050405020304" pitchFamily="18" charset="0"/>
+                <a:cs typeface="Times New Roman" panose="02020603050405020304" pitchFamily="18" charset="0"/>
+              </a:rPr>
+              <a:t>Maklumat </a:t>
+            </a:r>
+            <a:r>
+              <a:rPr lang="en-US" sz="1200" dirty="0" err="1">
+                <a:solidFill>
+                  <a:srgbClr val="FF0000"/>
+                </a:solidFill>
+                <a:latin typeface="Times New Roman" panose="02020603050405020304" pitchFamily="18" charset="0"/>
+                <a:cs typeface="Times New Roman" panose="02020603050405020304" pitchFamily="18" charset="0"/>
+              </a:rPr>
+              <a:t>tambahan</a:t>
+            </a:r>
+            <a:endParaRPr lang="en-MY" sz="1200" dirty="0">
+              <a:solidFill>
+                <a:srgbClr val="FF0000"/>
+              </a:solidFill>
+              <a:latin typeface="Times New Roman" panose="02020603050405020304" pitchFamily="18" charset="0"/>
+              <a:cs typeface="Times New Roman" panose="02020603050405020304" pitchFamily="18" charset="0"/>
+            </a:endParaRPr>
+          </a:p>
+        </p:txBody>
+      </p:sp>
+      <p:sp>
+        <p:nvSpPr>
+          <p:cNvPr id="58" name="TextBox 57">
+            <a:extLst>
+              <a:ext uri="{FF2B5EF4-FFF2-40B4-BE49-F238E27FC236}">
+                <a16:creationId xmlns:a16="http://schemas.microsoft.com/office/drawing/2014/main" id="{B2FB6E55-24B3-4213-AE55-383E0558B5A4}"/>
+              </a:ext>
+            </a:extLst>
+          </p:cNvPr>
+          <p:cNvSpPr txBox="1"/>
+          <p:nvPr/>
+        </p:nvSpPr>
+        <p:spPr>
+          <a:xfrm rot="5400000">
+            <a:off x="3196639" y="2560974"/>
+            <a:ext cx="1459054" cy="276999"/>
+          </a:xfrm>
+          <a:prstGeom prst="rect">
+            <a:avLst/>
+          </a:prstGeom>
+          <a:noFill/>
+        </p:spPr>
+        <p:txBody>
+          <a:bodyPr wrap="none" rtlCol="0">
+            <a:spAutoFit/>
+          </a:bodyPr>
+          <a:lstStyle/>
+          <a:p>
+            <a:r>
+              <a:rPr lang="en-US" sz="1200" dirty="0">
+                <a:solidFill>
+                  <a:srgbClr val="FF0000"/>
+                </a:solidFill>
+                <a:latin typeface="Times New Roman" panose="02020603050405020304" pitchFamily="18" charset="0"/>
+                <a:cs typeface="Times New Roman" panose="02020603050405020304" pitchFamily="18" charset="0"/>
+              </a:rPr>
+              <a:t>Maklumat </a:t>
+            </a:r>
+            <a:r>
+              <a:rPr lang="en-US" sz="1200" dirty="0" err="1">
+                <a:solidFill>
+                  <a:srgbClr val="FF0000"/>
+                </a:solidFill>
+                <a:latin typeface="Times New Roman" panose="02020603050405020304" pitchFamily="18" charset="0"/>
+                <a:cs typeface="Times New Roman" panose="02020603050405020304" pitchFamily="18" charset="0"/>
+              </a:rPr>
+              <a:t>tambahan</a:t>
+            </a:r>
+            <a:endParaRPr lang="en-MY" sz="1200" dirty="0">
+              <a:solidFill>
+                <a:srgbClr val="FF0000"/>
+              </a:solidFill>
+              <a:latin typeface="Times New Roman" panose="02020603050405020304" pitchFamily="18" charset="0"/>
+              <a:cs typeface="Times New Roman" panose="02020603050405020304" pitchFamily="18" charset="0"/>
+            </a:endParaRPr>
+          </a:p>
+        </p:txBody>
+      </p:sp>
+      <p:sp>
+        <p:nvSpPr>
+          <p:cNvPr id="59" name="TextBox 58">
+            <a:extLst>
+              <a:ext uri="{FF2B5EF4-FFF2-40B4-BE49-F238E27FC236}">
+                <a16:creationId xmlns:a16="http://schemas.microsoft.com/office/drawing/2014/main" id="{3D95DF2E-FB86-4C1E-9D47-45D9DFC34ADA}"/>
+              </a:ext>
+            </a:extLst>
+          </p:cNvPr>
+          <p:cNvSpPr txBox="1"/>
+          <p:nvPr/>
+        </p:nvSpPr>
+        <p:spPr>
+          <a:xfrm rot="5400000">
+            <a:off x="2829952" y="2560974"/>
+            <a:ext cx="1459054" cy="276999"/>
+          </a:xfrm>
+          <a:prstGeom prst="rect">
+            <a:avLst/>
+          </a:prstGeom>
+          <a:noFill/>
+        </p:spPr>
+        <p:txBody>
+          <a:bodyPr wrap="none" rtlCol="0">
+            <a:spAutoFit/>
+          </a:bodyPr>
+          <a:lstStyle/>
+          <a:p>
+            <a:r>
+              <a:rPr lang="en-US" sz="1200" dirty="0">
+                <a:solidFill>
+                  <a:srgbClr val="FF0000"/>
+                </a:solidFill>
+                <a:latin typeface="Times New Roman" panose="02020603050405020304" pitchFamily="18" charset="0"/>
+                <a:cs typeface="Times New Roman" panose="02020603050405020304" pitchFamily="18" charset="0"/>
+              </a:rPr>
+              <a:t>Maklumat </a:t>
+            </a:r>
+            <a:r>
+              <a:rPr lang="en-US" sz="1200" dirty="0" err="1">
+                <a:solidFill>
+                  <a:srgbClr val="FF0000"/>
+                </a:solidFill>
+                <a:latin typeface="Times New Roman" panose="02020603050405020304" pitchFamily="18" charset="0"/>
+                <a:cs typeface="Times New Roman" panose="02020603050405020304" pitchFamily="18" charset="0"/>
+              </a:rPr>
+              <a:t>tambahan</a:t>
+            </a:r>
+            <a:endParaRPr lang="en-MY" sz="1200" dirty="0">
+              <a:solidFill>
+                <a:srgbClr val="FF0000"/>
+              </a:solidFill>
+              <a:latin typeface="Times New Roman" panose="02020603050405020304" pitchFamily="18" charset="0"/>
+              <a:cs typeface="Times New Roman" panose="02020603050405020304" pitchFamily="18" charset="0"/>
+            </a:endParaRPr>
+          </a:p>
+        </p:txBody>
+      </p:sp>
+      <p:sp>
+        <p:nvSpPr>
+          <p:cNvPr id="13" name="Rectangle 12">
+            <a:extLst>
+              <a:ext uri="{FF2B5EF4-FFF2-40B4-BE49-F238E27FC236}">
+                <a16:creationId xmlns:a16="http://schemas.microsoft.com/office/drawing/2014/main" id="{FDDCF4F0-CCC7-47CA-996E-4599BB2630BF}"/>
+              </a:ext>
+            </a:extLst>
+          </p:cNvPr>
+          <p:cNvSpPr/>
+          <p:nvPr/>
+        </p:nvSpPr>
+        <p:spPr>
+          <a:xfrm>
+            <a:off x="2206409" y="4656855"/>
+            <a:ext cx="1179095" cy="613611"/>
+          </a:xfrm>
+          <a:prstGeom prst="rect">
+            <a:avLst/>
+          </a:prstGeom>
+          <a:solidFill>
+            <a:schemeClr val="accent6">
+              <a:lumMod val="40000"/>
+              <a:lumOff val="60000"/>
+            </a:schemeClr>
+          </a:solidFill>
+          <a:ln>
+            <a:solidFill>
+              <a:schemeClr val="accent5">
+                <a:lumMod val="50000"/>
+              </a:schemeClr>
+            </a:solidFill>
+          </a:ln>
+        </p:spPr>
+        <p:style>
+          <a:lnRef idx="2">
+            <a:schemeClr val="accent1">
+              <a:shade val="50000"/>
+            </a:schemeClr>
+          </a:lnRef>
+          <a:fillRef idx="1">
+            <a:schemeClr val="accent1"/>
+          </a:fillRef>
+          <a:effectRef idx="0">
+            <a:schemeClr val="accent1"/>
+          </a:effectRef>
+          <a:fontRef idx="minor">
+            <a:schemeClr val="lt1"/>
+          </a:fontRef>
+        </p:style>
+        <p:txBody>
+          <a:bodyPr rtlCol="0" anchor="ctr"/>
+          <a:lstStyle/>
+          <a:p>
+            <a:pPr algn="ctr"/>
+            <a:r>
+              <a:rPr lang="en-US" sz="1200" dirty="0" err="1">
+                <a:solidFill>
+                  <a:schemeClr val="tx1"/>
+                </a:solidFill>
+                <a:latin typeface="Times New Roman" panose="02020603050405020304" pitchFamily="18" charset="0"/>
+                <a:ea typeface="Iosevka Fixed" panose="02000509030000000004" pitchFamily="49" charset="0"/>
+                <a:cs typeface="Times New Roman" panose="02020603050405020304" pitchFamily="18" charset="0"/>
+              </a:rPr>
+              <a:t>Sedia</a:t>
+            </a:r>
+            <a:r>
+              <a:rPr lang="en-US" sz="1200" dirty="0">
+                <a:solidFill>
+                  <a:schemeClr val="tx1"/>
+                </a:solidFill>
+                <a:latin typeface="Times New Roman" panose="02020603050405020304" pitchFamily="18" charset="0"/>
+                <a:ea typeface="Iosevka Fixed" panose="02000509030000000004" pitchFamily="49" charset="0"/>
+                <a:cs typeface="Times New Roman" panose="02020603050405020304" pitchFamily="18" charset="0"/>
+              </a:rPr>
+              <a:t> </a:t>
+            </a:r>
+            <a:r>
+              <a:rPr lang="en-US" sz="1200" dirty="0" err="1">
+                <a:solidFill>
+                  <a:schemeClr val="tx1"/>
+                </a:solidFill>
+                <a:latin typeface="Times New Roman" panose="02020603050405020304" pitchFamily="18" charset="0"/>
+                <a:ea typeface="Iosevka Fixed" panose="02000509030000000004" pitchFamily="49" charset="0"/>
+                <a:cs typeface="Times New Roman" panose="02020603050405020304" pitchFamily="18" charset="0"/>
+              </a:rPr>
+              <a:t>Ulasan</a:t>
+            </a:r>
+            <a:r>
+              <a:rPr lang="en-US" sz="1200" dirty="0">
+                <a:solidFill>
+                  <a:schemeClr val="tx1"/>
+                </a:solidFill>
+                <a:latin typeface="Times New Roman" panose="02020603050405020304" pitchFamily="18" charset="0"/>
+                <a:ea typeface="Iosevka Fixed" panose="02000509030000000004" pitchFamily="49" charset="0"/>
+                <a:cs typeface="Times New Roman" panose="02020603050405020304" pitchFamily="18" charset="0"/>
+              </a:rPr>
+              <a:t> </a:t>
+            </a:r>
+            <a:r>
+              <a:rPr lang="en-US" sz="1200" dirty="0" err="1">
+                <a:solidFill>
+                  <a:schemeClr val="tx1"/>
+                </a:solidFill>
+                <a:latin typeface="Times New Roman" panose="02020603050405020304" pitchFamily="18" charset="0"/>
+                <a:ea typeface="Iosevka Fixed" panose="02000509030000000004" pitchFamily="49" charset="0"/>
+                <a:cs typeface="Times New Roman" panose="02020603050405020304" pitchFamily="18" charset="0"/>
+              </a:rPr>
+              <a:t>Bajet</a:t>
+            </a:r>
+            <a:endParaRPr lang="en-MY" sz="1200" dirty="0">
+              <a:solidFill>
+                <a:schemeClr val="tx1"/>
+              </a:solidFill>
+              <a:latin typeface="Times New Roman" panose="02020603050405020304" pitchFamily="18" charset="0"/>
+              <a:ea typeface="Iosevka Fixed" panose="02000509030000000004" pitchFamily="49" charset="0"/>
+              <a:cs typeface="Times New Roman" panose="02020603050405020304" pitchFamily="18" charset="0"/>
+            </a:endParaRPr>
+          </a:p>
+        </p:txBody>
+      </p:sp>
+      <p:sp>
+        <p:nvSpPr>
+          <p:cNvPr id="12" name="Rectangle 11">
+            <a:extLst>
+              <a:ext uri="{FF2B5EF4-FFF2-40B4-BE49-F238E27FC236}">
+                <a16:creationId xmlns:a16="http://schemas.microsoft.com/office/drawing/2014/main" id="{D81244F4-4A32-4160-AE64-FD2EB4ECDCAA}"/>
+              </a:ext>
+            </a:extLst>
+          </p:cNvPr>
+          <p:cNvSpPr/>
+          <p:nvPr/>
+        </p:nvSpPr>
+        <p:spPr>
+          <a:xfrm>
+            <a:off x="2206410" y="3742246"/>
+            <a:ext cx="1179095" cy="613611"/>
+          </a:xfrm>
+          <a:prstGeom prst="rect">
+            <a:avLst/>
+          </a:prstGeom>
+          <a:solidFill>
+            <a:schemeClr val="accent6">
+              <a:lumMod val="40000"/>
+              <a:lumOff val="60000"/>
+            </a:schemeClr>
+          </a:solidFill>
+          <a:ln>
+            <a:solidFill>
+              <a:schemeClr val="accent5">
+                <a:lumMod val="50000"/>
+              </a:schemeClr>
+            </a:solidFill>
+          </a:ln>
+        </p:spPr>
+        <p:style>
+          <a:lnRef idx="2">
+            <a:schemeClr val="accent1">
+              <a:shade val="50000"/>
+            </a:schemeClr>
+          </a:lnRef>
+          <a:fillRef idx="1">
+            <a:schemeClr val="accent1"/>
+          </a:fillRef>
+          <a:effectRef idx="0">
+            <a:schemeClr val="accent1"/>
+          </a:effectRef>
+          <a:fontRef idx="minor">
+            <a:schemeClr val="lt1"/>
+          </a:fontRef>
+        </p:style>
+        <p:txBody>
+          <a:bodyPr rtlCol="0" anchor="ctr"/>
+          <a:lstStyle/>
+          <a:p>
+            <a:pPr algn="ctr"/>
+            <a:r>
+              <a:rPr lang="en-US" sz="1200" dirty="0" err="1">
+                <a:solidFill>
+                  <a:schemeClr val="tx1"/>
+                </a:solidFill>
+                <a:latin typeface="Times New Roman" panose="02020603050405020304" pitchFamily="18" charset="0"/>
+                <a:ea typeface="Iosevka Fixed" panose="02000509030000000004" pitchFamily="49" charset="0"/>
+                <a:cs typeface="Times New Roman" panose="02020603050405020304" pitchFamily="18" charset="0"/>
+              </a:rPr>
+              <a:t>Mohon</a:t>
+            </a:r>
+            <a:r>
+              <a:rPr lang="en-US" sz="1200" dirty="0">
+                <a:solidFill>
+                  <a:schemeClr val="tx1"/>
+                </a:solidFill>
+                <a:latin typeface="Times New Roman" panose="02020603050405020304" pitchFamily="18" charset="0"/>
+                <a:ea typeface="Iosevka Fixed" panose="02000509030000000004" pitchFamily="49" charset="0"/>
+                <a:cs typeface="Times New Roman" panose="02020603050405020304" pitchFamily="18" charset="0"/>
+              </a:rPr>
+              <a:t> </a:t>
+            </a:r>
+            <a:r>
+              <a:rPr lang="en-US" sz="1200" dirty="0" err="1">
+                <a:solidFill>
+                  <a:schemeClr val="tx1"/>
+                </a:solidFill>
+                <a:latin typeface="Times New Roman" panose="02020603050405020304" pitchFamily="18" charset="0"/>
+                <a:ea typeface="Iosevka Fixed" panose="02000509030000000004" pitchFamily="49" charset="0"/>
+                <a:cs typeface="Times New Roman" panose="02020603050405020304" pitchFamily="18" charset="0"/>
+              </a:rPr>
+              <a:t>Ulasan</a:t>
+            </a:r>
+            <a:r>
+              <a:rPr lang="en-US" sz="1200" dirty="0">
+                <a:solidFill>
+                  <a:schemeClr val="tx1"/>
+                </a:solidFill>
+                <a:latin typeface="Times New Roman" panose="02020603050405020304" pitchFamily="18" charset="0"/>
+                <a:ea typeface="Iosevka Fixed" panose="02000509030000000004" pitchFamily="49" charset="0"/>
+                <a:cs typeface="Times New Roman" panose="02020603050405020304" pitchFamily="18" charset="0"/>
+              </a:rPr>
+              <a:t> </a:t>
+            </a:r>
+            <a:r>
+              <a:rPr lang="en-US" sz="1200" dirty="0" err="1">
+                <a:solidFill>
+                  <a:schemeClr val="tx1"/>
+                </a:solidFill>
+                <a:latin typeface="Times New Roman" panose="02020603050405020304" pitchFamily="18" charset="0"/>
+                <a:ea typeface="Iosevka Fixed" panose="02000509030000000004" pitchFamily="49" charset="0"/>
+                <a:cs typeface="Times New Roman" panose="02020603050405020304" pitchFamily="18" charset="0"/>
+              </a:rPr>
+              <a:t>Bajet</a:t>
+            </a:r>
+            <a:endParaRPr lang="en-MY" sz="1200" dirty="0">
+              <a:solidFill>
+                <a:schemeClr val="tx1"/>
+              </a:solidFill>
+              <a:latin typeface="Times New Roman" panose="02020603050405020304" pitchFamily="18" charset="0"/>
+              <a:ea typeface="Iosevka Fixed" panose="02000509030000000004" pitchFamily="49" charset="0"/>
+              <a:cs typeface="Times New Roman" panose="02020603050405020304" pitchFamily="18" charset="0"/>
+            </a:endParaRPr>
+          </a:p>
+        </p:txBody>
+      </p:sp>
+      <p:cxnSp>
+        <p:nvCxnSpPr>
+          <p:cNvPr id="74" name="Connector: Elbow 73">
+            <a:extLst>
+              <a:ext uri="{FF2B5EF4-FFF2-40B4-BE49-F238E27FC236}">
+                <a16:creationId xmlns:a16="http://schemas.microsoft.com/office/drawing/2014/main" id="{68711823-3702-4491-8752-FCD7F41CF21B}"/>
+              </a:ext>
+            </a:extLst>
+          </p:cNvPr>
+          <p:cNvCxnSpPr>
+            <a:cxnSpLocks/>
+            <a:stCxn id="8" idx="2"/>
+            <a:endCxn id="70" idx="2"/>
+          </p:cNvCxnSpPr>
+          <p:nvPr/>
+        </p:nvCxnSpPr>
+        <p:spPr>
+          <a:xfrm rot="16200000" flipH="1">
+            <a:off x="4602285" y="-78168"/>
+            <a:ext cx="2962404" cy="9977590"/>
+          </a:xfrm>
+          <a:prstGeom prst="bentConnector3">
+            <a:avLst>
+              <a:gd name="adj1" fmla="val 107717"/>
+            </a:avLst>
+          </a:prstGeom>
+          <a:ln>
+            <a:tailEnd type="triangle"/>
+          </a:ln>
+        </p:spPr>
+        <p:style>
+          <a:lnRef idx="1">
+            <a:schemeClr val="accent1"/>
+          </a:lnRef>
+          <a:fillRef idx="0">
+            <a:schemeClr val="accent1"/>
+          </a:fillRef>
+          <a:effectRef idx="0">
+            <a:schemeClr val="accent1"/>
+          </a:effectRef>
+          <a:fontRef idx="minor">
+            <a:schemeClr val="tx1"/>
+          </a:fontRef>
+        </p:style>
+      </p:cxnSp>
+      <p:cxnSp>
+        <p:nvCxnSpPr>
+          <p:cNvPr id="84" name="Straight Arrow Connector 83">
+            <a:extLst>
+              <a:ext uri="{FF2B5EF4-FFF2-40B4-BE49-F238E27FC236}">
+                <a16:creationId xmlns:a16="http://schemas.microsoft.com/office/drawing/2014/main" id="{D3D71481-9164-4678-8F1E-39A3404C73C5}"/>
+              </a:ext>
+            </a:extLst>
+          </p:cNvPr>
+          <p:cNvCxnSpPr>
+            <a:cxnSpLocks/>
+          </p:cNvCxnSpPr>
+          <p:nvPr/>
+        </p:nvCxnSpPr>
+        <p:spPr>
+          <a:xfrm flipH="1" flipV="1">
+            <a:off x="11072282" y="4608513"/>
+            <a:ext cx="16311" cy="1783316"/>
+          </a:xfrm>
+          <a:prstGeom prst="straightConnector1">
+            <a:avLst/>
+          </a:prstGeom>
+          <a:ln>
+            <a:tailEnd type="triangle"/>
+          </a:ln>
+        </p:spPr>
+        <p:style>
+          <a:lnRef idx="1">
+            <a:schemeClr val="accent1"/>
+          </a:lnRef>
+          <a:fillRef idx="0">
+            <a:schemeClr val="accent1"/>
+          </a:fillRef>
+          <a:effectRef idx="0">
+            <a:schemeClr val="accent1"/>
+          </a:effectRef>
+          <a:fontRef idx="minor">
+            <a:schemeClr val="tx1"/>
+          </a:fontRef>
+        </p:style>
+      </p:cxnSp>
+      <p:cxnSp>
+        <p:nvCxnSpPr>
+          <p:cNvPr id="85" name="Straight Arrow Connector 84">
+            <a:extLst>
+              <a:ext uri="{FF2B5EF4-FFF2-40B4-BE49-F238E27FC236}">
+                <a16:creationId xmlns:a16="http://schemas.microsoft.com/office/drawing/2014/main" id="{E6B4863B-36C1-4949-80E6-C5D657BB320D}"/>
+              </a:ext>
+            </a:extLst>
+          </p:cNvPr>
+          <p:cNvCxnSpPr>
+            <a:cxnSpLocks/>
+            <a:stCxn id="23" idx="0"/>
+            <a:endCxn id="107" idx="2"/>
+          </p:cNvCxnSpPr>
+          <p:nvPr/>
+        </p:nvCxnSpPr>
+        <p:spPr>
+          <a:xfrm flipH="1" flipV="1">
+            <a:off x="8796712" y="4774687"/>
+            <a:ext cx="1375" cy="143793"/>
+          </a:xfrm>
+          <a:prstGeom prst="straightConnector1">
+            <a:avLst/>
+          </a:prstGeom>
+          <a:ln>
+            <a:tailEnd type="triangle"/>
+          </a:ln>
+        </p:spPr>
+        <p:style>
+          <a:lnRef idx="1">
+            <a:schemeClr val="accent1"/>
+          </a:lnRef>
+          <a:fillRef idx="0">
+            <a:schemeClr val="accent1"/>
+          </a:fillRef>
+          <a:effectRef idx="0">
+            <a:schemeClr val="accent1"/>
+          </a:effectRef>
+          <a:fontRef idx="minor">
+            <a:schemeClr val="tx1"/>
+          </a:fontRef>
+        </p:style>
+      </p:cxnSp>
+      <p:sp>
+        <p:nvSpPr>
+          <p:cNvPr id="88" name="TextBox 87">
+            <a:extLst>
+              <a:ext uri="{FF2B5EF4-FFF2-40B4-BE49-F238E27FC236}">
+                <a16:creationId xmlns:a16="http://schemas.microsoft.com/office/drawing/2014/main" id="{401FBCB7-D011-4CA7-99D6-F0069152A6C6}"/>
+              </a:ext>
+            </a:extLst>
+          </p:cNvPr>
+          <p:cNvSpPr txBox="1"/>
+          <p:nvPr/>
+        </p:nvSpPr>
+        <p:spPr>
+          <a:xfrm rot="16200000" flipH="1">
+            <a:off x="1135369" y="1210760"/>
+            <a:ext cx="1459054" cy="276999"/>
+          </a:xfrm>
+          <a:prstGeom prst="rect">
+            <a:avLst/>
+          </a:prstGeom>
+          <a:noFill/>
+        </p:spPr>
+        <p:txBody>
+          <a:bodyPr wrap="none" rtlCol="0">
+            <a:spAutoFit/>
+          </a:bodyPr>
+          <a:lstStyle/>
+          <a:p>
+            <a:r>
+              <a:rPr lang="en-US" sz="1200" dirty="0">
+                <a:solidFill>
+                  <a:srgbClr val="FF0000"/>
+                </a:solidFill>
+                <a:latin typeface="Times New Roman" panose="02020603050405020304" pitchFamily="18" charset="0"/>
+                <a:cs typeface="Times New Roman" panose="02020603050405020304" pitchFamily="18" charset="0"/>
+              </a:rPr>
+              <a:t>Maklumat </a:t>
+            </a:r>
+            <a:r>
+              <a:rPr lang="en-US" sz="1200" dirty="0" err="1">
+                <a:solidFill>
+                  <a:srgbClr val="FF0000"/>
+                </a:solidFill>
+                <a:latin typeface="Times New Roman" panose="02020603050405020304" pitchFamily="18" charset="0"/>
+                <a:cs typeface="Times New Roman" panose="02020603050405020304" pitchFamily="18" charset="0"/>
+              </a:rPr>
+              <a:t>tambahan</a:t>
+            </a:r>
+            <a:endParaRPr lang="en-MY" sz="1200" dirty="0">
+              <a:solidFill>
+                <a:srgbClr val="FF0000"/>
+              </a:solidFill>
+              <a:latin typeface="Times New Roman" panose="02020603050405020304" pitchFamily="18" charset="0"/>
+              <a:cs typeface="Times New Roman" panose="02020603050405020304" pitchFamily="18" charset="0"/>
+            </a:endParaRPr>
+          </a:p>
+        </p:txBody>
+      </p:sp>
+      <p:cxnSp>
+        <p:nvCxnSpPr>
+          <p:cNvPr id="102" name="Connector: Elbow 101">
+            <a:extLst>
+              <a:ext uri="{FF2B5EF4-FFF2-40B4-BE49-F238E27FC236}">
+                <a16:creationId xmlns:a16="http://schemas.microsoft.com/office/drawing/2014/main" id="{2EDDB2A8-55EF-463A-AE66-83DE174535C2}"/>
+              </a:ext>
+            </a:extLst>
+          </p:cNvPr>
+          <p:cNvCxnSpPr>
+            <a:stCxn id="16" idx="2"/>
+            <a:endCxn id="19" idx="2"/>
+          </p:cNvCxnSpPr>
+          <p:nvPr/>
+        </p:nvCxnSpPr>
+        <p:spPr>
+          <a:xfrm rot="16200000" flipH="1">
+            <a:off x="5686153" y="3283056"/>
+            <a:ext cx="221739" cy="6002132"/>
+          </a:xfrm>
+          <a:prstGeom prst="bentConnector3">
+            <a:avLst>
+              <a:gd name="adj1" fmla="val 203094"/>
+            </a:avLst>
+          </a:prstGeom>
+          <a:ln>
+            <a:tailEnd type="triangle"/>
+          </a:ln>
+        </p:spPr>
+        <p:style>
+          <a:lnRef idx="1">
+            <a:schemeClr val="accent1"/>
+          </a:lnRef>
+          <a:fillRef idx="0">
+            <a:schemeClr val="accent1"/>
+          </a:fillRef>
+          <a:effectRef idx="0">
+            <a:schemeClr val="accent1"/>
+          </a:effectRef>
+          <a:fontRef idx="minor">
+            <a:schemeClr val="tx1"/>
+          </a:fontRef>
+        </p:style>
+      </p:cxnSp>
+      <p:cxnSp>
+        <p:nvCxnSpPr>
+          <p:cNvPr id="104" name="Connector: Elbow 103">
+            <a:extLst>
+              <a:ext uri="{FF2B5EF4-FFF2-40B4-BE49-F238E27FC236}">
+                <a16:creationId xmlns:a16="http://schemas.microsoft.com/office/drawing/2014/main" id="{BE468A99-12BA-494B-95C6-B4B31749AF3F}"/>
+              </a:ext>
+            </a:extLst>
+          </p:cNvPr>
+          <p:cNvCxnSpPr>
+            <a:stCxn id="22" idx="2"/>
+            <a:endCxn id="19" idx="2"/>
+          </p:cNvCxnSpPr>
+          <p:nvPr/>
+        </p:nvCxnSpPr>
+        <p:spPr>
+          <a:xfrm rot="16200000" flipH="1">
+            <a:off x="6696405" y="4293308"/>
+            <a:ext cx="221739" cy="3981627"/>
+          </a:xfrm>
+          <a:prstGeom prst="bentConnector3">
+            <a:avLst>
+              <a:gd name="adj1" fmla="val 203094"/>
+            </a:avLst>
+          </a:prstGeom>
+          <a:ln>
+            <a:tailEnd type="triangle"/>
+          </a:ln>
+        </p:spPr>
+        <p:style>
+          <a:lnRef idx="1">
+            <a:schemeClr val="accent1"/>
+          </a:lnRef>
+          <a:fillRef idx="0">
+            <a:schemeClr val="accent1"/>
+          </a:fillRef>
+          <a:effectRef idx="0">
+            <a:schemeClr val="accent1"/>
+          </a:effectRef>
+          <a:fontRef idx="minor">
+            <a:schemeClr val="tx1"/>
+          </a:fontRef>
+        </p:style>
+      </p:cxnSp>
+      <p:cxnSp>
+        <p:nvCxnSpPr>
+          <p:cNvPr id="106" name="Connector: Elbow 105">
+            <a:extLst>
+              <a:ext uri="{FF2B5EF4-FFF2-40B4-BE49-F238E27FC236}">
+                <a16:creationId xmlns:a16="http://schemas.microsoft.com/office/drawing/2014/main" id="{7C22E219-0B82-4226-B2D0-B536C301188F}"/>
+              </a:ext>
+            </a:extLst>
+          </p:cNvPr>
+          <p:cNvCxnSpPr>
+            <a:cxnSpLocks/>
+            <a:stCxn id="18" idx="2"/>
+            <a:endCxn id="19" idx="2"/>
+          </p:cNvCxnSpPr>
+          <p:nvPr/>
+        </p:nvCxnSpPr>
+        <p:spPr>
+          <a:xfrm rot="16200000" flipH="1">
+            <a:off x="7372387" y="4969290"/>
+            <a:ext cx="245385" cy="2606017"/>
+          </a:xfrm>
+          <a:prstGeom prst="bentConnector3">
+            <a:avLst>
+              <a:gd name="adj1" fmla="val 193160"/>
+            </a:avLst>
+          </a:prstGeom>
+          <a:ln>
+            <a:tailEnd type="triangle"/>
+          </a:ln>
+        </p:spPr>
+        <p:style>
+          <a:lnRef idx="1">
+            <a:schemeClr val="accent1"/>
+          </a:lnRef>
+          <a:fillRef idx="0">
+            <a:schemeClr val="accent1"/>
+          </a:fillRef>
+          <a:effectRef idx="0">
+            <a:schemeClr val="accent1"/>
+          </a:effectRef>
+          <a:fontRef idx="minor">
+            <a:schemeClr val="tx1"/>
+          </a:fontRef>
+        </p:style>
+      </p:cxnSp>
+      <p:sp>
+        <p:nvSpPr>
+          <p:cNvPr id="107" name="Diamond 106">
+            <a:extLst>
+              <a:ext uri="{FF2B5EF4-FFF2-40B4-BE49-F238E27FC236}">
+                <a16:creationId xmlns:a16="http://schemas.microsoft.com/office/drawing/2014/main" id="{408948DF-6D8D-48E8-B39D-31621EF7DF0A}"/>
+              </a:ext>
+            </a:extLst>
+          </p:cNvPr>
+          <p:cNvSpPr/>
+          <p:nvPr/>
+        </p:nvSpPr>
+        <p:spPr>
+          <a:xfrm>
+            <a:off x="8694322" y="4516862"/>
+            <a:ext cx="204779" cy="257825"/>
+          </a:xfrm>
+          <a:prstGeom prst="diamond">
+            <a:avLst/>
+          </a:prstGeom>
+        </p:spPr>
+        <p:style>
+          <a:lnRef idx="2">
+            <a:schemeClr val="accent1">
+              <a:shade val="50000"/>
+            </a:schemeClr>
+          </a:lnRef>
+          <a:fillRef idx="1">
+            <a:schemeClr val="accent1"/>
+          </a:fillRef>
+          <a:effectRef idx="0">
+            <a:schemeClr val="accent1"/>
+          </a:effectRef>
+          <a:fontRef idx="minor">
+            <a:schemeClr val="lt1"/>
+          </a:fontRef>
+        </p:style>
+        <p:txBody>
+          <a:bodyPr rtlCol="0" anchor="ctr"/>
+          <a:lstStyle/>
+          <a:p>
+            <a:pPr algn="ctr"/>
+            <a:endParaRPr lang="en-MY"/>
+          </a:p>
+        </p:txBody>
+      </p:sp>
+      <p:cxnSp>
+        <p:nvCxnSpPr>
+          <p:cNvPr id="112" name="Connector: Elbow 111">
+            <a:extLst>
+              <a:ext uri="{FF2B5EF4-FFF2-40B4-BE49-F238E27FC236}">
+                <a16:creationId xmlns:a16="http://schemas.microsoft.com/office/drawing/2014/main" id="{95EAB6A6-92E7-4890-860E-DE08290219E3}"/>
+              </a:ext>
+            </a:extLst>
+          </p:cNvPr>
+          <p:cNvCxnSpPr>
+            <a:stCxn id="107" idx="1"/>
+            <a:endCxn id="25" idx="2"/>
+          </p:cNvCxnSpPr>
+          <p:nvPr/>
+        </p:nvCxnSpPr>
+        <p:spPr>
+          <a:xfrm rot="10800000">
+            <a:off x="8285878" y="4420721"/>
+            <a:ext cx="408444" cy="225055"/>
+          </a:xfrm>
+          <a:prstGeom prst="bentConnector2">
+            <a:avLst/>
+          </a:prstGeom>
+          <a:ln>
+            <a:tailEnd type="triangle"/>
+          </a:ln>
+        </p:spPr>
+        <p:style>
+          <a:lnRef idx="1">
+            <a:schemeClr val="accent1"/>
+          </a:lnRef>
+          <a:fillRef idx="0">
+            <a:schemeClr val="accent1"/>
+          </a:fillRef>
+          <a:effectRef idx="0">
+            <a:schemeClr val="accent1"/>
+          </a:effectRef>
+          <a:fontRef idx="minor">
+            <a:schemeClr val="tx1"/>
+          </a:fontRef>
+        </p:style>
+      </p:cxnSp>
+      <p:cxnSp>
+        <p:nvCxnSpPr>
+          <p:cNvPr id="114" name="Connector: Elbow 113">
+            <a:extLst>
+              <a:ext uri="{FF2B5EF4-FFF2-40B4-BE49-F238E27FC236}">
+                <a16:creationId xmlns:a16="http://schemas.microsoft.com/office/drawing/2014/main" id="{ABEDBF6B-72FB-4559-8C49-5F867226E253}"/>
+              </a:ext>
+            </a:extLst>
+          </p:cNvPr>
+          <p:cNvCxnSpPr>
+            <a:stCxn id="107" idx="3"/>
+            <a:endCxn id="26" idx="2"/>
+          </p:cNvCxnSpPr>
+          <p:nvPr/>
+        </p:nvCxnSpPr>
+        <p:spPr>
+          <a:xfrm flipV="1">
+            <a:off x="8899101" y="4419438"/>
+            <a:ext cx="395794" cy="226337"/>
+          </a:xfrm>
+          <a:prstGeom prst="bentConnector2">
+            <a:avLst/>
+          </a:prstGeom>
+          <a:ln>
+            <a:tailEnd type="triangle"/>
+          </a:ln>
+        </p:spPr>
+        <p:style>
+          <a:lnRef idx="1">
+            <a:schemeClr val="accent1"/>
+          </a:lnRef>
+          <a:fillRef idx="0">
+            <a:schemeClr val="accent1"/>
+          </a:fillRef>
+          <a:effectRef idx="0">
+            <a:schemeClr val="accent1"/>
+          </a:effectRef>
+          <a:fontRef idx="minor">
+            <a:schemeClr val="tx1"/>
+          </a:fontRef>
+        </p:style>
+      </p:cxnSp>
+      <p:cxnSp>
+        <p:nvCxnSpPr>
+          <p:cNvPr id="115" name="Straight Arrow Connector 114">
+            <a:extLst>
+              <a:ext uri="{FF2B5EF4-FFF2-40B4-BE49-F238E27FC236}">
+                <a16:creationId xmlns:a16="http://schemas.microsoft.com/office/drawing/2014/main" id="{22C9C940-0768-4EAE-B6E4-E12811636D58}"/>
+              </a:ext>
+            </a:extLst>
+          </p:cNvPr>
+          <p:cNvCxnSpPr>
+            <a:cxnSpLocks/>
+            <a:stCxn id="19" idx="0"/>
+            <a:endCxn id="23" idx="2"/>
+          </p:cNvCxnSpPr>
+          <p:nvPr/>
+        </p:nvCxnSpPr>
+        <p:spPr>
+          <a:xfrm flipH="1" flipV="1">
+            <a:off x="8798087" y="5532091"/>
+            <a:ext cx="1" cy="249290"/>
+          </a:xfrm>
+          <a:prstGeom prst="straightConnector1">
+            <a:avLst/>
+          </a:prstGeom>
+          <a:ln>
+            <a:tailEnd type="triangle"/>
+          </a:ln>
+        </p:spPr>
+        <p:style>
+          <a:lnRef idx="1">
+            <a:schemeClr val="accent1"/>
+          </a:lnRef>
+          <a:fillRef idx="0">
+            <a:schemeClr val="accent1"/>
+          </a:fillRef>
+          <a:effectRef idx="0">
+            <a:schemeClr val="accent1"/>
+          </a:effectRef>
+          <a:fontRef idx="minor">
+            <a:schemeClr val="tx1"/>
+          </a:fontRef>
+        </p:style>
+      </p:cxnSp>
+      <p:cxnSp>
+        <p:nvCxnSpPr>
+          <p:cNvPr id="119" name="Connector: Elbow 118">
+            <a:extLst>
+              <a:ext uri="{FF2B5EF4-FFF2-40B4-BE49-F238E27FC236}">
+                <a16:creationId xmlns:a16="http://schemas.microsoft.com/office/drawing/2014/main" id="{690A9AC3-2751-45CD-8EEA-19297808A96E}"/>
+              </a:ext>
+            </a:extLst>
+          </p:cNvPr>
+          <p:cNvCxnSpPr>
+            <a:stCxn id="26" idx="0"/>
+            <a:endCxn id="27" idx="2"/>
+          </p:cNvCxnSpPr>
+          <p:nvPr/>
+        </p:nvCxnSpPr>
+        <p:spPr>
+          <a:xfrm rot="16200000" flipV="1">
+            <a:off x="8912731" y="3423663"/>
+            <a:ext cx="267520" cy="496808"/>
+          </a:xfrm>
+          <a:prstGeom prst="bentConnector3">
+            <a:avLst/>
+          </a:prstGeom>
+          <a:ln>
+            <a:tailEnd type="triangle"/>
+          </a:ln>
+        </p:spPr>
+        <p:style>
+          <a:lnRef idx="1">
+            <a:schemeClr val="accent1"/>
+          </a:lnRef>
+          <a:fillRef idx="0">
+            <a:schemeClr val="accent1"/>
+          </a:fillRef>
+          <a:effectRef idx="0">
+            <a:schemeClr val="accent1"/>
+          </a:effectRef>
+          <a:fontRef idx="minor">
+            <a:schemeClr val="tx1"/>
+          </a:fontRef>
+        </p:style>
+      </p:cxnSp>
+      <p:cxnSp>
+        <p:nvCxnSpPr>
+          <p:cNvPr id="121" name="Connector: Elbow 120">
+            <a:extLst>
+              <a:ext uri="{FF2B5EF4-FFF2-40B4-BE49-F238E27FC236}">
+                <a16:creationId xmlns:a16="http://schemas.microsoft.com/office/drawing/2014/main" id="{F0E6CD1E-AFF9-425B-85A3-E5D1B807A022}"/>
+              </a:ext>
+            </a:extLst>
+          </p:cNvPr>
+          <p:cNvCxnSpPr>
+            <a:stCxn id="25" idx="0"/>
+            <a:endCxn id="27" idx="2"/>
+          </p:cNvCxnSpPr>
+          <p:nvPr/>
+        </p:nvCxnSpPr>
+        <p:spPr>
+          <a:xfrm rot="5400000" flipH="1" flipV="1">
+            <a:off x="8407581" y="3416604"/>
+            <a:ext cx="268802" cy="512209"/>
+          </a:xfrm>
+          <a:prstGeom prst="bentConnector3">
+            <a:avLst/>
+          </a:prstGeom>
+          <a:ln>
+            <a:tailEnd type="triangle"/>
+          </a:ln>
+        </p:spPr>
+        <p:style>
+          <a:lnRef idx="1">
+            <a:schemeClr val="accent1"/>
+          </a:lnRef>
+          <a:fillRef idx="0">
+            <a:schemeClr val="accent1"/>
+          </a:fillRef>
+          <a:effectRef idx="0">
+            <a:schemeClr val="accent1"/>
+          </a:effectRef>
+          <a:fontRef idx="minor">
+            <a:schemeClr val="tx1"/>
+          </a:fontRef>
+        </p:style>
+      </p:cxnSp>
+      <p:cxnSp>
+        <p:nvCxnSpPr>
+          <p:cNvPr id="123" name="Straight Arrow Connector 122">
+            <a:extLst>
+              <a:ext uri="{FF2B5EF4-FFF2-40B4-BE49-F238E27FC236}">
+                <a16:creationId xmlns:a16="http://schemas.microsoft.com/office/drawing/2014/main" id="{880A11CD-B841-4BA1-AAD6-2ED5A889F565}"/>
+              </a:ext>
+            </a:extLst>
+          </p:cNvPr>
+          <p:cNvCxnSpPr>
+            <a:stCxn id="24" idx="0"/>
+            <a:endCxn id="28" idx="2"/>
+          </p:cNvCxnSpPr>
+          <p:nvPr/>
+        </p:nvCxnSpPr>
+        <p:spPr>
+          <a:xfrm flipH="1" flipV="1">
+            <a:off x="11084583" y="3538307"/>
+            <a:ext cx="4010" cy="456595"/>
+          </a:xfrm>
+          <a:prstGeom prst="straightConnector1">
+            <a:avLst/>
+          </a:prstGeom>
+          <a:ln>
+            <a:tailEnd type="triangle"/>
+          </a:ln>
+        </p:spPr>
+        <p:style>
+          <a:lnRef idx="1">
+            <a:schemeClr val="accent1"/>
+          </a:lnRef>
+          <a:fillRef idx="0">
+            <a:schemeClr val="accent1"/>
+          </a:fillRef>
+          <a:effectRef idx="0">
+            <a:schemeClr val="accent1"/>
+          </a:effectRef>
+          <a:fontRef idx="minor">
+            <a:schemeClr val="tx1"/>
+          </a:fontRef>
+        </p:style>
+      </p:cxnSp>
+      <p:cxnSp>
+        <p:nvCxnSpPr>
+          <p:cNvPr id="125" name="Straight Arrow Connector 124">
+            <a:extLst>
+              <a:ext uri="{FF2B5EF4-FFF2-40B4-BE49-F238E27FC236}">
+                <a16:creationId xmlns:a16="http://schemas.microsoft.com/office/drawing/2014/main" id="{86530763-867B-40A6-BA9E-295533DC2BF0}"/>
+              </a:ext>
+            </a:extLst>
+          </p:cNvPr>
+          <p:cNvCxnSpPr>
+            <a:stCxn id="27" idx="3"/>
+            <a:endCxn id="28" idx="1"/>
+          </p:cNvCxnSpPr>
+          <p:nvPr/>
+        </p:nvCxnSpPr>
+        <p:spPr>
+          <a:xfrm>
+            <a:off x="9387634" y="3231502"/>
+            <a:ext cx="1107401" cy="0"/>
+          </a:xfrm>
+          <a:prstGeom prst="straightConnector1">
+            <a:avLst/>
+          </a:prstGeom>
+          <a:ln>
+            <a:tailEnd type="triangle"/>
+          </a:ln>
+        </p:spPr>
+        <p:style>
+          <a:lnRef idx="1">
+            <a:schemeClr val="accent1"/>
+          </a:lnRef>
+          <a:fillRef idx="0">
+            <a:schemeClr val="accent1"/>
+          </a:fillRef>
+          <a:effectRef idx="0">
+            <a:schemeClr val="accent1"/>
+          </a:effectRef>
+          <a:fontRef idx="minor">
+            <a:schemeClr val="tx1"/>
+          </a:fontRef>
+        </p:style>
+      </p:cxnSp>
+      <p:cxnSp>
+        <p:nvCxnSpPr>
+          <p:cNvPr id="127" name="Straight Arrow Connector 126">
+            <a:extLst>
+              <a:ext uri="{FF2B5EF4-FFF2-40B4-BE49-F238E27FC236}">
+                <a16:creationId xmlns:a16="http://schemas.microsoft.com/office/drawing/2014/main" id="{2A171D68-B060-460F-88DD-B021932F2207}"/>
+              </a:ext>
+            </a:extLst>
+          </p:cNvPr>
+          <p:cNvCxnSpPr>
+            <a:stCxn id="28" idx="0"/>
+            <a:endCxn id="29" idx="2"/>
+          </p:cNvCxnSpPr>
+          <p:nvPr/>
+        </p:nvCxnSpPr>
+        <p:spPr>
+          <a:xfrm flipV="1">
+            <a:off x="11084583" y="2568741"/>
+            <a:ext cx="0" cy="355955"/>
+          </a:xfrm>
+          <a:prstGeom prst="straightConnector1">
+            <a:avLst/>
+          </a:prstGeom>
+          <a:ln>
+            <a:tailEnd type="triangle"/>
+          </a:ln>
+        </p:spPr>
+        <p:style>
+          <a:lnRef idx="1">
+            <a:schemeClr val="accent1"/>
+          </a:lnRef>
+          <a:fillRef idx="0">
+            <a:schemeClr val="accent1"/>
+          </a:fillRef>
+          <a:effectRef idx="0">
+            <a:schemeClr val="accent1"/>
+          </a:effectRef>
+          <a:fontRef idx="minor">
+            <a:schemeClr val="tx1"/>
+          </a:fontRef>
+        </p:style>
+      </p:cxnSp>
+      <p:cxnSp>
+        <p:nvCxnSpPr>
+          <p:cNvPr id="129" name="Straight Arrow Connector 128">
+            <a:extLst>
+              <a:ext uri="{FF2B5EF4-FFF2-40B4-BE49-F238E27FC236}">
+                <a16:creationId xmlns:a16="http://schemas.microsoft.com/office/drawing/2014/main" id="{95C3A37B-0556-436F-9CEB-6DBC5541BC18}"/>
+              </a:ext>
+            </a:extLst>
+          </p:cNvPr>
+          <p:cNvCxnSpPr>
+            <a:stCxn id="29" idx="0"/>
+            <a:endCxn id="30" idx="2"/>
+          </p:cNvCxnSpPr>
+          <p:nvPr/>
+        </p:nvCxnSpPr>
+        <p:spPr>
+          <a:xfrm flipH="1" flipV="1">
+            <a:off x="11075454" y="1599175"/>
+            <a:ext cx="9129" cy="355955"/>
+          </a:xfrm>
+          <a:prstGeom prst="straightConnector1">
+            <a:avLst/>
+          </a:prstGeom>
+          <a:ln>
+            <a:tailEnd type="triangle"/>
+          </a:ln>
+        </p:spPr>
+        <p:style>
+          <a:lnRef idx="1">
+            <a:schemeClr val="accent1"/>
+          </a:lnRef>
+          <a:fillRef idx="0">
+            <a:schemeClr val="accent1"/>
+          </a:fillRef>
+          <a:effectRef idx="0">
+            <a:schemeClr val="accent1"/>
+          </a:effectRef>
+          <a:fontRef idx="minor">
+            <a:schemeClr val="tx1"/>
+          </a:fontRef>
+        </p:style>
+      </p:cxnSp>
+      <p:cxnSp>
+        <p:nvCxnSpPr>
+          <p:cNvPr id="131" name="Straight Arrow Connector 130">
+            <a:extLst>
+              <a:ext uri="{FF2B5EF4-FFF2-40B4-BE49-F238E27FC236}">
+                <a16:creationId xmlns:a16="http://schemas.microsoft.com/office/drawing/2014/main" id="{5330CAF7-BC8F-4D71-AFBC-30477391C5C0}"/>
+              </a:ext>
+            </a:extLst>
+          </p:cNvPr>
+          <p:cNvCxnSpPr>
+            <a:stCxn id="30" idx="0"/>
+            <a:endCxn id="32" idx="4"/>
+          </p:cNvCxnSpPr>
+          <p:nvPr/>
+        </p:nvCxnSpPr>
+        <p:spPr>
+          <a:xfrm flipH="1" flipV="1">
+            <a:off x="11075453" y="531268"/>
+            <a:ext cx="1" cy="454296"/>
+          </a:xfrm>
+          <a:prstGeom prst="straightConnector1">
+            <a:avLst/>
+          </a:prstGeom>
+          <a:ln>
+            <a:tailEnd type="triangle"/>
+          </a:ln>
+        </p:spPr>
+        <p:style>
+          <a:lnRef idx="1">
+            <a:schemeClr val="accent1"/>
+          </a:lnRef>
+          <a:fillRef idx="0">
+            <a:schemeClr val="accent1"/>
+          </a:fillRef>
+          <a:effectRef idx="0">
+            <a:schemeClr val="accent1"/>
+          </a:effectRef>
+          <a:fontRef idx="minor">
+            <a:schemeClr val="tx1"/>
+          </a:fontRef>
+        </p:style>
+      </p:cxnSp>
+      <p:cxnSp>
+        <p:nvCxnSpPr>
+          <p:cNvPr id="151" name="Connector: Elbow 150">
+            <a:extLst>
+              <a:ext uri="{FF2B5EF4-FFF2-40B4-BE49-F238E27FC236}">
+                <a16:creationId xmlns:a16="http://schemas.microsoft.com/office/drawing/2014/main" id="{FFE1669C-A226-4668-934E-089888823ADD}"/>
+              </a:ext>
+            </a:extLst>
+          </p:cNvPr>
+          <p:cNvCxnSpPr>
+            <a:cxnSpLocks/>
+            <a:stCxn id="162" idx="1"/>
+            <a:endCxn id="8" idx="0"/>
+          </p:cNvCxnSpPr>
+          <p:nvPr/>
+        </p:nvCxnSpPr>
+        <p:spPr>
+          <a:xfrm rot="10800000" flipV="1">
+            <a:off x="1094692" y="2451962"/>
+            <a:ext cx="1575682" cy="363851"/>
+          </a:xfrm>
+          <a:prstGeom prst="bentConnector2">
+            <a:avLst/>
+          </a:prstGeom>
+          <a:ln>
+            <a:tailEnd type="triangle"/>
+          </a:ln>
+        </p:spPr>
+        <p:style>
+          <a:lnRef idx="1">
+            <a:schemeClr val="accent1"/>
+          </a:lnRef>
+          <a:fillRef idx="0">
+            <a:schemeClr val="accent1"/>
+          </a:fillRef>
+          <a:effectRef idx="0">
+            <a:schemeClr val="accent1"/>
+          </a:effectRef>
+          <a:fontRef idx="minor">
+            <a:schemeClr val="tx1"/>
+          </a:fontRef>
+        </p:style>
+      </p:cxnSp>
+      <p:cxnSp>
+        <p:nvCxnSpPr>
+          <p:cNvPr id="153" name="Connector: Elbow 152">
+            <a:extLst>
+              <a:ext uri="{FF2B5EF4-FFF2-40B4-BE49-F238E27FC236}">
+                <a16:creationId xmlns:a16="http://schemas.microsoft.com/office/drawing/2014/main" id="{DAE32F2C-159B-44E5-B852-95EF1310EF05}"/>
+              </a:ext>
+            </a:extLst>
+          </p:cNvPr>
+          <p:cNvCxnSpPr>
+            <a:cxnSpLocks/>
+            <a:stCxn id="162" idx="3"/>
+            <a:endCxn id="11" idx="0"/>
+          </p:cNvCxnSpPr>
+          <p:nvPr/>
+        </p:nvCxnSpPr>
+        <p:spPr>
+          <a:xfrm>
+            <a:off x="2920306" y="2451963"/>
+            <a:ext cx="2561899" cy="363850"/>
+          </a:xfrm>
+          <a:prstGeom prst="bentConnector2">
+            <a:avLst/>
+          </a:prstGeom>
+          <a:ln>
+            <a:tailEnd type="triangle"/>
+          </a:ln>
+        </p:spPr>
+        <p:style>
+          <a:lnRef idx="1">
+            <a:schemeClr val="accent1"/>
+          </a:lnRef>
+          <a:fillRef idx="0">
+            <a:schemeClr val="accent1"/>
+          </a:fillRef>
+          <a:effectRef idx="0">
+            <a:schemeClr val="accent1"/>
+          </a:effectRef>
+          <a:fontRef idx="minor">
+            <a:schemeClr val="tx1"/>
+          </a:fontRef>
+        </p:style>
+      </p:cxnSp>
+      <p:cxnSp>
+        <p:nvCxnSpPr>
+          <p:cNvPr id="155" name="Connector: Elbow 154">
+            <a:extLst>
+              <a:ext uri="{FF2B5EF4-FFF2-40B4-BE49-F238E27FC236}">
+                <a16:creationId xmlns:a16="http://schemas.microsoft.com/office/drawing/2014/main" id="{CDBE4033-1A2E-4310-B886-B650667AE283}"/>
+              </a:ext>
+            </a:extLst>
+          </p:cNvPr>
+          <p:cNvCxnSpPr>
+            <a:stCxn id="11" idx="2"/>
+            <a:endCxn id="20" idx="0"/>
+          </p:cNvCxnSpPr>
+          <p:nvPr/>
+        </p:nvCxnSpPr>
+        <p:spPr>
+          <a:xfrm rot="5400000">
+            <a:off x="4992923" y="3252964"/>
+            <a:ext cx="312822" cy="665742"/>
+          </a:xfrm>
+          <a:prstGeom prst="bentConnector3">
+            <a:avLst/>
+          </a:prstGeom>
+          <a:ln>
+            <a:tailEnd type="triangle"/>
+          </a:ln>
+        </p:spPr>
+        <p:style>
+          <a:lnRef idx="1">
+            <a:schemeClr val="accent1"/>
+          </a:lnRef>
+          <a:fillRef idx="0">
+            <a:schemeClr val="accent1"/>
+          </a:fillRef>
+          <a:effectRef idx="0">
+            <a:schemeClr val="accent1"/>
+          </a:effectRef>
+          <a:fontRef idx="minor">
+            <a:schemeClr val="tx1"/>
+          </a:fontRef>
+        </p:style>
+      </p:cxnSp>
+      <p:cxnSp>
+        <p:nvCxnSpPr>
+          <p:cNvPr id="157" name="Connector: Elbow 156">
+            <a:extLst>
+              <a:ext uri="{FF2B5EF4-FFF2-40B4-BE49-F238E27FC236}">
+                <a16:creationId xmlns:a16="http://schemas.microsoft.com/office/drawing/2014/main" id="{E05F6982-2141-4776-A5E3-53FAD2F29E42}"/>
+              </a:ext>
+            </a:extLst>
+          </p:cNvPr>
+          <p:cNvCxnSpPr>
+            <a:stCxn id="11" idx="2"/>
+            <a:endCxn id="15" idx="0"/>
+          </p:cNvCxnSpPr>
+          <p:nvPr/>
+        </p:nvCxnSpPr>
+        <p:spPr>
+          <a:xfrm rot="16200000" flipH="1">
+            <a:off x="5676716" y="3234912"/>
+            <a:ext cx="312822" cy="701845"/>
+          </a:xfrm>
+          <a:prstGeom prst="bentConnector3">
+            <a:avLst/>
+          </a:prstGeom>
+          <a:ln>
+            <a:tailEnd type="triangle"/>
+          </a:ln>
+        </p:spPr>
+        <p:style>
+          <a:lnRef idx="1">
+            <a:schemeClr val="accent1"/>
+          </a:lnRef>
+          <a:fillRef idx="0">
+            <a:schemeClr val="accent1"/>
+          </a:fillRef>
+          <a:effectRef idx="0">
+            <a:schemeClr val="accent1"/>
+          </a:effectRef>
+          <a:fontRef idx="minor">
+            <a:schemeClr val="tx1"/>
+          </a:fontRef>
+        </p:style>
+      </p:cxnSp>
+      <p:sp>
+        <p:nvSpPr>
+          <p:cNvPr id="162" name="Diamond 161">
+            <a:extLst>
+              <a:ext uri="{FF2B5EF4-FFF2-40B4-BE49-F238E27FC236}">
+                <a16:creationId xmlns:a16="http://schemas.microsoft.com/office/drawing/2014/main" id="{78EEB04C-8128-4F9E-83BB-995982EAE269}"/>
+              </a:ext>
+            </a:extLst>
+          </p:cNvPr>
+          <p:cNvSpPr/>
+          <p:nvPr/>
+        </p:nvSpPr>
+        <p:spPr>
+          <a:xfrm>
+            <a:off x="2670374" y="2328730"/>
+            <a:ext cx="249932" cy="246466"/>
+          </a:xfrm>
+          <a:prstGeom prst="diamond">
+            <a:avLst/>
+          </a:prstGeom>
+        </p:spPr>
+        <p:style>
+          <a:lnRef idx="2">
+            <a:schemeClr val="accent1">
+              <a:shade val="50000"/>
+            </a:schemeClr>
+          </a:lnRef>
+          <a:fillRef idx="1">
+            <a:schemeClr val="accent1"/>
+          </a:fillRef>
+          <a:effectRef idx="0">
+            <a:schemeClr val="accent1"/>
+          </a:effectRef>
+          <a:fontRef idx="minor">
+            <a:schemeClr val="lt1"/>
+          </a:fontRef>
+        </p:style>
+        <p:txBody>
+          <a:bodyPr rtlCol="0" anchor="ctr"/>
+          <a:lstStyle/>
+          <a:p>
+            <a:pPr algn="ctr"/>
+            <a:endParaRPr lang="en-MY"/>
+          </a:p>
+        </p:txBody>
+      </p:sp>
+      <p:cxnSp>
+        <p:nvCxnSpPr>
+          <p:cNvPr id="169" name="Straight Arrow Connector 168">
+            <a:extLst>
+              <a:ext uri="{FF2B5EF4-FFF2-40B4-BE49-F238E27FC236}">
+                <a16:creationId xmlns:a16="http://schemas.microsoft.com/office/drawing/2014/main" id="{464133E4-0EA2-4C4F-B87A-497804B174A1}"/>
+              </a:ext>
+            </a:extLst>
+          </p:cNvPr>
+          <p:cNvCxnSpPr>
+            <a:stCxn id="162" idx="2"/>
+            <a:endCxn id="10" idx="0"/>
+          </p:cNvCxnSpPr>
+          <p:nvPr/>
+        </p:nvCxnSpPr>
+        <p:spPr>
+          <a:xfrm>
+            <a:off x="2795340" y="2575196"/>
+            <a:ext cx="616" cy="240618"/>
+          </a:xfrm>
+          <a:prstGeom prst="straightConnector1">
+            <a:avLst/>
+          </a:prstGeom>
+          <a:ln>
+            <a:tailEnd type="triangle"/>
+          </a:ln>
+        </p:spPr>
+        <p:style>
+          <a:lnRef idx="1">
+            <a:schemeClr val="accent1"/>
+          </a:lnRef>
+          <a:fillRef idx="0">
+            <a:schemeClr val="accent1"/>
+          </a:fillRef>
+          <a:effectRef idx="0">
+            <a:schemeClr val="accent1"/>
+          </a:effectRef>
+          <a:fontRef idx="minor">
+            <a:schemeClr val="tx1"/>
+          </a:fontRef>
+        </p:style>
+      </p:cxnSp>
+      <p:sp>
+        <p:nvSpPr>
+          <p:cNvPr id="170" name="TextBox 169">
+            <a:extLst>
+              <a:ext uri="{FF2B5EF4-FFF2-40B4-BE49-F238E27FC236}">
+                <a16:creationId xmlns:a16="http://schemas.microsoft.com/office/drawing/2014/main" id="{7436B9A8-3B63-4EE9-9CFA-59E6C509B4D2}"/>
               </a:ext>
             </a:extLst>
           </p:cNvPr>
@@ -8706,20 +12671,22 @@
         </p:nvSpPr>
         <p:spPr>
           <a:xfrm>
-            <a:off x="0" y="0"/>
-            <a:ext cx="2108499" cy="369332"/>
+            <a:off x="8285877" y="119280"/>
+            <a:ext cx="930327" cy="276999"/>
           </a:xfrm>
           <a:prstGeom prst="rect">
             <a:avLst/>
           </a:prstGeom>
           <a:solidFill>
-            <a:schemeClr val="tx1">
-              <a:lumMod val="50000"/>
-              <a:lumOff val="50000"/>
+            <a:schemeClr val="accent6">
+              <a:lumMod val="40000"/>
+              <a:lumOff val="60000"/>
             </a:schemeClr>
           </a:solidFill>
           <a:ln>
-            <a:noFill/>
+            <a:solidFill>
+              <a:schemeClr val="tx1"/>
+            </a:solidFill>
           </a:ln>
         </p:spPr>
         <p:txBody>
@@ -8729,17 +12696,317 @@
           <a:lstStyle/>
           <a:p>
             <a:r>
-              <a:rPr lang="en-US" dirty="0">
-                <a:solidFill>
-                  <a:schemeClr val="bg1"/>
-                </a:solidFill>
-              </a:rPr>
-              <a:t>Page: Login</a:t>
-            </a:r>
-            <a:endParaRPr lang="en-MY" dirty="0">
+              <a:rPr lang="en-US" sz="1200" dirty="0">
+                <a:latin typeface="Times New Roman" panose="02020603050405020304" pitchFamily="18" charset="0"/>
+                <a:cs typeface="Times New Roman" panose="02020603050405020304" pitchFamily="18" charset="0"/>
+              </a:rPr>
+              <a:t>BBP</a:t>
+            </a:r>
+            <a:endParaRPr lang="en-MY" sz="1200" dirty="0">
+              <a:latin typeface="Times New Roman" panose="02020603050405020304" pitchFamily="18" charset="0"/>
+              <a:cs typeface="Times New Roman" panose="02020603050405020304" pitchFamily="18" charset="0"/>
+            </a:endParaRPr>
+          </a:p>
+        </p:txBody>
+      </p:sp>
+      <p:sp>
+        <p:nvSpPr>
+          <p:cNvPr id="171" name="TextBox 170">
+            <a:extLst>
+              <a:ext uri="{FF2B5EF4-FFF2-40B4-BE49-F238E27FC236}">
+                <a16:creationId xmlns:a16="http://schemas.microsoft.com/office/drawing/2014/main" id="{4B39056C-5BC4-45A4-892E-6373D2435217}"/>
+              </a:ext>
+            </a:extLst>
+          </p:cNvPr>
+          <p:cNvSpPr txBox="1"/>
+          <p:nvPr/>
+        </p:nvSpPr>
+        <p:spPr>
+          <a:xfrm>
+            <a:off x="8285877" y="447214"/>
+            <a:ext cx="930327" cy="276999"/>
+          </a:xfrm>
+          <a:prstGeom prst="rect">
+            <a:avLst/>
+          </a:prstGeom>
+          <a:solidFill>
+            <a:schemeClr val="accent4">
+              <a:lumMod val="40000"/>
+              <a:lumOff val="60000"/>
+            </a:schemeClr>
+          </a:solidFill>
+          <a:ln>
+            <a:solidFill>
+              <a:schemeClr val="tx1"/>
+            </a:solidFill>
+          </a:ln>
+        </p:spPr>
+        <p:txBody>
+          <a:bodyPr wrap="square" rtlCol="0">
+            <a:spAutoFit/>
+          </a:bodyPr>
+          <a:lstStyle/>
+          <a:p>
+            <a:r>
+              <a:rPr lang="en-US" sz="1200" dirty="0">
+                <a:latin typeface="Times New Roman" panose="02020603050405020304" pitchFamily="18" charset="0"/>
+                <a:cs typeface="Times New Roman" panose="02020603050405020304" pitchFamily="18" charset="0"/>
+              </a:rPr>
+              <a:t>BPN</a:t>
+            </a:r>
+            <a:endParaRPr lang="en-MY" sz="1200" dirty="0">
+              <a:latin typeface="Times New Roman" panose="02020603050405020304" pitchFamily="18" charset="0"/>
+              <a:cs typeface="Times New Roman" panose="02020603050405020304" pitchFamily="18" charset="0"/>
+            </a:endParaRPr>
+          </a:p>
+        </p:txBody>
+      </p:sp>
+      <p:sp>
+        <p:nvSpPr>
+          <p:cNvPr id="172" name="TextBox 171">
+            <a:extLst>
+              <a:ext uri="{FF2B5EF4-FFF2-40B4-BE49-F238E27FC236}">
+                <a16:creationId xmlns:a16="http://schemas.microsoft.com/office/drawing/2014/main" id="{B0D99F46-3F1F-4CBD-988C-01D8F52334D6}"/>
+              </a:ext>
+            </a:extLst>
+          </p:cNvPr>
+          <p:cNvSpPr txBox="1"/>
+          <p:nvPr/>
+        </p:nvSpPr>
+        <p:spPr>
+          <a:xfrm>
+            <a:off x="8285877" y="764503"/>
+            <a:ext cx="930327" cy="276999"/>
+          </a:xfrm>
+          <a:prstGeom prst="rect">
+            <a:avLst/>
+          </a:prstGeom>
+          <a:solidFill>
+            <a:schemeClr val="accent5">
+              <a:lumMod val="60000"/>
+              <a:lumOff val="40000"/>
+            </a:schemeClr>
+          </a:solidFill>
+          <a:ln>
+            <a:solidFill>
+              <a:schemeClr val="tx1"/>
+            </a:solidFill>
+          </a:ln>
+        </p:spPr>
+        <p:txBody>
+          <a:bodyPr wrap="square" rtlCol="0">
+            <a:spAutoFit/>
+          </a:bodyPr>
+          <a:lstStyle/>
+          <a:p>
+            <a:r>
+              <a:rPr lang="en-US" sz="1200" dirty="0" err="1">
+                <a:latin typeface="Times New Roman" panose="02020603050405020304" pitchFamily="18" charset="0"/>
+                <a:cs typeface="Times New Roman" panose="02020603050405020304" pitchFamily="18" charset="0"/>
+              </a:rPr>
+              <a:t>Bahagian</a:t>
+            </a:r>
+            <a:endParaRPr lang="en-MY" sz="1200" dirty="0">
+              <a:latin typeface="Times New Roman" panose="02020603050405020304" pitchFamily="18" charset="0"/>
+              <a:cs typeface="Times New Roman" panose="02020603050405020304" pitchFamily="18" charset="0"/>
+            </a:endParaRPr>
+          </a:p>
+        </p:txBody>
+      </p:sp>
+      <p:sp>
+        <p:nvSpPr>
+          <p:cNvPr id="70" name="Rectangle 69">
+            <a:extLst>
+              <a:ext uri="{FF2B5EF4-FFF2-40B4-BE49-F238E27FC236}">
+                <a16:creationId xmlns:a16="http://schemas.microsoft.com/office/drawing/2014/main" id="{15CE6F3F-80F2-4F75-90B1-B47A7AE0CF23}"/>
+              </a:ext>
+            </a:extLst>
+          </p:cNvPr>
+          <p:cNvSpPr/>
+          <p:nvPr/>
+        </p:nvSpPr>
+        <p:spPr>
+          <a:xfrm>
+            <a:off x="10482734" y="5778218"/>
+            <a:ext cx="1179095" cy="613611"/>
+          </a:xfrm>
+          <a:prstGeom prst="rect">
+            <a:avLst/>
+          </a:prstGeom>
+          <a:solidFill>
+            <a:schemeClr val="accent5">
+              <a:lumMod val="60000"/>
+              <a:lumOff val="40000"/>
+            </a:schemeClr>
+          </a:solidFill>
+          <a:ln>
+            <a:solidFill>
+              <a:schemeClr val="accent5">
+                <a:lumMod val="50000"/>
+              </a:schemeClr>
+            </a:solidFill>
+          </a:ln>
+        </p:spPr>
+        <p:style>
+          <a:lnRef idx="2">
+            <a:schemeClr val="accent1">
+              <a:shade val="50000"/>
+            </a:schemeClr>
+          </a:lnRef>
+          <a:fillRef idx="1">
+            <a:schemeClr val="accent1"/>
+          </a:fillRef>
+          <a:effectRef idx="0">
+            <a:schemeClr val="accent1"/>
+          </a:effectRef>
+          <a:fontRef idx="minor">
+            <a:schemeClr val="lt1"/>
+          </a:fontRef>
+        </p:style>
+        <p:txBody>
+          <a:bodyPr rtlCol="0" anchor="ctr"/>
+          <a:lstStyle/>
+          <a:p>
+            <a:pPr algn="ctr"/>
+            <a:r>
+              <a:rPr lang="en-US" sz="1200" dirty="0" err="1">
+                <a:solidFill>
+                  <a:schemeClr val="tx1"/>
+                </a:solidFill>
+                <a:latin typeface="Times New Roman" panose="02020603050405020304" pitchFamily="18" charset="0"/>
+                <a:ea typeface="Iosevka Fixed" panose="02000509030000000004" pitchFamily="49" charset="0"/>
+                <a:cs typeface="Times New Roman" panose="02020603050405020304" pitchFamily="18" charset="0"/>
+              </a:rPr>
+              <a:t>Sedia</a:t>
+            </a:r>
+            <a:r>
+              <a:rPr lang="en-US" sz="1200" dirty="0">
+                <a:solidFill>
+                  <a:schemeClr val="tx1"/>
+                </a:solidFill>
+                <a:latin typeface="Times New Roman" panose="02020603050405020304" pitchFamily="18" charset="0"/>
+                <a:ea typeface="Iosevka Fixed" panose="02000509030000000004" pitchFamily="49" charset="0"/>
+                <a:cs typeface="Times New Roman" panose="02020603050405020304" pitchFamily="18" charset="0"/>
+              </a:rPr>
+              <a:t> Memo </a:t>
+            </a:r>
+            <a:r>
+              <a:rPr lang="en-US" sz="1200" dirty="0" err="1">
+                <a:solidFill>
+                  <a:schemeClr val="tx1"/>
+                </a:solidFill>
+                <a:latin typeface="Times New Roman" panose="02020603050405020304" pitchFamily="18" charset="0"/>
+                <a:ea typeface="Iosevka Fixed" panose="02000509030000000004" pitchFamily="49" charset="0"/>
+                <a:cs typeface="Times New Roman" panose="02020603050405020304" pitchFamily="18" charset="0"/>
+              </a:rPr>
+              <a:t>Kelulusan</a:t>
+            </a:r>
+            <a:endParaRPr lang="en-MY" sz="1200" dirty="0">
               <a:solidFill>
-                <a:schemeClr val="bg1"/>
+                <a:schemeClr val="tx1"/>
               </a:solidFill>
+              <a:latin typeface="Times New Roman" panose="02020603050405020304" pitchFamily="18" charset="0"/>
+              <a:ea typeface="Iosevka Fixed" panose="02000509030000000004" pitchFamily="49" charset="0"/>
+              <a:cs typeface="Times New Roman" panose="02020603050405020304" pitchFamily="18" charset="0"/>
+            </a:endParaRPr>
+          </a:p>
+        </p:txBody>
+      </p:sp>
+      <p:sp>
+        <p:nvSpPr>
+          <p:cNvPr id="71" name="Rectangle 70">
+            <a:extLst>
+              <a:ext uri="{FF2B5EF4-FFF2-40B4-BE49-F238E27FC236}">
+                <a16:creationId xmlns:a16="http://schemas.microsoft.com/office/drawing/2014/main" id="{734A3CED-15AB-4B7A-9BB8-5E7710993C16}"/>
+              </a:ext>
+            </a:extLst>
+          </p:cNvPr>
+          <p:cNvSpPr/>
+          <p:nvPr/>
+        </p:nvSpPr>
+        <p:spPr>
+          <a:xfrm>
+            <a:off x="10482733" y="4915317"/>
+            <a:ext cx="1179095" cy="613611"/>
+          </a:xfrm>
+          <a:prstGeom prst="rect">
+            <a:avLst/>
+          </a:prstGeom>
+          <a:solidFill>
+            <a:schemeClr val="accent5">
+              <a:lumMod val="60000"/>
+              <a:lumOff val="40000"/>
+            </a:schemeClr>
+          </a:solidFill>
+          <a:ln>
+            <a:solidFill>
+              <a:schemeClr val="accent5">
+                <a:lumMod val="50000"/>
+              </a:schemeClr>
+            </a:solidFill>
+          </a:ln>
+        </p:spPr>
+        <p:style>
+          <a:lnRef idx="2">
+            <a:schemeClr val="accent1">
+              <a:shade val="50000"/>
+            </a:schemeClr>
+          </a:lnRef>
+          <a:fillRef idx="1">
+            <a:schemeClr val="accent1"/>
+          </a:fillRef>
+          <a:effectRef idx="0">
+            <a:schemeClr val="accent1"/>
+          </a:effectRef>
+          <a:fontRef idx="minor">
+            <a:schemeClr val="lt1"/>
+          </a:fontRef>
+        </p:style>
+        <p:txBody>
+          <a:bodyPr rtlCol="0" anchor="ctr"/>
+          <a:lstStyle/>
+          <a:p>
+            <a:pPr algn="ctr"/>
+            <a:r>
+              <a:rPr lang="en-US" sz="1200" dirty="0" err="1">
+                <a:solidFill>
+                  <a:schemeClr val="tx1"/>
+                </a:solidFill>
+                <a:latin typeface="Times New Roman" panose="02020603050405020304" pitchFamily="18" charset="0"/>
+                <a:ea typeface="Iosevka Fixed" panose="02000509030000000004" pitchFamily="49" charset="0"/>
+                <a:cs typeface="Times New Roman" panose="02020603050405020304" pitchFamily="18" charset="0"/>
+              </a:rPr>
+              <a:t>Hantar</a:t>
+            </a:r>
+            <a:r>
+              <a:rPr lang="en-US" sz="1200" dirty="0">
+                <a:solidFill>
+                  <a:schemeClr val="tx1"/>
+                </a:solidFill>
+                <a:latin typeface="Times New Roman" panose="02020603050405020304" pitchFamily="18" charset="0"/>
+                <a:ea typeface="Iosevka Fixed" panose="02000509030000000004" pitchFamily="49" charset="0"/>
+                <a:cs typeface="Times New Roman" panose="02020603050405020304" pitchFamily="18" charset="0"/>
+              </a:rPr>
+              <a:t> Memo </a:t>
+            </a:r>
+            <a:r>
+              <a:rPr lang="en-US" sz="1200" dirty="0" err="1">
+                <a:solidFill>
+                  <a:schemeClr val="tx1"/>
+                </a:solidFill>
+                <a:latin typeface="Times New Roman" panose="02020603050405020304" pitchFamily="18" charset="0"/>
+                <a:ea typeface="Iosevka Fixed" panose="02000509030000000004" pitchFamily="49" charset="0"/>
+                <a:cs typeface="Times New Roman" panose="02020603050405020304" pitchFamily="18" charset="0"/>
+              </a:rPr>
+              <a:t>Kelulusan</a:t>
+            </a:r>
+            <a:endParaRPr lang="en-MY" sz="1200" dirty="0">
+              <a:solidFill>
+                <a:schemeClr val="tx1"/>
+              </a:solidFill>
+              <a:latin typeface="Times New Roman" panose="02020603050405020304" pitchFamily="18" charset="0"/>
+              <a:ea typeface="Iosevka Fixed" panose="02000509030000000004" pitchFamily="49" charset="0"/>
+              <a:cs typeface="Times New Roman" panose="02020603050405020304" pitchFamily="18" charset="0"/>
             </a:endParaRPr>
           </a:p>
         </p:txBody>
@@ -8747,7 +13014,7 @@
     </p:spTree>
     <p:extLst>
       <p:ext uri="{BB962C8B-B14F-4D97-AF65-F5344CB8AC3E}">
-        <p14:creationId xmlns:p14="http://schemas.microsoft.com/office/powerpoint/2010/main" val="97354817"/>
+        <p14:creationId xmlns:p14="http://schemas.microsoft.com/office/powerpoint/2010/main" val="500197050"/>
       </p:ext>
     </p:extLst>
   </p:cSld>
@@ -8779,7 +13046,7 @@
           <p:cNvPr id="4" name="Picture 3">
             <a:extLst>
               <a:ext uri="{FF2B5EF4-FFF2-40B4-BE49-F238E27FC236}">
-                <a16:creationId xmlns:a16="http://schemas.microsoft.com/office/drawing/2014/main" id="{B6698114-9A1F-4718-90BA-3550DF9904C1}"/>
+                <a16:creationId xmlns:a16="http://schemas.microsoft.com/office/drawing/2014/main" id="{9901CF19-5F94-4B65-BA91-38E70017A4F6}"/>
               </a:ext>
             </a:extLst>
           </p:cNvPr>
@@ -8796,8 +13063,8 @@
         </p:blipFill>
         <p:spPr>
           <a:xfrm>
-            <a:off x="0" y="369332"/>
-            <a:ext cx="12192000" cy="6220004"/>
+            <a:off x="0" y="369333"/>
+            <a:ext cx="12192000" cy="6214348"/>
           </a:xfrm>
           <a:prstGeom prst="rect">
             <a:avLst/>
@@ -8809,7 +13076,7 @@
           <p:cNvPr id="3" name="TextBox 2">
             <a:extLst>
               <a:ext uri="{FF2B5EF4-FFF2-40B4-BE49-F238E27FC236}">
-                <a16:creationId xmlns:a16="http://schemas.microsoft.com/office/drawing/2014/main" id="{B3BF3FFB-F952-44A7-ABEC-BFF970089DEE}"/>
+                <a16:creationId xmlns:a16="http://schemas.microsoft.com/office/drawing/2014/main" id="{1E0DB4EE-9B7D-45DB-ABB8-D21CE8D79BE5}"/>
               </a:ext>
             </a:extLst>
           </p:cNvPr>
@@ -8819,7 +13086,7 @@
         <p:spPr>
           <a:xfrm>
             <a:off x="-1" y="0"/>
-            <a:ext cx="8003357" cy="369332"/>
+            <a:ext cx="10209229" cy="369332"/>
           </a:xfrm>
           <a:prstGeom prst="rect">
             <a:avLst/>
@@ -8846,7 +13113,7 @@
                   <a:schemeClr val="bg1"/>
                 </a:solidFill>
               </a:rPr>
-              <a:t>Page: NOC info =&gt; (</a:t>
+              <a:t>Page: NOC info =&gt; (NOC </a:t>
             </a:r>
             <a:r>
               <a:rPr lang="en-US" dirty="0" err="1">
@@ -8854,7 +13121,7 @@
                   <a:schemeClr val="bg1"/>
                 </a:solidFill>
               </a:rPr>
-              <a:t>Memasukkan</a:t>
+              <a:t>mula</a:t>
             </a:r>
             <a:r>
               <a:rPr lang="en-US" dirty="0">
@@ -8862,7 +13129,7 @@
                   <a:schemeClr val="bg1"/>
                 </a:solidFill>
               </a:rPr>
-              <a:t> Tarikh </a:t>
+              <a:t> </a:t>
             </a:r>
             <a:r>
               <a:rPr lang="en-US" dirty="0" err="1">
@@ -8870,7 +13137,7 @@
                   <a:schemeClr val="bg1"/>
                 </a:solidFill>
               </a:rPr>
-              <a:t>Mula</a:t>
+              <a:t>sedia</a:t>
             </a:r>
             <a:r>
               <a:rPr lang="en-US" dirty="0">
@@ -8886,7 +13153,7 @@
                   <a:schemeClr val="bg1"/>
                 </a:solidFill>
               </a:rPr>
-              <a:t>Sedia</a:t>
+              <a:t>surat</a:t>
             </a:r>
             <a:r>
               <a:rPr lang="en-US" dirty="0">
@@ -8894,7 +13161,7 @@
                   <a:schemeClr val="bg1"/>
                 </a:solidFill>
               </a:rPr>
-              <a:t> Surat </a:t>
+              <a:t> dan </a:t>
             </a:r>
             <a:r>
               <a:rPr lang="en-US" dirty="0" err="1">
@@ -8902,7 +13169,39 @@
                   <a:schemeClr val="bg1"/>
                 </a:solidFill>
               </a:rPr>
-              <a:t>Kelulusan</a:t>
+              <a:t>tindakan</a:t>
+            </a:r>
+            <a:r>
+              <a:rPr lang="en-US" dirty="0">
+                <a:solidFill>
+                  <a:schemeClr val="bg1"/>
+                </a:solidFill>
+              </a:rPr>
+              <a:t> </a:t>
+            </a:r>
+            <a:r>
+              <a:rPr lang="en-US" dirty="0" err="1">
+                <a:solidFill>
+                  <a:schemeClr val="bg1"/>
+                </a:solidFill>
+              </a:rPr>
+              <a:t>mula</a:t>
+            </a:r>
+            <a:r>
+              <a:rPr lang="en-US" dirty="0">
+                <a:solidFill>
+                  <a:schemeClr val="bg1"/>
+                </a:solidFill>
+              </a:rPr>
+              <a:t> </a:t>
+            </a:r>
+            <a:r>
+              <a:rPr lang="en-US" dirty="0" err="1">
+                <a:solidFill>
+                  <a:schemeClr val="bg1"/>
+                </a:solidFill>
+              </a:rPr>
+              <a:t>penyediaan</a:t>
             </a:r>
             <a:r>
               <a:rPr lang="en-US" dirty="0">
@@ -8939,7 +13238,7 @@
     </p:spTree>
     <p:extLst>
       <p:ext uri="{BB962C8B-B14F-4D97-AF65-F5344CB8AC3E}">
-        <p14:creationId xmlns:p14="http://schemas.microsoft.com/office/powerpoint/2010/main" val="3942713471"/>
+        <p14:creationId xmlns:p14="http://schemas.microsoft.com/office/powerpoint/2010/main" val="1299556472"/>
       </p:ext>
     </p:extLst>
   </p:cSld>
@@ -8971,7 +13270,7 @@
           <p:cNvPr id="4" name="Picture 3">
             <a:extLst>
               <a:ext uri="{FF2B5EF4-FFF2-40B4-BE49-F238E27FC236}">
-                <a16:creationId xmlns:a16="http://schemas.microsoft.com/office/drawing/2014/main" id="{D4B5CE53-DD0F-4FF0-B480-95BB0169BF5A}"/>
+                <a16:creationId xmlns:a16="http://schemas.microsoft.com/office/drawing/2014/main" id="{B6698114-9A1F-4718-90BA-3550DF9904C1}"/>
               </a:ext>
             </a:extLst>
           </p:cNvPr>
@@ -8989,7 +13288,7 @@
         <p:spPr>
           <a:xfrm>
             <a:off x="0" y="369332"/>
-            <a:ext cx="12192000" cy="6210577"/>
+            <a:ext cx="12192000" cy="6220004"/>
           </a:xfrm>
           <a:prstGeom prst="rect">
             <a:avLst/>
@@ -9001,7 +13300,7 @@
           <p:cNvPr id="3" name="TextBox 2">
             <a:extLst>
               <a:ext uri="{FF2B5EF4-FFF2-40B4-BE49-F238E27FC236}">
-                <a16:creationId xmlns:a16="http://schemas.microsoft.com/office/drawing/2014/main" id="{569B939C-197F-4E57-AE8C-4E4636A73884}"/>
+                <a16:creationId xmlns:a16="http://schemas.microsoft.com/office/drawing/2014/main" id="{B3BF3FFB-F952-44A7-ABEC-BFF970089DEE}"/>
               </a:ext>
             </a:extLst>
           </p:cNvPr>
@@ -9010,8 +13309,8 @@
         </p:nvSpPr>
         <p:spPr>
           <a:xfrm>
-            <a:off x="0" y="0"/>
-            <a:ext cx="8371002" cy="369332"/>
+            <a:off x="-1" y="0"/>
+            <a:ext cx="8003357" cy="369332"/>
           </a:xfrm>
           <a:prstGeom prst="rect">
             <a:avLst/>
@@ -9038,7 +13337,7 @@
                   <a:schemeClr val="bg1"/>
                 </a:solidFill>
               </a:rPr>
-              <a:t>Page: NOC info =&gt; (NOC </a:t>
+              <a:t>Page: NOC info =&gt; (</a:t>
             </a:r>
             <a:r>
               <a:rPr lang="en-US" dirty="0" err="1">
@@ -9046,7 +13345,7 @@
                   <a:schemeClr val="bg1"/>
                 </a:solidFill>
               </a:rPr>
-              <a:t>sedang</a:t>
+              <a:t>Memasukkan</a:t>
             </a:r>
             <a:r>
               <a:rPr lang="en-US" dirty="0">
@@ -9054,6 +13353,22 @@
                   <a:schemeClr val="bg1"/>
                 </a:solidFill>
               </a:rPr>
+              <a:t> Tarikh </a:t>
+            </a:r>
+            <a:r>
+              <a:rPr lang="en-US" dirty="0" err="1">
+                <a:solidFill>
+                  <a:schemeClr val="bg1"/>
+                </a:solidFill>
+              </a:rPr>
+              <a:t>Mula</a:t>
+            </a:r>
+            <a:r>
+              <a:rPr lang="en-US" dirty="0">
+                <a:solidFill>
+                  <a:schemeClr val="bg1"/>
+                </a:solidFill>
+              </a:rPr>
               <a:t> </a:t>
             </a:r>
             <a:r>
@@ -9062,7 +13377,7 @@
                   <a:schemeClr val="bg1"/>
                 </a:solidFill>
               </a:rPr>
-              <a:t>sedia</a:t>
+              <a:t>Sedia</a:t>
             </a:r>
             <a:r>
               <a:rPr lang="en-US" dirty="0">
@@ -9070,7 +13385,7 @@
                   <a:schemeClr val="bg1"/>
                 </a:solidFill>
               </a:rPr>
-              <a:t> </a:t>
+              <a:t> Surat </a:t>
             </a:r>
             <a:r>
               <a:rPr lang="en-US" dirty="0" err="1">
@@ -9078,55 +13393,7 @@
                   <a:schemeClr val="bg1"/>
                 </a:solidFill>
               </a:rPr>
-              <a:t>surat</a:t>
-            </a:r>
-            <a:r>
-              <a:rPr lang="en-US" dirty="0">
-                <a:solidFill>
-                  <a:schemeClr val="bg1"/>
-                </a:solidFill>
-              </a:rPr>
-              <a:t> dan </a:t>
-            </a:r>
-            <a:r>
-              <a:rPr lang="en-US" dirty="0" err="1">
-                <a:solidFill>
-                  <a:schemeClr val="bg1"/>
-                </a:solidFill>
-              </a:rPr>
-              <a:t>tindakan</a:t>
-            </a:r>
-            <a:r>
-              <a:rPr lang="en-US" dirty="0">
-                <a:solidFill>
-                  <a:schemeClr val="bg1"/>
-                </a:solidFill>
-              </a:rPr>
-              <a:t> </a:t>
-            </a:r>
-            <a:r>
-              <a:rPr lang="en-US" dirty="0" err="1">
-                <a:solidFill>
-                  <a:schemeClr val="bg1"/>
-                </a:solidFill>
-              </a:rPr>
-              <a:t>hantar</a:t>
-            </a:r>
-            <a:r>
-              <a:rPr lang="en-US" dirty="0">
-                <a:solidFill>
-                  <a:schemeClr val="bg1"/>
-                </a:solidFill>
-              </a:rPr>
-              <a:t> </a:t>
-            </a:r>
-            <a:r>
-              <a:rPr lang="en-US" dirty="0" err="1">
-                <a:solidFill>
-                  <a:schemeClr val="bg1"/>
-                </a:solidFill>
-              </a:rPr>
-              <a:t>surat</a:t>
+              <a:t>Kelulusan</a:t>
             </a:r>
             <a:r>
               <a:rPr lang="en-US" dirty="0">
@@ -9163,7 +13430,7 @@
     </p:spTree>
     <p:extLst>
       <p:ext uri="{BB962C8B-B14F-4D97-AF65-F5344CB8AC3E}">
-        <p14:creationId xmlns:p14="http://schemas.microsoft.com/office/powerpoint/2010/main" val="1678570075"/>
+        <p14:creationId xmlns:p14="http://schemas.microsoft.com/office/powerpoint/2010/main" val="3942713471"/>
       </p:ext>
     </p:extLst>
   </p:cSld>
@@ -9195,7 +13462,7 @@
           <p:cNvPr id="4" name="Picture 3">
             <a:extLst>
               <a:ext uri="{FF2B5EF4-FFF2-40B4-BE49-F238E27FC236}">
-                <a16:creationId xmlns:a16="http://schemas.microsoft.com/office/drawing/2014/main" id="{338540FA-00F9-4821-A942-60EEC3BCDF79}"/>
+                <a16:creationId xmlns:a16="http://schemas.microsoft.com/office/drawing/2014/main" id="{D4B5CE53-DD0F-4FF0-B480-95BB0169BF5A}"/>
               </a:ext>
             </a:extLst>
           </p:cNvPr>
@@ -9213,7 +13480,7 @@
         <p:spPr>
           <a:xfrm>
             <a:off x="0" y="369332"/>
-            <a:ext cx="12192000" cy="6191724"/>
+            <a:ext cx="12192000" cy="6210577"/>
           </a:xfrm>
           <a:prstGeom prst="rect">
             <a:avLst/>
@@ -9225,7 +13492,7 @@
           <p:cNvPr id="3" name="TextBox 2">
             <a:extLst>
               <a:ext uri="{FF2B5EF4-FFF2-40B4-BE49-F238E27FC236}">
-                <a16:creationId xmlns:a16="http://schemas.microsoft.com/office/drawing/2014/main" id="{1565CACF-1608-4F9F-8B94-19E4F7C56D75}"/>
+                <a16:creationId xmlns:a16="http://schemas.microsoft.com/office/drawing/2014/main" id="{569B939C-197F-4E57-AE8C-4E4636A73884}"/>
               </a:ext>
             </a:extLst>
           </p:cNvPr>
@@ -9235,7 +13502,7 @@
         <p:spPr>
           <a:xfrm>
             <a:off x="0" y="0"/>
-            <a:ext cx="8059918" cy="369332"/>
+            <a:ext cx="8371002" cy="369332"/>
           </a:xfrm>
           <a:prstGeom prst="rect">
             <a:avLst/>
@@ -9262,7 +13529,7 @@
                   <a:schemeClr val="bg1"/>
                 </a:solidFill>
               </a:rPr>
-              <a:t>Page: NOC info =&gt; (</a:t>
+              <a:t>Page: NOC info =&gt; (NOC </a:t>
             </a:r>
             <a:r>
               <a:rPr lang="en-US" dirty="0" err="1">
@@ -9270,7 +13537,7 @@
                   <a:schemeClr val="bg1"/>
                 </a:solidFill>
               </a:rPr>
-              <a:t>Memasukkan</a:t>
+              <a:t>sedang</a:t>
             </a:r>
             <a:r>
               <a:rPr lang="en-US" dirty="0">
@@ -9278,7 +13545,7 @@
                   <a:schemeClr val="bg1"/>
                 </a:solidFill>
               </a:rPr>
-              <a:t> Tarikh </a:t>
+              <a:t> </a:t>
             </a:r>
             <a:r>
               <a:rPr lang="en-US" dirty="0" err="1">
@@ -9286,7 +13553,7 @@
                   <a:schemeClr val="bg1"/>
                 </a:solidFill>
               </a:rPr>
-              <a:t>Hantar</a:t>
+              <a:t>sedia</a:t>
             </a:r>
             <a:r>
               <a:rPr lang="en-US" dirty="0">
@@ -9294,7 +13561,7 @@
                   <a:schemeClr val="bg1"/>
                 </a:solidFill>
               </a:rPr>
-              <a:t> Surat </a:t>
+              <a:t> </a:t>
             </a:r>
             <a:r>
               <a:rPr lang="en-US" dirty="0" err="1">
@@ -9302,7 +13569,55 @@
                   <a:schemeClr val="bg1"/>
                 </a:solidFill>
               </a:rPr>
-              <a:t>Kelulusan</a:t>
+              <a:t>surat</a:t>
+            </a:r>
+            <a:r>
+              <a:rPr lang="en-US" dirty="0">
+                <a:solidFill>
+                  <a:schemeClr val="bg1"/>
+                </a:solidFill>
+              </a:rPr>
+              <a:t> dan </a:t>
+            </a:r>
+            <a:r>
+              <a:rPr lang="en-US" dirty="0" err="1">
+                <a:solidFill>
+                  <a:schemeClr val="bg1"/>
+                </a:solidFill>
+              </a:rPr>
+              <a:t>tindakan</a:t>
+            </a:r>
+            <a:r>
+              <a:rPr lang="en-US" dirty="0">
+                <a:solidFill>
+                  <a:schemeClr val="bg1"/>
+                </a:solidFill>
+              </a:rPr>
+              <a:t> </a:t>
+            </a:r>
+            <a:r>
+              <a:rPr lang="en-US" dirty="0" err="1">
+                <a:solidFill>
+                  <a:schemeClr val="bg1"/>
+                </a:solidFill>
+              </a:rPr>
+              <a:t>hantar</a:t>
+            </a:r>
+            <a:r>
+              <a:rPr lang="en-US" dirty="0">
+                <a:solidFill>
+                  <a:schemeClr val="bg1"/>
+                </a:solidFill>
+              </a:rPr>
+              <a:t> </a:t>
+            </a:r>
+            <a:r>
+              <a:rPr lang="en-US" dirty="0" err="1">
+                <a:solidFill>
+                  <a:schemeClr val="bg1"/>
+                </a:solidFill>
+              </a:rPr>
+              <a:t>surat</a:t>
             </a:r>
             <a:r>
               <a:rPr lang="en-US" dirty="0">
@@ -9339,7 +13654,7 @@
     </p:spTree>
     <p:extLst>
       <p:ext uri="{BB962C8B-B14F-4D97-AF65-F5344CB8AC3E}">
-        <p14:creationId xmlns:p14="http://schemas.microsoft.com/office/powerpoint/2010/main" val="1431206113"/>
+        <p14:creationId xmlns:p14="http://schemas.microsoft.com/office/powerpoint/2010/main" val="1678570075"/>
       </p:ext>
     </p:extLst>
   </p:cSld>
@@ -9371,7 +13686,7 @@
           <p:cNvPr id="4" name="Picture 3">
             <a:extLst>
               <a:ext uri="{FF2B5EF4-FFF2-40B4-BE49-F238E27FC236}">
-                <a16:creationId xmlns:a16="http://schemas.microsoft.com/office/drawing/2014/main" id="{D3A3C720-DEA5-4903-971E-A93E2EB10A45}"/>
+                <a16:creationId xmlns:a16="http://schemas.microsoft.com/office/drawing/2014/main" id="{338540FA-00F9-4821-A942-60EEC3BCDF79}"/>
               </a:ext>
             </a:extLst>
           </p:cNvPr>
@@ -9389,7 +13704,7 @@
         <p:spPr>
           <a:xfrm>
             <a:off x="0" y="369332"/>
-            <a:ext cx="12192000" cy="6229431"/>
+            <a:ext cx="12192000" cy="6191724"/>
           </a:xfrm>
           <a:prstGeom prst="rect">
             <a:avLst/>
@@ -9398,20 +13713,20 @@
       </p:pic>
       <p:sp>
         <p:nvSpPr>
-          <p:cNvPr id="2" name="Rectangle 1">
-            <a:extLst>
-              <a:ext uri="{FF2B5EF4-FFF2-40B4-BE49-F238E27FC236}">
-                <a16:creationId xmlns:a16="http://schemas.microsoft.com/office/drawing/2014/main" id="{08BF0FE3-C144-4FB9-B75C-862850329F20}"/>
-              </a:ext>
-            </a:extLst>
-          </p:cNvPr>
-          <p:cNvSpPr/>
+          <p:cNvPr id="3" name="TextBox 2">
+            <a:extLst>
+              <a:ext uri="{FF2B5EF4-FFF2-40B4-BE49-F238E27FC236}">
+                <a16:creationId xmlns:a16="http://schemas.microsoft.com/office/drawing/2014/main" id="{1565CACF-1608-4F9F-8B94-19E4F7C56D75}"/>
+              </a:ext>
+            </a:extLst>
+          </p:cNvPr>
+          <p:cNvSpPr txBox="1"/>
           <p:nvPr/>
         </p:nvSpPr>
         <p:spPr>
           <a:xfrm>
-            <a:off x="-1" y="0"/>
-            <a:ext cx="8474697" cy="369332"/>
+            <a:off x="0" y="0"/>
+            <a:ext cx="8059918" cy="369332"/>
           </a:xfrm>
           <a:prstGeom prst="rect">
             <a:avLst/>
@@ -9422,9 +13737,12 @@
               <a:lumOff val="50000"/>
             </a:schemeClr>
           </a:solidFill>
+          <a:ln>
+            <a:noFill/>
+          </a:ln>
         </p:spPr>
         <p:txBody>
-          <a:bodyPr wrap="square">
+          <a:bodyPr wrap="square" rtlCol="0">
             <a:spAutoFit/>
           </a:bodyPr>
           <a:lstStyle/>
@@ -9435,7 +13753,7 @@
                   <a:schemeClr val="bg1"/>
                 </a:solidFill>
               </a:rPr>
-              <a:t>Page: NOC info =&gt; (NOC telah </a:t>
+              <a:t>Page: NOC info =&gt; (</a:t>
             </a:r>
             <a:r>
               <a:rPr lang="en-US" dirty="0" err="1">
@@ -9443,7 +13761,7 @@
                   <a:schemeClr val="bg1"/>
                 </a:solidFill>
               </a:rPr>
-              <a:t>hantar</a:t>
+              <a:t>Memasukkan</a:t>
             </a:r>
             <a:r>
               <a:rPr lang="en-US" dirty="0">
@@ -9451,7 +13769,7 @@
                   <a:schemeClr val="bg1"/>
                 </a:solidFill>
               </a:rPr>
-              <a:t> </a:t>
+              <a:t> Tarikh </a:t>
             </a:r>
             <a:r>
               <a:rPr lang="en-US" dirty="0" err="1">
@@ -9459,7 +13777,7 @@
                   <a:schemeClr val="bg1"/>
                 </a:solidFill>
               </a:rPr>
-              <a:t>surat</a:t>
+              <a:t>Hantar</a:t>
             </a:r>
             <a:r>
               <a:rPr lang="en-US" dirty="0">
@@ -9467,7 +13785,7 @@
                   <a:schemeClr val="bg1"/>
                 </a:solidFill>
               </a:rPr>
-              <a:t> dan </a:t>
+              <a:t> Surat </a:t>
             </a:r>
             <a:r>
               <a:rPr lang="en-US" dirty="0" err="1">
@@ -9475,7 +13793,7 @@
                   <a:schemeClr val="bg1"/>
                 </a:solidFill>
               </a:rPr>
-              <a:t>tindakan</a:t>
+              <a:t>Kelulusan</a:t>
             </a:r>
             <a:r>
               <a:rPr lang="en-US" dirty="0">
@@ -9483,7 +13801,7 @@
                   <a:schemeClr val="bg1"/>
                 </a:solidFill>
               </a:rPr>
-              <a:t> pada Modul NOC oleh </a:t>
+              <a:t> oleh </a:t>
             </a:r>
             <a:r>
               <a:rPr lang="en-US" dirty="0" err="1">
@@ -9512,7 +13830,7 @@
     </p:spTree>
     <p:extLst>
       <p:ext uri="{BB962C8B-B14F-4D97-AF65-F5344CB8AC3E}">
-        <p14:creationId xmlns:p14="http://schemas.microsoft.com/office/powerpoint/2010/main" val="1127962670"/>
+        <p14:creationId xmlns:p14="http://schemas.microsoft.com/office/powerpoint/2010/main" val="1431206113"/>
       </p:ext>
     </p:extLst>
   </p:cSld>
@@ -9544,6 +13862,179 @@
           <p:cNvPr id="4" name="Picture 3">
             <a:extLst>
               <a:ext uri="{FF2B5EF4-FFF2-40B4-BE49-F238E27FC236}">
+                <a16:creationId xmlns:a16="http://schemas.microsoft.com/office/drawing/2014/main" id="{D3A3C720-DEA5-4903-971E-A93E2EB10A45}"/>
+              </a:ext>
+            </a:extLst>
+          </p:cNvPr>
+          <p:cNvPicPr>
+            <a:picLocks noChangeAspect="1"/>
+          </p:cNvPicPr>
+          <p:nvPr/>
+        </p:nvPicPr>
+        <p:blipFill>
+          <a:blip r:embed="rId2"/>
+          <a:stretch>
+            <a:fillRect/>
+          </a:stretch>
+        </p:blipFill>
+        <p:spPr>
+          <a:xfrm>
+            <a:off x="0" y="369332"/>
+            <a:ext cx="12192000" cy="6229431"/>
+          </a:xfrm>
+          <a:prstGeom prst="rect">
+            <a:avLst/>
+          </a:prstGeom>
+        </p:spPr>
+      </p:pic>
+      <p:sp>
+        <p:nvSpPr>
+          <p:cNvPr id="2" name="Rectangle 1">
+            <a:extLst>
+              <a:ext uri="{FF2B5EF4-FFF2-40B4-BE49-F238E27FC236}">
+                <a16:creationId xmlns:a16="http://schemas.microsoft.com/office/drawing/2014/main" id="{08BF0FE3-C144-4FB9-B75C-862850329F20}"/>
+              </a:ext>
+            </a:extLst>
+          </p:cNvPr>
+          <p:cNvSpPr/>
+          <p:nvPr/>
+        </p:nvSpPr>
+        <p:spPr>
+          <a:xfrm>
+            <a:off x="-1" y="0"/>
+            <a:ext cx="8474697" cy="369332"/>
+          </a:xfrm>
+          <a:prstGeom prst="rect">
+            <a:avLst/>
+          </a:prstGeom>
+          <a:solidFill>
+            <a:schemeClr val="tx1">
+              <a:lumMod val="50000"/>
+              <a:lumOff val="50000"/>
+            </a:schemeClr>
+          </a:solidFill>
+        </p:spPr>
+        <p:txBody>
+          <a:bodyPr wrap="square">
+            <a:spAutoFit/>
+          </a:bodyPr>
+          <a:lstStyle/>
+          <a:p>
+            <a:r>
+              <a:rPr lang="en-US" dirty="0">
+                <a:solidFill>
+                  <a:schemeClr val="bg1"/>
+                </a:solidFill>
+              </a:rPr>
+              <a:t>Page: NOC info =&gt; (NOC telah </a:t>
+            </a:r>
+            <a:r>
+              <a:rPr lang="en-US" dirty="0" err="1">
+                <a:solidFill>
+                  <a:schemeClr val="bg1"/>
+                </a:solidFill>
+              </a:rPr>
+              <a:t>hantar</a:t>
+            </a:r>
+            <a:r>
+              <a:rPr lang="en-US" dirty="0">
+                <a:solidFill>
+                  <a:schemeClr val="bg1"/>
+                </a:solidFill>
+              </a:rPr>
+              <a:t> </a:t>
+            </a:r>
+            <a:r>
+              <a:rPr lang="en-US" dirty="0" err="1">
+                <a:solidFill>
+                  <a:schemeClr val="bg1"/>
+                </a:solidFill>
+              </a:rPr>
+              <a:t>surat</a:t>
+            </a:r>
+            <a:r>
+              <a:rPr lang="en-US" dirty="0">
+                <a:solidFill>
+                  <a:schemeClr val="bg1"/>
+                </a:solidFill>
+              </a:rPr>
+              <a:t> dan </a:t>
+            </a:r>
+            <a:r>
+              <a:rPr lang="en-US" dirty="0" err="1">
+                <a:solidFill>
+                  <a:schemeClr val="bg1"/>
+                </a:solidFill>
+              </a:rPr>
+              <a:t>tindakan</a:t>
+            </a:r>
+            <a:r>
+              <a:rPr lang="en-US" dirty="0">
+                <a:solidFill>
+                  <a:schemeClr val="bg1"/>
+                </a:solidFill>
+              </a:rPr>
+              <a:t> pada Modul NOC oleh </a:t>
+            </a:r>
+            <a:r>
+              <a:rPr lang="en-US" dirty="0" err="1">
+                <a:solidFill>
+                  <a:schemeClr val="bg1"/>
+                </a:solidFill>
+              </a:rPr>
+              <a:t>Bahagian</a:t>
+            </a:r>
+            <a:r>
+              <a:rPr lang="en-US" dirty="0">
+                <a:solidFill>
+                  <a:schemeClr val="bg1"/>
+                </a:solidFill>
+              </a:rPr>
+              <a:t>)</a:t>
+            </a:r>
+            <a:endParaRPr lang="en-MY" dirty="0">
+              <a:solidFill>
+                <a:schemeClr val="bg1"/>
+              </a:solidFill>
+            </a:endParaRPr>
+          </a:p>
+        </p:txBody>
+      </p:sp>
+    </p:spTree>
+    <p:extLst>
+      <p:ext uri="{BB962C8B-B14F-4D97-AF65-F5344CB8AC3E}">
+        <p14:creationId xmlns:p14="http://schemas.microsoft.com/office/powerpoint/2010/main" val="1127962670"/>
+      </p:ext>
+    </p:extLst>
+  </p:cSld>
+  <p:clrMapOvr>
+    <a:masterClrMapping/>
+  </p:clrMapOvr>
+</p:sld>
+</file>
+
+<file path=ppt/slides/slide25.xml><?xml version="1.0" encoding="utf-8"?>
+<p:sld xmlns:a="http://schemas.openxmlformats.org/drawingml/2006/main" xmlns:r="http://schemas.openxmlformats.org/officeDocument/2006/relationships" xmlns:p="http://schemas.openxmlformats.org/presentationml/2006/main">
+  <p:cSld>
+    <p:spTree>
+      <p:nvGrpSpPr>
+        <p:cNvPr id="1" name=""/>
+        <p:cNvGrpSpPr/>
+        <p:nvPr/>
+      </p:nvGrpSpPr>
+      <p:grpSpPr>
+        <a:xfrm>
+          <a:off x="0" y="0"/>
+          <a:ext cx="0" cy="0"/>
+          <a:chOff x="0" y="0"/>
+          <a:chExt cx="0" cy="0"/>
+        </a:xfrm>
+      </p:grpSpPr>
+      <p:pic>
+        <p:nvPicPr>
+          <p:cNvPr id="4" name="Picture 3">
+            <a:extLst>
+              <a:ext uri="{FF2B5EF4-FFF2-40B4-BE49-F238E27FC236}">
                 <a16:creationId xmlns:a16="http://schemas.microsoft.com/office/drawing/2014/main" id="{3DA61426-CF0E-464B-94ED-E4D319349F60}"/>
               </a:ext>
             </a:extLst>
@@ -9698,7 +14189,7 @@
 </p:sld>
 </file>
 
-<file path=ppt/slides/slide25.xml><?xml version="1.0" encoding="utf-8"?>
+<file path=ppt/slides/slide26.xml><?xml version="1.0" encoding="utf-8"?>
 <p:sld xmlns:a="http://schemas.openxmlformats.org/drawingml/2006/main" xmlns:r="http://schemas.openxmlformats.org/officeDocument/2006/relationships" xmlns:p="http://schemas.openxmlformats.org/presentationml/2006/main">
   <p:cSld>
     <p:spTree>
@@ -9864,7 +14355,7 @@
           <p:cNvPr id="4" name="Picture 3">
             <a:extLst>
               <a:ext uri="{FF2B5EF4-FFF2-40B4-BE49-F238E27FC236}">
-                <a16:creationId xmlns:a16="http://schemas.microsoft.com/office/drawing/2014/main" id="{2AD1BC5D-66C1-4813-A15E-E68C9AD7FF29}"/>
+                <a16:creationId xmlns:a16="http://schemas.microsoft.com/office/drawing/2014/main" id="{18F40A5C-09BD-4C5E-AC5F-FEE7807C2263}"/>
               </a:ext>
             </a:extLst>
           </p:cNvPr>
@@ -9881,8 +14372,8 @@
         </p:blipFill>
         <p:spPr>
           <a:xfrm>
-            <a:off x="0" y="369333"/>
-            <a:ext cx="12192000" cy="6182074"/>
+            <a:off x="-1" y="-1"/>
+            <a:ext cx="12192001" cy="6858001"/>
           </a:xfrm>
           <a:prstGeom prst="rect">
             <a:avLst/>
@@ -9894,7 +14385,7 @@
           <p:cNvPr id="5" name="TextBox 4">
             <a:extLst>
               <a:ext uri="{FF2B5EF4-FFF2-40B4-BE49-F238E27FC236}">
-                <a16:creationId xmlns:a16="http://schemas.microsoft.com/office/drawing/2014/main" id="{AE543B72-334F-4138-A868-F0FC0C6C4958}"/>
+                <a16:creationId xmlns:a16="http://schemas.microsoft.com/office/drawing/2014/main" id="{89011F81-06D0-4A46-A096-551B7E0E6370}"/>
               </a:ext>
             </a:extLst>
           </p:cNvPr>
@@ -9904,7 +14395,7 @@
         <p:spPr>
           <a:xfrm>
             <a:off x="0" y="0"/>
-            <a:ext cx="5905948" cy="369332"/>
+            <a:ext cx="2108499" cy="369332"/>
           </a:xfrm>
           <a:prstGeom prst="rect">
             <a:avLst/>
@@ -9931,39 +14422,7 @@
                   <a:schemeClr val="bg1"/>
                 </a:solidFill>
               </a:rPr>
-              <a:t>Page: </a:t>
-            </a:r>
-            <a:r>
-              <a:rPr lang="en-US" dirty="0" err="1">
-                <a:solidFill>
-                  <a:schemeClr val="bg1"/>
-                </a:solidFill>
-              </a:rPr>
-              <a:t>Halaman</a:t>
-            </a:r>
-            <a:r>
-              <a:rPr lang="en-US" dirty="0">
-                <a:solidFill>
-                  <a:schemeClr val="bg1"/>
-                </a:solidFill>
-              </a:rPr>
-              <a:t> Utama (</a:t>
-            </a:r>
-            <a:r>
-              <a:rPr lang="en-US" dirty="0" err="1">
-                <a:solidFill>
-                  <a:schemeClr val="bg1"/>
-                </a:solidFill>
-              </a:rPr>
-              <a:t>Peranan</a:t>
-            </a:r>
-            <a:r>
-              <a:rPr lang="en-US" dirty="0">
-                <a:solidFill>
-                  <a:schemeClr val="bg1"/>
-                </a:solidFill>
-              </a:rPr>
-              <a:t>: Admin)</a:t>
+              <a:t>Page: Login</a:t>
             </a:r>
             <a:endParaRPr lang="en-MY" dirty="0">
               <a:solidFill>
@@ -9976,7 +14435,7 @@
     </p:spTree>
     <p:extLst>
       <p:ext uri="{BB962C8B-B14F-4D97-AF65-F5344CB8AC3E}">
-        <p14:creationId xmlns:p14="http://schemas.microsoft.com/office/powerpoint/2010/main" val="1474292066"/>
+        <p14:creationId xmlns:p14="http://schemas.microsoft.com/office/powerpoint/2010/main" val="97354817"/>
       </p:ext>
     </p:extLst>
   </p:cSld>
@@ -10005,10 +14464,10 @@
       </p:grpSpPr>
       <p:pic>
         <p:nvPicPr>
-          <p:cNvPr id="2" name="Picture 1">
-            <a:extLst>
-              <a:ext uri="{FF2B5EF4-FFF2-40B4-BE49-F238E27FC236}">
-                <a16:creationId xmlns:a16="http://schemas.microsoft.com/office/drawing/2014/main" id="{355FD260-AAA4-40C5-A1EA-42464948B5E9}"/>
+          <p:cNvPr id="4" name="Picture 3">
+            <a:extLst>
+              <a:ext uri="{FF2B5EF4-FFF2-40B4-BE49-F238E27FC236}">
+                <a16:creationId xmlns:a16="http://schemas.microsoft.com/office/drawing/2014/main" id="{2AD1BC5D-66C1-4813-A15E-E68C9AD7FF29}"/>
               </a:ext>
             </a:extLst>
           </p:cNvPr>
@@ -10025,8 +14484,8 @@
         </p:blipFill>
         <p:spPr>
           <a:xfrm>
-            <a:off x="0" y="369332"/>
-            <a:ext cx="12192000" cy="6192833"/>
+            <a:off x="0" y="369333"/>
+            <a:ext cx="12192000" cy="6182074"/>
           </a:xfrm>
           <a:prstGeom prst="rect">
             <a:avLst/>
@@ -10035,10 +14494,10 @@
       </p:pic>
       <p:sp>
         <p:nvSpPr>
-          <p:cNvPr id="3" name="TextBox 2">
-            <a:extLst>
-              <a:ext uri="{FF2B5EF4-FFF2-40B4-BE49-F238E27FC236}">
-                <a16:creationId xmlns:a16="http://schemas.microsoft.com/office/drawing/2014/main" id="{DA1DAD93-E739-46C7-A29D-C2C407D0D5CE}"/>
+          <p:cNvPr id="5" name="TextBox 4">
+            <a:extLst>
+              <a:ext uri="{FF2B5EF4-FFF2-40B4-BE49-F238E27FC236}">
+                <a16:creationId xmlns:a16="http://schemas.microsoft.com/office/drawing/2014/main" id="{AE543B72-334F-4138-A868-F0FC0C6C4958}"/>
               </a:ext>
             </a:extLst>
           </p:cNvPr>
@@ -10107,39 +14566,7 @@
                   <a:schemeClr val="bg1"/>
                 </a:solidFill>
               </a:rPr>
-              <a:t>: </a:t>
-            </a:r>
-            <a:r>
-              <a:rPr lang="en-US" dirty="0" err="1">
-                <a:solidFill>
-                  <a:schemeClr val="bg1"/>
-                </a:solidFill>
-              </a:rPr>
-              <a:t>Bajet</a:t>
-            </a:r>
-            <a:r>
-              <a:rPr lang="en-US" dirty="0">
-                <a:solidFill>
-                  <a:schemeClr val="bg1"/>
-                </a:solidFill>
-              </a:rPr>
-              <a:t> / Nilai / </a:t>
-            </a:r>
-            <a:r>
-              <a:rPr lang="en-US" dirty="0" err="1">
-                <a:solidFill>
-                  <a:schemeClr val="bg1"/>
-                </a:solidFill>
-              </a:rPr>
-              <a:t>Bahagian</a:t>
-            </a:r>
-            <a:r>
-              <a:rPr lang="en-US" dirty="0">
-                <a:solidFill>
-                  <a:schemeClr val="bg1"/>
-                </a:solidFill>
-              </a:rPr>
-              <a:t>)</a:t>
+              <a:t>: Admin)</a:t>
             </a:r>
             <a:endParaRPr lang="en-MY" dirty="0">
               <a:solidFill>
@@ -10152,7 +14579,7 @@
     </p:spTree>
     <p:extLst>
       <p:ext uri="{BB962C8B-B14F-4D97-AF65-F5344CB8AC3E}">
-        <p14:creationId xmlns:p14="http://schemas.microsoft.com/office/powerpoint/2010/main" val="2668949311"/>
+        <p14:creationId xmlns:p14="http://schemas.microsoft.com/office/powerpoint/2010/main" val="1474292066"/>
       </p:ext>
     </p:extLst>
   </p:cSld>
@@ -10181,10 +14608,10 @@
       </p:grpSpPr>
       <p:pic>
         <p:nvPicPr>
-          <p:cNvPr id="4" name="Picture 3">
-            <a:extLst>
-              <a:ext uri="{FF2B5EF4-FFF2-40B4-BE49-F238E27FC236}">
-                <a16:creationId xmlns:a16="http://schemas.microsoft.com/office/drawing/2014/main" id="{7868C65A-4D6B-4FE1-82E4-45FDA8A98205}"/>
+          <p:cNvPr id="2" name="Picture 1">
+            <a:extLst>
+              <a:ext uri="{FF2B5EF4-FFF2-40B4-BE49-F238E27FC236}">
+                <a16:creationId xmlns:a16="http://schemas.microsoft.com/office/drawing/2014/main" id="{355FD260-AAA4-40C5-A1EA-42464948B5E9}"/>
               </a:ext>
             </a:extLst>
           </p:cNvPr>
@@ -10201,8 +14628,8 @@
         </p:blipFill>
         <p:spPr>
           <a:xfrm>
-            <a:off x="1" y="369332"/>
-            <a:ext cx="12192000" cy="6192000"/>
+            <a:off x="0" y="369332"/>
+            <a:ext cx="12192000" cy="6192833"/>
           </a:xfrm>
           <a:prstGeom prst="rect">
             <a:avLst/>
@@ -10214,7 +14641,7 @@
           <p:cNvPr id="3" name="TextBox 2">
             <a:extLst>
               <a:ext uri="{FF2B5EF4-FFF2-40B4-BE49-F238E27FC236}">
-                <a16:creationId xmlns:a16="http://schemas.microsoft.com/office/drawing/2014/main" id="{02DC768A-55B0-40E8-A0DD-8C5BFD3C00E0}"/>
+                <a16:creationId xmlns:a16="http://schemas.microsoft.com/office/drawing/2014/main" id="{DA1DAD93-E739-46C7-A29D-C2C407D0D5CE}"/>
               </a:ext>
             </a:extLst>
           </p:cNvPr>
@@ -10224,7 +14651,7 @@
         <p:spPr>
           <a:xfrm>
             <a:off x="0" y="0"/>
-            <a:ext cx="4453666" cy="369332"/>
+            <a:ext cx="5905948" cy="369332"/>
           </a:xfrm>
           <a:prstGeom prst="rect">
             <a:avLst/>
@@ -10251,7 +14678,7 @@
                   <a:schemeClr val="bg1"/>
                 </a:solidFill>
               </a:rPr>
-              <a:t>Page: Key-in NOC </a:t>
+              <a:t>Page: </a:t>
             </a:r>
             <a:r>
               <a:rPr lang="en-US" dirty="0" err="1">
@@ -10259,7 +14686,7 @@
                   <a:schemeClr val="bg1"/>
                 </a:solidFill>
               </a:rPr>
-              <a:t>baharu</a:t>
+              <a:t>Halaman</a:t>
             </a:r>
             <a:r>
               <a:rPr lang="en-US" dirty="0">
@@ -10267,7 +14694,7 @@
                   <a:schemeClr val="bg1"/>
                 </a:solidFill>
               </a:rPr>
-              <a:t> (</a:t>
+              <a:t> Utama (</a:t>
             </a:r>
             <a:r>
               <a:rPr lang="en-US" dirty="0" err="1">
@@ -10284,6 +14711,22 @@
                 </a:solidFill>
               </a:rPr>
               <a:t>: </a:t>
+            </a:r>
+            <a:r>
+              <a:rPr lang="en-US" dirty="0" err="1">
+                <a:solidFill>
+                  <a:schemeClr val="bg1"/>
+                </a:solidFill>
+              </a:rPr>
+              <a:t>Bajet</a:t>
+            </a:r>
+            <a:r>
+              <a:rPr lang="en-US" dirty="0">
+                <a:solidFill>
+                  <a:schemeClr val="bg1"/>
+                </a:solidFill>
+              </a:rPr>
+              <a:t> / Nilai / </a:t>
             </a:r>
             <a:r>
               <a:rPr lang="en-US" dirty="0" err="1">
@@ -10312,7 +14755,7 @@
     </p:spTree>
     <p:extLst>
       <p:ext uri="{BB962C8B-B14F-4D97-AF65-F5344CB8AC3E}">
-        <p14:creationId xmlns:p14="http://schemas.microsoft.com/office/powerpoint/2010/main" val="653694485"/>
+        <p14:creationId xmlns:p14="http://schemas.microsoft.com/office/powerpoint/2010/main" val="2668949311"/>
       </p:ext>
     </p:extLst>
   </p:cSld>
@@ -10344,7 +14787,7 @@
           <p:cNvPr id="4" name="Picture 3">
             <a:extLst>
               <a:ext uri="{FF2B5EF4-FFF2-40B4-BE49-F238E27FC236}">
-                <a16:creationId xmlns:a16="http://schemas.microsoft.com/office/drawing/2014/main" id="{0D8810A7-AAB9-426B-BAE8-6FA0AA95E8E5}"/>
+                <a16:creationId xmlns:a16="http://schemas.microsoft.com/office/drawing/2014/main" id="{7868C65A-4D6B-4FE1-82E4-45FDA8A98205}"/>
               </a:ext>
             </a:extLst>
           </p:cNvPr>
@@ -10361,8 +14804,8 @@
         </p:blipFill>
         <p:spPr>
           <a:xfrm>
-            <a:off x="0" y="369331"/>
-            <a:ext cx="12192000" cy="6182075"/>
+            <a:off x="1" y="369332"/>
+            <a:ext cx="12192000" cy="6192000"/>
           </a:xfrm>
           <a:prstGeom prst="rect">
             <a:avLst/>
@@ -10371,10 +14814,10 @@
       </p:pic>
       <p:sp>
         <p:nvSpPr>
-          <p:cNvPr id="5" name="TextBox 4">
-            <a:extLst>
-              <a:ext uri="{FF2B5EF4-FFF2-40B4-BE49-F238E27FC236}">
-                <a16:creationId xmlns:a16="http://schemas.microsoft.com/office/drawing/2014/main" id="{E57ED6A1-F6E3-4D38-86EE-5C760E5E4DFC}"/>
+          <p:cNvPr id="3" name="TextBox 2">
+            <a:extLst>
+              <a:ext uri="{FF2B5EF4-FFF2-40B4-BE49-F238E27FC236}">
+                <a16:creationId xmlns:a16="http://schemas.microsoft.com/office/drawing/2014/main" id="{02DC768A-55B0-40E8-A0DD-8C5BFD3C00E0}"/>
               </a:ext>
             </a:extLst>
           </p:cNvPr>
@@ -10383,8 +14826,8 @@
         </p:nvSpPr>
         <p:spPr>
           <a:xfrm>
-            <a:off x="-1" y="0"/>
-            <a:ext cx="5647765" cy="369332"/>
+            <a:off x="0" y="0"/>
+            <a:ext cx="4453666" cy="369332"/>
           </a:xfrm>
           <a:prstGeom prst="rect">
             <a:avLst/>
@@ -10411,7 +14854,7 @@
                   <a:schemeClr val="bg1"/>
                 </a:solidFill>
               </a:rPr>
-              <a:t>Page: </a:t>
+              <a:t>Page: Key-in NOC </a:t>
             </a:r>
             <a:r>
               <a:rPr lang="en-US" dirty="0" err="1">
@@ -10419,39 +14862,7 @@
                   <a:schemeClr val="bg1"/>
                 </a:solidFill>
               </a:rPr>
-              <a:t>Senarai</a:t>
-            </a:r>
-            <a:r>
-              <a:rPr lang="en-US" dirty="0">
-                <a:solidFill>
-                  <a:schemeClr val="bg1"/>
-                </a:solidFill>
-              </a:rPr>
-              <a:t> NOC </a:t>
-            </a:r>
-            <a:r>
-              <a:rPr lang="en-US" dirty="0" err="1">
-                <a:solidFill>
-                  <a:schemeClr val="bg1"/>
-                </a:solidFill>
-              </a:rPr>
-              <a:t>dalam</a:t>
-            </a:r>
-            <a:r>
-              <a:rPr lang="en-US" dirty="0">
-                <a:solidFill>
-                  <a:schemeClr val="bg1"/>
-                </a:solidFill>
-              </a:rPr>
-              <a:t> </a:t>
-            </a:r>
-            <a:r>
-              <a:rPr lang="en-US" dirty="0" err="1">
-                <a:solidFill>
-                  <a:schemeClr val="bg1"/>
-                </a:solidFill>
-              </a:rPr>
-              <a:t>tindakan</a:t>
+              <a:t>baharu</a:t>
             </a:r>
             <a:r>
               <a:rPr lang="en-US" dirty="0">
@@ -10504,7 +14915,7 @@
     </p:spTree>
     <p:extLst>
       <p:ext uri="{BB962C8B-B14F-4D97-AF65-F5344CB8AC3E}">
-        <p14:creationId xmlns:p14="http://schemas.microsoft.com/office/powerpoint/2010/main" val="4282810992"/>
+        <p14:creationId xmlns:p14="http://schemas.microsoft.com/office/powerpoint/2010/main" val="653694485"/>
       </p:ext>
     </p:extLst>
   </p:cSld>
@@ -10536,7 +14947,7 @@
           <p:cNvPr id="4" name="Picture 3">
             <a:extLst>
               <a:ext uri="{FF2B5EF4-FFF2-40B4-BE49-F238E27FC236}">
-                <a16:creationId xmlns:a16="http://schemas.microsoft.com/office/drawing/2014/main" id="{D2B861FA-7355-4113-976C-94CEC4E87A29}"/>
+                <a16:creationId xmlns:a16="http://schemas.microsoft.com/office/drawing/2014/main" id="{0D8810A7-AAB9-426B-BAE8-6FA0AA95E8E5}"/>
               </a:ext>
             </a:extLst>
           </p:cNvPr>
@@ -10553,8 +14964,8 @@
         </p:blipFill>
         <p:spPr>
           <a:xfrm>
-            <a:off x="0" y="369332"/>
-            <a:ext cx="12192000" cy="6260068"/>
+            <a:off x="0" y="369331"/>
+            <a:ext cx="12192000" cy="6182075"/>
           </a:xfrm>
           <a:prstGeom prst="rect">
             <a:avLst/>
@@ -10563,10 +14974,10 @@
       </p:pic>
       <p:sp>
         <p:nvSpPr>
-          <p:cNvPr id="3" name="TextBox 2">
-            <a:extLst>
-              <a:ext uri="{FF2B5EF4-FFF2-40B4-BE49-F238E27FC236}">
-                <a16:creationId xmlns:a16="http://schemas.microsoft.com/office/drawing/2014/main" id="{1D872889-833E-405A-803F-528F1B7B52EC}"/>
+          <p:cNvPr id="5" name="TextBox 4">
+            <a:extLst>
+              <a:ext uri="{FF2B5EF4-FFF2-40B4-BE49-F238E27FC236}">
+                <a16:creationId xmlns:a16="http://schemas.microsoft.com/office/drawing/2014/main" id="{E57ED6A1-F6E3-4D38-86EE-5C760E5E4DFC}"/>
               </a:ext>
             </a:extLst>
           </p:cNvPr>
@@ -10575,8 +14986,8 @@
         </p:nvSpPr>
         <p:spPr>
           <a:xfrm>
-            <a:off x="0" y="0"/>
-            <a:ext cx="5550946" cy="369332"/>
+            <a:off x="-1" y="0"/>
+            <a:ext cx="5647765" cy="369332"/>
           </a:xfrm>
           <a:prstGeom prst="rect">
             <a:avLst/>
@@ -10603,7 +15014,7 @@
                   <a:schemeClr val="bg1"/>
                 </a:solidFill>
               </a:rPr>
-              <a:t>Page: NOC info =&gt; (NOC </a:t>
+              <a:t>Page: </a:t>
             </a:r>
             <a:r>
               <a:rPr lang="en-US" dirty="0" err="1">
@@ -10611,7 +15022,7 @@
                   <a:schemeClr val="bg1"/>
                 </a:solidFill>
               </a:rPr>
-              <a:t>baharu</a:t>
+              <a:t>Senarai</a:t>
             </a:r>
             <a:r>
               <a:rPr lang="en-US" dirty="0">
@@ -10619,7 +15030,7 @@
                   <a:schemeClr val="bg1"/>
                 </a:solidFill>
               </a:rPr>
-              <a:t> untuk </a:t>
+              <a:t> NOC </a:t>
             </a:r>
             <a:r>
               <a:rPr lang="en-US" dirty="0" err="1">
@@ -10627,6 +15038,22 @@
                   <a:schemeClr val="bg1"/>
                 </a:solidFill>
               </a:rPr>
+              <a:t>dalam</a:t>
+            </a:r>
+            <a:r>
+              <a:rPr lang="en-US" dirty="0">
+                <a:solidFill>
+                  <a:schemeClr val="bg1"/>
+                </a:solidFill>
+              </a:rPr>
+              <a:t> </a:t>
+            </a:r>
+            <a:r>
+              <a:rPr lang="en-US" dirty="0" err="1">
+                <a:solidFill>
+                  <a:schemeClr val="bg1"/>
+                </a:solidFill>
+              </a:rPr>
               <a:t>tindakan</a:t>
             </a:r>
             <a:r>
@@ -10635,7 +15062,7 @@
                   <a:schemeClr val="bg1"/>
                 </a:solidFill>
               </a:rPr>
-              <a:t> </a:t>
+              <a:t> (</a:t>
             </a:r>
             <a:r>
               <a:rPr lang="en-US" dirty="0" err="1">
@@ -10643,7 +15070,23 @@
                   <a:schemeClr val="bg1"/>
                 </a:solidFill>
               </a:rPr>
-              <a:t>semakan</a:t>
+              <a:t>Peranan</a:t>
+            </a:r>
+            <a:r>
+              <a:rPr lang="en-US" dirty="0">
+                <a:solidFill>
+                  <a:schemeClr val="bg1"/>
+                </a:solidFill>
+              </a:rPr>
+              <a:t>: </a:t>
+            </a:r>
+            <a:r>
+              <a:rPr lang="en-US" dirty="0" err="1">
+                <a:solidFill>
+                  <a:schemeClr val="bg1"/>
+                </a:solidFill>
+              </a:rPr>
+              <a:t>Bahagian</a:t>
             </a:r>
             <a:r>
               <a:rPr lang="en-US" dirty="0">
@@ -10664,7 +15107,7 @@
     </p:spTree>
     <p:extLst>
       <p:ext uri="{BB962C8B-B14F-4D97-AF65-F5344CB8AC3E}">
-        <p14:creationId xmlns:p14="http://schemas.microsoft.com/office/powerpoint/2010/main" val="134927820"/>
+        <p14:creationId xmlns:p14="http://schemas.microsoft.com/office/powerpoint/2010/main" val="4282810992"/>
       </p:ext>
     </p:extLst>
   </p:cSld>
@@ -10696,7 +15139,7 @@
           <p:cNvPr id="4" name="Picture 3">
             <a:extLst>
               <a:ext uri="{FF2B5EF4-FFF2-40B4-BE49-F238E27FC236}">
-                <a16:creationId xmlns:a16="http://schemas.microsoft.com/office/drawing/2014/main" id="{0F5C76B1-148E-49BC-94C1-7C39BE0F5AE8}"/>
+                <a16:creationId xmlns:a16="http://schemas.microsoft.com/office/drawing/2014/main" id="{D2B861FA-7355-4113-976C-94CEC4E87A29}"/>
               </a:ext>
             </a:extLst>
           </p:cNvPr>
@@ -10714,7 +15157,7 @@
         <p:spPr>
           <a:xfrm>
             <a:off x="0" y="369332"/>
-            <a:ext cx="12192000" cy="6248638"/>
+            <a:ext cx="12192000" cy="6260068"/>
           </a:xfrm>
           <a:prstGeom prst="rect">
             <a:avLst/>
@@ -10726,7 +15169,7 @@
           <p:cNvPr id="3" name="TextBox 2">
             <a:extLst>
               <a:ext uri="{FF2B5EF4-FFF2-40B4-BE49-F238E27FC236}">
-                <a16:creationId xmlns:a16="http://schemas.microsoft.com/office/drawing/2014/main" id="{F6FF3D9C-DDA3-480F-954C-687ECF7606BF}"/>
+                <a16:creationId xmlns:a16="http://schemas.microsoft.com/office/drawing/2014/main" id="{1D872889-833E-405A-803F-528F1B7B52EC}"/>
               </a:ext>
             </a:extLst>
           </p:cNvPr>
@@ -10736,7 +15179,7 @@
         <p:spPr>
           <a:xfrm>
             <a:off x="0" y="0"/>
-            <a:ext cx="6637468" cy="369332"/>
+            <a:ext cx="5550946" cy="369332"/>
           </a:xfrm>
           <a:prstGeom prst="rect">
             <a:avLst/>
@@ -10763,7 +15206,7 @@
                   <a:schemeClr val="bg1"/>
                 </a:solidFill>
               </a:rPr>
-              <a:t>Page: NOC info =&gt; (</a:t>
+              <a:t>Page: NOC info =&gt; (NOC </a:t>
             </a:r>
             <a:r>
               <a:rPr lang="en-US" dirty="0" err="1">
@@ -10771,7 +15214,7 @@
                   <a:schemeClr val="bg1"/>
                 </a:solidFill>
               </a:rPr>
-              <a:t>Memasukkan</a:t>
+              <a:t>baharu</a:t>
             </a:r>
             <a:r>
               <a:rPr lang="en-US" dirty="0">
@@ -10779,7 +15222,7 @@
                   <a:schemeClr val="bg1"/>
                 </a:solidFill>
               </a:rPr>
-              <a:t> Tarikh NOC </a:t>
+              <a:t> untuk </a:t>
             </a:r>
             <a:r>
               <a:rPr lang="en-US" dirty="0" err="1">
@@ -10787,7 +15230,7 @@
                   <a:schemeClr val="bg1"/>
                 </a:solidFill>
               </a:rPr>
-              <a:t>dibuat</a:t>
+              <a:t>tindakan</a:t>
             </a:r>
             <a:r>
               <a:rPr lang="en-US" dirty="0">
@@ -10804,22 +15247,6 @@
                 </a:solidFill>
               </a:rPr>
               <a:t>semakan</a:t>
-            </a:r>
-            <a:r>
-              <a:rPr lang="en-US" dirty="0">
-                <a:solidFill>
-                  <a:schemeClr val="bg1"/>
-                </a:solidFill>
-              </a:rPr>
-              <a:t> </a:t>
-            </a:r>
-            <a:r>
-              <a:rPr lang="en-US" dirty="0" err="1">
-                <a:solidFill>
-                  <a:schemeClr val="bg1"/>
-                </a:solidFill>
-              </a:rPr>
-              <a:t>awal</a:t>
             </a:r>
             <a:r>
               <a:rPr lang="en-US" dirty="0">
@@ -10840,7 +15267,7 @@
     </p:spTree>
     <p:extLst>
       <p:ext uri="{BB962C8B-B14F-4D97-AF65-F5344CB8AC3E}">
-        <p14:creationId xmlns:p14="http://schemas.microsoft.com/office/powerpoint/2010/main" val="2125741853"/>
+        <p14:creationId xmlns:p14="http://schemas.microsoft.com/office/powerpoint/2010/main" val="134927820"/>
       </p:ext>
     </p:extLst>
   </p:cSld>
@@ -10872,7 +15299,7 @@
           <p:cNvPr id="4" name="Picture 3">
             <a:extLst>
               <a:ext uri="{FF2B5EF4-FFF2-40B4-BE49-F238E27FC236}">
-                <a16:creationId xmlns:a16="http://schemas.microsoft.com/office/drawing/2014/main" id="{F89E9B7A-69FA-44E7-B104-122D7C8A6F57}"/>
+                <a16:creationId xmlns:a16="http://schemas.microsoft.com/office/drawing/2014/main" id="{0F5C76B1-148E-49BC-94C1-7C39BE0F5AE8}"/>
               </a:ext>
             </a:extLst>
           </p:cNvPr>
@@ -10890,7 +15317,7 @@
         <p:spPr>
           <a:xfrm>
             <a:off x="0" y="369332"/>
-            <a:ext cx="12192000" cy="6237208"/>
+            <a:ext cx="12192000" cy="6248638"/>
           </a:xfrm>
           <a:prstGeom prst="rect">
             <a:avLst/>
@@ -10902,7 +15329,7 @@
           <p:cNvPr id="3" name="TextBox 2">
             <a:extLst>
               <a:ext uri="{FF2B5EF4-FFF2-40B4-BE49-F238E27FC236}">
-                <a16:creationId xmlns:a16="http://schemas.microsoft.com/office/drawing/2014/main" id="{122EE089-4B8B-41C3-89DC-6F3B74FB0668}"/>
+                <a16:creationId xmlns:a16="http://schemas.microsoft.com/office/drawing/2014/main" id="{F6FF3D9C-DDA3-480F-954C-687ECF7606BF}"/>
               </a:ext>
             </a:extLst>
           </p:cNvPr>
@@ -10911,8 +15338,8 @@
         </p:nvSpPr>
         <p:spPr>
           <a:xfrm>
-            <a:off x="-1" y="0"/>
-            <a:ext cx="7230359" cy="369332"/>
+            <a:off x="0" y="0"/>
+            <a:ext cx="6637468" cy="369332"/>
           </a:xfrm>
           <a:prstGeom prst="rect">
             <a:avLst/>
@@ -10939,7 +15366,7 @@
                   <a:schemeClr val="bg1"/>
                 </a:solidFill>
               </a:rPr>
-              <a:t>Page: NOC info =&gt; (NOC </a:t>
+              <a:t>Page: NOC info =&gt; (</a:t>
             </a:r>
             <a:r>
               <a:rPr lang="en-US" dirty="0" err="1">
@@ -10947,7 +15374,7 @@
                   <a:schemeClr val="bg1"/>
                 </a:solidFill>
               </a:rPr>
-              <a:t>mohon</a:t>
+              <a:t>Memasukkan</a:t>
             </a:r>
             <a:r>
               <a:rPr lang="en-US" dirty="0">
@@ -10955,6 +15382,22 @@
                   <a:schemeClr val="bg1"/>
                 </a:solidFill>
               </a:rPr>
+              <a:t> Tarikh NOC </a:t>
+            </a:r>
+            <a:r>
+              <a:rPr lang="en-US" dirty="0" err="1">
+                <a:solidFill>
+                  <a:schemeClr val="bg1"/>
+                </a:solidFill>
+              </a:rPr>
+              <a:t>dibuat</a:t>
+            </a:r>
+            <a:r>
+              <a:rPr lang="en-US" dirty="0">
+                <a:solidFill>
+                  <a:schemeClr val="bg1"/>
+                </a:solidFill>
+              </a:rPr>
               <a:t> </a:t>
             </a:r>
             <a:r>
@@ -10963,7 +15406,7 @@
                   <a:schemeClr val="bg1"/>
                 </a:solidFill>
               </a:rPr>
-              <a:t>ulasan</a:t>
+              <a:t>semakan</a:t>
             </a:r>
             <a:r>
               <a:rPr lang="en-US" dirty="0">
@@ -10971,7 +15414,7 @@
                   <a:schemeClr val="bg1"/>
                 </a:solidFill>
               </a:rPr>
-              <a:t> untuk </a:t>
+              <a:t> </a:t>
             </a:r>
             <a:r>
               <a:rPr lang="en-US" dirty="0" err="1">
@@ -10979,7 +15422,7 @@
                   <a:schemeClr val="bg1"/>
                 </a:solidFill>
               </a:rPr>
-              <a:t>tindakan</a:t>
+              <a:t>awal</a:t>
             </a:r>
             <a:r>
               <a:rPr lang="en-US" dirty="0">
@@ -10987,39 +15430,7 @@
                   <a:schemeClr val="bg1"/>
                 </a:solidFill>
               </a:rPr>
-              <a:t> </a:t>
-            </a:r>
-            <a:r>
-              <a:rPr lang="en-US" dirty="0" err="1">
-                <a:solidFill>
-                  <a:schemeClr val="bg1"/>
-                </a:solidFill>
-              </a:rPr>
-              <a:t>semakan</a:t>
-            </a:r>
-            <a:r>
-              <a:rPr lang="en-US" dirty="0">
-                <a:solidFill>
-                  <a:schemeClr val="bg1"/>
-                </a:solidFill>
-              </a:rPr>
-              <a:t> </a:t>
-            </a:r>
-            <a:r>
-              <a:rPr lang="en-US" dirty="0" err="1">
-                <a:solidFill>
-                  <a:schemeClr val="bg1"/>
-                </a:solidFill>
-              </a:rPr>
-              <a:t>Bajet</a:t>
-            </a:r>
-            <a:r>
-              <a:rPr lang="en-US" dirty="0">
-                <a:solidFill>
-                  <a:schemeClr val="bg1"/>
-                </a:solidFill>
-              </a:rPr>
-              <a:t>/Nilai)</a:t>
+              <a:t>)</a:t>
             </a:r>
             <a:endParaRPr lang="en-MY" dirty="0">
               <a:solidFill>
@@ -11032,7 +15443,7 @@
     </p:spTree>
     <p:extLst>
       <p:ext uri="{BB962C8B-B14F-4D97-AF65-F5344CB8AC3E}">
-        <p14:creationId xmlns:p14="http://schemas.microsoft.com/office/powerpoint/2010/main" val="2801574371"/>
+        <p14:creationId xmlns:p14="http://schemas.microsoft.com/office/powerpoint/2010/main" val="2125741853"/>
       </p:ext>
     </p:extLst>
   </p:cSld>

--- a/notes/UI_sistem.pptx
+++ b/notes/UI_sistem.pptx
@@ -297,7 +297,7 @@
           <a:p>
             <a:fld id="{F9CAA67B-2C66-40B7-AFE2-752B8990435C}" type="datetimeFigureOut">
               <a:rPr lang="en-MY" smtClean="0"/>
-              <a:t>29/6/2022</a:t>
+              <a:t>6/7/2022</a:t>
             </a:fld>
             <a:endParaRPr lang="en-MY"/>
           </a:p>
@@ -497,7 +497,7 @@
           <a:p>
             <a:fld id="{F9CAA67B-2C66-40B7-AFE2-752B8990435C}" type="datetimeFigureOut">
               <a:rPr lang="en-MY" smtClean="0"/>
-              <a:t>29/6/2022</a:t>
+              <a:t>6/7/2022</a:t>
             </a:fld>
             <a:endParaRPr lang="en-MY"/>
           </a:p>
@@ -707,7 +707,7 @@
           <a:p>
             <a:fld id="{F9CAA67B-2C66-40B7-AFE2-752B8990435C}" type="datetimeFigureOut">
               <a:rPr lang="en-MY" smtClean="0"/>
-              <a:t>29/6/2022</a:t>
+              <a:t>6/7/2022</a:t>
             </a:fld>
             <a:endParaRPr lang="en-MY"/>
           </a:p>
@@ -907,7 +907,7 @@
           <a:p>
             <a:fld id="{F9CAA67B-2C66-40B7-AFE2-752B8990435C}" type="datetimeFigureOut">
               <a:rPr lang="en-MY" smtClean="0"/>
-              <a:t>29/6/2022</a:t>
+              <a:t>6/7/2022</a:t>
             </a:fld>
             <a:endParaRPr lang="en-MY"/>
           </a:p>
@@ -1183,7 +1183,7 @@
           <a:p>
             <a:fld id="{F9CAA67B-2C66-40B7-AFE2-752B8990435C}" type="datetimeFigureOut">
               <a:rPr lang="en-MY" smtClean="0"/>
-              <a:t>29/6/2022</a:t>
+              <a:t>6/7/2022</a:t>
             </a:fld>
             <a:endParaRPr lang="en-MY"/>
           </a:p>
@@ -1451,7 +1451,7 @@
           <a:p>
             <a:fld id="{F9CAA67B-2C66-40B7-AFE2-752B8990435C}" type="datetimeFigureOut">
               <a:rPr lang="en-MY" smtClean="0"/>
-              <a:t>29/6/2022</a:t>
+              <a:t>6/7/2022</a:t>
             </a:fld>
             <a:endParaRPr lang="en-MY"/>
           </a:p>
@@ -1866,7 +1866,7 @@
           <a:p>
             <a:fld id="{F9CAA67B-2C66-40B7-AFE2-752B8990435C}" type="datetimeFigureOut">
               <a:rPr lang="en-MY" smtClean="0"/>
-              <a:t>29/6/2022</a:t>
+              <a:t>6/7/2022</a:t>
             </a:fld>
             <a:endParaRPr lang="en-MY"/>
           </a:p>
@@ -2008,7 +2008,7 @@
           <a:p>
             <a:fld id="{F9CAA67B-2C66-40B7-AFE2-752B8990435C}" type="datetimeFigureOut">
               <a:rPr lang="en-MY" smtClean="0"/>
-              <a:t>29/6/2022</a:t>
+              <a:t>6/7/2022</a:t>
             </a:fld>
             <a:endParaRPr lang="en-MY"/>
           </a:p>
@@ -2121,7 +2121,7 @@
           <a:p>
             <a:fld id="{F9CAA67B-2C66-40B7-AFE2-752B8990435C}" type="datetimeFigureOut">
               <a:rPr lang="en-MY" smtClean="0"/>
-              <a:t>29/6/2022</a:t>
+              <a:t>6/7/2022</a:t>
             </a:fld>
             <a:endParaRPr lang="en-MY"/>
           </a:p>
@@ -2434,7 +2434,7 @@
           <a:p>
             <a:fld id="{F9CAA67B-2C66-40B7-AFE2-752B8990435C}" type="datetimeFigureOut">
               <a:rPr lang="en-MY" smtClean="0"/>
-              <a:t>29/6/2022</a:t>
+              <a:t>6/7/2022</a:t>
             </a:fld>
             <a:endParaRPr lang="en-MY"/>
           </a:p>
@@ -2723,7 +2723,7 @@
           <a:p>
             <a:fld id="{F9CAA67B-2C66-40B7-AFE2-752B8990435C}" type="datetimeFigureOut">
               <a:rPr lang="en-MY" smtClean="0"/>
-              <a:t>29/6/2022</a:t>
+              <a:t>6/7/2022</a:t>
             </a:fld>
             <a:endParaRPr lang="en-MY"/>
           </a:p>
@@ -2969,7 +2969,7 @@
           <a:p>
             <a:fld id="{F9CAA67B-2C66-40B7-AFE2-752B8990435C}" type="datetimeFigureOut">
               <a:rPr lang="en-MY" smtClean="0"/>
-              <a:t>29/6/2022</a:t>
+              <a:t>6/7/2022</a:t>
             </a:fld>
             <a:endParaRPr lang="en-MY"/>
           </a:p>
@@ -11635,7 +11635,7 @@
           </a:xfrm>
           <a:prstGeom prst="bentConnector3">
             <a:avLst>
-              <a:gd name="adj1" fmla="val 107717"/>
+              <a:gd name="adj1" fmla="val 111372"/>
             </a:avLst>
           </a:prstGeom>
           <a:ln>

--- a/notes/UI_sistem.pptx
+++ b/notes/UI_sistem.pptx
@@ -7,30 +7,31 @@
   <p:sldIdLst>
     <p:sldId id="278" r:id="rId2"/>
     <p:sldId id="281" r:id="rId3"/>
-    <p:sldId id="256" r:id="rId4"/>
-    <p:sldId id="279" r:id="rId5"/>
-    <p:sldId id="257" r:id="rId6"/>
-    <p:sldId id="258" r:id="rId7"/>
-    <p:sldId id="280" r:id="rId8"/>
-    <p:sldId id="259" r:id="rId9"/>
-    <p:sldId id="260" r:id="rId10"/>
-    <p:sldId id="261" r:id="rId11"/>
-    <p:sldId id="262" r:id="rId12"/>
-    <p:sldId id="263" r:id="rId13"/>
-    <p:sldId id="264" r:id="rId14"/>
-    <p:sldId id="266" r:id="rId15"/>
-    <p:sldId id="265" r:id="rId16"/>
-    <p:sldId id="267" r:id="rId17"/>
-    <p:sldId id="268" r:id="rId18"/>
-    <p:sldId id="269" r:id="rId19"/>
-    <p:sldId id="270" r:id="rId20"/>
-    <p:sldId id="271" r:id="rId21"/>
-    <p:sldId id="272" r:id="rId22"/>
-    <p:sldId id="273" r:id="rId23"/>
-    <p:sldId id="274" r:id="rId24"/>
-    <p:sldId id="275" r:id="rId25"/>
-    <p:sldId id="276" r:id="rId26"/>
-    <p:sldId id="277" r:id="rId27"/>
+    <p:sldId id="282" r:id="rId4"/>
+    <p:sldId id="256" r:id="rId5"/>
+    <p:sldId id="279" r:id="rId6"/>
+    <p:sldId id="257" r:id="rId7"/>
+    <p:sldId id="258" r:id="rId8"/>
+    <p:sldId id="280" r:id="rId9"/>
+    <p:sldId id="259" r:id="rId10"/>
+    <p:sldId id="260" r:id="rId11"/>
+    <p:sldId id="261" r:id="rId12"/>
+    <p:sldId id="262" r:id="rId13"/>
+    <p:sldId id="263" r:id="rId14"/>
+    <p:sldId id="264" r:id="rId15"/>
+    <p:sldId id="266" r:id="rId16"/>
+    <p:sldId id="265" r:id="rId17"/>
+    <p:sldId id="267" r:id="rId18"/>
+    <p:sldId id="268" r:id="rId19"/>
+    <p:sldId id="269" r:id="rId20"/>
+    <p:sldId id="270" r:id="rId21"/>
+    <p:sldId id="271" r:id="rId22"/>
+    <p:sldId id="272" r:id="rId23"/>
+    <p:sldId id="273" r:id="rId24"/>
+    <p:sldId id="274" r:id="rId25"/>
+    <p:sldId id="275" r:id="rId26"/>
+    <p:sldId id="276" r:id="rId27"/>
+    <p:sldId id="277" r:id="rId28"/>
   </p:sldIdLst>
   <p:sldSz cx="12192000" cy="6858000"/>
   <p:notesSz cx="9939338" cy="6807200"/>
@@ -297,7 +298,7 @@
           <a:p>
             <a:fld id="{F9CAA67B-2C66-40B7-AFE2-752B8990435C}" type="datetimeFigureOut">
               <a:rPr lang="en-MY" smtClean="0"/>
-              <a:t>6/7/2022</a:t>
+              <a:t>19/7/2022</a:t>
             </a:fld>
             <a:endParaRPr lang="en-MY"/>
           </a:p>
@@ -497,7 +498,7 @@
           <a:p>
             <a:fld id="{F9CAA67B-2C66-40B7-AFE2-752B8990435C}" type="datetimeFigureOut">
               <a:rPr lang="en-MY" smtClean="0"/>
-              <a:t>6/7/2022</a:t>
+              <a:t>19/7/2022</a:t>
             </a:fld>
             <a:endParaRPr lang="en-MY"/>
           </a:p>
@@ -707,7 +708,7 @@
           <a:p>
             <a:fld id="{F9CAA67B-2C66-40B7-AFE2-752B8990435C}" type="datetimeFigureOut">
               <a:rPr lang="en-MY" smtClean="0"/>
-              <a:t>6/7/2022</a:t>
+              <a:t>19/7/2022</a:t>
             </a:fld>
             <a:endParaRPr lang="en-MY"/>
           </a:p>
@@ -907,7 +908,7 @@
           <a:p>
             <a:fld id="{F9CAA67B-2C66-40B7-AFE2-752B8990435C}" type="datetimeFigureOut">
               <a:rPr lang="en-MY" smtClean="0"/>
-              <a:t>6/7/2022</a:t>
+              <a:t>19/7/2022</a:t>
             </a:fld>
             <a:endParaRPr lang="en-MY"/>
           </a:p>
@@ -1183,7 +1184,7 @@
           <a:p>
             <a:fld id="{F9CAA67B-2C66-40B7-AFE2-752B8990435C}" type="datetimeFigureOut">
               <a:rPr lang="en-MY" smtClean="0"/>
-              <a:t>6/7/2022</a:t>
+              <a:t>19/7/2022</a:t>
             </a:fld>
             <a:endParaRPr lang="en-MY"/>
           </a:p>
@@ -1451,7 +1452,7 @@
           <a:p>
             <a:fld id="{F9CAA67B-2C66-40B7-AFE2-752B8990435C}" type="datetimeFigureOut">
               <a:rPr lang="en-MY" smtClean="0"/>
-              <a:t>6/7/2022</a:t>
+              <a:t>19/7/2022</a:t>
             </a:fld>
             <a:endParaRPr lang="en-MY"/>
           </a:p>
@@ -1866,7 +1867,7 @@
           <a:p>
             <a:fld id="{F9CAA67B-2C66-40B7-AFE2-752B8990435C}" type="datetimeFigureOut">
               <a:rPr lang="en-MY" smtClean="0"/>
-              <a:t>6/7/2022</a:t>
+              <a:t>19/7/2022</a:t>
             </a:fld>
             <a:endParaRPr lang="en-MY"/>
           </a:p>
@@ -2008,7 +2009,7 @@
           <a:p>
             <a:fld id="{F9CAA67B-2C66-40B7-AFE2-752B8990435C}" type="datetimeFigureOut">
               <a:rPr lang="en-MY" smtClean="0"/>
-              <a:t>6/7/2022</a:t>
+              <a:t>19/7/2022</a:t>
             </a:fld>
             <a:endParaRPr lang="en-MY"/>
           </a:p>
@@ -2121,7 +2122,7 @@
           <a:p>
             <a:fld id="{F9CAA67B-2C66-40B7-AFE2-752B8990435C}" type="datetimeFigureOut">
               <a:rPr lang="en-MY" smtClean="0"/>
-              <a:t>6/7/2022</a:t>
+              <a:t>19/7/2022</a:t>
             </a:fld>
             <a:endParaRPr lang="en-MY"/>
           </a:p>
@@ -2434,7 +2435,7 @@
           <a:p>
             <a:fld id="{F9CAA67B-2C66-40B7-AFE2-752B8990435C}" type="datetimeFigureOut">
               <a:rPr lang="en-MY" smtClean="0"/>
-              <a:t>6/7/2022</a:t>
+              <a:t>19/7/2022</a:t>
             </a:fld>
             <a:endParaRPr lang="en-MY"/>
           </a:p>
@@ -2723,7 +2724,7 @@
           <a:p>
             <a:fld id="{F9CAA67B-2C66-40B7-AFE2-752B8990435C}" type="datetimeFigureOut">
               <a:rPr lang="en-MY" smtClean="0"/>
-              <a:t>6/7/2022</a:t>
+              <a:t>19/7/2022</a:t>
             </a:fld>
             <a:endParaRPr lang="en-MY"/>
           </a:p>
@@ -2969,7 +2970,7 @@
           <a:p>
             <a:fld id="{F9CAA67B-2C66-40B7-AFE2-752B8990435C}" type="datetimeFigureOut">
               <a:rPr lang="en-MY" smtClean="0"/>
-              <a:t>6/7/2022</a:t>
+              <a:t>19/7/2022</a:t>
             </a:fld>
             <a:endParaRPr lang="en-MY"/>
           </a:p>
@@ -6764,7 +6765,7 @@
           <p:cNvPr id="4" name="Picture 3">
             <a:extLst>
               <a:ext uri="{FF2B5EF4-FFF2-40B4-BE49-F238E27FC236}">
-                <a16:creationId xmlns:a16="http://schemas.microsoft.com/office/drawing/2014/main" id="{F89E9B7A-69FA-44E7-B104-122D7C8A6F57}"/>
+                <a16:creationId xmlns:a16="http://schemas.microsoft.com/office/drawing/2014/main" id="{0F5C76B1-148E-49BC-94C1-7C39BE0F5AE8}"/>
               </a:ext>
             </a:extLst>
           </p:cNvPr>
@@ -6782,7 +6783,7 @@
         <p:spPr>
           <a:xfrm>
             <a:off x="0" y="369332"/>
-            <a:ext cx="12192000" cy="6237208"/>
+            <a:ext cx="12192000" cy="6248638"/>
           </a:xfrm>
           <a:prstGeom prst="rect">
             <a:avLst/>
@@ -6794,7 +6795,7 @@
           <p:cNvPr id="3" name="TextBox 2">
             <a:extLst>
               <a:ext uri="{FF2B5EF4-FFF2-40B4-BE49-F238E27FC236}">
-                <a16:creationId xmlns:a16="http://schemas.microsoft.com/office/drawing/2014/main" id="{122EE089-4B8B-41C3-89DC-6F3B74FB0668}"/>
+                <a16:creationId xmlns:a16="http://schemas.microsoft.com/office/drawing/2014/main" id="{F6FF3D9C-DDA3-480F-954C-687ECF7606BF}"/>
               </a:ext>
             </a:extLst>
           </p:cNvPr>
@@ -6803,8 +6804,8 @@
         </p:nvSpPr>
         <p:spPr>
           <a:xfrm>
-            <a:off x="-1" y="0"/>
-            <a:ext cx="7230359" cy="369332"/>
+            <a:off x="0" y="0"/>
+            <a:ext cx="6637468" cy="369332"/>
           </a:xfrm>
           <a:prstGeom prst="rect">
             <a:avLst/>
@@ -6831,7 +6832,7 @@
                   <a:schemeClr val="bg1"/>
                 </a:solidFill>
               </a:rPr>
-              <a:t>Page: NOC info =&gt; (NOC </a:t>
+              <a:t>Page: NOC info =&gt; (</a:t>
             </a:r>
             <a:r>
               <a:rPr lang="en-US" dirty="0" err="1">
@@ -6839,7 +6840,7 @@
                   <a:schemeClr val="bg1"/>
                 </a:solidFill>
               </a:rPr>
-              <a:t>mohon</a:t>
+              <a:t>Memasukkan</a:t>
             </a:r>
             <a:r>
               <a:rPr lang="en-US" dirty="0">
@@ -6847,6 +6848,22 @@
                   <a:schemeClr val="bg1"/>
                 </a:solidFill>
               </a:rPr>
+              <a:t> Tarikh NOC </a:t>
+            </a:r>
+            <a:r>
+              <a:rPr lang="en-US" dirty="0" err="1">
+                <a:solidFill>
+                  <a:schemeClr val="bg1"/>
+                </a:solidFill>
+              </a:rPr>
+              <a:t>dibuat</a:t>
+            </a:r>
+            <a:r>
+              <a:rPr lang="en-US" dirty="0">
+                <a:solidFill>
+                  <a:schemeClr val="bg1"/>
+                </a:solidFill>
+              </a:rPr>
               <a:t> </a:t>
             </a:r>
             <a:r>
@@ -6855,7 +6872,7 @@
                   <a:schemeClr val="bg1"/>
                 </a:solidFill>
               </a:rPr>
-              <a:t>ulasan</a:t>
+              <a:t>semakan</a:t>
             </a:r>
             <a:r>
               <a:rPr lang="en-US" dirty="0">
@@ -6863,7 +6880,7 @@
                   <a:schemeClr val="bg1"/>
                 </a:solidFill>
               </a:rPr>
-              <a:t> untuk </a:t>
+              <a:t> </a:t>
             </a:r>
             <a:r>
               <a:rPr lang="en-US" dirty="0" err="1">
@@ -6871,7 +6888,7 @@
                   <a:schemeClr val="bg1"/>
                 </a:solidFill>
               </a:rPr>
-              <a:t>tindakan</a:t>
+              <a:t>awal</a:t>
             </a:r>
             <a:r>
               <a:rPr lang="en-US" dirty="0">
@@ -6879,39 +6896,7 @@
                   <a:schemeClr val="bg1"/>
                 </a:solidFill>
               </a:rPr>
-              <a:t> </a:t>
-            </a:r>
-            <a:r>
-              <a:rPr lang="en-US" dirty="0" err="1">
-                <a:solidFill>
-                  <a:schemeClr val="bg1"/>
-                </a:solidFill>
-              </a:rPr>
-              <a:t>semakan</a:t>
-            </a:r>
-            <a:r>
-              <a:rPr lang="en-US" dirty="0">
-                <a:solidFill>
-                  <a:schemeClr val="bg1"/>
-                </a:solidFill>
-              </a:rPr>
-              <a:t> </a:t>
-            </a:r>
-            <a:r>
-              <a:rPr lang="en-US" dirty="0" err="1">
-                <a:solidFill>
-                  <a:schemeClr val="bg1"/>
-                </a:solidFill>
-              </a:rPr>
-              <a:t>Bajet</a:t>
-            </a:r>
-            <a:r>
-              <a:rPr lang="en-US" dirty="0">
-                <a:solidFill>
-                  <a:schemeClr val="bg1"/>
-                </a:solidFill>
-              </a:rPr>
-              <a:t>/Nilai)</a:t>
+              <a:t>)</a:t>
             </a:r>
             <a:endParaRPr lang="en-MY" dirty="0">
               <a:solidFill>
@@ -6924,7 +6909,7 @@
     </p:spTree>
     <p:extLst>
       <p:ext uri="{BB962C8B-B14F-4D97-AF65-F5344CB8AC3E}">
-        <p14:creationId xmlns:p14="http://schemas.microsoft.com/office/powerpoint/2010/main" val="2801574371"/>
+        <p14:creationId xmlns:p14="http://schemas.microsoft.com/office/powerpoint/2010/main" val="2125741853"/>
       </p:ext>
     </p:extLst>
   </p:cSld>
@@ -6956,7 +6941,7 @@
           <p:cNvPr id="4" name="Picture 3">
             <a:extLst>
               <a:ext uri="{FF2B5EF4-FFF2-40B4-BE49-F238E27FC236}">
-                <a16:creationId xmlns:a16="http://schemas.microsoft.com/office/drawing/2014/main" id="{E1D68C4C-9036-40C0-BC89-8245206164B2}"/>
+                <a16:creationId xmlns:a16="http://schemas.microsoft.com/office/drawing/2014/main" id="{F89E9B7A-69FA-44E7-B104-122D7C8A6F57}"/>
               </a:ext>
             </a:extLst>
           </p:cNvPr>
@@ -6974,7 +6959,7 @@
         <p:spPr>
           <a:xfrm>
             <a:off x="0" y="369332"/>
-            <a:ext cx="12192000" cy="6214348"/>
+            <a:ext cx="12192000" cy="6237208"/>
           </a:xfrm>
           <a:prstGeom prst="rect">
             <a:avLst/>
@@ -6986,7 +6971,7 @@
           <p:cNvPr id="3" name="TextBox 2">
             <a:extLst>
               <a:ext uri="{FF2B5EF4-FFF2-40B4-BE49-F238E27FC236}">
-                <a16:creationId xmlns:a16="http://schemas.microsoft.com/office/drawing/2014/main" id="{7E6AB685-DED8-4A4F-ADA9-CDDFB353C3A6}"/>
+                <a16:creationId xmlns:a16="http://schemas.microsoft.com/office/drawing/2014/main" id="{122EE089-4B8B-41C3-89DC-6F3B74FB0668}"/>
               </a:ext>
             </a:extLst>
           </p:cNvPr>
@@ -6995,8 +6980,8 @@
         </p:nvSpPr>
         <p:spPr>
           <a:xfrm>
-            <a:off x="0" y="0"/>
-            <a:ext cx="7239786" cy="369332"/>
+            <a:off x="-1" y="0"/>
+            <a:ext cx="7230359" cy="369332"/>
           </a:xfrm>
           <a:prstGeom prst="rect">
             <a:avLst/>
@@ -7023,7 +7008,7 @@
                   <a:schemeClr val="bg1"/>
                 </a:solidFill>
               </a:rPr>
-              <a:t>Page: NOC info =&gt; (</a:t>
+              <a:t>Page: NOC info =&gt; (NOC </a:t>
             </a:r>
             <a:r>
               <a:rPr lang="en-US" dirty="0" err="1">
@@ -7031,7 +7016,7 @@
                   <a:schemeClr val="bg1"/>
                 </a:solidFill>
               </a:rPr>
-              <a:t>Memasukkan</a:t>
+              <a:t>mohon</a:t>
             </a:r>
             <a:r>
               <a:rPr lang="en-US" dirty="0">
@@ -7039,7 +7024,7 @@
                   <a:schemeClr val="bg1"/>
                 </a:solidFill>
               </a:rPr>
-              <a:t> Tarikh </a:t>
+              <a:t> </a:t>
             </a:r>
             <a:r>
               <a:rPr lang="en-US" dirty="0" err="1">
@@ -7047,7 +7032,7 @@
                   <a:schemeClr val="bg1"/>
                 </a:solidFill>
               </a:rPr>
-              <a:t>Semakan</a:t>
+              <a:t>ulasan</a:t>
             </a:r>
             <a:r>
               <a:rPr lang="en-US" dirty="0">
@@ -7055,7 +7040,39 @@
                   <a:schemeClr val="bg1"/>
                 </a:solidFill>
               </a:rPr>
-              <a:t> oleh </a:t>
+              <a:t> untuk </a:t>
+            </a:r>
+            <a:r>
+              <a:rPr lang="en-US" dirty="0" err="1">
+                <a:solidFill>
+                  <a:schemeClr val="bg1"/>
+                </a:solidFill>
+              </a:rPr>
+              <a:t>tindakan</a:t>
+            </a:r>
+            <a:r>
+              <a:rPr lang="en-US" dirty="0">
+                <a:solidFill>
+                  <a:schemeClr val="bg1"/>
+                </a:solidFill>
+              </a:rPr>
+              <a:t> </a:t>
+            </a:r>
+            <a:r>
+              <a:rPr lang="en-US" dirty="0" err="1">
+                <a:solidFill>
+                  <a:schemeClr val="bg1"/>
+                </a:solidFill>
+              </a:rPr>
+              <a:t>semakan</a:t>
+            </a:r>
+            <a:r>
+              <a:rPr lang="en-US" dirty="0">
+                <a:solidFill>
+                  <a:schemeClr val="bg1"/>
+                </a:solidFill>
+              </a:rPr>
+              <a:t> </a:t>
             </a:r>
             <a:r>
               <a:rPr lang="en-US" dirty="0" err="1">
@@ -7084,7 +7101,7 @@
     </p:spTree>
     <p:extLst>
       <p:ext uri="{BB962C8B-B14F-4D97-AF65-F5344CB8AC3E}">
-        <p14:creationId xmlns:p14="http://schemas.microsoft.com/office/powerpoint/2010/main" val="3185754305"/>
+        <p14:creationId xmlns:p14="http://schemas.microsoft.com/office/powerpoint/2010/main" val="2801574371"/>
       </p:ext>
     </p:extLst>
   </p:cSld>
@@ -7116,7 +7133,7 @@
           <p:cNvPr id="4" name="Picture 3">
             <a:extLst>
               <a:ext uri="{FF2B5EF4-FFF2-40B4-BE49-F238E27FC236}">
-                <a16:creationId xmlns:a16="http://schemas.microsoft.com/office/drawing/2014/main" id="{79624E8B-E4F3-4114-8416-E7D789E1344F}"/>
+                <a16:creationId xmlns:a16="http://schemas.microsoft.com/office/drawing/2014/main" id="{E1D68C4C-9036-40C0-BC89-8245206164B2}"/>
               </a:ext>
             </a:extLst>
           </p:cNvPr>
@@ -7146,7 +7163,7 @@
           <p:cNvPr id="3" name="TextBox 2">
             <a:extLst>
               <a:ext uri="{FF2B5EF4-FFF2-40B4-BE49-F238E27FC236}">
-                <a16:creationId xmlns:a16="http://schemas.microsoft.com/office/drawing/2014/main" id="{5A453EBF-C677-4FAC-975D-1C1AE0F5F12E}"/>
+                <a16:creationId xmlns:a16="http://schemas.microsoft.com/office/drawing/2014/main" id="{7E6AB685-DED8-4A4F-ADA9-CDDFB353C3A6}"/>
               </a:ext>
             </a:extLst>
           </p:cNvPr>
@@ -7155,8 +7172,8 @@
         </p:nvSpPr>
         <p:spPr>
           <a:xfrm>
-            <a:off x="-1" y="0"/>
-            <a:ext cx="7258639" cy="369332"/>
+            <a:off x="0" y="0"/>
+            <a:ext cx="7239786" cy="369332"/>
           </a:xfrm>
           <a:prstGeom prst="rect">
             <a:avLst/>
@@ -7183,7 +7200,7 @@
                   <a:schemeClr val="bg1"/>
                 </a:solidFill>
               </a:rPr>
-              <a:t>Page: NOC info =&gt; (NOC </a:t>
+              <a:t>Page: NOC info =&gt; (</a:t>
             </a:r>
             <a:r>
               <a:rPr lang="en-US" dirty="0" err="1">
@@ -7191,7 +7208,7 @@
                   <a:schemeClr val="bg1"/>
                 </a:solidFill>
               </a:rPr>
-              <a:t>mohon</a:t>
+              <a:t>Memasukkan</a:t>
             </a:r>
             <a:r>
               <a:rPr lang="en-US" dirty="0">
@@ -7199,7 +7216,7 @@
                   <a:schemeClr val="bg1"/>
                 </a:solidFill>
               </a:rPr>
-              <a:t> </a:t>
+              <a:t> Tarikh </a:t>
             </a:r>
             <a:r>
               <a:rPr lang="en-US" dirty="0" err="1">
@@ -7207,7 +7224,7 @@
                   <a:schemeClr val="bg1"/>
                 </a:solidFill>
               </a:rPr>
-              <a:t>ulasan</a:t>
+              <a:t>Semakan</a:t>
             </a:r>
             <a:r>
               <a:rPr lang="en-US" dirty="0">
@@ -7215,39 +7232,7 @@
                   <a:schemeClr val="bg1"/>
                 </a:solidFill>
               </a:rPr>
-              <a:t> untuk </a:t>
-            </a:r>
-            <a:r>
-              <a:rPr lang="en-US" dirty="0" err="1">
-                <a:solidFill>
-                  <a:schemeClr val="bg1"/>
-                </a:solidFill>
-              </a:rPr>
-              <a:t>tindakan</a:t>
-            </a:r>
-            <a:r>
-              <a:rPr lang="en-US" dirty="0">
-                <a:solidFill>
-                  <a:schemeClr val="bg1"/>
-                </a:solidFill>
-              </a:rPr>
-              <a:t> </a:t>
-            </a:r>
-            <a:r>
-              <a:rPr lang="en-US" dirty="0" err="1">
-                <a:solidFill>
-                  <a:schemeClr val="bg1"/>
-                </a:solidFill>
-              </a:rPr>
-              <a:t>ulasan</a:t>
-            </a:r>
-            <a:r>
-              <a:rPr lang="en-US" dirty="0">
-                <a:solidFill>
-                  <a:schemeClr val="bg1"/>
-                </a:solidFill>
-              </a:rPr>
-              <a:t> </a:t>
+              <a:t> oleh </a:t>
             </a:r>
             <a:r>
               <a:rPr lang="en-US" dirty="0" err="1">
@@ -7276,7 +7261,7 @@
     </p:spTree>
     <p:extLst>
       <p:ext uri="{BB962C8B-B14F-4D97-AF65-F5344CB8AC3E}">
-        <p14:creationId xmlns:p14="http://schemas.microsoft.com/office/powerpoint/2010/main" val="1828341233"/>
+        <p14:creationId xmlns:p14="http://schemas.microsoft.com/office/powerpoint/2010/main" val="3185754305"/>
       </p:ext>
     </p:extLst>
   </p:cSld>
@@ -7308,7 +7293,7 @@
           <p:cNvPr id="4" name="Picture 3">
             <a:extLst>
               <a:ext uri="{FF2B5EF4-FFF2-40B4-BE49-F238E27FC236}">
-                <a16:creationId xmlns:a16="http://schemas.microsoft.com/office/drawing/2014/main" id="{8641558B-889C-4266-9E53-B4D1778823EB}"/>
+                <a16:creationId xmlns:a16="http://schemas.microsoft.com/office/drawing/2014/main" id="{79624E8B-E4F3-4114-8416-E7D789E1344F}"/>
               </a:ext>
             </a:extLst>
           </p:cNvPr>
@@ -7325,8 +7310,8 @@
         </p:blipFill>
         <p:spPr>
           <a:xfrm>
-            <a:off x="0" y="369333"/>
-            <a:ext cx="12192000" cy="6202918"/>
+            <a:off x="0" y="369332"/>
+            <a:ext cx="12192000" cy="6214348"/>
           </a:xfrm>
           <a:prstGeom prst="rect">
             <a:avLst/>
@@ -7338,7 +7323,7 @@
           <p:cNvPr id="3" name="TextBox 2">
             <a:extLst>
               <a:ext uri="{FF2B5EF4-FFF2-40B4-BE49-F238E27FC236}">
-                <a16:creationId xmlns:a16="http://schemas.microsoft.com/office/drawing/2014/main" id="{2BD16153-3115-4D10-869F-B90982CBB22C}"/>
+                <a16:creationId xmlns:a16="http://schemas.microsoft.com/office/drawing/2014/main" id="{5A453EBF-C677-4FAC-975D-1C1AE0F5F12E}"/>
               </a:ext>
             </a:extLst>
           </p:cNvPr>
@@ -7348,7 +7333,7 @@
         <p:spPr>
           <a:xfrm>
             <a:off x="-1" y="0"/>
-            <a:ext cx="6862714" cy="369332"/>
+            <a:ext cx="7258639" cy="369332"/>
           </a:xfrm>
           <a:prstGeom prst="rect">
             <a:avLst/>
@@ -7375,7 +7360,7 @@
                   <a:schemeClr val="bg1"/>
                 </a:solidFill>
               </a:rPr>
-              <a:t>Page: NOC info =&gt; (</a:t>
+              <a:t>Page: NOC info =&gt; (NOC </a:t>
             </a:r>
             <a:r>
               <a:rPr lang="en-US" dirty="0" err="1">
@@ -7383,7 +7368,7 @@
                   <a:schemeClr val="bg1"/>
                 </a:solidFill>
               </a:rPr>
-              <a:t>Memasukkan</a:t>
+              <a:t>mohon</a:t>
             </a:r>
             <a:r>
               <a:rPr lang="en-US" dirty="0">
@@ -7391,7 +7376,7 @@
                   <a:schemeClr val="bg1"/>
                 </a:solidFill>
               </a:rPr>
-              <a:t> Tarikh </a:t>
+              <a:t> </a:t>
             </a:r>
             <a:r>
               <a:rPr lang="en-US" dirty="0" err="1">
@@ -7399,7 +7384,7 @@
                   <a:schemeClr val="bg1"/>
                 </a:solidFill>
               </a:rPr>
-              <a:t>Mula</a:t>
+              <a:t>ulasan</a:t>
             </a:r>
             <a:r>
               <a:rPr lang="en-US" dirty="0">
@@ -7407,6 +7392,22 @@
                   <a:schemeClr val="bg1"/>
                 </a:solidFill>
               </a:rPr>
+              <a:t> untuk </a:t>
+            </a:r>
+            <a:r>
+              <a:rPr lang="en-US" dirty="0" err="1">
+                <a:solidFill>
+                  <a:schemeClr val="bg1"/>
+                </a:solidFill>
+              </a:rPr>
+              <a:t>tindakan</a:t>
+            </a:r>
+            <a:r>
+              <a:rPr lang="en-US" dirty="0">
+                <a:solidFill>
+                  <a:schemeClr val="bg1"/>
+                </a:solidFill>
+              </a:rPr>
               <a:t> </a:t>
             </a:r>
             <a:r>
@@ -7415,7 +7416,7 @@
                   <a:schemeClr val="bg1"/>
                 </a:solidFill>
               </a:rPr>
-              <a:t>Semakan</a:t>
+              <a:t>ulasan</a:t>
             </a:r>
             <a:r>
               <a:rPr lang="en-US" dirty="0">
@@ -7423,7 +7424,7 @@
                   <a:schemeClr val="bg1"/>
                 </a:solidFill>
               </a:rPr>
-              <a:t> oleh </a:t>
+              <a:t> </a:t>
             </a:r>
             <a:r>
               <a:rPr lang="en-US" dirty="0" err="1">
@@ -7452,7 +7453,7 @@
     </p:spTree>
     <p:extLst>
       <p:ext uri="{BB962C8B-B14F-4D97-AF65-F5344CB8AC3E}">
-        <p14:creationId xmlns:p14="http://schemas.microsoft.com/office/powerpoint/2010/main" val="1589061947"/>
+        <p14:creationId xmlns:p14="http://schemas.microsoft.com/office/powerpoint/2010/main" val="1828341233"/>
       </p:ext>
     </p:extLst>
   </p:cSld>
@@ -7484,7 +7485,7 @@
           <p:cNvPr id="4" name="Picture 3">
             <a:extLst>
               <a:ext uri="{FF2B5EF4-FFF2-40B4-BE49-F238E27FC236}">
-                <a16:creationId xmlns:a16="http://schemas.microsoft.com/office/drawing/2014/main" id="{EC9125E0-D33F-43F6-89A5-FDC0F8A3B3C6}"/>
+                <a16:creationId xmlns:a16="http://schemas.microsoft.com/office/drawing/2014/main" id="{8641558B-889C-4266-9E53-B4D1778823EB}"/>
               </a:ext>
             </a:extLst>
           </p:cNvPr>
@@ -7502,7 +7503,7 @@
         <p:spPr>
           <a:xfrm>
             <a:off x="0" y="369333"/>
-            <a:ext cx="12192000" cy="6237208"/>
+            <a:ext cx="12192000" cy="6202918"/>
           </a:xfrm>
           <a:prstGeom prst="rect">
             <a:avLst/>
@@ -7514,7 +7515,7 @@
           <p:cNvPr id="3" name="TextBox 2">
             <a:extLst>
               <a:ext uri="{FF2B5EF4-FFF2-40B4-BE49-F238E27FC236}">
-                <a16:creationId xmlns:a16="http://schemas.microsoft.com/office/drawing/2014/main" id="{D04B047F-8143-465A-A366-BE034C48200E}"/>
+                <a16:creationId xmlns:a16="http://schemas.microsoft.com/office/drawing/2014/main" id="{2BD16153-3115-4D10-869F-B90982CBB22C}"/>
               </a:ext>
             </a:extLst>
           </p:cNvPr>
@@ -7524,7 +7525,7 @@
         <p:spPr>
           <a:xfrm>
             <a:off x="-1" y="0"/>
-            <a:ext cx="8993171" cy="369332"/>
+            <a:ext cx="6862714" cy="369332"/>
           </a:xfrm>
           <a:prstGeom prst="rect">
             <a:avLst/>
@@ -7551,7 +7552,7 @@
                   <a:schemeClr val="bg1"/>
                 </a:solidFill>
               </a:rPr>
-              <a:t>Page: NOC info =&gt; (NOC </a:t>
+              <a:t>Page: NOC info =&gt; (</a:t>
             </a:r>
             <a:r>
               <a:rPr lang="en-US" dirty="0" err="1">
@@ -7559,7 +7560,7 @@
                   <a:schemeClr val="bg1"/>
                 </a:solidFill>
               </a:rPr>
-              <a:t>sedang</a:t>
+              <a:t>Memasukkan</a:t>
             </a:r>
             <a:r>
               <a:rPr lang="en-US" dirty="0">
@@ -7567,6 +7568,22 @@
                   <a:schemeClr val="bg1"/>
                 </a:solidFill>
               </a:rPr>
+              <a:t> Tarikh </a:t>
+            </a:r>
+            <a:r>
+              <a:rPr lang="en-US" dirty="0" err="1">
+                <a:solidFill>
+                  <a:schemeClr val="bg1"/>
+                </a:solidFill>
+              </a:rPr>
+              <a:t>Mula</a:t>
+            </a:r>
+            <a:r>
+              <a:rPr lang="en-US" dirty="0">
+                <a:solidFill>
+                  <a:schemeClr val="bg1"/>
+                </a:solidFill>
+              </a:rPr>
               <a:t> </a:t>
             </a:r>
             <a:r>
@@ -7575,71 +7592,7 @@
                   <a:schemeClr val="bg1"/>
                 </a:solidFill>
               </a:rPr>
-              <a:t>disediakan</a:t>
-            </a:r>
-            <a:r>
-              <a:rPr lang="en-US" dirty="0">
-                <a:solidFill>
-                  <a:schemeClr val="bg1"/>
-                </a:solidFill>
-              </a:rPr>
-              <a:t> </a:t>
-            </a:r>
-            <a:r>
-              <a:rPr lang="en-US" dirty="0" err="1">
-                <a:solidFill>
-                  <a:schemeClr val="bg1"/>
-                </a:solidFill>
-              </a:rPr>
-              <a:t>ulasan</a:t>
-            </a:r>
-            <a:r>
-              <a:rPr lang="en-US" dirty="0">
-                <a:solidFill>
-                  <a:schemeClr val="bg1"/>
-                </a:solidFill>
-              </a:rPr>
-              <a:t> dan </a:t>
-            </a:r>
-            <a:r>
-              <a:rPr lang="en-US" dirty="0" err="1">
-                <a:solidFill>
-                  <a:schemeClr val="bg1"/>
-                </a:solidFill>
-              </a:rPr>
-              <a:t>tindakan</a:t>
-            </a:r>
-            <a:r>
-              <a:rPr lang="en-US" dirty="0">
-                <a:solidFill>
-                  <a:schemeClr val="bg1"/>
-                </a:solidFill>
-              </a:rPr>
-              <a:t> </a:t>
-            </a:r>
-            <a:r>
-              <a:rPr lang="en-US" dirty="0" err="1">
-                <a:solidFill>
-                  <a:schemeClr val="bg1"/>
-                </a:solidFill>
-              </a:rPr>
-              <a:t>hantar</a:t>
-            </a:r>
-            <a:r>
-              <a:rPr lang="en-US" dirty="0">
-                <a:solidFill>
-                  <a:schemeClr val="bg1"/>
-                </a:solidFill>
-              </a:rPr>
-              <a:t> </a:t>
-            </a:r>
-            <a:r>
-              <a:rPr lang="en-US" dirty="0" err="1">
-                <a:solidFill>
-                  <a:schemeClr val="bg1"/>
-                </a:solidFill>
-              </a:rPr>
-              <a:t>ulasan</a:t>
+              <a:t>Semakan</a:t>
             </a:r>
             <a:r>
               <a:rPr lang="en-US" dirty="0">
@@ -7676,7 +7629,7 @@
     </p:spTree>
     <p:extLst>
       <p:ext uri="{BB962C8B-B14F-4D97-AF65-F5344CB8AC3E}">
-        <p14:creationId xmlns:p14="http://schemas.microsoft.com/office/powerpoint/2010/main" val="987769342"/>
+        <p14:creationId xmlns:p14="http://schemas.microsoft.com/office/powerpoint/2010/main" val="1589061947"/>
       </p:ext>
     </p:extLst>
   </p:cSld>
@@ -7708,7 +7661,7 @@
           <p:cNvPr id="4" name="Picture 3">
             <a:extLst>
               <a:ext uri="{FF2B5EF4-FFF2-40B4-BE49-F238E27FC236}">
-                <a16:creationId xmlns:a16="http://schemas.microsoft.com/office/drawing/2014/main" id="{768ED3B9-3839-46FB-A11C-EB91BE6D94A3}"/>
+                <a16:creationId xmlns:a16="http://schemas.microsoft.com/office/drawing/2014/main" id="{EC9125E0-D33F-43F6-89A5-FDC0F8A3B3C6}"/>
               </a:ext>
             </a:extLst>
           </p:cNvPr>
@@ -7725,7 +7678,7 @@
         </p:blipFill>
         <p:spPr>
           <a:xfrm>
-            <a:off x="0" y="369332"/>
+            <a:off x="0" y="369333"/>
             <a:ext cx="12192000" cy="6237208"/>
           </a:xfrm>
           <a:prstGeom prst="rect">
@@ -7738,7 +7691,7 @@
           <p:cNvPr id="3" name="TextBox 2">
             <a:extLst>
               <a:ext uri="{FF2B5EF4-FFF2-40B4-BE49-F238E27FC236}">
-                <a16:creationId xmlns:a16="http://schemas.microsoft.com/office/drawing/2014/main" id="{AF20C6B3-7B5C-4C58-ACE8-FB6E666EDD19}"/>
+                <a16:creationId xmlns:a16="http://schemas.microsoft.com/office/drawing/2014/main" id="{D04B047F-8143-465A-A366-BE034C48200E}"/>
               </a:ext>
             </a:extLst>
           </p:cNvPr>
@@ -7747,8 +7700,8 @@
         </p:nvSpPr>
         <p:spPr>
           <a:xfrm>
-            <a:off x="0" y="0"/>
-            <a:ext cx="6872140" cy="369332"/>
+            <a:off x="-1" y="0"/>
+            <a:ext cx="8993171" cy="369332"/>
           </a:xfrm>
           <a:prstGeom prst="rect">
             <a:avLst/>
@@ -7775,7 +7728,7 @@
                   <a:schemeClr val="bg1"/>
                 </a:solidFill>
               </a:rPr>
-              <a:t>Page: NOC info =&gt; (</a:t>
+              <a:t>Page: NOC info =&gt; (NOC </a:t>
             </a:r>
             <a:r>
               <a:rPr lang="en-US" dirty="0" err="1">
@@ -7783,7 +7736,7 @@
                   <a:schemeClr val="bg1"/>
                 </a:solidFill>
               </a:rPr>
-              <a:t>Memasukkan</a:t>
+              <a:t>sedang</a:t>
             </a:r>
             <a:r>
               <a:rPr lang="en-US" dirty="0">
@@ -7791,7 +7744,7 @@
                   <a:schemeClr val="bg1"/>
                 </a:solidFill>
               </a:rPr>
-              <a:t> Tarikh </a:t>
+              <a:t> </a:t>
             </a:r>
             <a:r>
               <a:rPr lang="en-US" dirty="0" err="1">
@@ -7799,7 +7752,7 @@
                   <a:schemeClr val="bg1"/>
                 </a:solidFill>
               </a:rPr>
-              <a:t>Hantar</a:t>
+              <a:t>disediakan</a:t>
             </a:r>
             <a:r>
               <a:rPr lang="en-US" dirty="0">
@@ -7815,7 +7768,55 @@
                   <a:schemeClr val="bg1"/>
                 </a:solidFill>
               </a:rPr>
-              <a:t>Ulasan</a:t>
+              <a:t>ulasan</a:t>
+            </a:r>
+            <a:r>
+              <a:rPr lang="en-US" dirty="0">
+                <a:solidFill>
+                  <a:schemeClr val="bg1"/>
+                </a:solidFill>
+              </a:rPr>
+              <a:t> dan </a:t>
+            </a:r>
+            <a:r>
+              <a:rPr lang="en-US" dirty="0" err="1">
+                <a:solidFill>
+                  <a:schemeClr val="bg1"/>
+                </a:solidFill>
+              </a:rPr>
+              <a:t>tindakan</a:t>
+            </a:r>
+            <a:r>
+              <a:rPr lang="en-US" dirty="0">
+                <a:solidFill>
+                  <a:schemeClr val="bg1"/>
+                </a:solidFill>
+              </a:rPr>
+              <a:t> </a:t>
+            </a:r>
+            <a:r>
+              <a:rPr lang="en-US" dirty="0" err="1">
+                <a:solidFill>
+                  <a:schemeClr val="bg1"/>
+                </a:solidFill>
+              </a:rPr>
+              <a:t>hantar</a:t>
+            </a:r>
+            <a:r>
+              <a:rPr lang="en-US" dirty="0">
+                <a:solidFill>
+                  <a:schemeClr val="bg1"/>
+                </a:solidFill>
+              </a:rPr>
+              <a:t> </a:t>
+            </a:r>
+            <a:r>
+              <a:rPr lang="en-US" dirty="0" err="1">
+                <a:solidFill>
+                  <a:schemeClr val="bg1"/>
+                </a:solidFill>
+              </a:rPr>
+              <a:t>ulasan</a:t>
             </a:r>
             <a:r>
               <a:rPr lang="en-US" dirty="0">
@@ -7852,7 +7853,7 @@
     </p:spTree>
     <p:extLst>
       <p:ext uri="{BB962C8B-B14F-4D97-AF65-F5344CB8AC3E}">
-        <p14:creationId xmlns:p14="http://schemas.microsoft.com/office/powerpoint/2010/main" val="2444220980"/>
+        <p14:creationId xmlns:p14="http://schemas.microsoft.com/office/powerpoint/2010/main" val="987769342"/>
       </p:ext>
     </p:extLst>
   </p:cSld>
@@ -7884,7 +7885,7 @@
           <p:cNvPr id="4" name="Picture 3">
             <a:extLst>
               <a:ext uri="{FF2B5EF4-FFF2-40B4-BE49-F238E27FC236}">
-                <a16:creationId xmlns:a16="http://schemas.microsoft.com/office/drawing/2014/main" id="{0244E15C-5A6B-4A8D-BF6D-F158957AF8B7}"/>
+                <a16:creationId xmlns:a16="http://schemas.microsoft.com/office/drawing/2014/main" id="{768ED3B9-3839-46FB-A11C-EB91BE6D94A3}"/>
               </a:ext>
             </a:extLst>
           </p:cNvPr>
@@ -7902,7 +7903,7 @@
         <p:spPr>
           <a:xfrm>
             <a:off x="0" y="369332"/>
-            <a:ext cx="12192000" cy="6225778"/>
+            <a:ext cx="12192000" cy="6237208"/>
           </a:xfrm>
           <a:prstGeom prst="rect">
             <a:avLst/>
@@ -7914,7 +7915,7 @@
           <p:cNvPr id="3" name="TextBox 2">
             <a:extLst>
               <a:ext uri="{FF2B5EF4-FFF2-40B4-BE49-F238E27FC236}">
-                <a16:creationId xmlns:a16="http://schemas.microsoft.com/office/drawing/2014/main" id="{61CCE395-DCAD-4D61-8953-8963AE0270DD}"/>
+                <a16:creationId xmlns:a16="http://schemas.microsoft.com/office/drawing/2014/main" id="{AF20C6B3-7B5C-4C58-ACE8-FB6E666EDD19}"/>
               </a:ext>
             </a:extLst>
           </p:cNvPr>
@@ -7924,7 +7925,7 @@
         <p:spPr>
           <a:xfrm>
             <a:off x="0" y="0"/>
-            <a:ext cx="8955464" cy="369332"/>
+            <a:ext cx="6872140" cy="369332"/>
           </a:xfrm>
           <a:prstGeom prst="rect">
             <a:avLst/>
@@ -7951,7 +7952,7 @@
                   <a:schemeClr val="bg1"/>
                 </a:solidFill>
               </a:rPr>
-              <a:t>Page: NOC info =&gt; (NOC telah </a:t>
+              <a:t>Page: NOC info =&gt; (</a:t>
             </a:r>
             <a:r>
               <a:rPr lang="en-US" dirty="0" err="1">
@@ -7959,7 +7960,7 @@
                   <a:schemeClr val="bg1"/>
                 </a:solidFill>
               </a:rPr>
-              <a:t>dihantar</a:t>
+              <a:t>Memasukkan</a:t>
             </a:r>
             <a:r>
               <a:rPr lang="en-US" dirty="0">
@@ -7967,6 +7968,22 @@
                   <a:schemeClr val="bg1"/>
                 </a:solidFill>
               </a:rPr>
+              <a:t> Tarikh </a:t>
+            </a:r>
+            <a:r>
+              <a:rPr lang="en-US" dirty="0" err="1">
+                <a:solidFill>
+                  <a:schemeClr val="bg1"/>
+                </a:solidFill>
+              </a:rPr>
+              <a:t>Hantar</a:t>
+            </a:r>
+            <a:r>
+              <a:rPr lang="en-US" dirty="0">
+                <a:solidFill>
+                  <a:schemeClr val="bg1"/>
+                </a:solidFill>
+              </a:rPr>
               <a:t> </a:t>
             </a:r>
             <a:r>
@@ -7975,7 +7992,7 @@
                   <a:schemeClr val="bg1"/>
                 </a:solidFill>
               </a:rPr>
-              <a:t>ulasan</a:t>
+              <a:t>Ulasan</a:t>
             </a:r>
             <a:r>
               <a:rPr lang="en-US" dirty="0">
@@ -7983,7 +8000,7 @@
                   <a:schemeClr val="bg1"/>
                 </a:solidFill>
               </a:rPr>
-              <a:t> dan </a:t>
+              <a:t> oleh </a:t>
             </a:r>
             <a:r>
               <a:rPr lang="en-US" dirty="0" err="1">
@@ -7991,7 +8008,7 @@
                   <a:schemeClr val="bg1"/>
                 </a:solidFill>
               </a:rPr>
-              <a:t>tindakan</a:t>
+              <a:t>Bajet</a:t>
             </a:r>
             <a:r>
               <a:rPr lang="en-US" dirty="0">
@@ -7999,39 +8016,7 @@
                   <a:schemeClr val="bg1"/>
                 </a:solidFill>
               </a:rPr>
-              <a:t> </a:t>
-            </a:r>
-            <a:r>
-              <a:rPr lang="en-US" dirty="0" err="1">
-                <a:solidFill>
-                  <a:schemeClr val="bg1"/>
-                </a:solidFill>
-              </a:rPr>
-              <a:t>sediakan</a:t>
-            </a:r>
-            <a:r>
-              <a:rPr lang="en-US" dirty="0">
-                <a:solidFill>
-                  <a:schemeClr val="bg1"/>
-                </a:solidFill>
-              </a:rPr>
-              <a:t> memo oleh </a:t>
-            </a:r>
-            <a:r>
-              <a:rPr lang="en-US" dirty="0" err="1">
-                <a:solidFill>
-                  <a:schemeClr val="bg1"/>
-                </a:solidFill>
-              </a:rPr>
-              <a:t>Bahagian</a:t>
-            </a:r>
-            <a:r>
-              <a:rPr lang="en-US" dirty="0">
-                <a:solidFill>
-                  <a:schemeClr val="bg1"/>
-                </a:solidFill>
-              </a:rPr>
-              <a:t>)</a:t>
+              <a:t>/Nilai)</a:t>
             </a:r>
             <a:endParaRPr lang="en-MY" dirty="0">
               <a:solidFill>
@@ -8044,7 +8029,7 @@
     </p:spTree>
     <p:extLst>
       <p:ext uri="{BB962C8B-B14F-4D97-AF65-F5344CB8AC3E}">
-        <p14:creationId xmlns:p14="http://schemas.microsoft.com/office/powerpoint/2010/main" val="3345081695"/>
+        <p14:creationId xmlns:p14="http://schemas.microsoft.com/office/powerpoint/2010/main" val="2444220980"/>
       </p:ext>
     </p:extLst>
   </p:cSld>
@@ -8076,7 +8061,7 @@
           <p:cNvPr id="4" name="Picture 3">
             <a:extLst>
               <a:ext uri="{FF2B5EF4-FFF2-40B4-BE49-F238E27FC236}">
-                <a16:creationId xmlns:a16="http://schemas.microsoft.com/office/drawing/2014/main" id="{5F5E8C98-B4BE-4D1D-9281-2D7837A90FE5}"/>
+                <a16:creationId xmlns:a16="http://schemas.microsoft.com/office/drawing/2014/main" id="{0244E15C-5A6B-4A8D-BF6D-F158957AF8B7}"/>
               </a:ext>
             </a:extLst>
           </p:cNvPr>
@@ -8106,7 +8091,7 @@
           <p:cNvPr id="3" name="TextBox 2">
             <a:extLst>
               <a:ext uri="{FF2B5EF4-FFF2-40B4-BE49-F238E27FC236}">
-                <a16:creationId xmlns:a16="http://schemas.microsoft.com/office/drawing/2014/main" id="{B89261C1-CFD3-47D1-B006-AFC9895522FD}"/>
+                <a16:creationId xmlns:a16="http://schemas.microsoft.com/office/drawing/2014/main" id="{61CCE395-DCAD-4D61-8953-8963AE0270DD}"/>
               </a:ext>
             </a:extLst>
           </p:cNvPr>
@@ -8116,7 +8101,7 @@
         <p:spPr>
           <a:xfrm>
             <a:off x="0" y="0"/>
-            <a:ext cx="7107810" cy="369332"/>
+            <a:ext cx="8955464" cy="369332"/>
           </a:xfrm>
           <a:prstGeom prst="rect">
             <a:avLst/>
@@ -8143,7 +8128,7 @@
                   <a:schemeClr val="bg1"/>
                 </a:solidFill>
               </a:rPr>
-              <a:t>Page: NOC info =&gt; (</a:t>
+              <a:t>Page: NOC info =&gt; (NOC telah </a:t>
             </a:r>
             <a:r>
               <a:rPr lang="en-US" dirty="0" err="1">
@@ -8151,7 +8136,7 @@
                   <a:schemeClr val="bg1"/>
                 </a:solidFill>
               </a:rPr>
-              <a:t>Memasukkan</a:t>
+              <a:t>dihantar</a:t>
             </a:r>
             <a:r>
               <a:rPr lang="en-US" dirty="0">
@@ -8159,7 +8144,7 @@
                   <a:schemeClr val="bg1"/>
                 </a:solidFill>
               </a:rPr>
-              <a:t> Tarikh </a:t>
+              <a:t> </a:t>
             </a:r>
             <a:r>
               <a:rPr lang="en-US" dirty="0" err="1">
@@ -8167,7 +8152,7 @@
                   <a:schemeClr val="bg1"/>
                 </a:solidFill>
               </a:rPr>
-              <a:t>Mula</a:t>
+              <a:t>ulasan</a:t>
             </a:r>
             <a:r>
               <a:rPr lang="en-US" dirty="0">
@@ -8175,6 +8160,22 @@
                   <a:schemeClr val="bg1"/>
                 </a:solidFill>
               </a:rPr>
+              <a:t> dan </a:t>
+            </a:r>
+            <a:r>
+              <a:rPr lang="en-US" dirty="0" err="1">
+                <a:solidFill>
+                  <a:schemeClr val="bg1"/>
+                </a:solidFill>
+              </a:rPr>
+              <a:t>tindakan</a:t>
+            </a:r>
+            <a:r>
+              <a:rPr lang="en-US" dirty="0">
+                <a:solidFill>
+                  <a:schemeClr val="bg1"/>
+                </a:solidFill>
+              </a:rPr>
               <a:t> </a:t>
             </a:r>
             <a:r>
@@ -8183,7 +8184,7 @@
                   <a:schemeClr val="bg1"/>
                 </a:solidFill>
               </a:rPr>
-              <a:t>Sedia</a:t>
+              <a:t>sediakan</a:t>
             </a:r>
             <a:r>
               <a:rPr lang="en-US" dirty="0">
@@ -8191,7 +8192,7 @@
                   <a:schemeClr val="bg1"/>
                 </a:solidFill>
               </a:rPr>
-              <a:t> Memo oleh </a:t>
+              <a:t> memo oleh </a:t>
             </a:r>
             <a:r>
               <a:rPr lang="en-US" dirty="0" err="1">
@@ -8220,7 +8221,7 @@
     </p:spTree>
     <p:extLst>
       <p:ext uri="{BB962C8B-B14F-4D97-AF65-F5344CB8AC3E}">
-        <p14:creationId xmlns:p14="http://schemas.microsoft.com/office/powerpoint/2010/main" val="3197993451"/>
+        <p14:creationId xmlns:p14="http://schemas.microsoft.com/office/powerpoint/2010/main" val="3345081695"/>
       </p:ext>
     </p:extLst>
   </p:cSld>
@@ -8252,7 +8253,7 @@
           <p:cNvPr id="4" name="Picture 3">
             <a:extLst>
               <a:ext uri="{FF2B5EF4-FFF2-40B4-BE49-F238E27FC236}">
-                <a16:creationId xmlns:a16="http://schemas.microsoft.com/office/drawing/2014/main" id="{B4E2E7E3-F830-4EB9-BAF4-DAF9DA42ECA1}"/>
+                <a16:creationId xmlns:a16="http://schemas.microsoft.com/office/drawing/2014/main" id="{5F5E8C98-B4BE-4D1D-9281-2D7837A90FE5}"/>
               </a:ext>
             </a:extLst>
           </p:cNvPr>
@@ -8269,7 +8270,7 @@
         </p:blipFill>
         <p:spPr>
           <a:xfrm>
-            <a:off x="0" y="369333"/>
+            <a:off x="0" y="369332"/>
             <a:ext cx="12192000" cy="6225778"/>
           </a:xfrm>
           <a:prstGeom prst="rect">
@@ -8282,7 +8283,7 @@
           <p:cNvPr id="3" name="TextBox 2">
             <a:extLst>
               <a:ext uri="{FF2B5EF4-FFF2-40B4-BE49-F238E27FC236}">
-                <a16:creationId xmlns:a16="http://schemas.microsoft.com/office/drawing/2014/main" id="{4034CBB8-F286-43BE-B083-D62E58F937AB}"/>
+                <a16:creationId xmlns:a16="http://schemas.microsoft.com/office/drawing/2014/main" id="{B89261C1-CFD3-47D1-B006-AFC9895522FD}"/>
               </a:ext>
             </a:extLst>
           </p:cNvPr>
@@ -8291,8 +8292,8 @@
         </p:nvSpPr>
         <p:spPr>
           <a:xfrm>
-            <a:off x="-1" y="0"/>
-            <a:ext cx="10180949" cy="369332"/>
+            <a:off x="0" y="0"/>
+            <a:ext cx="7107810" cy="369332"/>
           </a:xfrm>
           <a:prstGeom prst="rect">
             <a:avLst/>
@@ -8319,7 +8320,7 @@
                   <a:schemeClr val="bg1"/>
                 </a:solidFill>
               </a:rPr>
-              <a:t>Page: NOC info =&gt; (NOC </a:t>
+              <a:t>Page: NOC info =&gt; (</a:t>
             </a:r>
             <a:r>
               <a:rPr lang="en-US" dirty="0" err="1">
@@ -8327,7 +8328,7 @@
                   <a:schemeClr val="bg1"/>
                 </a:solidFill>
               </a:rPr>
-              <a:t>sedang</a:t>
+              <a:t>Memasukkan</a:t>
             </a:r>
             <a:r>
               <a:rPr lang="en-US" dirty="0">
@@ -8335,6 +8336,22 @@
                   <a:schemeClr val="bg1"/>
                 </a:solidFill>
               </a:rPr>
+              <a:t> Tarikh </a:t>
+            </a:r>
+            <a:r>
+              <a:rPr lang="en-US" dirty="0" err="1">
+                <a:solidFill>
+                  <a:schemeClr val="bg1"/>
+                </a:solidFill>
+              </a:rPr>
+              <a:t>Mula</a:t>
+            </a:r>
+            <a:r>
+              <a:rPr lang="en-US" dirty="0">
+                <a:solidFill>
+                  <a:schemeClr val="bg1"/>
+                </a:solidFill>
+              </a:rPr>
               <a:t> </a:t>
             </a:r>
             <a:r>
@@ -8343,7 +8360,7 @@
                   <a:schemeClr val="bg1"/>
                 </a:solidFill>
               </a:rPr>
-              <a:t>sedia</a:t>
+              <a:t>Sedia</a:t>
             </a:r>
             <a:r>
               <a:rPr lang="en-US" dirty="0">
@@ -8351,71 +8368,7 @@
                   <a:schemeClr val="bg1"/>
                 </a:solidFill>
               </a:rPr>
-              <a:t>/</a:t>
-            </a:r>
-            <a:r>
-              <a:rPr lang="en-US" dirty="0" err="1">
-                <a:solidFill>
-                  <a:schemeClr val="bg1"/>
-                </a:solidFill>
-              </a:rPr>
-              <a:t>hantar</a:t>
-            </a:r>
-            <a:r>
-              <a:rPr lang="en-US" dirty="0">
-                <a:solidFill>
-                  <a:schemeClr val="bg1"/>
-                </a:solidFill>
-              </a:rPr>
-              <a:t> memo dan </a:t>
-            </a:r>
-            <a:r>
-              <a:rPr lang="en-US" dirty="0" err="1">
-                <a:solidFill>
-                  <a:schemeClr val="bg1"/>
-                </a:solidFill>
-              </a:rPr>
-              <a:t>tindakan</a:t>
-            </a:r>
-            <a:r>
-              <a:rPr lang="en-US" dirty="0">
-                <a:solidFill>
-                  <a:schemeClr val="bg1"/>
-                </a:solidFill>
-              </a:rPr>
-              <a:t> </a:t>
-            </a:r>
-            <a:r>
-              <a:rPr lang="en-US" dirty="0" err="1">
-                <a:solidFill>
-                  <a:schemeClr val="bg1"/>
-                </a:solidFill>
-              </a:rPr>
-              <a:t>dapat</a:t>
-            </a:r>
-            <a:r>
-              <a:rPr lang="en-US" dirty="0">
-                <a:solidFill>
-                  <a:schemeClr val="bg1"/>
-                </a:solidFill>
-              </a:rPr>
-              <a:t> memo </a:t>
-            </a:r>
-            <a:r>
-              <a:rPr lang="en-US" dirty="0" err="1">
-                <a:solidFill>
-                  <a:schemeClr val="bg1"/>
-                </a:solidFill>
-              </a:rPr>
-              <a:t>daripada</a:t>
-            </a:r>
-            <a:r>
-              <a:rPr lang="en-US" dirty="0">
-                <a:solidFill>
-                  <a:schemeClr val="bg1"/>
-                </a:solidFill>
-              </a:rPr>
-              <a:t> PT oleh </a:t>
+              <a:t> Memo oleh </a:t>
             </a:r>
             <a:r>
               <a:rPr lang="en-US" dirty="0" err="1">
@@ -8444,7 +8397,7 @@
     </p:spTree>
     <p:extLst>
       <p:ext uri="{BB962C8B-B14F-4D97-AF65-F5344CB8AC3E}">
-        <p14:creationId xmlns:p14="http://schemas.microsoft.com/office/powerpoint/2010/main" val="1285369877"/>
+        <p14:creationId xmlns:p14="http://schemas.microsoft.com/office/powerpoint/2010/main" val="3197993451"/>
       </p:ext>
     </p:extLst>
   </p:cSld>
@@ -8476,7 +8429,7 @@
           <p:cNvPr id="4" name="Picture 3">
             <a:extLst>
               <a:ext uri="{FF2B5EF4-FFF2-40B4-BE49-F238E27FC236}">
-                <a16:creationId xmlns:a16="http://schemas.microsoft.com/office/drawing/2014/main" id="{DC7509E7-4BCF-4F95-BB3F-ABB5CC154803}"/>
+                <a16:creationId xmlns:a16="http://schemas.microsoft.com/office/drawing/2014/main" id="{B4E2E7E3-F830-4EB9-BAF4-DAF9DA42ECA1}"/>
               </a:ext>
             </a:extLst>
           </p:cNvPr>
@@ -8493,8 +8446,8 @@
         </p:blipFill>
         <p:spPr>
           <a:xfrm>
-            <a:off x="0" y="381199"/>
-            <a:ext cx="12192000" cy="6168628"/>
+            <a:off x="0" y="369333"/>
+            <a:ext cx="12192000" cy="6225778"/>
           </a:xfrm>
           <a:prstGeom prst="rect">
             <a:avLst/>
@@ -8506,7 +8459,7 @@
           <p:cNvPr id="3" name="TextBox 2">
             <a:extLst>
               <a:ext uri="{FF2B5EF4-FFF2-40B4-BE49-F238E27FC236}">
-                <a16:creationId xmlns:a16="http://schemas.microsoft.com/office/drawing/2014/main" id="{A5CEC97E-F237-45F5-8580-F7DF4193C2CC}"/>
+                <a16:creationId xmlns:a16="http://schemas.microsoft.com/office/drawing/2014/main" id="{4034CBB8-F286-43BE-B083-D62E58F937AB}"/>
               </a:ext>
             </a:extLst>
           </p:cNvPr>
@@ -8515,8 +8468,8 @@
         </p:nvSpPr>
         <p:spPr>
           <a:xfrm>
-            <a:off x="0" y="0"/>
-            <a:ext cx="8436990" cy="369332"/>
+            <a:off x="-1" y="0"/>
+            <a:ext cx="10180949" cy="369332"/>
           </a:xfrm>
           <a:prstGeom prst="rect">
             <a:avLst/>
@@ -8543,7 +8496,7 @@
                   <a:schemeClr val="bg1"/>
                 </a:solidFill>
               </a:rPr>
-              <a:t>Page: NOC info =&gt; (</a:t>
+              <a:t>Page: NOC info =&gt; (NOC </a:t>
             </a:r>
             <a:r>
               <a:rPr lang="en-US" dirty="0" err="1">
@@ -8551,7 +8504,7 @@
                   <a:schemeClr val="bg1"/>
                 </a:solidFill>
               </a:rPr>
-              <a:t>Memasukkan</a:t>
+              <a:t>sedang</a:t>
             </a:r>
             <a:r>
               <a:rPr lang="en-US" dirty="0">
@@ -8559,7 +8512,7 @@
                   <a:schemeClr val="bg1"/>
                 </a:solidFill>
               </a:rPr>
-              <a:t> Tarikh Terima Memo  </a:t>
+              <a:t> </a:t>
             </a:r>
             <a:r>
               <a:rPr lang="en-US" dirty="0" err="1">
@@ -8567,7 +8520,71 @@
                   <a:schemeClr val="bg1"/>
                 </a:solidFill>
               </a:rPr>
-              <a:t>Kelulusan</a:t>
+              <a:t>sedia</a:t>
+            </a:r>
+            <a:r>
+              <a:rPr lang="en-US" dirty="0">
+                <a:solidFill>
+                  <a:schemeClr val="bg1"/>
+                </a:solidFill>
+              </a:rPr>
+              <a:t>/</a:t>
+            </a:r>
+            <a:r>
+              <a:rPr lang="en-US" dirty="0" err="1">
+                <a:solidFill>
+                  <a:schemeClr val="bg1"/>
+                </a:solidFill>
+              </a:rPr>
+              <a:t>hantar</a:t>
+            </a:r>
+            <a:r>
+              <a:rPr lang="en-US" dirty="0">
+                <a:solidFill>
+                  <a:schemeClr val="bg1"/>
+                </a:solidFill>
+              </a:rPr>
+              <a:t> memo dan </a:t>
+            </a:r>
+            <a:r>
+              <a:rPr lang="en-US" dirty="0" err="1">
+                <a:solidFill>
+                  <a:schemeClr val="bg1"/>
+                </a:solidFill>
+              </a:rPr>
+              <a:t>tindakan</a:t>
+            </a:r>
+            <a:r>
+              <a:rPr lang="en-US" dirty="0">
+                <a:solidFill>
+                  <a:schemeClr val="bg1"/>
+                </a:solidFill>
+              </a:rPr>
+              <a:t> </a:t>
+            </a:r>
+            <a:r>
+              <a:rPr lang="en-US" dirty="0" err="1">
+                <a:solidFill>
+                  <a:schemeClr val="bg1"/>
+                </a:solidFill>
+              </a:rPr>
+              <a:t>dapat</a:t>
+            </a:r>
+            <a:r>
+              <a:rPr lang="en-US" dirty="0">
+                <a:solidFill>
+                  <a:schemeClr val="bg1"/>
+                </a:solidFill>
+              </a:rPr>
+              <a:t> memo </a:t>
+            </a:r>
+            <a:r>
+              <a:rPr lang="en-US" dirty="0" err="1">
+                <a:solidFill>
+                  <a:schemeClr val="bg1"/>
+                </a:solidFill>
+              </a:rPr>
+              <a:t>daripada</a:t>
             </a:r>
             <a:r>
               <a:rPr lang="en-US" dirty="0">
@@ -8604,7 +8621,7 @@
     </p:spTree>
     <p:extLst>
       <p:ext uri="{BB962C8B-B14F-4D97-AF65-F5344CB8AC3E}">
-        <p14:creationId xmlns:p14="http://schemas.microsoft.com/office/powerpoint/2010/main" val="4184532785"/>
+        <p14:creationId xmlns:p14="http://schemas.microsoft.com/office/powerpoint/2010/main" val="1285369877"/>
       </p:ext>
     </p:extLst>
   </p:cSld>
@@ -13046,7 +13063,7 @@
           <p:cNvPr id="4" name="Picture 3">
             <a:extLst>
               <a:ext uri="{FF2B5EF4-FFF2-40B4-BE49-F238E27FC236}">
-                <a16:creationId xmlns:a16="http://schemas.microsoft.com/office/drawing/2014/main" id="{9901CF19-5F94-4B65-BA91-38E70017A4F6}"/>
+                <a16:creationId xmlns:a16="http://schemas.microsoft.com/office/drawing/2014/main" id="{DC7509E7-4BCF-4F95-BB3F-ABB5CC154803}"/>
               </a:ext>
             </a:extLst>
           </p:cNvPr>
@@ -13063,8 +13080,8 @@
         </p:blipFill>
         <p:spPr>
           <a:xfrm>
-            <a:off x="0" y="369333"/>
-            <a:ext cx="12192000" cy="6214348"/>
+            <a:off x="0" y="381199"/>
+            <a:ext cx="12192000" cy="6168628"/>
           </a:xfrm>
           <a:prstGeom prst="rect">
             <a:avLst/>
@@ -13076,7 +13093,7 @@
           <p:cNvPr id="3" name="TextBox 2">
             <a:extLst>
               <a:ext uri="{FF2B5EF4-FFF2-40B4-BE49-F238E27FC236}">
-                <a16:creationId xmlns:a16="http://schemas.microsoft.com/office/drawing/2014/main" id="{1E0DB4EE-9B7D-45DB-ABB8-D21CE8D79BE5}"/>
+                <a16:creationId xmlns:a16="http://schemas.microsoft.com/office/drawing/2014/main" id="{A5CEC97E-F237-45F5-8580-F7DF4193C2CC}"/>
               </a:ext>
             </a:extLst>
           </p:cNvPr>
@@ -13085,8 +13102,8 @@
         </p:nvSpPr>
         <p:spPr>
           <a:xfrm>
-            <a:off x="-1" y="0"/>
-            <a:ext cx="10209229" cy="369332"/>
+            <a:off x="0" y="0"/>
+            <a:ext cx="8436990" cy="369332"/>
           </a:xfrm>
           <a:prstGeom prst="rect">
             <a:avLst/>
@@ -13113,7 +13130,7 @@
                   <a:schemeClr val="bg1"/>
                 </a:solidFill>
               </a:rPr>
-              <a:t>Page: NOC info =&gt; (NOC </a:t>
+              <a:t>Page: NOC info =&gt; (</a:t>
             </a:r>
             <a:r>
               <a:rPr lang="en-US" dirty="0" err="1">
@@ -13121,7 +13138,7 @@
                   <a:schemeClr val="bg1"/>
                 </a:solidFill>
               </a:rPr>
-              <a:t>mula</a:t>
+              <a:t>Memasukkan</a:t>
             </a:r>
             <a:r>
               <a:rPr lang="en-US" dirty="0">
@@ -13129,7 +13146,7 @@
                   <a:schemeClr val="bg1"/>
                 </a:solidFill>
               </a:rPr>
-              <a:t> </a:t>
+              <a:t> Tarikh Terima Memo  </a:t>
             </a:r>
             <a:r>
               <a:rPr lang="en-US" dirty="0" err="1">
@@ -13137,7 +13154,7 @@
                   <a:schemeClr val="bg1"/>
                 </a:solidFill>
               </a:rPr>
-              <a:t>sedia</a:t>
+              <a:t>Kelulusan</a:t>
             </a:r>
             <a:r>
               <a:rPr lang="en-US" dirty="0">
@@ -13145,71 +13162,7 @@
                   <a:schemeClr val="bg1"/>
                 </a:solidFill>
               </a:rPr>
-              <a:t> </a:t>
-            </a:r>
-            <a:r>
-              <a:rPr lang="en-US" dirty="0" err="1">
-                <a:solidFill>
-                  <a:schemeClr val="bg1"/>
-                </a:solidFill>
-              </a:rPr>
-              <a:t>surat</a:t>
-            </a:r>
-            <a:r>
-              <a:rPr lang="en-US" dirty="0">
-                <a:solidFill>
-                  <a:schemeClr val="bg1"/>
-                </a:solidFill>
-              </a:rPr>
-              <a:t> dan </a:t>
-            </a:r>
-            <a:r>
-              <a:rPr lang="en-US" dirty="0" err="1">
-                <a:solidFill>
-                  <a:schemeClr val="bg1"/>
-                </a:solidFill>
-              </a:rPr>
-              <a:t>tindakan</a:t>
-            </a:r>
-            <a:r>
-              <a:rPr lang="en-US" dirty="0">
-                <a:solidFill>
-                  <a:schemeClr val="bg1"/>
-                </a:solidFill>
-              </a:rPr>
-              <a:t> </a:t>
-            </a:r>
-            <a:r>
-              <a:rPr lang="en-US" dirty="0" err="1">
-                <a:solidFill>
-                  <a:schemeClr val="bg1"/>
-                </a:solidFill>
-              </a:rPr>
-              <a:t>mula</a:t>
-            </a:r>
-            <a:r>
-              <a:rPr lang="en-US" dirty="0">
-                <a:solidFill>
-                  <a:schemeClr val="bg1"/>
-                </a:solidFill>
-              </a:rPr>
-              <a:t> </a:t>
-            </a:r>
-            <a:r>
-              <a:rPr lang="en-US" dirty="0" err="1">
-                <a:solidFill>
-                  <a:schemeClr val="bg1"/>
-                </a:solidFill>
-              </a:rPr>
-              <a:t>penyediaan</a:t>
-            </a:r>
-            <a:r>
-              <a:rPr lang="en-US" dirty="0">
-                <a:solidFill>
-                  <a:schemeClr val="bg1"/>
-                </a:solidFill>
-              </a:rPr>
-              <a:t> oleh </a:t>
+              <a:t> PT oleh </a:t>
             </a:r>
             <a:r>
               <a:rPr lang="en-US" dirty="0" err="1">
@@ -13238,7 +13191,7 @@
     </p:spTree>
     <p:extLst>
       <p:ext uri="{BB962C8B-B14F-4D97-AF65-F5344CB8AC3E}">
-        <p14:creationId xmlns:p14="http://schemas.microsoft.com/office/powerpoint/2010/main" val="1299556472"/>
+        <p14:creationId xmlns:p14="http://schemas.microsoft.com/office/powerpoint/2010/main" val="4184532785"/>
       </p:ext>
     </p:extLst>
   </p:cSld>
@@ -13270,7 +13223,7 @@
           <p:cNvPr id="4" name="Picture 3">
             <a:extLst>
               <a:ext uri="{FF2B5EF4-FFF2-40B4-BE49-F238E27FC236}">
-                <a16:creationId xmlns:a16="http://schemas.microsoft.com/office/drawing/2014/main" id="{B6698114-9A1F-4718-90BA-3550DF9904C1}"/>
+                <a16:creationId xmlns:a16="http://schemas.microsoft.com/office/drawing/2014/main" id="{9901CF19-5F94-4B65-BA91-38E70017A4F6}"/>
               </a:ext>
             </a:extLst>
           </p:cNvPr>
@@ -13287,8 +13240,8 @@
         </p:blipFill>
         <p:spPr>
           <a:xfrm>
-            <a:off x="0" y="369332"/>
-            <a:ext cx="12192000" cy="6220004"/>
+            <a:off x="0" y="369333"/>
+            <a:ext cx="12192000" cy="6214348"/>
           </a:xfrm>
           <a:prstGeom prst="rect">
             <a:avLst/>
@@ -13300,7 +13253,7 @@
           <p:cNvPr id="3" name="TextBox 2">
             <a:extLst>
               <a:ext uri="{FF2B5EF4-FFF2-40B4-BE49-F238E27FC236}">
-                <a16:creationId xmlns:a16="http://schemas.microsoft.com/office/drawing/2014/main" id="{B3BF3FFB-F952-44A7-ABEC-BFF970089DEE}"/>
+                <a16:creationId xmlns:a16="http://schemas.microsoft.com/office/drawing/2014/main" id="{1E0DB4EE-9B7D-45DB-ABB8-D21CE8D79BE5}"/>
               </a:ext>
             </a:extLst>
           </p:cNvPr>
@@ -13310,7 +13263,7 @@
         <p:spPr>
           <a:xfrm>
             <a:off x="-1" y="0"/>
-            <a:ext cx="8003357" cy="369332"/>
+            <a:ext cx="10209229" cy="369332"/>
           </a:xfrm>
           <a:prstGeom prst="rect">
             <a:avLst/>
@@ -13337,7 +13290,7 @@
                   <a:schemeClr val="bg1"/>
                 </a:solidFill>
               </a:rPr>
-              <a:t>Page: NOC info =&gt; (</a:t>
+              <a:t>Page: NOC info =&gt; (NOC </a:t>
             </a:r>
             <a:r>
               <a:rPr lang="en-US" dirty="0" err="1">
@@ -13345,7 +13298,7 @@
                   <a:schemeClr val="bg1"/>
                 </a:solidFill>
               </a:rPr>
-              <a:t>Memasukkan</a:t>
+              <a:t>mula</a:t>
             </a:r>
             <a:r>
               <a:rPr lang="en-US" dirty="0">
@@ -13353,7 +13306,7 @@
                   <a:schemeClr val="bg1"/>
                 </a:solidFill>
               </a:rPr>
-              <a:t> Tarikh </a:t>
+              <a:t> </a:t>
             </a:r>
             <a:r>
               <a:rPr lang="en-US" dirty="0" err="1">
@@ -13361,7 +13314,7 @@
                   <a:schemeClr val="bg1"/>
                 </a:solidFill>
               </a:rPr>
-              <a:t>Mula</a:t>
+              <a:t>sedia</a:t>
             </a:r>
             <a:r>
               <a:rPr lang="en-US" dirty="0">
@@ -13377,7 +13330,7 @@
                   <a:schemeClr val="bg1"/>
                 </a:solidFill>
               </a:rPr>
-              <a:t>Sedia</a:t>
+              <a:t>surat</a:t>
             </a:r>
             <a:r>
               <a:rPr lang="en-US" dirty="0">
@@ -13385,7 +13338,7 @@
                   <a:schemeClr val="bg1"/>
                 </a:solidFill>
               </a:rPr>
-              <a:t> Surat </a:t>
+              <a:t> dan </a:t>
             </a:r>
             <a:r>
               <a:rPr lang="en-US" dirty="0" err="1">
@@ -13393,7 +13346,39 @@
                   <a:schemeClr val="bg1"/>
                 </a:solidFill>
               </a:rPr>
-              <a:t>Kelulusan</a:t>
+              <a:t>tindakan</a:t>
+            </a:r>
+            <a:r>
+              <a:rPr lang="en-US" dirty="0">
+                <a:solidFill>
+                  <a:schemeClr val="bg1"/>
+                </a:solidFill>
+              </a:rPr>
+              <a:t> </a:t>
+            </a:r>
+            <a:r>
+              <a:rPr lang="en-US" dirty="0" err="1">
+                <a:solidFill>
+                  <a:schemeClr val="bg1"/>
+                </a:solidFill>
+              </a:rPr>
+              <a:t>mula</a:t>
+            </a:r>
+            <a:r>
+              <a:rPr lang="en-US" dirty="0">
+                <a:solidFill>
+                  <a:schemeClr val="bg1"/>
+                </a:solidFill>
+              </a:rPr>
+              <a:t> </a:t>
+            </a:r>
+            <a:r>
+              <a:rPr lang="en-US" dirty="0" err="1">
+                <a:solidFill>
+                  <a:schemeClr val="bg1"/>
+                </a:solidFill>
+              </a:rPr>
+              <a:t>penyediaan</a:t>
             </a:r>
             <a:r>
               <a:rPr lang="en-US" dirty="0">
@@ -13430,7 +13415,7 @@
     </p:spTree>
     <p:extLst>
       <p:ext uri="{BB962C8B-B14F-4D97-AF65-F5344CB8AC3E}">
-        <p14:creationId xmlns:p14="http://schemas.microsoft.com/office/powerpoint/2010/main" val="3942713471"/>
+        <p14:creationId xmlns:p14="http://schemas.microsoft.com/office/powerpoint/2010/main" val="1299556472"/>
       </p:ext>
     </p:extLst>
   </p:cSld>
@@ -13462,7 +13447,7 @@
           <p:cNvPr id="4" name="Picture 3">
             <a:extLst>
               <a:ext uri="{FF2B5EF4-FFF2-40B4-BE49-F238E27FC236}">
-                <a16:creationId xmlns:a16="http://schemas.microsoft.com/office/drawing/2014/main" id="{D4B5CE53-DD0F-4FF0-B480-95BB0169BF5A}"/>
+                <a16:creationId xmlns:a16="http://schemas.microsoft.com/office/drawing/2014/main" id="{B6698114-9A1F-4718-90BA-3550DF9904C1}"/>
               </a:ext>
             </a:extLst>
           </p:cNvPr>
@@ -13480,7 +13465,7 @@
         <p:spPr>
           <a:xfrm>
             <a:off x="0" y="369332"/>
-            <a:ext cx="12192000" cy="6210577"/>
+            <a:ext cx="12192000" cy="6220004"/>
           </a:xfrm>
           <a:prstGeom prst="rect">
             <a:avLst/>
@@ -13492,7 +13477,7 @@
           <p:cNvPr id="3" name="TextBox 2">
             <a:extLst>
               <a:ext uri="{FF2B5EF4-FFF2-40B4-BE49-F238E27FC236}">
-                <a16:creationId xmlns:a16="http://schemas.microsoft.com/office/drawing/2014/main" id="{569B939C-197F-4E57-AE8C-4E4636A73884}"/>
+                <a16:creationId xmlns:a16="http://schemas.microsoft.com/office/drawing/2014/main" id="{B3BF3FFB-F952-44A7-ABEC-BFF970089DEE}"/>
               </a:ext>
             </a:extLst>
           </p:cNvPr>
@@ -13501,8 +13486,8 @@
         </p:nvSpPr>
         <p:spPr>
           <a:xfrm>
-            <a:off x="0" y="0"/>
-            <a:ext cx="8371002" cy="369332"/>
+            <a:off x="-1" y="0"/>
+            <a:ext cx="8003357" cy="369332"/>
           </a:xfrm>
           <a:prstGeom prst="rect">
             <a:avLst/>
@@ -13529,7 +13514,7 @@
                   <a:schemeClr val="bg1"/>
                 </a:solidFill>
               </a:rPr>
-              <a:t>Page: NOC info =&gt; (NOC </a:t>
+              <a:t>Page: NOC info =&gt; (</a:t>
             </a:r>
             <a:r>
               <a:rPr lang="en-US" dirty="0" err="1">
@@ -13537,7 +13522,7 @@
                   <a:schemeClr val="bg1"/>
                 </a:solidFill>
               </a:rPr>
-              <a:t>sedang</a:t>
+              <a:t>Memasukkan</a:t>
             </a:r>
             <a:r>
               <a:rPr lang="en-US" dirty="0">
@@ -13545,6 +13530,22 @@
                   <a:schemeClr val="bg1"/>
                 </a:solidFill>
               </a:rPr>
+              <a:t> Tarikh </a:t>
+            </a:r>
+            <a:r>
+              <a:rPr lang="en-US" dirty="0" err="1">
+                <a:solidFill>
+                  <a:schemeClr val="bg1"/>
+                </a:solidFill>
+              </a:rPr>
+              <a:t>Mula</a:t>
+            </a:r>
+            <a:r>
+              <a:rPr lang="en-US" dirty="0">
+                <a:solidFill>
+                  <a:schemeClr val="bg1"/>
+                </a:solidFill>
+              </a:rPr>
               <a:t> </a:t>
             </a:r>
             <a:r>
@@ -13553,7 +13554,7 @@
                   <a:schemeClr val="bg1"/>
                 </a:solidFill>
               </a:rPr>
-              <a:t>sedia</a:t>
+              <a:t>Sedia</a:t>
             </a:r>
             <a:r>
               <a:rPr lang="en-US" dirty="0">
@@ -13561,7 +13562,7 @@
                   <a:schemeClr val="bg1"/>
                 </a:solidFill>
               </a:rPr>
-              <a:t> </a:t>
+              <a:t> Surat </a:t>
             </a:r>
             <a:r>
               <a:rPr lang="en-US" dirty="0" err="1">
@@ -13569,55 +13570,7 @@
                   <a:schemeClr val="bg1"/>
                 </a:solidFill>
               </a:rPr>
-              <a:t>surat</a:t>
-            </a:r>
-            <a:r>
-              <a:rPr lang="en-US" dirty="0">
-                <a:solidFill>
-                  <a:schemeClr val="bg1"/>
-                </a:solidFill>
-              </a:rPr>
-              <a:t> dan </a:t>
-            </a:r>
-            <a:r>
-              <a:rPr lang="en-US" dirty="0" err="1">
-                <a:solidFill>
-                  <a:schemeClr val="bg1"/>
-                </a:solidFill>
-              </a:rPr>
-              <a:t>tindakan</a:t>
-            </a:r>
-            <a:r>
-              <a:rPr lang="en-US" dirty="0">
-                <a:solidFill>
-                  <a:schemeClr val="bg1"/>
-                </a:solidFill>
-              </a:rPr>
-              <a:t> </a:t>
-            </a:r>
-            <a:r>
-              <a:rPr lang="en-US" dirty="0" err="1">
-                <a:solidFill>
-                  <a:schemeClr val="bg1"/>
-                </a:solidFill>
-              </a:rPr>
-              <a:t>hantar</a:t>
-            </a:r>
-            <a:r>
-              <a:rPr lang="en-US" dirty="0">
-                <a:solidFill>
-                  <a:schemeClr val="bg1"/>
-                </a:solidFill>
-              </a:rPr>
-              <a:t> </a:t>
-            </a:r>
-            <a:r>
-              <a:rPr lang="en-US" dirty="0" err="1">
-                <a:solidFill>
-                  <a:schemeClr val="bg1"/>
-                </a:solidFill>
-              </a:rPr>
-              <a:t>surat</a:t>
+              <a:t>Kelulusan</a:t>
             </a:r>
             <a:r>
               <a:rPr lang="en-US" dirty="0">
@@ -13654,7 +13607,7 @@
     </p:spTree>
     <p:extLst>
       <p:ext uri="{BB962C8B-B14F-4D97-AF65-F5344CB8AC3E}">
-        <p14:creationId xmlns:p14="http://schemas.microsoft.com/office/powerpoint/2010/main" val="1678570075"/>
+        <p14:creationId xmlns:p14="http://schemas.microsoft.com/office/powerpoint/2010/main" val="3942713471"/>
       </p:ext>
     </p:extLst>
   </p:cSld>
@@ -13686,7 +13639,7 @@
           <p:cNvPr id="4" name="Picture 3">
             <a:extLst>
               <a:ext uri="{FF2B5EF4-FFF2-40B4-BE49-F238E27FC236}">
-                <a16:creationId xmlns:a16="http://schemas.microsoft.com/office/drawing/2014/main" id="{338540FA-00F9-4821-A942-60EEC3BCDF79}"/>
+                <a16:creationId xmlns:a16="http://schemas.microsoft.com/office/drawing/2014/main" id="{D4B5CE53-DD0F-4FF0-B480-95BB0169BF5A}"/>
               </a:ext>
             </a:extLst>
           </p:cNvPr>
@@ -13704,7 +13657,7 @@
         <p:spPr>
           <a:xfrm>
             <a:off x="0" y="369332"/>
-            <a:ext cx="12192000" cy="6191724"/>
+            <a:ext cx="12192000" cy="6210577"/>
           </a:xfrm>
           <a:prstGeom prst="rect">
             <a:avLst/>
@@ -13716,7 +13669,7 @@
           <p:cNvPr id="3" name="TextBox 2">
             <a:extLst>
               <a:ext uri="{FF2B5EF4-FFF2-40B4-BE49-F238E27FC236}">
-                <a16:creationId xmlns:a16="http://schemas.microsoft.com/office/drawing/2014/main" id="{1565CACF-1608-4F9F-8B94-19E4F7C56D75}"/>
+                <a16:creationId xmlns:a16="http://schemas.microsoft.com/office/drawing/2014/main" id="{569B939C-197F-4E57-AE8C-4E4636A73884}"/>
               </a:ext>
             </a:extLst>
           </p:cNvPr>
@@ -13726,7 +13679,7 @@
         <p:spPr>
           <a:xfrm>
             <a:off x="0" y="0"/>
-            <a:ext cx="8059918" cy="369332"/>
+            <a:ext cx="8371002" cy="369332"/>
           </a:xfrm>
           <a:prstGeom prst="rect">
             <a:avLst/>
@@ -13753,7 +13706,7 @@
                   <a:schemeClr val="bg1"/>
                 </a:solidFill>
               </a:rPr>
-              <a:t>Page: NOC info =&gt; (</a:t>
+              <a:t>Page: NOC info =&gt; (NOC </a:t>
             </a:r>
             <a:r>
               <a:rPr lang="en-US" dirty="0" err="1">
@@ -13761,7 +13714,7 @@
                   <a:schemeClr val="bg1"/>
                 </a:solidFill>
               </a:rPr>
-              <a:t>Memasukkan</a:t>
+              <a:t>sedang</a:t>
             </a:r>
             <a:r>
               <a:rPr lang="en-US" dirty="0">
@@ -13769,7 +13722,7 @@
                   <a:schemeClr val="bg1"/>
                 </a:solidFill>
               </a:rPr>
-              <a:t> Tarikh </a:t>
+              <a:t> </a:t>
             </a:r>
             <a:r>
               <a:rPr lang="en-US" dirty="0" err="1">
@@ -13777,7 +13730,7 @@
                   <a:schemeClr val="bg1"/>
                 </a:solidFill>
               </a:rPr>
-              <a:t>Hantar</a:t>
+              <a:t>sedia</a:t>
             </a:r>
             <a:r>
               <a:rPr lang="en-US" dirty="0">
@@ -13785,7 +13738,7 @@
                   <a:schemeClr val="bg1"/>
                 </a:solidFill>
               </a:rPr>
-              <a:t> Surat </a:t>
+              <a:t> </a:t>
             </a:r>
             <a:r>
               <a:rPr lang="en-US" dirty="0" err="1">
@@ -13793,7 +13746,55 @@
                   <a:schemeClr val="bg1"/>
                 </a:solidFill>
               </a:rPr>
-              <a:t>Kelulusan</a:t>
+              <a:t>surat</a:t>
+            </a:r>
+            <a:r>
+              <a:rPr lang="en-US" dirty="0">
+                <a:solidFill>
+                  <a:schemeClr val="bg1"/>
+                </a:solidFill>
+              </a:rPr>
+              <a:t> dan </a:t>
+            </a:r>
+            <a:r>
+              <a:rPr lang="en-US" dirty="0" err="1">
+                <a:solidFill>
+                  <a:schemeClr val="bg1"/>
+                </a:solidFill>
+              </a:rPr>
+              <a:t>tindakan</a:t>
+            </a:r>
+            <a:r>
+              <a:rPr lang="en-US" dirty="0">
+                <a:solidFill>
+                  <a:schemeClr val="bg1"/>
+                </a:solidFill>
+              </a:rPr>
+              <a:t> </a:t>
+            </a:r>
+            <a:r>
+              <a:rPr lang="en-US" dirty="0" err="1">
+                <a:solidFill>
+                  <a:schemeClr val="bg1"/>
+                </a:solidFill>
+              </a:rPr>
+              <a:t>hantar</a:t>
+            </a:r>
+            <a:r>
+              <a:rPr lang="en-US" dirty="0">
+                <a:solidFill>
+                  <a:schemeClr val="bg1"/>
+                </a:solidFill>
+              </a:rPr>
+              <a:t> </a:t>
+            </a:r>
+            <a:r>
+              <a:rPr lang="en-US" dirty="0" err="1">
+                <a:solidFill>
+                  <a:schemeClr val="bg1"/>
+                </a:solidFill>
+              </a:rPr>
+              <a:t>surat</a:t>
             </a:r>
             <a:r>
               <a:rPr lang="en-US" dirty="0">
@@ -13830,7 +13831,7 @@
     </p:spTree>
     <p:extLst>
       <p:ext uri="{BB962C8B-B14F-4D97-AF65-F5344CB8AC3E}">
-        <p14:creationId xmlns:p14="http://schemas.microsoft.com/office/powerpoint/2010/main" val="1431206113"/>
+        <p14:creationId xmlns:p14="http://schemas.microsoft.com/office/powerpoint/2010/main" val="1678570075"/>
       </p:ext>
     </p:extLst>
   </p:cSld>
@@ -13862,7 +13863,7 @@
           <p:cNvPr id="4" name="Picture 3">
             <a:extLst>
               <a:ext uri="{FF2B5EF4-FFF2-40B4-BE49-F238E27FC236}">
-                <a16:creationId xmlns:a16="http://schemas.microsoft.com/office/drawing/2014/main" id="{D3A3C720-DEA5-4903-971E-A93E2EB10A45}"/>
+                <a16:creationId xmlns:a16="http://schemas.microsoft.com/office/drawing/2014/main" id="{338540FA-00F9-4821-A942-60EEC3BCDF79}"/>
               </a:ext>
             </a:extLst>
           </p:cNvPr>
@@ -13880,7 +13881,7 @@
         <p:spPr>
           <a:xfrm>
             <a:off x="0" y="369332"/>
-            <a:ext cx="12192000" cy="6229431"/>
+            <a:ext cx="12192000" cy="6191724"/>
           </a:xfrm>
           <a:prstGeom prst="rect">
             <a:avLst/>
@@ -13889,20 +13890,20 @@
       </p:pic>
       <p:sp>
         <p:nvSpPr>
-          <p:cNvPr id="2" name="Rectangle 1">
-            <a:extLst>
-              <a:ext uri="{FF2B5EF4-FFF2-40B4-BE49-F238E27FC236}">
-                <a16:creationId xmlns:a16="http://schemas.microsoft.com/office/drawing/2014/main" id="{08BF0FE3-C144-4FB9-B75C-862850329F20}"/>
-              </a:ext>
-            </a:extLst>
-          </p:cNvPr>
-          <p:cNvSpPr/>
+          <p:cNvPr id="3" name="TextBox 2">
+            <a:extLst>
+              <a:ext uri="{FF2B5EF4-FFF2-40B4-BE49-F238E27FC236}">
+                <a16:creationId xmlns:a16="http://schemas.microsoft.com/office/drawing/2014/main" id="{1565CACF-1608-4F9F-8B94-19E4F7C56D75}"/>
+              </a:ext>
+            </a:extLst>
+          </p:cNvPr>
+          <p:cNvSpPr txBox="1"/>
           <p:nvPr/>
         </p:nvSpPr>
         <p:spPr>
           <a:xfrm>
-            <a:off x="-1" y="0"/>
-            <a:ext cx="8474697" cy="369332"/>
+            <a:off x="0" y="0"/>
+            <a:ext cx="8059918" cy="369332"/>
           </a:xfrm>
           <a:prstGeom prst="rect">
             <a:avLst/>
@@ -13913,9 +13914,12 @@
               <a:lumOff val="50000"/>
             </a:schemeClr>
           </a:solidFill>
+          <a:ln>
+            <a:noFill/>
+          </a:ln>
         </p:spPr>
         <p:txBody>
-          <a:bodyPr wrap="square">
+          <a:bodyPr wrap="square" rtlCol="0">
             <a:spAutoFit/>
           </a:bodyPr>
           <a:lstStyle/>
@@ -13926,7 +13930,7 @@
                   <a:schemeClr val="bg1"/>
                 </a:solidFill>
               </a:rPr>
-              <a:t>Page: NOC info =&gt; (NOC telah </a:t>
+              <a:t>Page: NOC info =&gt; (</a:t>
             </a:r>
             <a:r>
               <a:rPr lang="en-US" dirty="0" err="1">
@@ -13934,7 +13938,7 @@
                   <a:schemeClr val="bg1"/>
                 </a:solidFill>
               </a:rPr>
-              <a:t>hantar</a:t>
+              <a:t>Memasukkan</a:t>
             </a:r>
             <a:r>
               <a:rPr lang="en-US" dirty="0">
@@ -13942,7 +13946,7 @@
                   <a:schemeClr val="bg1"/>
                 </a:solidFill>
               </a:rPr>
-              <a:t> </a:t>
+              <a:t> Tarikh </a:t>
             </a:r>
             <a:r>
               <a:rPr lang="en-US" dirty="0" err="1">
@@ -13950,7 +13954,7 @@
                   <a:schemeClr val="bg1"/>
                 </a:solidFill>
               </a:rPr>
-              <a:t>surat</a:t>
+              <a:t>Hantar</a:t>
             </a:r>
             <a:r>
               <a:rPr lang="en-US" dirty="0">
@@ -13958,7 +13962,7 @@
                   <a:schemeClr val="bg1"/>
                 </a:solidFill>
               </a:rPr>
-              <a:t> dan </a:t>
+              <a:t> Surat </a:t>
             </a:r>
             <a:r>
               <a:rPr lang="en-US" dirty="0" err="1">
@@ -13966,7 +13970,7 @@
                   <a:schemeClr val="bg1"/>
                 </a:solidFill>
               </a:rPr>
-              <a:t>tindakan</a:t>
+              <a:t>Kelulusan</a:t>
             </a:r>
             <a:r>
               <a:rPr lang="en-US" dirty="0">
@@ -13974,7 +13978,7 @@
                   <a:schemeClr val="bg1"/>
                 </a:solidFill>
               </a:rPr>
-              <a:t> pada Modul NOC oleh </a:t>
+              <a:t> oleh </a:t>
             </a:r>
             <a:r>
               <a:rPr lang="en-US" dirty="0" err="1">
@@ -14003,7 +14007,7 @@
     </p:spTree>
     <p:extLst>
       <p:ext uri="{BB962C8B-B14F-4D97-AF65-F5344CB8AC3E}">
-        <p14:creationId xmlns:p14="http://schemas.microsoft.com/office/powerpoint/2010/main" val="1127962670"/>
+        <p14:creationId xmlns:p14="http://schemas.microsoft.com/office/powerpoint/2010/main" val="1431206113"/>
       </p:ext>
     </p:extLst>
   </p:cSld>
@@ -14035,7 +14039,7 @@
           <p:cNvPr id="4" name="Picture 3">
             <a:extLst>
               <a:ext uri="{FF2B5EF4-FFF2-40B4-BE49-F238E27FC236}">
-                <a16:creationId xmlns:a16="http://schemas.microsoft.com/office/drawing/2014/main" id="{3DA61426-CF0E-464B-94ED-E4D319349F60}"/>
+                <a16:creationId xmlns:a16="http://schemas.microsoft.com/office/drawing/2014/main" id="{D3A3C720-DEA5-4903-971E-A93E2EB10A45}"/>
               </a:ext>
             </a:extLst>
           </p:cNvPr>
@@ -14053,7 +14057,7 @@
         <p:spPr>
           <a:xfrm>
             <a:off x="0" y="369332"/>
-            <a:ext cx="12192000" cy="6238858"/>
+            <a:ext cx="12192000" cy="6229431"/>
           </a:xfrm>
           <a:prstGeom prst="rect">
             <a:avLst/>
@@ -14062,20 +14066,20 @@
       </p:pic>
       <p:sp>
         <p:nvSpPr>
-          <p:cNvPr id="3" name="TextBox 2">
-            <a:extLst>
-              <a:ext uri="{FF2B5EF4-FFF2-40B4-BE49-F238E27FC236}">
-                <a16:creationId xmlns:a16="http://schemas.microsoft.com/office/drawing/2014/main" id="{BD35581C-35AC-4824-8ACC-36C5B443FF72}"/>
-              </a:ext>
-            </a:extLst>
-          </p:cNvPr>
-          <p:cNvSpPr txBox="1"/>
+          <p:cNvPr id="2" name="Rectangle 1">
+            <a:extLst>
+              <a:ext uri="{FF2B5EF4-FFF2-40B4-BE49-F238E27FC236}">
+                <a16:creationId xmlns:a16="http://schemas.microsoft.com/office/drawing/2014/main" id="{08BF0FE3-C144-4FB9-B75C-862850329F20}"/>
+              </a:ext>
+            </a:extLst>
+          </p:cNvPr>
+          <p:cNvSpPr/>
           <p:nvPr/>
         </p:nvSpPr>
         <p:spPr>
           <a:xfrm>
-            <a:off x="-2" y="0"/>
-            <a:ext cx="8041065" cy="369332"/>
+            <a:off x="-1" y="0"/>
+            <a:ext cx="8474697" cy="369332"/>
           </a:xfrm>
           <a:prstGeom prst="rect">
             <a:avLst/>
@@ -14086,12 +14090,9 @@
               <a:lumOff val="50000"/>
             </a:schemeClr>
           </a:solidFill>
-          <a:ln>
-            <a:noFill/>
-          </a:ln>
         </p:spPr>
         <p:txBody>
-          <a:bodyPr wrap="square" rtlCol="0">
+          <a:bodyPr wrap="square">
             <a:spAutoFit/>
           </a:bodyPr>
           <a:lstStyle/>
@@ -14102,7 +14103,7 @@
                   <a:schemeClr val="bg1"/>
                 </a:solidFill>
               </a:rPr>
-              <a:t>Page: NOC info =&gt; (</a:t>
+              <a:t>Page: NOC info =&gt; (NOC telah </a:t>
             </a:r>
             <a:r>
               <a:rPr lang="en-US" dirty="0" err="1">
@@ -14110,7 +14111,7 @@
                   <a:schemeClr val="bg1"/>
                 </a:solidFill>
               </a:rPr>
-              <a:t>Memasukkan</a:t>
+              <a:t>hantar</a:t>
             </a:r>
             <a:r>
               <a:rPr lang="en-US" dirty="0">
@@ -14118,7 +14119,7 @@
                   <a:schemeClr val="bg1"/>
                 </a:solidFill>
               </a:rPr>
-              <a:t> Tarikh </a:t>
+              <a:t> </a:t>
             </a:r>
             <a:r>
               <a:rPr lang="en-US" dirty="0" err="1">
@@ -14126,7 +14127,7 @@
                   <a:schemeClr val="bg1"/>
                 </a:solidFill>
               </a:rPr>
-              <a:t>Mula</a:t>
+              <a:t>surat</a:t>
             </a:r>
             <a:r>
               <a:rPr lang="en-US" dirty="0">
@@ -14134,7 +14135,7 @@
                   <a:schemeClr val="bg1"/>
                 </a:solidFill>
               </a:rPr>
-              <a:t> Modul NOC </a:t>
+              <a:t> dan </a:t>
             </a:r>
             <a:r>
               <a:rPr lang="en-US" dirty="0" err="1">
@@ -14142,7 +14143,7 @@
                   <a:schemeClr val="bg1"/>
                 </a:solidFill>
               </a:rPr>
-              <a:t>MyProjek</a:t>
+              <a:t>tindakan</a:t>
             </a:r>
             <a:r>
               <a:rPr lang="en-US" dirty="0">
@@ -14150,7 +14151,7 @@
                   <a:schemeClr val="bg1"/>
                 </a:solidFill>
               </a:rPr>
-              <a:t> oleh </a:t>
+              <a:t> pada Modul NOC oleh </a:t>
             </a:r>
             <a:r>
               <a:rPr lang="en-US" dirty="0" err="1">
@@ -14179,7 +14180,7 @@
     </p:spTree>
     <p:extLst>
       <p:ext uri="{BB962C8B-B14F-4D97-AF65-F5344CB8AC3E}">
-        <p14:creationId xmlns:p14="http://schemas.microsoft.com/office/powerpoint/2010/main" val="1148589543"/>
+        <p14:creationId xmlns:p14="http://schemas.microsoft.com/office/powerpoint/2010/main" val="1127962670"/>
       </p:ext>
     </p:extLst>
   </p:cSld>
@@ -14211,6 +14212,182 @@
           <p:cNvPr id="4" name="Picture 3">
             <a:extLst>
               <a:ext uri="{FF2B5EF4-FFF2-40B4-BE49-F238E27FC236}">
+                <a16:creationId xmlns:a16="http://schemas.microsoft.com/office/drawing/2014/main" id="{3DA61426-CF0E-464B-94ED-E4D319349F60}"/>
+              </a:ext>
+            </a:extLst>
+          </p:cNvPr>
+          <p:cNvPicPr>
+            <a:picLocks noChangeAspect="1"/>
+          </p:cNvPicPr>
+          <p:nvPr/>
+        </p:nvPicPr>
+        <p:blipFill>
+          <a:blip r:embed="rId2"/>
+          <a:stretch>
+            <a:fillRect/>
+          </a:stretch>
+        </p:blipFill>
+        <p:spPr>
+          <a:xfrm>
+            <a:off x="0" y="369332"/>
+            <a:ext cx="12192000" cy="6238858"/>
+          </a:xfrm>
+          <a:prstGeom prst="rect">
+            <a:avLst/>
+          </a:prstGeom>
+        </p:spPr>
+      </p:pic>
+      <p:sp>
+        <p:nvSpPr>
+          <p:cNvPr id="3" name="TextBox 2">
+            <a:extLst>
+              <a:ext uri="{FF2B5EF4-FFF2-40B4-BE49-F238E27FC236}">
+                <a16:creationId xmlns:a16="http://schemas.microsoft.com/office/drawing/2014/main" id="{BD35581C-35AC-4824-8ACC-36C5B443FF72}"/>
+              </a:ext>
+            </a:extLst>
+          </p:cNvPr>
+          <p:cNvSpPr txBox="1"/>
+          <p:nvPr/>
+        </p:nvSpPr>
+        <p:spPr>
+          <a:xfrm>
+            <a:off x="-2" y="0"/>
+            <a:ext cx="8041065" cy="369332"/>
+          </a:xfrm>
+          <a:prstGeom prst="rect">
+            <a:avLst/>
+          </a:prstGeom>
+          <a:solidFill>
+            <a:schemeClr val="tx1">
+              <a:lumMod val="50000"/>
+              <a:lumOff val="50000"/>
+            </a:schemeClr>
+          </a:solidFill>
+          <a:ln>
+            <a:noFill/>
+          </a:ln>
+        </p:spPr>
+        <p:txBody>
+          <a:bodyPr wrap="square" rtlCol="0">
+            <a:spAutoFit/>
+          </a:bodyPr>
+          <a:lstStyle/>
+          <a:p>
+            <a:r>
+              <a:rPr lang="en-US" dirty="0">
+                <a:solidFill>
+                  <a:schemeClr val="bg1"/>
+                </a:solidFill>
+              </a:rPr>
+              <a:t>Page: NOC info =&gt; (</a:t>
+            </a:r>
+            <a:r>
+              <a:rPr lang="en-US" dirty="0" err="1">
+                <a:solidFill>
+                  <a:schemeClr val="bg1"/>
+                </a:solidFill>
+              </a:rPr>
+              <a:t>Memasukkan</a:t>
+            </a:r>
+            <a:r>
+              <a:rPr lang="en-US" dirty="0">
+                <a:solidFill>
+                  <a:schemeClr val="bg1"/>
+                </a:solidFill>
+              </a:rPr>
+              <a:t> Tarikh </a:t>
+            </a:r>
+            <a:r>
+              <a:rPr lang="en-US" dirty="0" err="1">
+                <a:solidFill>
+                  <a:schemeClr val="bg1"/>
+                </a:solidFill>
+              </a:rPr>
+              <a:t>Mula</a:t>
+            </a:r>
+            <a:r>
+              <a:rPr lang="en-US" dirty="0">
+                <a:solidFill>
+                  <a:schemeClr val="bg1"/>
+                </a:solidFill>
+              </a:rPr>
+              <a:t> Modul NOC </a:t>
+            </a:r>
+            <a:r>
+              <a:rPr lang="en-US" dirty="0" err="1">
+                <a:solidFill>
+                  <a:schemeClr val="bg1"/>
+                </a:solidFill>
+              </a:rPr>
+              <a:t>MyProjek</a:t>
+            </a:r>
+            <a:r>
+              <a:rPr lang="en-US" dirty="0">
+                <a:solidFill>
+                  <a:schemeClr val="bg1"/>
+                </a:solidFill>
+              </a:rPr>
+              <a:t> oleh </a:t>
+            </a:r>
+            <a:r>
+              <a:rPr lang="en-US" dirty="0" err="1">
+                <a:solidFill>
+                  <a:schemeClr val="bg1"/>
+                </a:solidFill>
+              </a:rPr>
+              <a:t>Bahagian</a:t>
+            </a:r>
+            <a:r>
+              <a:rPr lang="en-US" dirty="0">
+                <a:solidFill>
+                  <a:schemeClr val="bg1"/>
+                </a:solidFill>
+              </a:rPr>
+              <a:t>)</a:t>
+            </a:r>
+            <a:endParaRPr lang="en-MY" dirty="0">
+              <a:solidFill>
+                <a:schemeClr val="bg1"/>
+              </a:solidFill>
+            </a:endParaRPr>
+          </a:p>
+        </p:txBody>
+      </p:sp>
+    </p:spTree>
+    <p:extLst>
+      <p:ext uri="{BB962C8B-B14F-4D97-AF65-F5344CB8AC3E}">
+        <p14:creationId xmlns:p14="http://schemas.microsoft.com/office/powerpoint/2010/main" val="1148589543"/>
+      </p:ext>
+    </p:extLst>
+  </p:cSld>
+  <p:clrMapOvr>
+    <a:masterClrMapping/>
+  </p:clrMapOvr>
+</p:sld>
+</file>
+
+<file path=ppt/slides/slide27.xml><?xml version="1.0" encoding="utf-8"?>
+<p:sld xmlns:a="http://schemas.openxmlformats.org/drawingml/2006/main" xmlns:r="http://schemas.openxmlformats.org/officeDocument/2006/relationships" xmlns:p="http://schemas.openxmlformats.org/presentationml/2006/main">
+  <p:cSld>
+    <p:spTree>
+      <p:nvGrpSpPr>
+        <p:cNvPr id="1" name=""/>
+        <p:cNvGrpSpPr/>
+        <p:nvPr/>
+      </p:nvGrpSpPr>
+      <p:grpSpPr>
+        <a:xfrm>
+          <a:off x="0" y="0"/>
+          <a:ext cx="0" cy="0"/>
+          <a:chOff x="0" y="0"/>
+          <a:chExt cx="0" cy="0"/>
+        </a:xfrm>
+      </p:grpSpPr>
+      <p:pic>
+        <p:nvPicPr>
+          <p:cNvPr id="4" name="Picture 3">
+            <a:extLst>
+              <a:ext uri="{FF2B5EF4-FFF2-40B4-BE49-F238E27FC236}">
                 <a16:creationId xmlns:a16="http://schemas.microsoft.com/office/drawing/2014/main" id="{AC0A5849-343A-4F9A-A6A5-805B1B7FDF5C}"/>
               </a:ext>
             </a:extLst>
@@ -14336,6 +14513,14 @@
 <file path=ppt/slides/slide3.xml><?xml version="1.0" encoding="utf-8"?>
 <p:sld xmlns:a="http://schemas.openxmlformats.org/drawingml/2006/main" xmlns:r="http://schemas.openxmlformats.org/officeDocument/2006/relationships" xmlns:p="http://schemas.openxmlformats.org/presentationml/2006/main">
   <p:cSld>
+    <p:bg>
+      <p:bgPr>
+        <a:solidFill>
+          <a:schemeClr val="bg1"/>
+        </a:solidFill>
+        <a:effectLst/>
+      </p:bgPr>
+    </p:bg>
     <p:spTree>
       <p:nvGrpSpPr>
         <p:cNvPr id="1" name=""/>
@@ -14350,83 +14535,971 @@
           <a:chExt cx="0" cy="0"/>
         </a:xfrm>
       </p:grpSpPr>
-      <p:pic>
-        <p:nvPicPr>
-          <p:cNvPr id="4" name="Picture 3">
-            <a:extLst>
-              <a:ext uri="{FF2B5EF4-FFF2-40B4-BE49-F238E27FC236}">
-                <a16:creationId xmlns:a16="http://schemas.microsoft.com/office/drawing/2014/main" id="{18F40A5C-09BD-4C5E-AC5F-FEE7807C2263}"/>
-              </a:ext>
-            </a:extLst>
-          </p:cNvPr>
-          <p:cNvPicPr>
-            <a:picLocks noChangeAspect="1"/>
-          </p:cNvPicPr>
-          <p:nvPr/>
-        </p:nvPicPr>
-        <p:blipFill>
-          <a:blip r:embed="rId2"/>
-          <a:stretch>
-            <a:fillRect/>
-          </a:stretch>
-        </p:blipFill>
-        <p:spPr>
-          <a:xfrm>
-            <a:off x="-1" y="-1"/>
-            <a:ext cx="12192001" cy="6858001"/>
-          </a:xfrm>
-          <a:prstGeom prst="rect">
-            <a:avLst/>
-          </a:prstGeom>
-        </p:spPr>
-      </p:pic>
       <p:sp>
         <p:nvSpPr>
-          <p:cNvPr id="5" name="TextBox 4">
-            <a:extLst>
-              <a:ext uri="{FF2B5EF4-FFF2-40B4-BE49-F238E27FC236}">
-                <a16:creationId xmlns:a16="http://schemas.microsoft.com/office/drawing/2014/main" id="{89011F81-06D0-4A46-A096-551B7E0E6370}"/>
-              </a:ext>
-            </a:extLst>
-          </p:cNvPr>
-          <p:cNvSpPr txBox="1"/>
+          <p:cNvPr id="5" name="Rectangle 4">
+            <a:extLst>
+              <a:ext uri="{FF2B5EF4-FFF2-40B4-BE49-F238E27FC236}">
+                <a16:creationId xmlns:a16="http://schemas.microsoft.com/office/drawing/2014/main" id="{1DF8071E-6695-4815-94B6-D1952DA7D7BA}"/>
+              </a:ext>
+            </a:extLst>
+          </p:cNvPr>
+          <p:cNvSpPr/>
           <p:nvPr/>
         </p:nvSpPr>
         <p:spPr>
           <a:xfrm>
-            <a:off x="0" y="0"/>
-            <a:ext cx="2108499" cy="369332"/>
+            <a:off x="914401" y="1860882"/>
+            <a:ext cx="1696452" cy="601579"/>
           </a:xfrm>
           <a:prstGeom prst="rect">
             <a:avLst/>
           </a:prstGeom>
           <a:solidFill>
-            <a:schemeClr val="tx1">
-              <a:lumMod val="50000"/>
-              <a:lumOff val="50000"/>
-            </a:schemeClr>
+            <a:schemeClr val="bg1"/>
           </a:solidFill>
           <a:ln>
-            <a:noFill/>
+            <a:solidFill>
+              <a:schemeClr val="tx1"/>
+            </a:solidFill>
           </a:ln>
         </p:spPr>
+        <p:style>
+          <a:lnRef idx="2">
+            <a:schemeClr val="accent1">
+              <a:shade val="50000"/>
+            </a:schemeClr>
+          </a:lnRef>
+          <a:fillRef idx="1">
+            <a:schemeClr val="accent1"/>
+          </a:fillRef>
+          <a:effectRef idx="0">
+            <a:schemeClr val="accent1"/>
+          </a:effectRef>
+          <a:fontRef idx="minor">
+            <a:schemeClr val="lt1"/>
+          </a:fontRef>
+        </p:style>
         <p:txBody>
-          <a:bodyPr wrap="square" rtlCol="0">
-            <a:spAutoFit/>
-          </a:bodyPr>
+          <a:bodyPr rtlCol="0" anchor="ctr"/>
           <a:lstStyle/>
           <a:p>
-            <a:r>
-              <a:rPr lang="en-US" dirty="0">
-                <a:solidFill>
-                  <a:schemeClr val="bg1"/>
-                </a:solidFill>
-              </a:rPr>
-              <a:t>Page: Login</a:t>
-            </a:r>
-            <a:endParaRPr lang="en-MY" dirty="0">
+            <a:pPr algn="ctr"/>
+            <a:r>
+              <a:rPr lang="en-US" sz="1100" dirty="0">
+                <a:solidFill>
+                  <a:schemeClr val="tx1"/>
+                </a:solidFill>
+              </a:rPr>
+              <a:t>Proses </a:t>
+            </a:r>
+            <a:r>
+              <a:rPr lang="en-US" sz="1100" dirty="0" err="1">
+                <a:solidFill>
+                  <a:schemeClr val="tx1"/>
+                </a:solidFill>
+              </a:rPr>
+              <a:t>Semakan</a:t>
+            </a:r>
+            <a:endParaRPr lang="en-MY" sz="1100" dirty="0">
               <a:solidFill>
-                <a:schemeClr val="bg1"/>
+                <a:schemeClr val="tx1"/>
+              </a:solidFill>
+            </a:endParaRPr>
+          </a:p>
+        </p:txBody>
+      </p:sp>
+      <p:sp>
+        <p:nvSpPr>
+          <p:cNvPr id="6" name="Rectangle 5">
+            <a:extLst>
+              <a:ext uri="{FF2B5EF4-FFF2-40B4-BE49-F238E27FC236}">
+                <a16:creationId xmlns:a16="http://schemas.microsoft.com/office/drawing/2014/main" id="{7054718C-783B-49B4-BFE4-4B30CF3DCEE7}"/>
+              </a:ext>
+            </a:extLst>
+          </p:cNvPr>
+          <p:cNvSpPr/>
+          <p:nvPr/>
+        </p:nvSpPr>
+        <p:spPr>
+          <a:xfrm>
+            <a:off x="914401" y="1042737"/>
+            <a:ext cx="1696452" cy="601579"/>
+          </a:xfrm>
+          <a:prstGeom prst="rect">
+            <a:avLst/>
+          </a:prstGeom>
+          <a:solidFill>
+            <a:schemeClr val="bg1"/>
+          </a:solidFill>
+          <a:ln>
+            <a:solidFill>
+              <a:schemeClr val="tx1"/>
+            </a:solidFill>
+          </a:ln>
+        </p:spPr>
+        <p:style>
+          <a:lnRef idx="2">
+            <a:schemeClr val="accent1">
+              <a:shade val="50000"/>
+            </a:schemeClr>
+          </a:lnRef>
+          <a:fillRef idx="1">
+            <a:schemeClr val="accent1"/>
+          </a:fillRef>
+          <a:effectRef idx="0">
+            <a:schemeClr val="accent1"/>
+          </a:effectRef>
+          <a:fontRef idx="minor">
+            <a:schemeClr val="lt1"/>
+          </a:fontRef>
+        </p:style>
+        <p:txBody>
+          <a:bodyPr rtlCol="0" anchor="ctr"/>
+          <a:lstStyle/>
+          <a:p>
+            <a:pPr algn="ctr"/>
+            <a:r>
+              <a:rPr lang="en-US" sz="1100" dirty="0">
+                <a:solidFill>
+                  <a:schemeClr val="tx1"/>
+                </a:solidFill>
+              </a:rPr>
+              <a:t>Proses Submit</a:t>
+            </a:r>
+            <a:endParaRPr lang="en-MY" sz="1100" dirty="0">
+              <a:solidFill>
+                <a:schemeClr val="tx1"/>
+              </a:solidFill>
+            </a:endParaRPr>
+          </a:p>
+        </p:txBody>
+      </p:sp>
+      <p:sp>
+        <p:nvSpPr>
+          <p:cNvPr id="7" name="Rectangle 6">
+            <a:extLst>
+              <a:ext uri="{FF2B5EF4-FFF2-40B4-BE49-F238E27FC236}">
+                <a16:creationId xmlns:a16="http://schemas.microsoft.com/office/drawing/2014/main" id="{58CC023F-318C-4C17-A421-95FD95806AF7}"/>
+              </a:ext>
+            </a:extLst>
+          </p:cNvPr>
+          <p:cNvSpPr/>
+          <p:nvPr/>
+        </p:nvSpPr>
+        <p:spPr>
+          <a:xfrm>
+            <a:off x="3172326" y="1042736"/>
+            <a:ext cx="701841" cy="601579"/>
+          </a:xfrm>
+          <a:prstGeom prst="rect">
+            <a:avLst/>
+          </a:prstGeom>
+          <a:solidFill>
+            <a:schemeClr val="bg1"/>
+          </a:solidFill>
+          <a:ln>
+            <a:solidFill>
+              <a:schemeClr val="tx1"/>
+            </a:solidFill>
+          </a:ln>
+        </p:spPr>
+        <p:style>
+          <a:lnRef idx="2">
+            <a:schemeClr val="accent1">
+              <a:shade val="50000"/>
+            </a:schemeClr>
+          </a:lnRef>
+          <a:fillRef idx="1">
+            <a:schemeClr val="accent1"/>
+          </a:fillRef>
+          <a:effectRef idx="0">
+            <a:schemeClr val="accent1"/>
+          </a:effectRef>
+          <a:fontRef idx="minor">
+            <a:schemeClr val="lt1"/>
+          </a:fontRef>
+        </p:style>
+        <p:txBody>
+          <a:bodyPr rtlCol="0" anchor="ctr"/>
+          <a:lstStyle/>
+          <a:p>
+            <a:pPr algn="ctr"/>
+            <a:r>
+              <a:rPr lang="en-US" sz="1100" dirty="0">
+                <a:solidFill>
+                  <a:schemeClr val="tx1"/>
+                </a:solidFill>
+              </a:rPr>
+              <a:t>noc_1</a:t>
+            </a:r>
+            <a:endParaRPr lang="en-MY" sz="1100" dirty="0">
+              <a:solidFill>
+                <a:schemeClr val="tx1"/>
+              </a:solidFill>
+            </a:endParaRPr>
+          </a:p>
+        </p:txBody>
+      </p:sp>
+      <p:sp>
+        <p:nvSpPr>
+          <p:cNvPr id="8" name="Rectangle 7">
+            <a:extLst>
+              <a:ext uri="{FF2B5EF4-FFF2-40B4-BE49-F238E27FC236}">
+                <a16:creationId xmlns:a16="http://schemas.microsoft.com/office/drawing/2014/main" id="{ADA94E10-278C-4757-899E-D4CF5216BDED}"/>
+              </a:ext>
+            </a:extLst>
+          </p:cNvPr>
+          <p:cNvSpPr/>
+          <p:nvPr/>
+        </p:nvSpPr>
+        <p:spPr>
+          <a:xfrm>
+            <a:off x="3172326" y="1860882"/>
+            <a:ext cx="701841" cy="601579"/>
+          </a:xfrm>
+          <a:prstGeom prst="rect">
+            <a:avLst/>
+          </a:prstGeom>
+          <a:solidFill>
+            <a:schemeClr val="bg1"/>
+          </a:solidFill>
+          <a:ln>
+            <a:solidFill>
+              <a:schemeClr val="tx1"/>
+            </a:solidFill>
+          </a:ln>
+        </p:spPr>
+        <p:style>
+          <a:lnRef idx="2">
+            <a:schemeClr val="accent1">
+              <a:shade val="50000"/>
+            </a:schemeClr>
+          </a:lnRef>
+          <a:fillRef idx="1">
+            <a:schemeClr val="accent1"/>
+          </a:fillRef>
+          <a:effectRef idx="0">
+            <a:schemeClr val="accent1"/>
+          </a:effectRef>
+          <a:fontRef idx="minor">
+            <a:schemeClr val="lt1"/>
+          </a:fontRef>
+        </p:style>
+        <p:txBody>
+          <a:bodyPr rtlCol="0" anchor="ctr"/>
+          <a:lstStyle/>
+          <a:p>
+            <a:pPr algn="ctr"/>
+            <a:r>
+              <a:rPr lang="en-US" sz="1100" dirty="0">
+                <a:solidFill>
+                  <a:schemeClr val="tx1"/>
+                </a:solidFill>
+              </a:rPr>
+              <a:t>noc_11</a:t>
+            </a:r>
+            <a:endParaRPr lang="en-MY" sz="1100" dirty="0">
+              <a:solidFill>
+                <a:schemeClr val="tx1"/>
+              </a:solidFill>
+            </a:endParaRPr>
+          </a:p>
+        </p:txBody>
+      </p:sp>
+      <p:sp>
+        <p:nvSpPr>
+          <p:cNvPr id="9" name="Rectangle 8">
+            <a:extLst>
+              <a:ext uri="{FF2B5EF4-FFF2-40B4-BE49-F238E27FC236}">
+                <a16:creationId xmlns:a16="http://schemas.microsoft.com/office/drawing/2014/main" id="{BBC3909E-8C31-402F-A3E9-BD96E065C312}"/>
+              </a:ext>
+            </a:extLst>
+          </p:cNvPr>
+          <p:cNvSpPr/>
+          <p:nvPr/>
+        </p:nvSpPr>
+        <p:spPr>
+          <a:xfrm>
+            <a:off x="3172326" y="152399"/>
+            <a:ext cx="701841" cy="601579"/>
+          </a:xfrm>
+          <a:prstGeom prst="rect">
+            <a:avLst/>
+          </a:prstGeom>
+          <a:solidFill>
+            <a:schemeClr val="bg1"/>
+          </a:solidFill>
+          <a:ln>
+            <a:solidFill>
+              <a:schemeClr val="tx1"/>
+            </a:solidFill>
+          </a:ln>
+        </p:spPr>
+        <p:style>
+          <a:lnRef idx="2">
+            <a:schemeClr val="accent1">
+              <a:shade val="50000"/>
+            </a:schemeClr>
+          </a:lnRef>
+          <a:fillRef idx="1">
+            <a:schemeClr val="accent1"/>
+          </a:fillRef>
+          <a:effectRef idx="0">
+            <a:schemeClr val="accent1"/>
+          </a:effectRef>
+          <a:fontRef idx="minor">
+            <a:schemeClr val="lt1"/>
+          </a:fontRef>
+        </p:style>
+        <p:txBody>
+          <a:bodyPr rtlCol="0" anchor="ctr"/>
+          <a:lstStyle/>
+          <a:p>
+            <a:pPr algn="ctr"/>
+            <a:r>
+              <a:rPr lang="en-US" sz="1100" dirty="0">
+                <a:solidFill>
+                  <a:schemeClr val="tx1"/>
+                </a:solidFill>
+              </a:rPr>
+              <a:t>FLOW1</a:t>
+            </a:r>
+            <a:endParaRPr lang="en-MY" sz="1100" dirty="0">
+              <a:solidFill>
+                <a:schemeClr val="tx1"/>
+              </a:solidFill>
+            </a:endParaRPr>
+          </a:p>
+        </p:txBody>
+      </p:sp>
+      <p:sp>
+        <p:nvSpPr>
+          <p:cNvPr id="10" name="Rectangle 9">
+            <a:extLst>
+              <a:ext uri="{FF2B5EF4-FFF2-40B4-BE49-F238E27FC236}">
+                <a16:creationId xmlns:a16="http://schemas.microsoft.com/office/drawing/2014/main" id="{11BE22AA-3367-4A93-9A12-E2466C940B5C}"/>
+              </a:ext>
+            </a:extLst>
+          </p:cNvPr>
+          <p:cNvSpPr/>
+          <p:nvPr/>
+        </p:nvSpPr>
+        <p:spPr>
+          <a:xfrm>
+            <a:off x="4395537" y="152399"/>
+            <a:ext cx="701841" cy="601579"/>
+          </a:xfrm>
+          <a:prstGeom prst="rect">
+            <a:avLst/>
+          </a:prstGeom>
+          <a:solidFill>
+            <a:schemeClr val="bg1"/>
+          </a:solidFill>
+          <a:ln>
+            <a:solidFill>
+              <a:schemeClr val="tx1"/>
+            </a:solidFill>
+          </a:ln>
+        </p:spPr>
+        <p:style>
+          <a:lnRef idx="2">
+            <a:schemeClr val="accent1">
+              <a:shade val="50000"/>
+            </a:schemeClr>
+          </a:lnRef>
+          <a:fillRef idx="1">
+            <a:schemeClr val="accent1"/>
+          </a:fillRef>
+          <a:effectRef idx="0">
+            <a:schemeClr val="accent1"/>
+          </a:effectRef>
+          <a:fontRef idx="minor">
+            <a:schemeClr val="lt1"/>
+          </a:fontRef>
+        </p:style>
+        <p:txBody>
+          <a:bodyPr rtlCol="0" anchor="ctr"/>
+          <a:lstStyle/>
+          <a:p>
+            <a:pPr algn="ctr"/>
+            <a:r>
+              <a:rPr lang="en-US" sz="1100" dirty="0">
+                <a:solidFill>
+                  <a:schemeClr val="tx1"/>
+                </a:solidFill>
+              </a:rPr>
+              <a:t>FLOW2</a:t>
+            </a:r>
+            <a:endParaRPr lang="en-MY" sz="1100" dirty="0">
+              <a:solidFill>
+                <a:schemeClr val="tx1"/>
+              </a:solidFill>
+            </a:endParaRPr>
+          </a:p>
+        </p:txBody>
+      </p:sp>
+      <p:sp>
+        <p:nvSpPr>
+          <p:cNvPr id="11" name="Rectangle 10">
+            <a:extLst>
+              <a:ext uri="{FF2B5EF4-FFF2-40B4-BE49-F238E27FC236}">
+                <a16:creationId xmlns:a16="http://schemas.microsoft.com/office/drawing/2014/main" id="{575498CD-33C2-44DC-9534-C37C28EB389B}"/>
+              </a:ext>
+            </a:extLst>
+          </p:cNvPr>
+          <p:cNvSpPr/>
+          <p:nvPr/>
+        </p:nvSpPr>
+        <p:spPr>
+          <a:xfrm>
+            <a:off x="4395537" y="1042736"/>
+            <a:ext cx="701841" cy="601579"/>
+          </a:xfrm>
+          <a:prstGeom prst="rect">
+            <a:avLst/>
+          </a:prstGeom>
+          <a:solidFill>
+            <a:schemeClr val="bg1"/>
+          </a:solidFill>
+          <a:ln>
+            <a:solidFill>
+              <a:schemeClr val="tx1"/>
+            </a:solidFill>
+          </a:ln>
+        </p:spPr>
+        <p:style>
+          <a:lnRef idx="2">
+            <a:schemeClr val="accent1">
+              <a:shade val="50000"/>
+            </a:schemeClr>
+          </a:lnRef>
+          <a:fillRef idx="1">
+            <a:schemeClr val="accent1"/>
+          </a:fillRef>
+          <a:effectRef idx="0">
+            <a:schemeClr val="accent1"/>
+          </a:effectRef>
+          <a:fontRef idx="minor">
+            <a:schemeClr val="lt1"/>
+          </a:fontRef>
+        </p:style>
+        <p:txBody>
+          <a:bodyPr rtlCol="0" anchor="ctr"/>
+          <a:lstStyle/>
+          <a:p>
+            <a:pPr algn="ctr"/>
+            <a:r>
+              <a:rPr lang="en-US" sz="1100" dirty="0">
+                <a:solidFill>
+                  <a:schemeClr val="tx1"/>
+                </a:solidFill>
+              </a:rPr>
+              <a:t>noc_1</a:t>
+            </a:r>
+            <a:endParaRPr lang="en-MY" sz="1100" dirty="0">
+              <a:solidFill>
+                <a:schemeClr val="tx1"/>
+              </a:solidFill>
+            </a:endParaRPr>
+          </a:p>
+        </p:txBody>
+      </p:sp>
+      <p:sp>
+        <p:nvSpPr>
+          <p:cNvPr id="12" name="Rectangle 11">
+            <a:extLst>
+              <a:ext uri="{FF2B5EF4-FFF2-40B4-BE49-F238E27FC236}">
+                <a16:creationId xmlns:a16="http://schemas.microsoft.com/office/drawing/2014/main" id="{108A4E72-50BB-4B8B-96BD-CC96E4023A52}"/>
+              </a:ext>
+            </a:extLst>
+          </p:cNvPr>
+          <p:cNvSpPr/>
+          <p:nvPr/>
+        </p:nvSpPr>
+        <p:spPr>
+          <a:xfrm>
+            <a:off x="4395536" y="1860882"/>
+            <a:ext cx="701841" cy="601579"/>
+          </a:xfrm>
+          <a:prstGeom prst="rect">
+            <a:avLst/>
+          </a:prstGeom>
+          <a:solidFill>
+            <a:schemeClr val="bg1"/>
+          </a:solidFill>
+          <a:ln>
+            <a:solidFill>
+              <a:schemeClr val="tx1"/>
+            </a:solidFill>
+          </a:ln>
+        </p:spPr>
+        <p:style>
+          <a:lnRef idx="2">
+            <a:schemeClr val="accent1">
+              <a:shade val="50000"/>
+            </a:schemeClr>
+          </a:lnRef>
+          <a:fillRef idx="1">
+            <a:schemeClr val="accent1"/>
+          </a:fillRef>
+          <a:effectRef idx="0">
+            <a:schemeClr val="accent1"/>
+          </a:effectRef>
+          <a:fontRef idx="minor">
+            <a:schemeClr val="lt1"/>
+          </a:fontRef>
+        </p:style>
+        <p:txBody>
+          <a:bodyPr rtlCol="0" anchor="ctr"/>
+          <a:lstStyle/>
+          <a:p>
+            <a:pPr algn="ctr"/>
+            <a:r>
+              <a:rPr lang="en-US" sz="1100" dirty="0">
+                <a:solidFill>
+                  <a:schemeClr val="tx1"/>
+                </a:solidFill>
+              </a:rPr>
+              <a:t>noc_2</a:t>
+            </a:r>
+            <a:endParaRPr lang="en-MY" sz="1100" dirty="0">
+              <a:solidFill>
+                <a:schemeClr val="tx1"/>
+              </a:solidFill>
+            </a:endParaRPr>
+          </a:p>
+        </p:txBody>
+      </p:sp>
+      <p:sp>
+        <p:nvSpPr>
+          <p:cNvPr id="13" name="Rectangle 12">
+            <a:extLst>
+              <a:ext uri="{FF2B5EF4-FFF2-40B4-BE49-F238E27FC236}">
+                <a16:creationId xmlns:a16="http://schemas.microsoft.com/office/drawing/2014/main" id="{B063949C-6E04-4C7B-9606-A35AB2841202}"/>
+              </a:ext>
+            </a:extLst>
+          </p:cNvPr>
+          <p:cNvSpPr/>
+          <p:nvPr/>
+        </p:nvSpPr>
+        <p:spPr>
+          <a:xfrm>
+            <a:off x="914401" y="2735178"/>
+            <a:ext cx="1696452" cy="601579"/>
+          </a:xfrm>
+          <a:prstGeom prst="rect">
+            <a:avLst/>
+          </a:prstGeom>
+          <a:solidFill>
+            <a:schemeClr val="bg1"/>
+          </a:solidFill>
+          <a:ln>
+            <a:solidFill>
+              <a:schemeClr val="tx1"/>
+            </a:solidFill>
+          </a:ln>
+        </p:spPr>
+        <p:style>
+          <a:lnRef idx="2">
+            <a:schemeClr val="accent1">
+              <a:shade val="50000"/>
+            </a:schemeClr>
+          </a:lnRef>
+          <a:fillRef idx="1">
+            <a:schemeClr val="accent1"/>
+          </a:fillRef>
+          <a:effectRef idx="0">
+            <a:schemeClr val="accent1"/>
+          </a:effectRef>
+          <a:fontRef idx="minor">
+            <a:schemeClr val="lt1"/>
+          </a:fontRef>
+        </p:style>
+        <p:txBody>
+          <a:bodyPr rtlCol="0" anchor="ctr"/>
+          <a:lstStyle/>
+          <a:p>
+            <a:pPr algn="ctr"/>
+            <a:r>
+              <a:rPr lang="en-US" sz="1100" dirty="0">
+                <a:solidFill>
+                  <a:schemeClr val="tx1"/>
+                </a:solidFill>
+              </a:rPr>
+              <a:t>Proses </a:t>
+            </a:r>
+            <a:r>
+              <a:rPr lang="en-US" sz="1100" dirty="0" err="1">
+                <a:solidFill>
+                  <a:schemeClr val="tx1"/>
+                </a:solidFill>
+              </a:rPr>
+              <a:t>Mohon</a:t>
+            </a:r>
+            <a:r>
+              <a:rPr lang="en-US" sz="1100" dirty="0">
+                <a:solidFill>
+                  <a:schemeClr val="tx1"/>
+                </a:solidFill>
+              </a:rPr>
+              <a:t> </a:t>
+            </a:r>
+            <a:r>
+              <a:rPr lang="en-US" sz="1100" dirty="0" err="1">
+                <a:solidFill>
+                  <a:schemeClr val="tx1"/>
+                </a:solidFill>
+              </a:rPr>
+              <a:t>Ulasan</a:t>
+            </a:r>
+            <a:endParaRPr lang="en-MY" sz="1100" dirty="0">
+              <a:solidFill>
+                <a:schemeClr val="tx1"/>
+              </a:solidFill>
+            </a:endParaRPr>
+          </a:p>
+        </p:txBody>
+      </p:sp>
+      <p:sp>
+        <p:nvSpPr>
+          <p:cNvPr id="14" name="Rectangle 13">
+            <a:extLst>
+              <a:ext uri="{FF2B5EF4-FFF2-40B4-BE49-F238E27FC236}">
+                <a16:creationId xmlns:a16="http://schemas.microsoft.com/office/drawing/2014/main" id="{12FBCCAA-6D78-47B1-B9FB-5BAD6F766477}"/>
+              </a:ext>
+            </a:extLst>
+          </p:cNvPr>
+          <p:cNvSpPr/>
+          <p:nvPr/>
+        </p:nvSpPr>
+        <p:spPr>
+          <a:xfrm>
+            <a:off x="914401" y="3505199"/>
+            <a:ext cx="1696452" cy="601579"/>
+          </a:xfrm>
+          <a:prstGeom prst="rect">
+            <a:avLst/>
+          </a:prstGeom>
+          <a:solidFill>
+            <a:schemeClr val="bg1"/>
+          </a:solidFill>
+          <a:ln>
+            <a:solidFill>
+              <a:schemeClr val="tx1"/>
+            </a:solidFill>
+          </a:ln>
+        </p:spPr>
+        <p:style>
+          <a:lnRef idx="2">
+            <a:schemeClr val="accent1">
+              <a:shade val="50000"/>
+            </a:schemeClr>
+          </a:lnRef>
+          <a:fillRef idx="1">
+            <a:schemeClr val="accent1"/>
+          </a:fillRef>
+          <a:effectRef idx="0">
+            <a:schemeClr val="accent1"/>
+          </a:effectRef>
+          <a:fontRef idx="minor">
+            <a:schemeClr val="lt1"/>
+          </a:fontRef>
+        </p:style>
+        <p:txBody>
+          <a:bodyPr rtlCol="0" anchor="ctr"/>
+          <a:lstStyle/>
+          <a:p>
+            <a:pPr algn="ctr"/>
+            <a:r>
+              <a:rPr lang="en-US" sz="1100" dirty="0">
+                <a:solidFill>
+                  <a:schemeClr val="tx1"/>
+                </a:solidFill>
+              </a:rPr>
+              <a:t>Proses </a:t>
+            </a:r>
+            <a:r>
+              <a:rPr lang="en-US" sz="1100" dirty="0" err="1">
+                <a:solidFill>
+                  <a:schemeClr val="tx1"/>
+                </a:solidFill>
+              </a:rPr>
+              <a:t>Sedia</a:t>
+            </a:r>
+            <a:r>
+              <a:rPr lang="en-US" sz="1100" dirty="0">
+                <a:solidFill>
+                  <a:schemeClr val="tx1"/>
+                </a:solidFill>
+              </a:rPr>
+              <a:t> </a:t>
+            </a:r>
+            <a:r>
+              <a:rPr lang="en-US" sz="1100" dirty="0" err="1">
+                <a:solidFill>
+                  <a:schemeClr val="tx1"/>
+                </a:solidFill>
+              </a:rPr>
+              <a:t>Ulasan</a:t>
+            </a:r>
+            <a:endParaRPr lang="en-MY" sz="1100" dirty="0">
+              <a:solidFill>
+                <a:schemeClr val="tx1"/>
+              </a:solidFill>
+            </a:endParaRPr>
+          </a:p>
+        </p:txBody>
+      </p:sp>
+      <p:sp>
+        <p:nvSpPr>
+          <p:cNvPr id="15" name="Rectangle 14">
+            <a:extLst>
+              <a:ext uri="{FF2B5EF4-FFF2-40B4-BE49-F238E27FC236}">
+                <a16:creationId xmlns:a16="http://schemas.microsoft.com/office/drawing/2014/main" id="{FFEE636A-1BD7-40EB-89EB-D77A2521F833}"/>
+              </a:ext>
+            </a:extLst>
+          </p:cNvPr>
+          <p:cNvSpPr/>
+          <p:nvPr/>
+        </p:nvSpPr>
+        <p:spPr>
+          <a:xfrm>
+            <a:off x="914401" y="4275220"/>
+            <a:ext cx="1696452" cy="601579"/>
+          </a:xfrm>
+          <a:prstGeom prst="rect">
+            <a:avLst/>
+          </a:prstGeom>
+          <a:solidFill>
+            <a:schemeClr val="bg1"/>
+          </a:solidFill>
+          <a:ln>
+            <a:solidFill>
+              <a:schemeClr val="tx1"/>
+            </a:solidFill>
+          </a:ln>
+        </p:spPr>
+        <p:style>
+          <a:lnRef idx="2">
+            <a:schemeClr val="accent1">
+              <a:shade val="50000"/>
+            </a:schemeClr>
+          </a:lnRef>
+          <a:fillRef idx="1">
+            <a:schemeClr val="accent1"/>
+          </a:fillRef>
+          <a:effectRef idx="0">
+            <a:schemeClr val="accent1"/>
+          </a:effectRef>
+          <a:fontRef idx="minor">
+            <a:schemeClr val="lt1"/>
+          </a:fontRef>
+        </p:style>
+        <p:txBody>
+          <a:bodyPr rtlCol="0" anchor="ctr"/>
+          <a:lstStyle/>
+          <a:p>
+            <a:pPr algn="ctr"/>
+            <a:r>
+              <a:rPr lang="en-US" sz="1100" dirty="0">
+                <a:solidFill>
+                  <a:schemeClr val="tx1"/>
+                </a:solidFill>
+              </a:rPr>
+              <a:t>Proses </a:t>
+            </a:r>
+            <a:r>
+              <a:rPr lang="en-US" sz="1100" dirty="0" err="1">
+                <a:solidFill>
+                  <a:schemeClr val="tx1"/>
+                </a:solidFill>
+              </a:rPr>
+              <a:t>Hantar</a:t>
+            </a:r>
+            <a:r>
+              <a:rPr lang="en-US" sz="1100" dirty="0">
+                <a:solidFill>
+                  <a:schemeClr val="tx1"/>
+                </a:solidFill>
+              </a:rPr>
+              <a:t> </a:t>
+            </a:r>
+            <a:r>
+              <a:rPr lang="en-US" sz="1100" dirty="0" err="1">
+                <a:solidFill>
+                  <a:schemeClr val="tx1"/>
+                </a:solidFill>
+              </a:rPr>
+              <a:t>Ulasan</a:t>
+            </a:r>
+            <a:endParaRPr lang="en-MY" sz="1100" dirty="0">
+              <a:solidFill>
+                <a:schemeClr val="tx1"/>
+              </a:solidFill>
+            </a:endParaRPr>
+          </a:p>
+        </p:txBody>
+      </p:sp>
+      <p:sp>
+        <p:nvSpPr>
+          <p:cNvPr id="16" name="Rectangle 15">
+            <a:extLst>
+              <a:ext uri="{FF2B5EF4-FFF2-40B4-BE49-F238E27FC236}">
+                <a16:creationId xmlns:a16="http://schemas.microsoft.com/office/drawing/2014/main" id="{2D31A547-F15B-4D11-AA9E-26B885F1154A}"/>
+              </a:ext>
+            </a:extLst>
+          </p:cNvPr>
+          <p:cNvSpPr/>
+          <p:nvPr/>
+        </p:nvSpPr>
+        <p:spPr>
+          <a:xfrm>
+            <a:off x="914401" y="5045241"/>
+            <a:ext cx="1696452" cy="601579"/>
+          </a:xfrm>
+          <a:prstGeom prst="rect">
+            <a:avLst/>
+          </a:prstGeom>
+          <a:solidFill>
+            <a:schemeClr val="bg1"/>
+          </a:solidFill>
+          <a:ln>
+            <a:solidFill>
+              <a:schemeClr val="tx1"/>
+            </a:solidFill>
+          </a:ln>
+        </p:spPr>
+        <p:style>
+          <a:lnRef idx="2">
+            <a:schemeClr val="accent1">
+              <a:shade val="50000"/>
+            </a:schemeClr>
+          </a:lnRef>
+          <a:fillRef idx="1">
+            <a:schemeClr val="accent1"/>
+          </a:fillRef>
+          <a:effectRef idx="0">
+            <a:schemeClr val="accent1"/>
+          </a:effectRef>
+          <a:fontRef idx="minor">
+            <a:schemeClr val="lt1"/>
+          </a:fontRef>
+        </p:style>
+        <p:txBody>
+          <a:bodyPr rtlCol="0" anchor="ctr"/>
+          <a:lstStyle/>
+          <a:p>
+            <a:pPr algn="ctr"/>
+            <a:r>
+              <a:rPr lang="en-US" sz="1100" dirty="0">
+                <a:solidFill>
+                  <a:schemeClr val="tx1"/>
+                </a:solidFill>
+              </a:rPr>
+              <a:t>Proses </a:t>
+            </a:r>
+            <a:r>
+              <a:rPr lang="en-US" sz="1100" dirty="0" err="1">
+                <a:solidFill>
+                  <a:schemeClr val="tx1"/>
+                </a:solidFill>
+              </a:rPr>
+              <a:t>Sedia</a:t>
+            </a:r>
+            <a:r>
+              <a:rPr lang="en-US" sz="1100" dirty="0">
+                <a:solidFill>
+                  <a:schemeClr val="tx1"/>
+                </a:solidFill>
+              </a:rPr>
+              <a:t> Memo</a:t>
+            </a:r>
+            <a:endParaRPr lang="en-MY" sz="1100" dirty="0">
+              <a:solidFill>
+                <a:schemeClr val="tx1"/>
+              </a:solidFill>
+            </a:endParaRPr>
+          </a:p>
+        </p:txBody>
+      </p:sp>
+      <p:sp>
+        <p:nvSpPr>
+          <p:cNvPr id="17" name="Rectangle 16">
+            <a:extLst>
+              <a:ext uri="{FF2B5EF4-FFF2-40B4-BE49-F238E27FC236}">
+                <a16:creationId xmlns:a16="http://schemas.microsoft.com/office/drawing/2014/main" id="{EF71E3DE-D229-414C-8B19-36471B98CB84}"/>
+              </a:ext>
+            </a:extLst>
+          </p:cNvPr>
+          <p:cNvSpPr/>
+          <p:nvPr/>
+        </p:nvSpPr>
+        <p:spPr>
+          <a:xfrm>
+            <a:off x="914401" y="5815262"/>
+            <a:ext cx="1696452" cy="601579"/>
+          </a:xfrm>
+          <a:prstGeom prst="rect">
+            <a:avLst/>
+          </a:prstGeom>
+          <a:solidFill>
+            <a:schemeClr val="bg1"/>
+          </a:solidFill>
+          <a:ln>
+            <a:solidFill>
+              <a:schemeClr val="tx1"/>
+            </a:solidFill>
+          </a:ln>
+        </p:spPr>
+        <p:style>
+          <a:lnRef idx="2">
+            <a:schemeClr val="accent1">
+              <a:shade val="50000"/>
+            </a:schemeClr>
+          </a:lnRef>
+          <a:fillRef idx="1">
+            <a:schemeClr val="accent1"/>
+          </a:fillRef>
+          <a:effectRef idx="0">
+            <a:schemeClr val="accent1"/>
+          </a:effectRef>
+          <a:fontRef idx="minor">
+            <a:schemeClr val="lt1"/>
+          </a:fontRef>
+        </p:style>
+        <p:txBody>
+          <a:bodyPr rtlCol="0" anchor="ctr"/>
+          <a:lstStyle/>
+          <a:p>
+            <a:pPr algn="ctr"/>
+            <a:r>
+              <a:rPr lang="en-US" sz="1100" dirty="0">
+                <a:solidFill>
+                  <a:schemeClr val="tx1"/>
+                </a:solidFill>
+              </a:rPr>
+              <a:t>Proses </a:t>
+            </a:r>
+            <a:r>
+              <a:rPr lang="en-US" sz="1100" dirty="0" err="1">
+                <a:solidFill>
+                  <a:schemeClr val="tx1"/>
+                </a:solidFill>
+              </a:rPr>
+              <a:t>Hantar</a:t>
+            </a:r>
+            <a:r>
+              <a:rPr lang="en-US" sz="1100" dirty="0">
+                <a:solidFill>
+                  <a:schemeClr val="tx1"/>
+                </a:solidFill>
+              </a:rPr>
+              <a:t> Memo</a:t>
+            </a:r>
+            <a:endParaRPr lang="en-MY" sz="1100" dirty="0">
+              <a:solidFill>
+                <a:schemeClr val="tx1"/>
               </a:solidFill>
             </a:endParaRPr>
           </a:p>
@@ -14435,7 +15508,7 @@
     </p:spTree>
     <p:extLst>
       <p:ext uri="{BB962C8B-B14F-4D97-AF65-F5344CB8AC3E}">
-        <p14:creationId xmlns:p14="http://schemas.microsoft.com/office/powerpoint/2010/main" val="97354817"/>
+        <p14:creationId xmlns:p14="http://schemas.microsoft.com/office/powerpoint/2010/main" val="2553429916"/>
       </p:ext>
     </p:extLst>
   </p:cSld>
@@ -14467,7 +15540,7 @@
           <p:cNvPr id="4" name="Picture 3">
             <a:extLst>
               <a:ext uri="{FF2B5EF4-FFF2-40B4-BE49-F238E27FC236}">
-                <a16:creationId xmlns:a16="http://schemas.microsoft.com/office/drawing/2014/main" id="{2AD1BC5D-66C1-4813-A15E-E68C9AD7FF29}"/>
+                <a16:creationId xmlns:a16="http://schemas.microsoft.com/office/drawing/2014/main" id="{18F40A5C-09BD-4C5E-AC5F-FEE7807C2263}"/>
               </a:ext>
             </a:extLst>
           </p:cNvPr>
@@ -14484,8 +15557,8 @@
         </p:blipFill>
         <p:spPr>
           <a:xfrm>
-            <a:off x="0" y="369333"/>
-            <a:ext cx="12192000" cy="6182074"/>
+            <a:off x="-1" y="-1"/>
+            <a:ext cx="12192001" cy="6858001"/>
           </a:xfrm>
           <a:prstGeom prst="rect">
             <a:avLst/>
@@ -14497,7 +15570,7 @@
           <p:cNvPr id="5" name="TextBox 4">
             <a:extLst>
               <a:ext uri="{FF2B5EF4-FFF2-40B4-BE49-F238E27FC236}">
-                <a16:creationId xmlns:a16="http://schemas.microsoft.com/office/drawing/2014/main" id="{AE543B72-334F-4138-A868-F0FC0C6C4958}"/>
+                <a16:creationId xmlns:a16="http://schemas.microsoft.com/office/drawing/2014/main" id="{89011F81-06D0-4A46-A096-551B7E0E6370}"/>
               </a:ext>
             </a:extLst>
           </p:cNvPr>
@@ -14507,7 +15580,7 @@
         <p:spPr>
           <a:xfrm>
             <a:off x="0" y="0"/>
-            <a:ext cx="5905948" cy="369332"/>
+            <a:ext cx="2108499" cy="369332"/>
           </a:xfrm>
           <a:prstGeom prst="rect">
             <a:avLst/>
@@ -14534,39 +15607,7 @@
                   <a:schemeClr val="bg1"/>
                 </a:solidFill>
               </a:rPr>
-              <a:t>Page: </a:t>
-            </a:r>
-            <a:r>
-              <a:rPr lang="en-US" dirty="0" err="1">
-                <a:solidFill>
-                  <a:schemeClr val="bg1"/>
-                </a:solidFill>
-              </a:rPr>
-              <a:t>Halaman</a:t>
-            </a:r>
-            <a:r>
-              <a:rPr lang="en-US" dirty="0">
-                <a:solidFill>
-                  <a:schemeClr val="bg1"/>
-                </a:solidFill>
-              </a:rPr>
-              <a:t> Utama (</a:t>
-            </a:r>
-            <a:r>
-              <a:rPr lang="en-US" dirty="0" err="1">
-                <a:solidFill>
-                  <a:schemeClr val="bg1"/>
-                </a:solidFill>
-              </a:rPr>
-              <a:t>Peranan</a:t>
-            </a:r>
-            <a:r>
-              <a:rPr lang="en-US" dirty="0">
-                <a:solidFill>
-                  <a:schemeClr val="bg1"/>
-                </a:solidFill>
-              </a:rPr>
-              <a:t>: Admin)</a:t>
+              <a:t>Page: Login</a:t>
             </a:r>
             <a:endParaRPr lang="en-MY" dirty="0">
               <a:solidFill>
@@ -14579,7 +15620,7 @@
     </p:spTree>
     <p:extLst>
       <p:ext uri="{BB962C8B-B14F-4D97-AF65-F5344CB8AC3E}">
-        <p14:creationId xmlns:p14="http://schemas.microsoft.com/office/powerpoint/2010/main" val="1474292066"/>
+        <p14:creationId xmlns:p14="http://schemas.microsoft.com/office/powerpoint/2010/main" val="97354817"/>
       </p:ext>
     </p:extLst>
   </p:cSld>
@@ -14608,10 +15649,10 @@
       </p:grpSpPr>
       <p:pic>
         <p:nvPicPr>
-          <p:cNvPr id="2" name="Picture 1">
-            <a:extLst>
-              <a:ext uri="{FF2B5EF4-FFF2-40B4-BE49-F238E27FC236}">
-                <a16:creationId xmlns:a16="http://schemas.microsoft.com/office/drawing/2014/main" id="{355FD260-AAA4-40C5-A1EA-42464948B5E9}"/>
+          <p:cNvPr id="4" name="Picture 3">
+            <a:extLst>
+              <a:ext uri="{FF2B5EF4-FFF2-40B4-BE49-F238E27FC236}">
+                <a16:creationId xmlns:a16="http://schemas.microsoft.com/office/drawing/2014/main" id="{2AD1BC5D-66C1-4813-A15E-E68C9AD7FF29}"/>
               </a:ext>
             </a:extLst>
           </p:cNvPr>
@@ -14628,8 +15669,8 @@
         </p:blipFill>
         <p:spPr>
           <a:xfrm>
-            <a:off x="0" y="369332"/>
-            <a:ext cx="12192000" cy="6192833"/>
+            <a:off x="0" y="369333"/>
+            <a:ext cx="12192000" cy="6182074"/>
           </a:xfrm>
           <a:prstGeom prst="rect">
             <a:avLst/>
@@ -14638,10 +15679,10 @@
       </p:pic>
       <p:sp>
         <p:nvSpPr>
-          <p:cNvPr id="3" name="TextBox 2">
-            <a:extLst>
-              <a:ext uri="{FF2B5EF4-FFF2-40B4-BE49-F238E27FC236}">
-                <a16:creationId xmlns:a16="http://schemas.microsoft.com/office/drawing/2014/main" id="{DA1DAD93-E739-46C7-A29D-C2C407D0D5CE}"/>
+          <p:cNvPr id="5" name="TextBox 4">
+            <a:extLst>
+              <a:ext uri="{FF2B5EF4-FFF2-40B4-BE49-F238E27FC236}">
+                <a16:creationId xmlns:a16="http://schemas.microsoft.com/office/drawing/2014/main" id="{AE543B72-334F-4138-A868-F0FC0C6C4958}"/>
               </a:ext>
             </a:extLst>
           </p:cNvPr>
@@ -14710,39 +15751,7 @@
                   <a:schemeClr val="bg1"/>
                 </a:solidFill>
               </a:rPr>
-              <a:t>: </a:t>
-            </a:r>
-            <a:r>
-              <a:rPr lang="en-US" dirty="0" err="1">
-                <a:solidFill>
-                  <a:schemeClr val="bg1"/>
-                </a:solidFill>
-              </a:rPr>
-              <a:t>Bajet</a:t>
-            </a:r>
-            <a:r>
-              <a:rPr lang="en-US" dirty="0">
-                <a:solidFill>
-                  <a:schemeClr val="bg1"/>
-                </a:solidFill>
-              </a:rPr>
-              <a:t> / Nilai / </a:t>
-            </a:r>
-            <a:r>
-              <a:rPr lang="en-US" dirty="0" err="1">
-                <a:solidFill>
-                  <a:schemeClr val="bg1"/>
-                </a:solidFill>
-              </a:rPr>
-              <a:t>Bahagian</a:t>
-            </a:r>
-            <a:r>
-              <a:rPr lang="en-US" dirty="0">
-                <a:solidFill>
-                  <a:schemeClr val="bg1"/>
-                </a:solidFill>
-              </a:rPr>
-              <a:t>)</a:t>
+              <a:t>: Admin)</a:t>
             </a:r>
             <a:endParaRPr lang="en-MY" dirty="0">
               <a:solidFill>
@@ -14755,7 +15764,7 @@
     </p:spTree>
     <p:extLst>
       <p:ext uri="{BB962C8B-B14F-4D97-AF65-F5344CB8AC3E}">
-        <p14:creationId xmlns:p14="http://schemas.microsoft.com/office/powerpoint/2010/main" val="2668949311"/>
+        <p14:creationId xmlns:p14="http://schemas.microsoft.com/office/powerpoint/2010/main" val="1474292066"/>
       </p:ext>
     </p:extLst>
   </p:cSld>
@@ -14784,10 +15793,10 @@
       </p:grpSpPr>
       <p:pic>
         <p:nvPicPr>
-          <p:cNvPr id="4" name="Picture 3">
-            <a:extLst>
-              <a:ext uri="{FF2B5EF4-FFF2-40B4-BE49-F238E27FC236}">
-                <a16:creationId xmlns:a16="http://schemas.microsoft.com/office/drawing/2014/main" id="{7868C65A-4D6B-4FE1-82E4-45FDA8A98205}"/>
+          <p:cNvPr id="2" name="Picture 1">
+            <a:extLst>
+              <a:ext uri="{FF2B5EF4-FFF2-40B4-BE49-F238E27FC236}">
+                <a16:creationId xmlns:a16="http://schemas.microsoft.com/office/drawing/2014/main" id="{355FD260-AAA4-40C5-A1EA-42464948B5E9}"/>
               </a:ext>
             </a:extLst>
           </p:cNvPr>
@@ -14804,8 +15813,8 @@
         </p:blipFill>
         <p:spPr>
           <a:xfrm>
-            <a:off x="1" y="369332"/>
-            <a:ext cx="12192000" cy="6192000"/>
+            <a:off x="0" y="369332"/>
+            <a:ext cx="12192000" cy="6192833"/>
           </a:xfrm>
           <a:prstGeom prst="rect">
             <a:avLst/>
@@ -14817,7 +15826,7 @@
           <p:cNvPr id="3" name="TextBox 2">
             <a:extLst>
               <a:ext uri="{FF2B5EF4-FFF2-40B4-BE49-F238E27FC236}">
-                <a16:creationId xmlns:a16="http://schemas.microsoft.com/office/drawing/2014/main" id="{02DC768A-55B0-40E8-A0DD-8C5BFD3C00E0}"/>
+                <a16:creationId xmlns:a16="http://schemas.microsoft.com/office/drawing/2014/main" id="{DA1DAD93-E739-46C7-A29D-C2C407D0D5CE}"/>
               </a:ext>
             </a:extLst>
           </p:cNvPr>
@@ -14827,7 +15836,7 @@
         <p:spPr>
           <a:xfrm>
             <a:off x="0" y="0"/>
-            <a:ext cx="4453666" cy="369332"/>
+            <a:ext cx="5905948" cy="369332"/>
           </a:xfrm>
           <a:prstGeom prst="rect">
             <a:avLst/>
@@ -14854,7 +15863,7 @@
                   <a:schemeClr val="bg1"/>
                 </a:solidFill>
               </a:rPr>
-              <a:t>Page: Key-in NOC </a:t>
+              <a:t>Page: </a:t>
             </a:r>
             <a:r>
               <a:rPr lang="en-US" dirty="0" err="1">
@@ -14862,7 +15871,7 @@
                   <a:schemeClr val="bg1"/>
                 </a:solidFill>
               </a:rPr>
-              <a:t>baharu</a:t>
+              <a:t>Halaman</a:t>
             </a:r>
             <a:r>
               <a:rPr lang="en-US" dirty="0">
@@ -14870,7 +15879,7 @@
                   <a:schemeClr val="bg1"/>
                 </a:solidFill>
               </a:rPr>
-              <a:t> (</a:t>
+              <a:t> Utama (</a:t>
             </a:r>
             <a:r>
               <a:rPr lang="en-US" dirty="0" err="1">
@@ -14887,6 +15896,22 @@
                 </a:solidFill>
               </a:rPr>
               <a:t>: </a:t>
+            </a:r>
+            <a:r>
+              <a:rPr lang="en-US" dirty="0" err="1">
+                <a:solidFill>
+                  <a:schemeClr val="bg1"/>
+                </a:solidFill>
+              </a:rPr>
+              <a:t>Bajet</a:t>
+            </a:r>
+            <a:r>
+              <a:rPr lang="en-US" dirty="0">
+                <a:solidFill>
+                  <a:schemeClr val="bg1"/>
+                </a:solidFill>
+              </a:rPr>
+              <a:t> / Nilai / </a:t>
             </a:r>
             <a:r>
               <a:rPr lang="en-US" dirty="0" err="1">
@@ -14915,7 +15940,7 @@
     </p:spTree>
     <p:extLst>
       <p:ext uri="{BB962C8B-B14F-4D97-AF65-F5344CB8AC3E}">
-        <p14:creationId xmlns:p14="http://schemas.microsoft.com/office/powerpoint/2010/main" val="653694485"/>
+        <p14:creationId xmlns:p14="http://schemas.microsoft.com/office/powerpoint/2010/main" val="2668949311"/>
       </p:ext>
     </p:extLst>
   </p:cSld>
@@ -14947,7 +15972,7 @@
           <p:cNvPr id="4" name="Picture 3">
             <a:extLst>
               <a:ext uri="{FF2B5EF4-FFF2-40B4-BE49-F238E27FC236}">
-                <a16:creationId xmlns:a16="http://schemas.microsoft.com/office/drawing/2014/main" id="{0D8810A7-AAB9-426B-BAE8-6FA0AA95E8E5}"/>
+                <a16:creationId xmlns:a16="http://schemas.microsoft.com/office/drawing/2014/main" id="{7868C65A-4D6B-4FE1-82E4-45FDA8A98205}"/>
               </a:ext>
             </a:extLst>
           </p:cNvPr>
@@ -14964,8 +15989,8 @@
         </p:blipFill>
         <p:spPr>
           <a:xfrm>
-            <a:off x="0" y="369331"/>
-            <a:ext cx="12192000" cy="6182075"/>
+            <a:off x="1" y="369332"/>
+            <a:ext cx="12192000" cy="6192000"/>
           </a:xfrm>
           <a:prstGeom prst="rect">
             <a:avLst/>
@@ -14974,10 +15999,10 @@
       </p:pic>
       <p:sp>
         <p:nvSpPr>
-          <p:cNvPr id="5" name="TextBox 4">
-            <a:extLst>
-              <a:ext uri="{FF2B5EF4-FFF2-40B4-BE49-F238E27FC236}">
-                <a16:creationId xmlns:a16="http://schemas.microsoft.com/office/drawing/2014/main" id="{E57ED6A1-F6E3-4D38-86EE-5C760E5E4DFC}"/>
+          <p:cNvPr id="3" name="TextBox 2">
+            <a:extLst>
+              <a:ext uri="{FF2B5EF4-FFF2-40B4-BE49-F238E27FC236}">
+                <a16:creationId xmlns:a16="http://schemas.microsoft.com/office/drawing/2014/main" id="{02DC768A-55B0-40E8-A0DD-8C5BFD3C00E0}"/>
               </a:ext>
             </a:extLst>
           </p:cNvPr>
@@ -14986,8 +16011,8 @@
         </p:nvSpPr>
         <p:spPr>
           <a:xfrm>
-            <a:off x="-1" y="0"/>
-            <a:ext cx="5647765" cy="369332"/>
+            <a:off x="0" y="0"/>
+            <a:ext cx="4453666" cy="369332"/>
           </a:xfrm>
           <a:prstGeom prst="rect">
             <a:avLst/>
@@ -15014,7 +16039,7 @@
                   <a:schemeClr val="bg1"/>
                 </a:solidFill>
               </a:rPr>
-              <a:t>Page: </a:t>
+              <a:t>Page: Key-in NOC </a:t>
             </a:r>
             <a:r>
               <a:rPr lang="en-US" dirty="0" err="1">
@@ -15022,39 +16047,7 @@
                   <a:schemeClr val="bg1"/>
                 </a:solidFill>
               </a:rPr>
-              <a:t>Senarai</a:t>
-            </a:r>
-            <a:r>
-              <a:rPr lang="en-US" dirty="0">
-                <a:solidFill>
-                  <a:schemeClr val="bg1"/>
-                </a:solidFill>
-              </a:rPr>
-              <a:t> NOC </a:t>
-            </a:r>
-            <a:r>
-              <a:rPr lang="en-US" dirty="0" err="1">
-                <a:solidFill>
-                  <a:schemeClr val="bg1"/>
-                </a:solidFill>
-              </a:rPr>
-              <a:t>dalam</a:t>
-            </a:r>
-            <a:r>
-              <a:rPr lang="en-US" dirty="0">
-                <a:solidFill>
-                  <a:schemeClr val="bg1"/>
-                </a:solidFill>
-              </a:rPr>
-              <a:t> </a:t>
-            </a:r>
-            <a:r>
-              <a:rPr lang="en-US" dirty="0" err="1">
-                <a:solidFill>
-                  <a:schemeClr val="bg1"/>
-                </a:solidFill>
-              </a:rPr>
-              <a:t>tindakan</a:t>
+              <a:t>baharu</a:t>
             </a:r>
             <a:r>
               <a:rPr lang="en-US" dirty="0">
@@ -15107,7 +16100,7 @@
     </p:spTree>
     <p:extLst>
       <p:ext uri="{BB962C8B-B14F-4D97-AF65-F5344CB8AC3E}">
-        <p14:creationId xmlns:p14="http://schemas.microsoft.com/office/powerpoint/2010/main" val="4282810992"/>
+        <p14:creationId xmlns:p14="http://schemas.microsoft.com/office/powerpoint/2010/main" val="653694485"/>
       </p:ext>
     </p:extLst>
   </p:cSld>
@@ -15139,7 +16132,7 @@
           <p:cNvPr id="4" name="Picture 3">
             <a:extLst>
               <a:ext uri="{FF2B5EF4-FFF2-40B4-BE49-F238E27FC236}">
-                <a16:creationId xmlns:a16="http://schemas.microsoft.com/office/drawing/2014/main" id="{D2B861FA-7355-4113-976C-94CEC4E87A29}"/>
+                <a16:creationId xmlns:a16="http://schemas.microsoft.com/office/drawing/2014/main" id="{0D8810A7-AAB9-426B-BAE8-6FA0AA95E8E5}"/>
               </a:ext>
             </a:extLst>
           </p:cNvPr>
@@ -15156,8 +16149,8 @@
         </p:blipFill>
         <p:spPr>
           <a:xfrm>
-            <a:off x="0" y="369332"/>
-            <a:ext cx="12192000" cy="6260068"/>
+            <a:off x="0" y="369331"/>
+            <a:ext cx="12192000" cy="6182075"/>
           </a:xfrm>
           <a:prstGeom prst="rect">
             <a:avLst/>
@@ -15166,10 +16159,10 @@
       </p:pic>
       <p:sp>
         <p:nvSpPr>
-          <p:cNvPr id="3" name="TextBox 2">
-            <a:extLst>
-              <a:ext uri="{FF2B5EF4-FFF2-40B4-BE49-F238E27FC236}">
-                <a16:creationId xmlns:a16="http://schemas.microsoft.com/office/drawing/2014/main" id="{1D872889-833E-405A-803F-528F1B7B52EC}"/>
+          <p:cNvPr id="5" name="TextBox 4">
+            <a:extLst>
+              <a:ext uri="{FF2B5EF4-FFF2-40B4-BE49-F238E27FC236}">
+                <a16:creationId xmlns:a16="http://schemas.microsoft.com/office/drawing/2014/main" id="{E57ED6A1-F6E3-4D38-86EE-5C760E5E4DFC}"/>
               </a:ext>
             </a:extLst>
           </p:cNvPr>
@@ -15178,8 +16171,8 @@
         </p:nvSpPr>
         <p:spPr>
           <a:xfrm>
-            <a:off x="0" y="0"/>
-            <a:ext cx="5550946" cy="369332"/>
+            <a:off x="-1" y="0"/>
+            <a:ext cx="5647765" cy="369332"/>
           </a:xfrm>
           <a:prstGeom prst="rect">
             <a:avLst/>
@@ -15206,7 +16199,7 @@
                   <a:schemeClr val="bg1"/>
                 </a:solidFill>
               </a:rPr>
-              <a:t>Page: NOC info =&gt; (NOC </a:t>
+              <a:t>Page: </a:t>
             </a:r>
             <a:r>
               <a:rPr lang="en-US" dirty="0" err="1">
@@ -15214,7 +16207,7 @@
                   <a:schemeClr val="bg1"/>
                 </a:solidFill>
               </a:rPr>
-              <a:t>baharu</a:t>
+              <a:t>Senarai</a:t>
             </a:r>
             <a:r>
               <a:rPr lang="en-US" dirty="0">
@@ -15222,7 +16215,7 @@
                   <a:schemeClr val="bg1"/>
                 </a:solidFill>
               </a:rPr>
-              <a:t> untuk </a:t>
+              <a:t> NOC </a:t>
             </a:r>
             <a:r>
               <a:rPr lang="en-US" dirty="0" err="1">
@@ -15230,6 +16223,22 @@
                   <a:schemeClr val="bg1"/>
                 </a:solidFill>
               </a:rPr>
+              <a:t>dalam</a:t>
+            </a:r>
+            <a:r>
+              <a:rPr lang="en-US" dirty="0">
+                <a:solidFill>
+                  <a:schemeClr val="bg1"/>
+                </a:solidFill>
+              </a:rPr>
+              <a:t> </a:t>
+            </a:r>
+            <a:r>
+              <a:rPr lang="en-US" dirty="0" err="1">
+                <a:solidFill>
+                  <a:schemeClr val="bg1"/>
+                </a:solidFill>
+              </a:rPr>
               <a:t>tindakan</a:t>
             </a:r>
             <a:r>
@@ -15238,7 +16247,7 @@
                   <a:schemeClr val="bg1"/>
                 </a:solidFill>
               </a:rPr>
-              <a:t> </a:t>
+              <a:t> (</a:t>
             </a:r>
             <a:r>
               <a:rPr lang="en-US" dirty="0" err="1">
@@ -15246,7 +16255,23 @@
                   <a:schemeClr val="bg1"/>
                 </a:solidFill>
               </a:rPr>
-              <a:t>semakan</a:t>
+              <a:t>Peranan</a:t>
+            </a:r>
+            <a:r>
+              <a:rPr lang="en-US" dirty="0">
+                <a:solidFill>
+                  <a:schemeClr val="bg1"/>
+                </a:solidFill>
+              </a:rPr>
+              <a:t>: </a:t>
+            </a:r>
+            <a:r>
+              <a:rPr lang="en-US" dirty="0" err="1">
+                <a:solidFill>
+                  <a:schemeClr val="bg1"/>
+                </a:solidFill>
+              </a:rPr>
+              <a:t>Bahagian</a:t>
             </a:r>
             <a:r>
               <a:rPr lang="en-US" dirty="0">
@@ -15267,7 +16292,7 @@
     </p:spTree>
     <p:extLst>
       <p:ext uri="{BB962C8B-B14F-4D97-AF65-F5344CB8AC3E}">
-        <p14:creationId xmlns:p14="http://schemas.microsoft.com/office/powerpoint/2010/main" val="134927820"/>
+        <p14:creationId xmlns:p14="http://schemas.microsoft.com/office/powerpoint/2010/main" val="4282810992"/>
       </p:ext>
     </p:extLst>
   </p:cSld>
@@ -15299,7 +16324,7 @@
           <p:cNvPr id="4" name="Picture 3">
             <a:extLst>
               <a:ext uri="{FF2B5EF4-FFF2-40B4-BE49-F238E27FC236}">
-                <a16:creationId xmlns:a16="http://schemas.microsoft.com/office/drawing/2014/main" id="{0F5C76B1-148E-49BC-94C1-7C39BE0F5AE8}"/>
+                <a16:creationId xmlns:a16="http://schemas.microsoft.com/office/drawing/2014/main" id="{D2B861FA-7355-4113-976C-94CEC4E87A29}"/>
               </a:ext>
             </a:extLst>
           </p:cNvPr>
@@ -15317,7 +16342,7 @@
         <p:spPr>
           <a:xfrm>
             <a:off x="0" y="369332"/>
-            <a:ext cx="12192000" cy="6248638"/>
+            <a:ext cx="12192000" cy="6260068"/>
           </a:xfrm>
           <a:prstGeom prst="rect">
             <a:avLst/>
@@ -15329,7 +16354,7 @@
           <p:cNvPr id="3" name="TextBox 2">
             <a:extLst>
               <a:ext uri="{FF2B5EF4-FFF2-40B4-BE49-F238E27FC236}">
-                <a16:creationId xmlns:a16="http://schemas.microsoft.com/office/drawing/2014/main" id="{F6FF3D9C-DDA3-480F-954C-687ECF7606BF}"/>
+                <a16:creationId xmlns:a16="http://schemas.microsoft.com/office/drawing/2014/main" id="{1D872889-833E-405A-803F-528F1B7B52EC}"/>
               </a:ext>
             </a:extLst>
           </p:cNvPr>
@@ -15339,7 +16364,7 @@
         <p:spPr>
           <a:xfrm>
             <a:off x="0" y="0"/>
-            <a:ext cx="6637468" cy="369332"/>
+            <a:ext cx="5550946" cy="369332"/>
           </a:xfrm>
           <a:prstGeom prst="rect">
             <a:avLst/>
@@ -15366,7 +16391,7 @@
                   <a:schemeClr val="bg1"/>
                 </a:solidFill>
               </a:rPr>
-              <a:t>Page: NOC info =&gt; (</a:t>
+              <a:t>Page: NOC info =&gt; (NOC </a:t>
             </a:r>
             <a:r>
               <a:rPr lang="en-US" dirty="0" err="1">
@@ -15374,7 +16399,7 @@
                   <a:schemeClr val="bg1"/>
                 </a:solidFill>
               </a:rPr>
-              <a:t>Memasukkan</a:t>
+              <a:t>baharu</a:t>
             </a:r>
             <a:r>
               <a:rPr lang="en-US" dirty="0">
@@ -15382,7 +16407,7 @@
                   <a:schemeClr val="bg1"/>
                 </a:solidFill>
               </a:rPr>
-              <a:t> Tarikh NOC </a:t>
+              <a:t> untuk </a:t>
             </a:r>
             <a:r>
               <a:rPr lang="en-US" dirty="0" err="1">
@@ -15390,7 +16415,7 @@
                   <a:schemeClr val="bg1"/>
                 </a:solidFill>
               </a:rPr>
-              <a:t>dibuat</a:t>
+              <a:t>tindakan</a:t>
             </a:r>
             <a:r>
               <a:rPr lang="en-US" dirty="0">
@@ -15407,22 +16432,6 @@
                 </a:solidFill>
               </a:rPr>
               <a:t>semakan</a:t>
-            </a:r>
-            <a:r>
-              <a:rPr lang="en-US" dirty="0">
-                <a:solidFill>
-                  <a:schemeClr val="bg1"/>
-                </a:solidFill>
-              </a:rPr>
-              <a:t> </a:t>
-            </a:r>
-            <a:r>
-              <a:rPr lang="en-US" dirty="0" err="1">
-                <a:solidFill>
-                  <a:schemeClr val="bg1"/>
-                </a:solidFill>
-              </a:rPr>
-              <a:t>awal</a:t>
             </a:r>
             <a:r>
               <a:rPr lang="en-US" dirty="0">
@@ -15443,7 +16452,7 @@
     </p:spTree>
     <p:extLst>
       <p:ext uri="{BB962C8B-B14F-4D97-AF65-F5344CB8AC3E}">
-        <p14:creationId xmlns:p14="http://schemas.microsoft.com/office/powerpoint/2010/main" val="2125741853"/>
+        <p14:creationId xmlns:p14="http://schemas.microsoft.com/office/powerpoint/2010/main" val="134927820"/>
       </p:ext>
     </p:extLst>
   </p:cSld>
